--- a/presentations/powerpoint_presentation/my_presentation.pptx
+++ b/presentations/powerpoint_presentation/my_presentation.pptx
@@ -20,9 +20,9 @@
     <p:sldId id="268" r:id="rId11"/>
     <p:sldId id="269" r:id="rId12"/>
     <p:sldId id="270" r:id="rId13"/>
-    <p:sldId id="262" r:id="rId14"/>
-    <p:sldId id="265" r:id="rId15"/>
-    <p:sldId id="263" r:id="rId16"/>
+    <p:sldId id="265" r:id="rId14"/>
+    <p:sldId id="263" r:id="rId15"/>
+    <p:sldId id="262" r:id="rId16"/>
   </p:sldIdLst>
   <p:sldSz cx="12192000" cy="6858000"/>
   <p:notesSz cx="6858000" cy="9144000"/>
@@ -154,13 +154,17 @@
             <p14:sldId id="268"/>
             <p14:sldId id="269"/>
             <p14:sldId id="270"/>
-            <p14:sldId id="262"/>
           </p14:sldIdLst>
         </p14:section>
         <p14:section name="Further Work" id="{2C68A18E-9AB7-40C6-9425-61B235835F26}">
           <p14:sldIdLst>
             <p14:sldId id="265"/>
             <p14:sldId id="263"/>
+          </p14:sldIdLst>
+        </p14:section>
+        <p14:section name="Archive" id="{CEF68174-487A-4A62-AC8D-E29553488953}">
+          <p14:sldIdLst>
+            <p14:sldId id="262"/>
           </p14:sldIdLst>
         </p14:section>
       </p14:sectionLst>
@@ -265,7 +269,7 @@
           <a:p>
             <a:fld id="{CA024827-C890-46DF-AE44-0BCEFEEF6005}" type="datetimeFigureOut">
               <a:rPr lang="en-GB" smtClean="0"/>
-              <a:t>09/08/2023</a:t>
+              <a:t>10/08/2023</a:t>
             </a:fld>
             <a:endParaRPr lang="en-GB"/>
           </a:p>
@@ -1192,7 +1196,7 @@
           <a:p>
             <a:fld id="{FAC75D48-CC08-48B4-B703-750190F693E3}" type="datetimeFigureOut">
               <a:rPr lang="en-GB" smtClean="0"/>
-              <a:t>09/08/2023</a:t>
+              <a:t>10/08/2023</a:t>
             </a:fld>
             <a:endParaRPr lang="en-GB"/>
           </a:p>
@@ -1392,7 +1396,7 @@
           <a:p>
             <a:fld id="{FAC75D48-CC08-48B4-B703-750190F693E3}" type="datetimeFigureOut">
               <a:rPr lang="en-GB" smtClean="0"/>
-              <a:t>09/08/2023</a:t>
+              <a:t>10/08/2023</a:t>
             </a:fld>
             <a:endParaRPr lang="en-GB"/>
           </a:p>
@@ -1602,7 +1606,7 @@
           <a:p>
             <a:fld id="{FAC75D48-CC08-48B4-B703-750190F693E3}" type="datetimeFigureOut">
               <a:rPr lang="en-GB" smtClean="0"/>
-              <a:t>09/08/2023</a:t>
+              <a:t>10/08/2023</a:t>
             </a:fld>
             <a:endParaRPr lang="en-GB"/>
           </a:p>
@@ -1802,7 +1806,7 @@
           <a:p>
             <a:fld id="{FAC75D48-CC08-48B4-B703-750190F693E3}" type="datetimeFigureOut">
               <a:rPr lang="en-GB" smtClean="0"/>
-              <a:t>09/08/2023</a:t>
+              <a:t>10/08/2023</a:t>
             </a:fld>
             <a:endParaRPr lang="en-GB"/>
           </a:p>
@@ -2078,7 +2082,7 @@
           <a:p>
             <a:fld id="{FAC75D48-CC08-48B4-B703-750190F693E3}" type="datetimeFigureOut">
               <a:rPr lang="en-GB" smtClean="0"/>
-              <a:t>09/08/2023</a:t>
+              <a:t>10/08/2023</a:t>
             </a:fld>
             <a:endParaRPr lang="en-GB"/>
           </a:p>
@@ -2346,7 +2350,7 @@
           <a:p>
             <a:fld id="{FAC75D48-CC08-48B4-B703-750190F693E3}" type="datetimeFigureOut">
               <a:rPr lang="en-GB" smtClean="0"/>
-              <a:t>09/08/2023</a:t>
+              <a:t>10/08/2023</a:t>
             </a:fld>
             <a:endParaRPr lang="en-GB"/>
           </a:p>
@@ -2761,7 +2765,7 @@
           <a:p>
             <a:fld id="{FAC75D48-CC08-48B4-B703-750190F693E3}" type="datetimeFigureOut">
               <a:rPr lang="en-GB" smtClean="0"/>
-              <a:t>09/08/2023</a:t>
+              <a:t>10/08/2023</a:t>
             </a:fld>
             <a:endParaRPr lang="en-GB"/>
           </a:p>
@@ -2903,7 +2907,7 @@
           <a:p>
             <a:fld id="{FAC75D48-CC08-48B4-B703-750190F693E3}" type="datetimeFigureOut">
               <a:rPr lang="en-GB" smtClean="0"/>
-              <a:t>09/08/2023</a:t>
+              <a:t>10/08/2023</a:t>
             </a:fld>
             <a:endParaRPr lang="en-GB"/>
           </a:p>
@@ -3016,7 +3020,7 @@
           <a:p>
             <a:fld id="{FAC75D48-CC08-48B4-B703-750190F693E3}" type="datetimeFigureOut">
               <a:rPr lang="en-GB" smtClean="0"/>
-              <a:t>09/08/2023</a:t>
+              <a:t>10/08/2023</a:t>
             </a:fld>
             <a:endParaRPr lang="en-GB"/>
           </a:p>
@@ -3329,7 +3333,7 @@
           <a:p>
             <a:fld id="{FAC75D48-CC08-48B4-B703-750190F693E3}" type="datetimeFigureOut">
               <a:rPr lang="en-GB" smtClean="0"/>
-              <a:t>09/08/2023</a:t>
+              <a:t>10/08/2023</a:t>
             </a:fld>
             <a:endParaRPr lang="en-GB"/>
           </a:p>
@@ -3618,7 +3622,7 @@
           <a:p>
             <a:fld id="{FAC75D48-CC08-48B4-B703-750190F693E3}" type="datetimeFigureOut">
               <a:rPr lang="en-GB" smtClean="0"/>
-              <a:t>09/08/2023</a:t>
+              <a:t>10/08/2023</a:t>
             </a:fld>
             <a:endParaRPr lang="en-GB"/>
           </a:p>
@@ -3864,7 +3868,7 @@
           <a:p>
             <a:fld id="{FAC75D48-CC08-48B4-B703-750190F693E3}" type="datetimeFigureOut">
               <a:rPr lang="en-GB" smtClean="0"/>
-              <a:t>09/08/2023</a:t>
+              <a:t>10/08/2023</a:t>
             </a:fld>
             <a:endParaRPr lang="en-GB"/>
           </a:p>
@@ -5623,6 +5627,372 @@
                 </a:solidFill>
                 <a:latin typeface="Bookman Old Style" panose="02050604050505020204" pitchFamily="18" charset="0"/>
               </a:rPr>
+              <a:t>Further Work</a:t>
+            </a:r>
+          </a:p>
+        </p:txBody>
+      </p:sp>
+      <p:cxnSp>
+        <p:nvCxnSpPr>
+          <p:cNvPr id="4" name="Straight Connector 3">
+            <a:extLst>
+              <a:ext uri="{FF2B5EF4-FFF2-40B4-BE49-F238E27FC236}">
+                <a16:creationId xmlns:a16="http://schemas.microsoft.com/office/drawing/2014/main" id="{2F6BEED8-228E-A349-F419-5217F2A346CA}"/>
+              </a:ext>
+            </a:extLst>
+          </p:cNvPr>
+          <p:cNvCxnSpPr>
+            <a:cxnSpLocks/>
+          </p:cNvCxnSpPr>
+          <p:nvPr/>
+        </p:nvCxnSpPr>
+        <p:spPr>
+          <a:xfrm>
+            <a:off x="658894" y="5971922"/>
+            <a:ext cx="10923506" cy="0"/>
+          </a:xfrm>
+          <a:prstGeom prst="line">
+            <a:avLst/>
+          </a:prstGeom>
+          <a:ln>
+            <a:solidFill>
+              <a:schemeClr val="bg1"/>
+            </a:solidFill>
+          </a:ln>
+        </p:spPr>
+        <p:style>
+          <a:lnRef idx="1">
+            <a:schemeClr val="accent1"/>
+          </a:lnRef>
+          <a:fillRef idx="0">
+            <a:schemeClr val="accent1"/>
+          </a:fillRef>
+          <a:effectRef idx="0">
+            <a:schemeClr val="accent1"/>
+          </a:effectRef>
+          <a:fontRef idx="minor">
+            <a:schemeClr val="tx1"/>
+          </a:fontRef>
+        </p:style>
+      </p:cxnSp>
+      <p:sp>
+        <p:nvSpPr>
+          <p:cNvPr id="5" name="TextBox 4">
+            <a:extLst>
+              <a:ext uri="{FF2B5EF4-FFF2-40B4-BE49-F238E27FC236}">
+                <a16:creationId xmlns:a16="http://schemas.microsoft.com/office/drawing/2014/main" id="{03082D74-E05F-69E4-5AD3-1FB785A52B09}"/>
+              </a:ext>
+            </a:extLst>
+          </p:cNvPr>
+          <p:cNvSpPr txBox="1"/>
+          <p:nvPr/>
+        </p:nvSpPr>
+        <p:spPr>
+          <a:xfrm>
+            <a:off x="547141" y="5971921"/>
+            <a:ext cx="11035259" cy="553998"/>
+          </a:xfrm>
+          <a:prstGeom prst="rect">
+            <a:avLst/>
+          </a:prstGeom>
+          <a:noFill/>
+        </p:spPr>
+        <p:txBody>
+          <a:bodyPr wrap="square" rtlCol="0">
+            <a:spAutoFit/>
+          </a:bodyPr>
+          <a:lstStyle/>
+          <a:p>
+            <a:pPr algn="just"/>
+            <a:r>
+              <a:rPr lang="en-US" sz="1000" dirty="0">
+                <a:solidFill>
+                  <a:schemeClr val="bg1">
+                    <a:lumMod val="50000"/>
+                  </a:schemeClr>
+                </a:solidFill>
+                <a:latin typeface="Bookman Old Style" panose="02050604050505020204" pitchFamily="18" charset="0"/>
+              </a:rPr>
+              <a:t>[1] S. L. James, D. Abate, K. H. Abate, S. M. </a:t>
+            </a:r>
+            <a:r>
+              <a:rPr lang="en-US" sz="1000" dirty="0" err="1">
+                <a:solidFill>
+                  <a:schemeClr val="bg1">
+                    <a:lumMod val="50000"/>
+                  </a:schemeClr>
+                </a:solidFill>
+                <a:latin typeface="Bookman Old Style" panose="02050604050505020204" pitchFamily="18" charset="0"/>
+              </a:rPr>
+              <a:t>Abay</a:t>
+            </a:r>
+            <a:r>
+              <a:rPr lang="en-US" sz="1000" dirty="0">
+                <a:solidFill>
+                  <a:schemeClr val="bg1">
+                    <a:lumMod val="50000"/>
+                  </a:schemeClr>
+                </a:solidFill>
+                <a:latin typeface="Bookman Old Style" panose="02050604050505020204" pitchFamily="18" charset="0"/>
+              </a:rPr>
+              <a:t>, C. </a:t>
+            </a:r>
+            <a:r>
+              <a:rPr lang="en-US" sz="1000" dirty="0" err="1">
+                <a:solidFill>
+                  <a:schemeClr val="bg1">
+                    <a:lumMod val="50000"/>
+                  </a:schemeClr>
+                </a:solidFill>
+                <a:latin typeface="Bookman Old Style" panose="02050604050505020204" pitchFamily="18" charset="0"/>
+              </a:rPr>
+              <a:t>Abbafati</a:t>
+            </a:r>
+            <a:r>
+              <a:rPr lang="en-US" sz="1000" dirty="0">
+                <a:solidFill>
+                  <a:schemeClr val="bg1">
+                    <a:lumMod val="50000"/>
+                  </a:schemeClr>
+                </a:solidFill>
+                <a:latin typeface="Bookman Old Style" panose="02050604050505020204" pitchFamily="18" charset="0"/>
+              </a:rPr>
+              <a:t>, N. Abbasi, and H. </a:t>
+            </a:r>
+            <a:r>
+              <a:rPr lang="en-US" sz="1000" dirty="0" err="1">
+                <a:solidFill>
+                  <a:schemeClr val="bg1">
+                    <a:lumMod val="50000"/>
+                  </a:schemeClr>
+                </a:solidFill>
+                <a:latin typeface="Bookman Old Style" panose="02050604050505020204" pitchFamily="18" charset="0"/>
+              </a:rPr>
+              <a:t>Abbastabar</a:t>
+            </a:r>
+            <a:r>
+              <a:rPr lang="en-US" sz="1000" dirty="0">
+                <a:solidFill>
+                  <a:schemeClr val="bg1">
+                    <a:lumMod val="50000"/>
+                  </a:schemeClr>
+                </a:solidFill>
+                <a:latin typeface="Bookman Old Style" panose="02050604050505020204" pitchFamily="18" charset="0"/>
+              </a:rPr>
+              <a:t>, Global, regional, and national incidence, prevalence, and years lived with disability for 354 diseases and injuries for 195 countries and territories</a:t>
+            </a:r>
+            <a:r>
+              <a:rPr lang="en-US" sz="1000">
+                <a:solidFill>
+                  <a:schemeClr val="bg1">
+                    <a:lumMod val="50000"/>
+                  </a:schemeClr>
+                </a:solidFill>
+                <a:latin typeface="Bookman Old Style" panose="02050604050505020204" pitchFamily="18" charset="0"/>
+              </a:rPr>
+              <a:t>, 1990–2017: </a:t>
+            </a:r>
+            <a:r>
+              <a:rPr lang="en-US" sz="1000" dirty="0">
+                <a:solidFill>
+                  <a:schemeClr val="bg1">
+                    <a:lumMod val="50000"/>
+                  </a:schemeClr>
+                </a:solidFill>
+                <a:latin typeface="Bookman Old Style" panose="02050604050505020204" pitchFamily="18" charset="0"/>
+              </a:rPr>
+              <a:t>A systematic analysis for the global burden of disease </a:t>
+            </a:r>
+            <a:r>
+              <a:rPr lang="en-US" sz="1000">
+                <a:solidFill>
+                  <a:schemeClr val="bg1">
+                    <a:lumMod val="50000"/>
+                  </a:schemeClr>
+                </a:solidFill>
+                <a:latin typeface="Bookman Old Style" panose="02050604050505020204" pitchFamily="18" charset="0"/>
+              </a:rPr>
+              <a:t>study 2017., </a:t>
+            </a:r>
+            <a:r>
+              <a:rPr lang="en-US" sz="1000" dirty="0">
+                <a:solidFill>
+                  <a:schemeClr val="bg1">
+                    <a:lumMod val="50000"/>
+                  </a:schemeClr>
+                </a:solidFill>
+                <a:latin typeface="Bookman Old Style" panose="02050604050505020204" pitchFamily="18" charset="0"/>
+              </a:rPr>
+              <a:t>The Lancet https://doi.org/10.1016</a:t>
+            </a:r>
+            <a:r>
+              <a:rPr lang="en-US" sz="1000">
+                <a:solidFill>
+                  <a:schemeClr val="bg1">
+                    <a:lumMod val="50000"/>
+                  </a:schemeClr>
+                </a:solidFill>
+                <a:latin typeface="Bookman Old Style" panose="02050604050505020204" pitchFamily="18" charset="0"/>
+              </a:rPr>
+              <a:t>/S0140-6736(18)32279-7 </a:t>
+            </a:r>
+            <a:r>
+              <a:rPr lang="en-US" sz="1000" dirty="0">
+                <a:solidFill>
+                  <a:schemeClr val="bg1">
+                    <a:lumMod val="50000"/>
+                  </a:schemeClr>
+                </a:solidFill>
+                <a:latin typeface="Bookman Old Style" panose="02050604050505020204" pitchFamily="18" charset="0"/>
+              </a:rPr>
+              <a:t>(2018).</a:t>
+            </a:r>
+            <a:endParaRPr lang="en-GB" sz="1000" dirty="0">
+              <a:solidFill>
+                <a:schemeClr val="bg1">
+                  <a:lumMod val="50000"/>
+                </a:schemeClr>
+              </a:solidFill>
+              <a:latin typeface="Bookman Old Style" panose="02050604050505020204" pitchFamily="18" charset="0"/>
+            </a:endParaRPr>
+          </a:p>
+        </p:txBody>
+      </p:sp>
+    </p:spTree>
+    <p:extLst>
+      <p:ext uri="{BB962C8B-B14F-4D97-AF65-F5344CB8AC3E}">
+        <p14:creationId xmlns:p14="http://schemas.microsoft.com/office/powerpoint/2010/main" val="2206524730"/>
+      </p:ext>
+    </p:extLst>
+  </p:cSld>
+  <p:clrMapOvr>
+    <a:masterClrMapping/>
+  </p:clrMapOvr>
+</p:sld>
+</file>
+
+<file path=ppt/slides/slide14.xml><?xml version="1.0" encoding="utf-8"?>
+<p:sld xmlns:a="http://schemas.openxmlformats.org/drawingml/2006/main" xmlns:r="http://schemas.openxmlformats.org/officeDocument/2006/relationships" xmlns:p="http://schemas.openxmlformats.org/presentationml/2006/main">
+  <p:cSld>
+    <p:spTree>
+      <p:nvGrpSpPr>
+        <p:cNvPr id="1" name=""/>
+        <p:cNvGrpSpPr/>
+        <p:nvPr/>
+      </p:nvGrpSpPr>
+      <p:grpSpPr>
+        <a:xfrm>
+          <a:off x="0" y="0"/>
+          <a:ext cx="0" cy="0"/>
+          <a:chOff x="0" y="0"/>
+          <a:chExt cx="0" cy="0"/>
+        </a:xfrm>
+      </p:grpSpPr>
+      <p:sp>
+        <p:nvSpPr>
+          <p:cNvPr id="3" name="TextBox 2">
+            <a:extLst>
+              <a:ext uri="{FF2B5EF4-FFF2-40B4-BE49-F238E27FC236}">
+                <a16:creationId xmlns:a16="http://schemas.microsoft.com/office/drawing/2014/main" id="{0E725062-F380-C772-0084-0A280BF5775E}"/>
+              </a:ext>
+            </a:extLst>
+          </p:cNvPr>
+          <p:cNvSpPr txBox="1"/>
+          <p:nvPr/>
+        </p:nvSpPr>
+        <p:spPr>
+          <a:xfrm>
+            <a:off x="547141" y="520597"/>
+            <a:ext cx="8881672" cy="584775"/>
+          </a:xfrm>
+          <a:prstGeom prst="rect">
+            <a:avLst/>
+          </a:prstGeom>
+          <a:noFill/>
+        </p:spPr>
+        <p:txBody>
+          <a:bodyPr wrap="square" rtlCol="0">
+            <a:spAutoFit/>
+          </a:bodyPr>
+          <a:lstStyle/>
+          <a:p>
+            <a:r>
+              <a:rPr lang="en-US" sz="3200" dirty="0">
+                <a:solidFill>
+                  <a:schemeClr val="bg1"/>
+                </a:solidFill>
+                <a:latin typeface="Bookman Old Style" panose="02050604050505020204" pitchFamily="18" charset="0"/>
+              </a:rPr>
+              <a:t>Thank you for watching!</a:t>
+            </a:r>
+          </a:p>
+        </p:txBody>
+      </p:sp>
+    </p:spTree>
+    <p:extLst>
+      <p:ext uri="{BB962C8B-B14F-4D97-AF65-F5344CB8AC3E}">
+        <p14:creationId xmlns:p14="http://schemas.microsoft.com/office/powerpoint/2010/main" val="1020853260"/>
+      </p:ext>
+    </p:extLst>
+  </p:cSld>
+  <p:clrMapOvr>
+    <a:masterClrMapping/>
+  </p:clrMapOvr>
+</p:sld>
+</file>
+
+<file path=ppt/slides/slide15.xml><?xml version="1.0" encoding="utf-8"?>
+<p:sld xmlns:a="http://schemas.openxmlformats.org/drawingml/2006/main" xmlns:r="http://schemas.openxmlformats.org/officeDocument/2006/relationships" xmlns:p="http://schemas.openxmlformats.org/presentationml/2006/main" show="0">
+  <p:cSld>
+    <p:spTree>
+      <p:nvGrpSpPr>
+        <p:cNvPr id="1" name=""/>
+        <p:cNvGrpSpPr/>
+        <p:nvPr/>
+      </p:nvGrpSpPr>
+      <p:grpSpPr>
+        <a:xfrm>
+          <a:off x="0" y="0"/>
+          <a:ext cx="0" cy="0"/>
+          <a:chOff x="0" y="0"/>
+          <a:chExt cx="0" cy="0"/>
+        </a:xfrm>
+      </p:grpSpPr>
+      <p:sp>
+        <p:nvSpPr>
+          <p:cNvPr id="3" name="TextBox 2">
+            <a:extLst>
+              <a:ext uri="{FF2B5EF4-FFF2-40B4-BE49-F238E27FC236}">
+                <a16:creationId xmlns:a16="http://schemas.microsoft.com/office/drawing/2014/main" id="{0E725062-F380-C772-0084-0A280BF5775E}"/>
+              </a:ext>
+            </a:extLst>
+          </p:cNvPr>
+          <p:cNvSpPr txBox="1"/>
+          <p:nvPr/>
+        </p:nvSpPr>
+        <p:spPr>
+          <a:xfrm>
+            <a:off x="547141" y="520597"/>
+            <a:ext cx="8881672" cy="584775"/>
+          </a:xfrm>
+          <a:prstGeom prst="rect">
+            <a:avLst/>
+          </a:prstGeom>
+          <a:noFill/>
+        </p:spPr>
+        <p:txBody>
+          <a:bodyPr wrap="square" rtlCol="0">
+            <a:spAutoFit/>
+          </a:bodyPr>
+          <a:lstStyle/>
+          <a:p>
+            <a:r>
+              <a:rPr lang="en-US" sz="3200" dirty="0">
+                <a:solidFill>
+                  <a:schemeClr val="bg1"/>
+                </a:solidFill>
+                <a:latin typeface="Bookman Old Style" panose="02050604050505020204" pitchFamily="18" charset="0"/>
+              </a:rPr>
               <a:t>Additional Findings</a:t>
             </a:r>
           </a:p>
@@ -5867,372 +6237,6 @@
 </p:sld>
 </file>
 
-<file path=ppt/slides/slide14.xml><?xml version="1.0" encoding="utf-8"?>
-<p:sld xmlns:a="http://schemas.openxmlformats.org/drawingml/2006/main" xmlns:r="http://schemas.openxmlformats.org/officeDocument/2006/relationships" xmlns:p="http://schemas.openxmlformats.org/presentationml/2006/main">
-  <p:cSld>
-    <p:spTree>
-      <p:nvGrpSpPr>
-        <p:cNvPr id="1" name=""/>
-        <p:cNvGrpSpPr/>
-        <p:nvPr/>
-      </p:nvGrpSpPr>
-      <p:grpSpPr>
-        <a:xfrm>
-          <a:off x="0" y="0"/>
-          <a:ext cx="0" cy="0"/>
-          <a:chOff x="0" y="0"/>
-          <a:chExt cx="0" cy="0"/>
-        </a:xfrm>
-      </p:grpSpPr>
-      <p:sp>
-        <p:nvSpPr>
-          <p:cNvPr id="3" name="TextBox 2">
-            <a:extLst>
-              <a:ext uri="{FF2B5EF4-FFF2-40B4-BE49-F238E27FC236}">
-                <a16:creationId xmlns:a16="http://schemas.microsoft.com/office/drawing/2014/main" id="{0E725062-F380-C772-0084-0A280BF5775E}"/>
-              </a:ext>
-            </a:extLst>
-          </p:cNvPr>
-          <p:cNvSpPr txBox="1"/>
-          <p:nvPr/>
-        </p:nvSpPr>
-        <p:spPr>
-          <a:xfrm>
-            <a:off x="547141" y="520597"/>
-            <a:ext cx="8881672" cy="584775"/>
-          </a:xfrm>
-          <a:prstGeom prst="rect">
-            <a:avLst/>
-          </a:prstGeom>
-          <a:noFill/>
-        </p:spPr>
-        <p:txBody>
-          <a:bodyPr wrap="square" rtlCol="0">
-            <a:spAutoFit/>
-          </a:bodyPr>
-          <a:lstStyle/>
-          <a:p>
-            <a:r>
-              <a:rPr lang="en-US" sz="3200" dirty="0">
-                <a:solidFill>
-                  <a:schemeClr val="bg1"/>
-                </a:solidFill>
-                <a:latin typeface="Bookman Old Style" panose="02050604050505020204" pitchFamily="18" charset="0"/>
-              </a:rPr>
-              <a:t>Further Work</a:t>
-            </a:r>
-          </a:p>
-        </p:txBody>
-      </p:sp>
-      <p:cxnSp>
-        <p:nvCxnSpPr>
-          <p:cNvPr id="4" name="Straight Connector 3">
-            <a:extLst>
-              <a:ext uri="{FF2B5EF4-FFF2-40B4-BE49-F238E27FC236}">
-                <a16:creationId xmlns:a16="http://schemas.microsoft.com/office/drawing/2014/main" id="{2F6BEED8-228E-A349-F419-5217F2A346CA}"/>
-              </a:ext>
-            </a:extLst>
-          </p:cNvPr>
-          <p:cNvCxnSpPr>
-            <a:cxnSpLocks/>
-          </p:cNvCxnSpPr>
-          <p:nvPr/>
-        </p:nvCxnSpPr>
-        <p:spPr>
-          <a:xfrm>
-            <a:off x="658894" y="5971922"/>
-            <a:ext cx="10923506" cy="0"/>
-          </a:xfrm>
-          <a:prstGeom prst="line">
-            <a:avLst/>
-          </a:prstGeom>
-          <a:ln>
-            <a:solidFill>
-              <a:schemeClr val="bg1"/>
-            </a:solidFill>
-          </a:ln>
-        </p:spPr>
-        <p:style>
-          <a:lnRef idx="1">
-            <a:schemeClr val="accent1"/>
-          </a:lnRef>
-          <a:fillRef idx="0">
-            <a:schemeClr val="accent1"/>
-          </a:fillRef>
-          <a:effectRef idx="0">
-            <a:schemeClr val="accent1"/>
-          </a:effectRef>
-          <a:fontRef idx="minor">
-            <a:schemeClr val="tx1"/>
-          </a:fontRef>
-        </p:style>
-      </p:cxnSp>
-      <p:sp>
-        <p:nvSpPr>
-          <p:cNvPr id="5" name="TextBox 4">
-            <a:extLst>
-              <a:ext uri="{FF2B5EF4-FFF2-40B4-BE49-F238E27FC236}">
-                <a16:creationId xmlns:a16="http://schemas.microsoft.com/office/drawing/2014/main" id="{03082D74-E05F-69E4-5AD3-1FB785A52B09}"/>
-              </a:ext>
-            </a:extLst>
-          </p:cNvPr>
-          <p:cNvSpPr txBox="1"/>
-          <p:nvPr/>
-        </p:nvSpPr>
-        <p:spPr>
-          <a:xfrm>
-            <a:off x="547141" y="5971921"/>
-            <a:ext cx="11035259" cy="553998"/>
-          </a:xfrm>
-          <a:prstGeom prst="rect">
-            <a:avLst/>
-          </a:prstGeom>
-          <a:noFill/>
-        </p:spPr>
-        <p:txBody>
-          <a:bodyPr wrap="square" rtlCol="0">
-            <a:spAutoFit/>
-          </a:bodyPr>
-          <a:lstStyle/>
-          <a:p>
-            <a:pPr algn="just"/>
-            <a:r>
-              <a:rPr lang="en-US" sz="1000" dirty="0">
-                <a:solidFill>
-                  <a:schemeClr val="bg1">
-                    <a:lumMod val="50000"/>
-                  </a:schemeClr>
-                </a:solidFill>
-                <a:latin typeface="Bookman Old Style" panose="02050604050505020204" pitchFamily="18" charset="0"/>
-              </a:rPr>
-              <a:t>[1] S. L. James, D. Abate, K. H. Abate, S. M. </a:t>
-            </a:r>
-            <a:r>
-              <a:rPr lang="en-US" sz="1000" dirty="0" err="1">
-                <a:solidFill>
-                  <a:schemeClr val="bg1">
-                    <a:lumMod val="50000"/>
-                  </a:schemeClr>
-                </a:solidFill>
-                <a:latin typeface="Bookman Old Style" panose="02050604050505020204" pitchFamily="18" charset="0"/>
-              </a:rPr>
-              <a:t>Abay</a:t>
-            </a:r>
-            <a:r>
-              <a:rPr lang="en-US" sz="1000" dirty="0">
-                <a:solidFill>
-                  <a:schemeClr val="bg1">
-                    <a:lumMod val="50000"/>
-                  </a:schemeClr>
-                </a:solidFill>
-                <a:latin typeface="Bookman Old Style" panose="02050604050505020204" pitchFamily="18" charset="0"/>
-              </a:rPr>
-              <a:t>, C. </a:t>
-            </a:r>
-            <a:r>
-              <a:rPr lang="en-US" sz="1000" dirty="0" err="1">
-                <a:solidFill>
-                  <a:schemeClr val="bg1">
-                    <a:lumMod val="50000"/>
-                  </a:schemeClr>
-                </a:solidFill>
-                <a:latin typeface="Bookman Old Style" panose="02050604050505020204" pitchFamily="18" charset="0"/>
-              </a:rPr>
-              <a:t>Abbafati</a:t>
-            </a:r>
-            <a:r>
-              <a:rPr lang="en-US" sz="1000" dirty="0">
-                <a:solidFill>
-                  <a:schemeClr val="bg1">
-                    <a:lumMod val="50000"/>
-                  </a:schemeClr>
-                </a:solidFill>
-                <a:latin typeface="Bookman Old Style" panose="02050604050505020204" pitchFamily="18" charset="0"/>
-              </a:rPr>
-              <a:t>, N. Abbasi, and H. </a:t>
-            </a:r>
-            <a:r>
-              <a:rPr lang="en-US" sz="1000" dirty="0" err="1">
-                <a:solidFill>
-                  <a:schemeClr val="bg1">
-                    <a:lumMod val="50000"/>
-                  </a:schemeClr>
-                </a:solidFill>
-                <a:latin typeface="Bookman Old Style" panose="02050604050505020204" pitchFamily="18" charset="0"/>
-              </a:rPr>
-              <a:t>Abbastabar</a:t>
-            </a:r>
-            <a:r>
-              <a:rPr lang="en-US" sz="1000" dirty="0">
-                <a:solidFill>
-                  <a:schemeClr val="bg1">
-                    <a:lumMod val="50000"/>
-                  </a:schemeClr>
-                </a:solidFill>
-                <a:latin typeface="Bookman Old Style" panose="02050604050505020204" pitchFamily="18" charset="0"/>
-              </a:rPr>
-              <a:t>, Global, regional, and national incidence, prevalence, and years lived with disability for 354 diseases and injuries for 195 countries and territories</a:t>
-            </a:r>
-            <a:r>
-              <a:rPr lang="en-US" sz="1000">
-                <a:solidFill>
-                  <a:schemeClr val="bg1">
-                    <a:lumMod val="50000"/>
-                  </a:schemeClr>
-                </a:solidFill>
-                <a:latin typeface="Bookman Old Style" panose="02050604050505020204" pitchFamily="18" charset="0"/>
-              </a:rPr>
-              <a:t>, 1990–2017: </a:t>
-            </a:r>
-            <a:r>
-              <a:rPr lang="en-US" sz="1000" dirty="0">
-                <a:solidFill>
-                  <a:schemeClr val="bg1">
-                    <a:lumMod val="50000"/>
-                  </a:schemeClr>
-                </a:solidFill>
-                <a:latin typeface="Bookman Old Style" panose="02050604050505020204" pitchFamily="18" charset="0"/>
-              </a:rPr>
-              <a:t>A systematic analysis for the global burden of disease </a:t>
-            </a:r>
-            <a:r>
-              <a:rPr lang="en-US" sz="1000">
-                <a:solidFill>
-                  <a:schemeClr val="bg1">
-                    <a:lumMod val="50000"/>
-                  </a:schemeClr>
-                </a:solidFill>
-                <a:latin typeface="Bookman Old Style" panose="02050604050505020204" pitchFamily="18" charset="0"/>
-              </a:rPr>
-              <a:t>study 2017., </a:t>
-            </a:r>
-            <a:r>
-              <a:rPr lang="en-US" sz="1000" dirty="0">
-                <a:solidFill>
-                  <a:schemeClr val="bg1">
-                    <a:lumMod val="50000"/>
-                  </a:schemeClr>
-                </a:solidFill>
-                <a:latin typeface="Bookman Old Style" panose="02050604050505020204" pitchFamily="18" charset="0"/>
-              </a:rPr>
-              <a:t>The Lancet https://doi.org/10.1016</a:t>
-            </a:r>
-            <a:r>
-              <a:rPr lang="en-US" sz="1000">
-                <a:solidFill>
-                  <a:schemeClr val="bg1">
-                    <a:lumMod val="50000"/>
-                  </a:schemeClr>
-                </a:solidFill>
-                <a:latin typeface="Bookman Old Style" panose="02050604050505020204" pitchFamily="18" charset="0"/>
-              </a:rPr>
-              <a:t>/S0140-6736(18)32279-7 </a:t>
-            </a:r>
-            <a:r>
-              <a:rPr lang="en-US" sz="1000" dirty="0">
-                <a:solidFill>
-                  <a:schemeClr val="bg1">
-                    <a:lumMod val="50000"/>
-                  </a:schemeClr>
-                </a:solidFill>
-                <a:latin typeface="Bookman Old Style" panose="02050604050505020204" pitchFamily="18" charset="0"/>
-              </a:rPr>
-              <a:t>(2018).</a:t>
-            </a:r>
-            <a:endParaRPr lang="en-GB" sz="1000" dirty="0">
-              <a:solidFill>
-                <a:schemeClr val="bg1">
-                  <a:lumMod val="50000"/>
-                </a:schemeClr>
-              </a:solidFill>
-              <a:latin typeface="Bookman Old Style" panose="02050604050505020204" pitchFamily="18" charset="0"/>
-            </a:endParaRPr>
-          </a:p>
-        </p:txBody>
-      </p:sp>
-    </p:spTree>
-    <p:extLst>
-      <p:ext uri="{BB962C8B-B14F-4D97-AF65-F5344CB8AC3E}">
-        <p14:creationId xmlns:p14="http://schemas.microsoft.com/office/powerpoint/2010/main" val="2206524730"/>
-      </p:ext>
-    </p:extLst>
-  </p:cSld>
-  <p:clrMapOvr>
-    <a:masterClrMapping/>
-  </p:clrMapOvr>
-</p:sld>
-</file>
-
-<file path=ppt/slides/slide15.xml><?xml version="1.0" encoding="utf-8"?>
-<p:sld xmlns:a="http://schemas.openxmlformats.org/drawingml/2006/main" xmlns:r="http://schemas.openxmlformats.org/officeDocument/2006/relationships" xmlns:p="http://schemas.openxmlformats.org/presentationml/2006/main">
-  <p:cSld>
-    <p:spTree>
-      <p:nvGrpSpPr>
-        <p:cNvPr id="1" name=""/>
-        <p:cNvGrpSpPr/>
-        <p:nvPr/>
-      </p:nvGrpSpPr>
-      <p:grpSpPr>
-        <a:xfrm>
-          <a:off x="0" y="0"/>
-          <a:ext cx="0" cy="0"/>
-          <a:chOff x="0" y="0"/>
-          <a:chExt cx="0" cy="0"/>
-        </a:xfrm>
-      </p:grpSpPr>
-      <p:sp>
-        <p:nvSpPr>
-          <p:cNvPr id="3" name="TextBox 2">
-            <a:extLst>
-              <a:ext uri="{FF2B5EF4-FFF2-40B4-BE49-F238E27FC236}">
-                <a16:creationId xmlns:a16="http://schemas.microsoft.com/office/drawing/2014/main" id="{0E725062-F380-C772-0084-0A280BF5775E}"/>
-              </a:ext>
-            </a:extLst>
-          </p:cNvPr>
-          <p:cNvSpPr txBox="1"/>
-          <p:nvPr/>
-        </p:nvSpPr>
-        <p:spPr>
-          <a:xfrm>
-            <a:off x="547141" y="520597"/>
-            <a:ext cx="8881672" cy="584775"/>
-          </a:xfrm>
-          <a:prstGeom prst="rect">
-            <a:avLst/>
-          </a:prstGeom>
-          <a:noFill/>
-        </p:spPr>
-        <p:txBody>
-          <a:bodyPr wrap="square" rtlCol="0">
-            <a:spAutoFit/>
-          </a:bodyPr>
-          <a:lstStyle/>
-          <a:p>
-            <a:r>
-              <a:rPr lang="en-US" sz="3200" dirty="0">
-                <a:solidFill>
-                  <a:schemeClr val="bg1"/>
-                </a:solidFill>
-                <a:latin typeface="Bookman Old Style" panose="02050604050505020204" pitchFamily="18" charset="0"/>
-              </a:rPr>
-              <a:t>Thank you for watching!</a:t>
-            </a:r>
-          </a:p>
-        </p:txBody>
-      </p:sp>
-    </p:spTree>
-    <p:extLst>
-      <p:ext uri="{BB962C8B-B14F-4D97-AF65-F5344CB8AC3E}">
-        <p14:creationId xmlns:p14="http://schemas.microsoft.com/office/powerpoint/2010/main" val="1020853260"/>
-      </p:ext>
-    </p:extLst>
-  </p:cSld>
-  <p:clrMapOvr>
-    <a:masterClrMapping/>
-  </p:clrMapOvr>
-</p:sld>
-</file>
-
 <file path=ppt/slides/slide2.xml><?xml version="1.0" encoding="utf-8"?>
 <p:sld xmlns:a="http://schemas.openxmlformats.org/drawingml/2006/main" xmlns:r="http://schemas.openxmlformats.org/officeDocument/2006/relationships" xmlns:p="http://schemas.openxmlformats.org/presentationml/2006/main">
   <p:cSld>
@@ -7145,8 +7149,8 @@
         </p:nvSpPr>
         <p:spPr>
           <a:xfrm>
-            <a:off x="547140" y="1915963"/>
-            <a:ext cx="10940009" cy="2308324"/>
+            <a:off x="547140" y="1581765"/>
+            <a:ext cx="10940009" cy="3046988"/>
           </a:xfrm>
           <a:prstGeom prst="rect">
             <a:avLst/>
@@ -7158,6 +7162,28 @@
             <a:spAutoFit/>
           </a:bodyPr>
           <a:lstStyle/>
+          <a:p>
+            <a:pPr algn="just"/>
+            <a:r>
+              <a:rPr lang="en-US" sz="1600" b="0" i="0" dirty="0">
+                <a:solidFill>
+                  <a:schemeClr val="bg1"/>
+                </a:solidFill>
+                <a:effectLst/>
+                <a:latin typeface="Bookman Old Style" panose="02050604050505020204" pitchFamily="18" charset="0"/>
+              </a:rPr>
+              <a:t>Survival analysis differs from ordinary regression tasks as for many some subjects, their actual time to experience the event is unknown. These are referred to as censored observations.</a:t>
+            </a:r>
+          </a:p>
+          <a:p>
+            <a:pPr algn="just"/>
+            <a:endParaRPr lang="en-US" sz="1600" dirty="0">
+              <a:solidFill>
+                <a:schemeClr val="bg1"/>
+              </a:solidFill>
+              <a:latin typeface="Bookman Old Style" panose="02050604050505020204" pitchFamily="18" charset="0"/>
+            </a:endParaRPr>
+          </a:p>
           <a:p>
             <a:pPr algn="just"/>
             <a:r>
@@ -12364,8 +12390,8 @@
             </p:style>
           </p:cxnSp>
         </p:grpSp>
-        <mc:AlternateContent xmlns:mc="http://schemas.openxmlformats.org/markup-compatibility/2006">
-          <mc:Choice xmlns:a14="http://schemas.microsoft.com/office/drawing/2010/main" Requires="a14">
+        <mc:AlternateContent xmlns:mc="http://schemas.openxmlformats.org/markup-compatibility/2006" xmlns:a14="http://schemas.microsoft.com/office/drawing/2010/main">
+          <mc:Choice Requires="a14">
             <p:sp>
               <p:nvSpPr>
                 <p:cNvPr id="224" name="TextBox 223">
@@ -12394,6 +12420,7 @@
                 </a:bodyPr>
                 <a:lstStyle/>
                 <a:p>
+                  <a:pPr/>
                   <a14:m>
                     <m:oMathPara xmlns:m="http://schemas.openxmlformats.org/officeDocument/2006/math">
                       <m:oMathParaPr>
@@ -12403,7 +12430,7 @@
                         <m:sSub>
                           <m:sSubPr>
                             <m:ctrlPr>
-                              <a:rPr lang="en-GB" dirty="0" smtClean="0">
+                              <a:rPr lang="en-GB" i="1" dirty="0" smtClean="0">
                                 <a:solidFill>
                                   <a:schemeClr val="bg1"/>
                                 </a:solidFill>
@@ -12446,7 +12473,7 @@
               </p:txBody>
             </p:sp>
           </mc:Choice>
-          <mc:Fallback>
+          <mc:Fallback xmlns="">
             <p:sp>
               <p:nvSpPr>
                 <p:cNvPr id="224" name="TextBox 223">
@@ -12491,8 +12518,8 @@
             </p:sp>
           </mc:Fallback>
         </mc:AlternateContent>
-        <mc:AlternateContent xmlns:mc="http://schemas.openxmlformats.org/markup-compatibility/2006">
-          <mc:Choice xmlns:a14="http://schemas.microsoft.com/office/drawing/2010/main" Requires="a14">
+        <mc:AlternateContent xmlns:mc="http://schemas.openxmlformats.org/markup-compatibility/2006" xmlns:a14="http://schemas.microsoft.com/office/drawing/2010/main">
+          <mc:Choice Requires="a14">
             <p:sp>
               <p:nvSpPr>
                 <p:cNvPr id="281" name="TextBox 280">
@@ -12521,6 +12548,7 @@
                 </a:bodyPr>
                 <a:lstStyle/>
                 <a:p>
+                  <a:pPr/>
                   <a14:m>
                     <m:oMathPara xmlns:m="http://schemas.openxmlformats.org/officeDocument/2006/math">
                       <m:oMathParaPr>
@@ -12548,7 +12576,7 @@
               </p:txBody>
             </p:sp>
           </mc:Choice>
-          <mc:Fallback>
+          <mc:Fallback xmlns="">
             <p:sp>
               <p:nvSpPr>
                 <p:cNvPr id="281" name="TextBox 280">
@@ -12593,8 +12621,8 @@
             </p:sp>
           </mc:Fallback>
         </mc:AlternateContent>
-        <mc:AlternateContent xmlns:mc="http://schemas.openxmlformats.org/markup-compatibility/2006">
-          <mc:Choice xmlns:a14="http://schemas.microsoft.com/office/drawing/2010/main" Requires="a14">
+        <mc:AlternateContent xmlns:mc="http://schemas.openxmlformats.org/markup-compatibility/2006" xmlns:a14="http://schemas.microsoft.com/office/drawing/2010/main">
+          <mc:Choice Requires="a14">
             <p:sp>
               <p:nvSpPr>
                 <p:cNvPr id="282" name="TextBox 281">
@@ -12623,6 +12651,7 @@
                 </a:bodyPr>
                 <a:lstStyle/>
                 <a:p>
+                  <a:pPr/>
                   <a14:m>
                     <m:oMathPara xmlns:m="http://schemas.openxmlformats.org/officeDocument/2006/math">
                       <m:oMathParaPr>
@@ -12650,7 +12679,7 @@
               </p:txBody>
             </p:sp>
           </mc:Choice>
-          <mc:Fallback>
+          <mc:Fallback xmlns="">
             <p:sp>
               <p:nvSpPr>
                 <p:cNvPr id="282" name="TextBox 281">
@@ -12695,8 +12724,8 @@
             </p:sp>
           </mc:Fallback>
         </mc:AlternateContent>
-        <mc:AlternateContent xmlns:mc="http://schemas.openxmlformats.org/markup-compatibility/2006">
-          <mc:Choice xmlns:a14="http://schemas.microsoft.com/office/drawing/2010/main" Requires="a14">
+        <mc:AlternateContent xmlns:mc="http://schemas.openxmlformats.org/markup-compatibility/2006" xmlns:a14="http://schemas.microsoft.com/office/drawing/2010/main">
+          <mc:Choice Requires="a14">
             <p:sp>
               <p:nvSpPr>
                 <p:cNvPr id="283" name="TextBox 282">
@@ -12725,6 +12754,7 @@
                 </a:bodyPr>
                 <a:lstStyle/>
                 <a:p>
+                  <a:pPr/>
                   <a14:m>
                     <m:oMathPara xmlns:m="http://schemas.openxmlformats.org/officeDocument/2006/math">
                       <m:oMathParaPr>
@@ -12752,7 +12782,7 @@
               </p:txBody>
             </p:sp>
           </mc:Choice>
-          <mc:Fallback>
+          <mc:Fallback xmlns="">
             <p:sp>
               <p:nvSpPr>
                 <p:cNvPr id="283" name="TextBox 282">
@@ -19025,8 +19055,8 @@
             </p:style>
           </p:cxnSp>
         </p:grpSp>
-        <mc:AlternateContent xmlns:mc="http://schemas.openxmlformats.org/markup-compatibility/2006">
-          <mc:Choice xmlns:a14="http://schemas.microsoft.com/office/drawing/2010/main" Requires="a14">
+        <mc:AlternateContent xmlns:mc="http://schemas.openxmlformats.org/markup-compatibility/2006" xmlns:a14="http://schemas.microsoft.com/office/drawing/2010/main">
+          <mc:Choice Requires="a14">
             <p:sp>
               <p:nvSpPr>
                 <p:cNvPr id="405" name="TextBox 404">
@@ -19055,6 +19085,7 @@
                 </a:bodyPr>
                 <a:lstStyle/>
                 <a:p>
+                  <a:pPr/>
                   <a14:m>
                     <m:oMathPara xmlns:m="http://schemas.openxmlformats.org/officeDocument/2006/math">
                       <m:oMathParaPr>
@@ -19082,7 +19113,7 @@
               </p:txBody>
             </p:sp>
           </mc:Choice>
-          <mc:Fallback>
+          <mc:Fallback xmlns="">
             <p:sp>
               <p:nvSpPr>
                 <p:cNvPr id="405" name="TextBox 404">
@@ -19127,8 +19158,8 @@
             </p:sp>
           </mc:Fallback>
         </mc:AlternateContent>
-        <mc:AlternateContent xmlns:mc="http://schemas.openxmlformats.org/markup-compatibility/2006">
-          <mc:Choice xmlns:a14="http://schemas.microsoft.com/office/drawing/2010/main" Requires="a14">
+        <mc:AlternateContent xmlns:mc="http://schemas.openxmlformats.org/markup-compatibility/2006" xmlns:a14="http://schemas.microsoft.com/office/drawing/2010/main">
+          <mc:Choice Requires="a14">
             <p:sp>
               <p:nvSpPr>
                 <p:cNvPr id="406" name="TextBox 405">
@@ -19157,6 +19188,7 @@
                 </a:bodyPr>
                 <a:lstStyle/>
                 <a:p>
+                  <a:pPr/>
                   <a14:m>
                     <m:oMathPara xmlns:m="http://schemas.openxmlformats.org/officeDocument/2006/math">
                       <m:oMathParaPr>
@@ -19184,7 +19216,7 @@
               </p:txBody>
             </p:sp>
           </mc:Choice>
-          <mc:Fallback>
+          <mc:Fallback xmlns="">
             <p:sp>
               <p:nvSpPr>
                 <p:cNvPr id="406" name="TextBox 405">
@@ -19229,8 +19261,8 @@
             </p:sp>
           </mc:Fallback>
         </mc:AlternateContent>
-        <mc:AlternateContent xmlns:mc="http://schemas.openxmlformats.org/markup-compatibility/2006">
-          <mc:Choice xmlns:a14="http://schemas.microsoft.com/office/drawing/2010/main" Requires="a14">
+        <mc:AlternateContent xmlns:mc="http://schemas.openxmlformats.org/markup-compatibility/2006" xmlns:a14="http://schemas.microsoft.com/office/drawing/2010/main">
+          <mc:Choice Requires="a14">
             <p:sp>
               <p:nvSpPr>
                 <p:cNvPr id="407" name="TextBox 406">
@@ -19259,6 +19291,7 @@
                 </a:bodyPr>
                 <a:lstStyle/>
                 <a:p>
+                  <a:pPr/>
                   <a14:m>
                     <m:oMathPara xmlns:m="http://schemas.openxmlformats.org/officeDocument/2006/math">
                       <m:oMathParaPr>
@@ -19286,7 +19319,7 @@
               </p:txBody>
             </p:sp>
           </mc:Choice>
-          <mc:Fallback>
+          <mc:Fallback xmlns="">
             <p:sp>
               <p:nvSpPr>
                 <p:cNvPr id="407" name="TextBox 406">
@@ -19750,8 +19783,8 @@
           </a:p>
         </p:txBody>
       </p:sp>
-      <mc:AlternateContent xmlns:mc="http://schemas.openxmlformats.org/markup-compatibility/2006">
-        <mc:Choice xmlns:a14="http://schemas.microsoft.com/office/drawing/2010/main" Requires="a14">
+      <mc:AlternateContent xmlns:mc="http://schemas.openxmlformats.org/markup-compatibility/2006" xmlns:a14="http://schemas.microsoft.com/office/drawing/2010/main">
+        <mc:Choice Requires="a14">
           <p:sp>
             <p:nvSpPr>
               <p:cNvPr id="426" name="TextBox 425">
@@ -19780,6 +19813,7 @@
               </a:bodyPr>
               <a:lstStyle/>
               <a:p>
+                <a:pPr/>
                 <a14:m>
                   <m:oMathPara xmlns:m="http://schemas.openxmlformats.org/officeDocument/2006/math">
                     <m:oMathParaPr>
@@ -19992,7 +20026,7 @@
             </p:txBody>
           </p:sp>
         </mc:Choice>
-        <mc:Fallback>
+        <mc:Fallback xmlns="">
           <p:sp>
             <p:nvSpPr>
               <p:cNvPr id="426" name="TextBox 425">
@@ -20133,8 +20167,8 @@
           </a:p>
         </p:txBody>
       </p:sp>
-      <mc:AlternateContent xmlns:mc="http://schemas.openxmlformats.org/markup-compatibility/2006">
-        <mc:Choice xmlns:a14="http://schemas.microsoft.com/office/drawing/2010/main" Requires="a14">
+      <mc:AlternateContent xmlns:mc="http://schemas.openxmlformats.org/markup-compatibility/2006" xmlns:a14="http://schemas.microsoft.com/office/drawing/2010/main">
+        <mc:Choice Requires="a14">
           <p:sp>
             <p:nvSpPr>
               <p:cNvPr id="429" name="TextBox 428">
@@ -20163,6 +20197,7 @@
               </a:bodyPr>
               <a:lstStyle/>
               <a:p>
+                <a:pPr/>
                 <a14:m>
                   <m:oMathPara xmlns:m="http://schemas.openxmlformats.org/officeDocument/2006/math">
                     <m:oMathParaPr>
@@ -20317,7 +20352,7 @@
             </p:txBody>
           </p:sp>
         </mc:Choice>
-        <mc:Fallback>
+        <mc:Fallback xmlns="">
           <p:sp>
             <p:nvSpPr>
               <p:cNvPr id="429" name="TextBox 428">

--- a/presentations/powerpoint_presentation/my_presentation.pptx
+++ b/presentations/powerpoint_presentation/my_presentation.pptx
@@ -671,6 +671,94 @@
           <a:bodyPr/>
           <a:lstStyle/>
           <a:p>
+            <a:r>
+              <a:rPr lang="en-US" dirty="0"/>
+              <a:t>Cox PH is fitted by max partial likelihood</a:t>
+            </a:r>
+            <a:endParaRPr lang="en-GB" dirty="0"/>
+          </a:p>
+        </p:txBody>
+      </p:sp>
+      <p:sp>
+        <p:nvSpPr>
+          <p:cNvPr id="4" name="Slide Number Placeholder 3"/>
+          <p:cNvSpPr>
+            <a:spLocks noGrp="1"/>
+          </p:cNvSpPr>
+          <p:nvPr>
+            <p:ph type="sldNum" sz="quarter" idx="5"/>
+          </p:nvPr>
+        </p:nvSpPr>
+        <p:spPr/>
+        <p:txBody>
+          <a:bodyPr/>
+          <a:lstStyle/>
+          <a:p>
+            <a:fld id="{9440B938-975B-4F70-ADFE-7D4287643F13}" type="slidenum">
+              <a:rPr lang="en-GB" smtClean="0"/>
+              <a:t>4</a:t>
+            </a:fld>
+            <a:endParaRPr lang="en-GB"/>
+          </a:p>
+        </p:txBody>
+      </p:sp>
+    </p:spTree>
+    <p:extLst>
+      <p:ext uri="{BB962C8B-B14F-4D97-AF65-F5344CB8AC3E}">
+        <p14:creationId xmlns:p14="http://schemas.microsoft.com/office/powerpoint/2010/main" val="1908615407"/>
+      </p:ext>
+    </p:extLst>
+  </p:cSld>
+  <p:clrMapOvr>
+    <a:masterClrMapping/>
+  </p:clrMapOvr>
+</p:notes>
+</file>
+
+<file path=ppt/notesSlides/notesSlide3.xml><?xml version="1.0" encoding="utf-8"?>
+<p:notes xmlns:a="http://schemas.openxmlformats.org/drawingml/2006/main" xmlns:r="http://schemas.openxmlformats.org/officeDocument/2006/relationships" xmlns:p="http://schemas.openxmlformats.org/presentationml/2006/main">
+  <p:cSld>
+    <p:spTree>
+      <p:nvGrpSpPr>
+        <p:cNvPr id="1" name=""/>
+        <p:cNvGrpSpPr/>
+        <p:nvPr/>
+      </p:nvGrpSpPr>
+      <p:grpSpPr>
+        <a:xfrm>
+          <a:off x="0" y="0"/>
+          <a:ext cx="0" cy="0"/>
+          <a:chOff x="0" y="0"/>
+          <a:chExt cx="0" cy="0"/>
+        </a:xfrm>
+      </p:grpSpPr>
+      <p:sp>
+        <p:nvSpPr>
+          <p:cNvPr id="2" name="Slide Image Placeholder 1"/>
+          <p:cNvSpPr>
+            <a:spLocks noGrp="1" noRot="1" noChangeAspect="1"/>
+          </p:cNvSpPr>
+          <p:nvPr>
+            <p:ph type="sldImg"/>
+          </p:nvPr>
+        </p:nvSpPr>
+        <p:spPr/>
+      </p:sp>
+      <p:sp>
+        <p:nvSpPr>
+          <p:cNvPr id="3" name="Notes Placeholder 2"/>
+          <p:cNvSpPr>
+            <a:spLocks noGrp="1"/>
+          </p:cNvSpPr>
+          <p:nvPr>
+            <p:ph type="body" idx="1"/>
+          </p:nvPr>
+        </p:nvSpPr>
+        <p:spPr/>
+        <p:txBody>
+          <a:bodyPr/>
+          <a:lstStyle/>
+          <a:p>
             <a:endParaRPr lang="en-GB" dirty="0"/>
           </a:p>
         </p:txBody>
@@ -711,7 +799,7 @@
 </p:notes>
 </file>
 
-<file path=ppt/notesSlides/notesSlide3.xml><?xml version="1.0" encoding="utf-8"?>
+<file path=ppt/notesSlides/notesSlide4.xml><?xml version="1.0" encoding="utf-8"?>
 <p:notes xmlns:a="http://schemas.openxmlformats.org/drawingml/2006/main" xmlns:r="http://schemas.openxmlformats.org/officeDocument/2006/relationships" xmlns:p="http://schemas.openxmlformats.org/presentationml/2006/main">
   <p:cSld>
     <p:spTree>
@@ -795,7 +883,7 @@
 </p:notes>
 </file>
 
-<file path=ppt/notesSlides/notesSlide4.xml><?xml version="1.0" encoding="utf-8"?>
+<file path=ppt/notesSlides/notesSlide5.xml><?xml version="1.0" encoding="utf-8"?>
 <p:notes xmlns:a="http://schemas.openxmlformats.org/drawingml/2006/main" xmlns:r="http://schemas.openxmlformats.org/officeDocument/2006/relationships" xmlns:p="http://schemas.openxmlformats.org/presentationml/2006/main">
   <p:cSld>
     <p:spTree>
@@ -879,7 +967,7 @@
 </p:notes>
 </file>
 
-<file path=ppt/notesSlides/notesSlide5.xml><?xml version="1.0" encoding="utf-8"?>
+<file path=ppt/notesSlides/notesSlide6.xml><?xml version="1.0" encoding="utf-8"?>
 <p:notes xmlns:a="http://schemas.openxmlformats.org/drawingml/2006/main" xmlns:r="http://schemas.openxmlformats.org/officeDocument/2006/relationships" xmlns:p="http://schemas.openxmlformats.org/presentationml/2006/main">
   <p:cSld>
     <p:spTree>
@@ -963,7 +1051,7 @@
 </p:notes>
 </file>
 
-<file path=ppt/notesSlides/notesSlide6.xml><?xml version="1.0" encoding="utf-8"?>
+<file path=ppt/notesSlides/notesSlide7.xml><?xml version="1.0" encoding="utf-8"?>
 <p:notes xmlns:a="http://schemas.openxmlformats.org/drawingml/2006/main" xmlns:r="http://schemas.openxmlformats.org/officeDocument/2006/relationships" xmlns:p="http://schemas.openxmlformats.org/presentationml/2006/main">
   <p:cSld>
     <p:spTree>
@@ -4285,41 +4373,6 @@
           <a:chExt cx="0" cy="0"/>
         </a:xfrm>
       </p:grpSpPr>
-      <p:pic>
-        <p:nvPicPr>
-          <p:cNvPr id="6" name="Picture 5" descr="Fencers fencing">
-            <a:extLst>
-              <a:ext uri="{FF2B5EF4-FFF2-40B4-BE49-F238E27FC236}">
-                <a16:creationId xmlns:a16="http://schemas.microsoft.com/office/drawing/2014/main" id="{3C649349-AA8C-AD7A-418A-5C2EBE37AAF2}"/>
-              </a:ext>
-            </a:extLst>
-          </p:cNvPr>
-          <p:cNvPicPr>
-            <a:picLocks noChangeAspect="1"/>
-          </p:cNvPicPr>
-          <p:nvPr/>
-        </p:nvPicPr>
-        <p:blipFill rotWithShape="1">
-          <a:blip r:embed="rId2">
-            <a:extLst>
-              <a:ext uri="{28A0092B-C50C-407E-A947-70E740481C1C}">
-                <a14:useLocalDpi xmlns:a14="http://schemas.microsoft.com/office/drawing/2010/main" val="0"/>
-              </a:ext>
-            </a:extLst>
-          </a:blip>
-          <a:srcRect l="28779" t="21776" r="13923" b="29938"/>
-          <a:stretch/>
-        </p:blipFill>
-        <p:spPr>
-          <a:xfrm>
-            <a:off x="0" y="1"/>
-            <a:ext cx="12192000" cy="6858000"/>
-          </a:xfrm>
-          <a:prstGeom prst="rect">
-            <a:avLst/>
-          </a:prstGeom>
-        </p:spPr>
-      </p:pic>
       <p:sp>
         <p:nvSpPr>
           <p:cNvPr id="7" name="Rectangle 6">
@@ -4520,6 +4573,3083 @@
           </a:p>
         </p:txBody>
       </p:sp>
+      <p:grpSp>
+        <p:nvGrpSpPr>
+          <p:cNvPr id="71" name="Group 70">
+            <a:extLst>
+              <a:ext uri="{FF2B5EF4-FFF2-40B4-BE49-F238E27FC236}">
+                <a16:creationId xmlns:a16="http://schemas.microsoft.com/office/drawing/2014/main" id="{C2324E3D-74E8-5CFB-5F32-679119304651}"/>
+              </a:ext>
+            </a:extLst>
+          </p:cNvPr>
+          <p:cNvGrpSpPr/>
+          <p:nvPr/>
+        </p:nvGrpSpPr>
+        <p:grpSpPr>
+          <a:xfrm>
+            <a:off x="6497889" y="2794159"/>
+            <a:ext cx="3611214" cy="2795377"/>
+            <a:chOff x="6497889" y="2058839"/>
+            <a:chExt cx="4561140" cy="3530698"/>
+          </a:xfrm>
+        </p:grpSpPr>
+        <p:pic>
+          <p:nvPicPr>
+            <p:cNvPr id="69" name="Picture 68">
+              <a:extLst>
+                <a:ext uri="{FF2B5EF4-FFF2-40B4-BE49-F238E27FC236}">
+                  <a16:creationId xmlns:a16="http://schemas.microsoft.com/office/drawing/2014/main" id="{4646C761-E25A-AD73-69AD-F876E1C25073}"/>
+                </a:ext>
+              </a:extLst>
+            </p:cNvPr>
+            <p:cNvPicPr>
+              <a:picLocks noChangeAspect="1"/>
+            </p:cNvPicPr>
+            <p:nvPr/>
+          </p:nvPicPr>
+          <p:blipFill>
+            <a:blip r:embed="rId2"/>
+            <a:stretch>
+              <a:fillRect/>
+            </a:stretch>
+          </p:blipFill>
+          <p:spPr>
+            <a:xfrm>
+              <a:off x="7798596" y="2058839"/>
+              <a:ext cx="3260433" cy="2454483"/>
+            </a:xfrm>
+            <a:prstGeom prst="rect">
+              <a:avLst/>
+            </a:prstGeom>
+          </p:spPr>
+        </p:pic>
+        <p:pic>
+          <p:nvPicPr>
+            <p:cNvPr id="2" name="Picture 1">
+              <a:extLst>
+                <a:ext uri="{FF2B5EF4-FFF2-40B4-BE49-F238E27FC236}">
+                  <a16:creationId xmlns:a16="http://schemas.microsoft.com/office/drawing/2014/main" id="{B98D2CF8-676C-4C7B-1F02-96537327FB74}"/>
+                </a:ext>
+              </a:extLst>
+            </p:cNvPr>
+            <p:cNvPicPr>
+              <a:picLocks noChangeAspect="1"/>
+            </p:cNvPicPr>
+            <p:nvPr/>
+          </p:nvPicPr>
+          <p:blipFill>
+            <a:blip r:embed="rId3"/>
+            <a:stretch>
+              <a:fillRect/>
+            </a:stretch>
+          </p:blipFill>
+          <p:spPr>
+            <a:xfrm>
+              <a:off x="6497889" y="3099507"/>
+              <a:ext cx="3315900" cy="2490030"/>
+            </a:xfrm>
+            <a:prstGeom prst="rect">
+              <a:avLst/>
+            </a:prstGeom>
+          </p:spPr>
+        </p:pic>
+      </p:grpSp>
+      <p:grpSp>
+        <p:nvGrpSpPr>
+          <p:cNvPr id="3" name="Group 2">
+            <a:extLst>
+              <a:ext uri="{FF2B5EF4-FFF2-40B4-BE49-F238E27FC236}">
+                <a16:creationId xmlns:a16="http://schemas.microsoft.com/office/drawing/2014/main" id="{8CA01892-2147-E438-1903-2CC0F531DF59}"/>
+              </a:ext>
+            </a:extLst>
+          </p:cNvPr>
+          <p:cNvGrpSpPr/>
+          <p:nvPr/>
+        </p:nvGrpSpPr>
+        <p:grpSpPr>
+          <a:xfrm>
+            <a:off x="2155848" y="3572323"/>
+            <a:ext cx="3318852" cy="1861551"/>
+            <a:chOff x="651050" y="2515246"/>
+            <a:chExt cx="3318852" cy="1861551"/>
+          </a:xfrm>
+        </p:grpSpPr>
+        <p:grpSp>
+          <p:nvGrpSpPr>
+            <p:cNvPr id="4" name="Group 3">
+              <a:extLst>
+                <a:ext uri="{FF2B5EF4-FFF2-40B4-BE49-F238E27FC236}">
+                  <a16:creationId xmlns:a16="http://schemas.microsoft.com/office/drawing/2014/main" id="{EFB5F3FC-42AF-234E-FB1D-02469445DA7D}"/>
+                </a:ext>
+              </a:extLst>
+            </p:cNvPr>
+            <p:cNvGrpSpPr/>
+            <p:nvPr/>
+          </p:nvGrpSpPr>
+          <p:grpSpPr>
+            <a:xfrm>
+              <a:off x="1392897" y="2515246"/>
+              <a:ext cx="2138421" cy="1723052"/>
+              <a:chOff x="1015526" y="2507989"/>
+              <a:chExt cx="2138421" cy="1723052"/>
+            </a:xfrm>
+          </p:grpSpPr>
+          <p:grpSp>
+            <p:nvGrpSpPr>
+              <p:cNvPr id="12" name="Group 11">
+                <a:extLst>
+                  <a:ext uri="{FF2B5EF4-FFF2-40B4-BE49-F238E27FC236}">
+                    <a16:creationId xmlns:a16="http://schemas.microsoft.com/office/drawing/2014/main" id="{FA83976E-9A84-0036-5560-3A83660C10B4}"/>
+                  </a:ext>
+                </a:extLst>
+              </p:cNvPr>
+              <p:cNvGrpSpPr/>
+              <p:nvPr/>
+            </p:nvGrpSpPr>
+            <p:grpSpPr>
+              <a:xfrm>
+                <a:off x="1015526" y="2507989"/>
+                <a:ext cx="196554" cy="1723052"/>
+                <a:chOff x="863126" y="2290274"/>
+                <a:chExt cx="196554" cy="1723052"/>
+              </a:xfrm>
+            </p:grpSpPr>
+            <p:sp>
+              <p:nvSpPr>
+                <p:cNvPr id="62" name="Oval 61">
+                  <a:extLst>
+                    <a:ext uri="{FF2B5EF4-FFF2-40B4-BE49-F238E27FC236}">
+                      <a16:creationId xmlns:a16="http://schemas.microsoft.com/office/drawing/2014/main" id="{F60D3C4D-A9C4-BD9A-5BBB-83DBA398E4B5}"/>
+                    </a:ext>
+                  </a:extLst>
+                </p:cNvPr>
+                <p:cNvSpPr/>
+                <p:nvPr/>
+              </p:nvSpPr>
+              <p:spPr>
+                <a:xfrm>
+                  <a:off x="863126" y="2290274"/>
+                  <a:ext cx="196554" cy="196554"/>
+                </a:xfrm>
+                <a:prstGeom prst="ellipse">
+                  <a:avLst/>
+                </a:prstGeom>
+                <a:noFill/>
+                <a:ln w="19050">
+                  <a:solidFill>
+                    <a:schemeClr val="bg1"/>
+                  </a:solidFill>
+                </a:ln>
+              </p:spPr>
+              <p:style>
+                <a:lnRef idx="2">
+                  <a:schemeClr val="accent1">
+                    <a:shade val="15000"/>
+                  </a:schemeClr>
+                </a:lnRef>
+                <a:fillRef idx="1">
+                  <a:schemeClr val="accent1"/>
+                </a:fillRef>
+                <a:effectRef idx="0">
+                  <a:schemeClr val="accent1"/>
+                </a:effectRef>
+                <a:fontRef idx="minor">
+                  <a:schemeClr val="lt1"/>
+                </a:fontRef>
+              </p:style>
+              <p:txBody>
+                <a:bodyPr rtlCol="0" anchor="ctr"/>
+                <a:lstStyle/>
+                <a:p>
+                  <a:pPr algn="ctr"/>
+                  <a:endParaRPr lang="en-GB"/>
+                </a:p>
+              </p:txBody>
+            </p:sp>
+            <p:sp>
+              <p:nvSpPr>
+                <p:cNvPr id="63" name="Oval 62">
+                  <a:extLst>
+                    <a:ext uri="{FF2B5EF4-FFF2-40B4-BE49-F238E27FC236}">
+                      <a16:creationId xmlns:a16="http://schemas.microsoft.com/office/drawing/2014/main" id="{842B91ED-E2EE-5583-DD5F-B8441D093D1B}"/>
+                    </a:ext>
+                  </a:extLst>
+                </p:cNvPr>
+                <p:cNvSpPr/>
+                <p:nvPr/>
+              </p:nvSpPr>
+              <p:spPr>
+                <a:xfrm>
+                  <a:off x="863126" y="2604599"/>
+                  <a:ext cx="196554" cy="196554"/>
+                </a:xfrm>
+                <a:prstGeom prst="ellipse">
+                  <a:avLst/>
+                </a:prstGeom>
+                <a:noFill/>
+                <a:ln w="19050">
+                  <a:solidFill>
+                    <a:schemeClr val="bg1"/>
+                  </a:solidFill>
+                </a:ln>
+              </p:spPr>
+              <p:style>
+                <a:lnRef idx="2">
+                  <a:schemeClr val="accent1">
+                    <a:shade val="15000"/>
+                  </a:schemeClr>
+                </a:lnRef>
+                <a:fillRef idx="1">
+                  <a:schemeClr val="accent1"/>
+                </a:fillRef>
+                <a:effectRef idx="0">
+                  <a:schemeClr val="accent1"/>
+                </a:effectRef>
+                <a:fontRef idx="minor">
+                  <a:schemeClr val="lt1"/>
+                </a:fontRef>
+              </p:style>
+              <p:txBody>
+                <a:bodyPr rtlCol="0" anchor="ctr"/>
+                <a:lstStyle/>
+                <a:p>
+                  <a:pPr algn="ctr"/>
+                  <a:endParaRPr lang="en-GB"/>
+                </a:p>
+              </p:txBody>
+            </p:sp>
+            <p:sp>
+              <p:nvSpPr>
+                <p:cNvPr id="64" name="Oval 63">
+                  <a:extLst>
+                    <a:ext uri="{FF2B5EF4-FFF2-40B4-BE49-F238E27FC236}">
+                      <a16:creationId xmlns:a16="http://schemas.microsoft.com/office/drawing/2014/main" id="{B5B3B20A-4521-D9A2-5DE3-276A637B5BBA}"/>
+                    </a:ext>
+                  </a:extLst>
+                </p:cNvPr>
+                <p:cNvSpPr/>
+                <p:nvPr/>
+              </p:nvSpPr>
+              <p:spPr>
+                <a:xfrm>
+                  <a:off x="863126" y="2918924"/>
+                  <a:ext cx="196554" cy="196554"/>
+                </a:xfrm>
+                <a:prstGeom prst="ellipse">
+                  <a:avLst/>
+                </a:prstGeom>
+                <a:noFill/>
+                <a:ln w="19050">
+                  <a:solidFill>
+                    <a:schemeClr val="bg1"/>
+                  </a:solidFill>
+                </a:ln>
+              </p:spPr>
+              <p:style>
+                <a:lnRef idx="2">
+                  <a:schemeClr val="accent1">
+                    <a:shade val="15000"/>
+                  </a:schemeClr>
+                </a:lnRef>
+                <a:fillRef idx="1">
+                  <a:schemeClr val="accent1"/>
+                </a:fillRef>
+                <a:effectRef idx="0">
+                  <a:schemeClr val="accent1"/>
+                </a:effectRef>
+                <a:fontRef idx="minor">
+                  <a:schemeClr val="lt1"/>
+                </a:fontRef>
+              </p:style>
+              <p:txBody>
+                <a:bodyPr rtlCol="0" anchor="ctr"/>
+                <a:lstStyle/>
+                <a:p>
+                  <a:pPr algn="ctr"/>
+                  <a:endParaRPr lang="en-GB"/>
+                </a:p>
+              </p:txBody>
+            </p:sp>
+            <p:sp>
+              <p:nvSpPr>
+                <p:cNvPr id="65" name="Oval 64">
+                  <a:extLst>
+                    <a:ext uri="{FF2B5EF4-FFF2-40B4-BE49-F238E27FC236}">
+                      <a16:creationId xmlns:a16="http://schemas.microsoft.com/office/drawing/2014/main" id="{2FF99E2F-B4E3-F7F6-A767-5FEBF9DF3C15}"/>
+                    </a:ext>
+                  </a:extLst>
+                </p:cNvPr>
+                <p:cNvSpPr/>
+                <p:nvPr/>
+              </p:nvSpPr>
+              <p:spPr>
+                <a:xfrm>
+                  <a:off x="863126" y="3816772"/>
+                  <a:ext cx="196554" cy="196554"/>
+                </a:xfrm>
+                <a:prstGeom prst="ellipse">
+                  <a:avLst/>
+                </a:prstGeom>
+                <a:noFill/>
+                <a:ln w="19050">
+                  <a:solidFill>
+                    <a:schemeClr val="bg1"/>
+                  </a:solidFill>
+                </a:ln>
+              </p:spPr>
+              <p:style>
+                <a:lnRef idx="2">
+                  <a:schemeClr val="accent1">
+                    <a:shade val="15000"/>
+                  </a:schemeClr>
+                </a:lnRef>
+                <a:fillRef idx="1">
+                  <a:schemeClr val="accent1"/>
+                </a:fillRef>
+                <a:effectRef idx="0">
+                  <a:schemeClr val="accent1"/>
+                </a:effectRef>
+                <a:fontRef idx="minor">
+                  <a:schemeClr val="lt1"/>
+                </a:fontRef>
+              </p:style>
+              <p:txBody>
+                <a:bodyPr rtlCol="0" anchor="ctr"/>
+                <a:lstStyle/>
+                <a:p>
+                  <a:pPr algn="ctr"/>
+                  <a:endParaRPr lang="en-GB"/>
+                </a:p>
+              </p:txBody>
+            </p:sp>
+            <p:sp>
+              <p:nvSpPr>
+                <p:cNvPr id="66" name="TextBox 65">
+                  <a:extLst>
+                    <a:ext uri="{FF2B5EF4-FFF2-40B4-BE49-F238E27FC236}">
+                      <a16:creationId xmlns:a16="http://schemas.microsoft.com/office/drawing/2014/main" id="{B8FC1419-CA7E-9402-8665-D86EAEF63867}"/>
+                    </a:ext>
+                  </a:extLst>
+                </p:cNvPr>
+                <p:cNvSpPr txBox="1"/>
+                <p:nvPr/>
+              </p:nvSpPr>
+              <p:spPr>
+                <a:xfrm>
+                  <a:off x="915684" y="3166043"/>
+                  <a:ext cx="45719" cy="600164"/>
+                </a:xfrm>
+                <a:prstGeom prst="rect">
+                  <a:avLst/>
+                </a:prstGeom>
+                <a:noFill/>
+              </p:spPr>
+              <p:txBody>
+                <a:bodyPr wrap="square" rtlCol="0">
+                  <a:spAutoFit/>
+                </a:bodyPr>
+                <a:lstStyle/>
+                <a:p>
+                  <a:r>
+                    <a:rPr lang="en-US" sz="1100" dirty="0">
+                      <a:solidFill>
+                        <a:schemeClr val="bg1"/>
+                      </a:solidFill>
+                    </a:rPr>
+                    <a:t>...</a:t>
+                  </a:r>
+                  <a:endParaRPr lang="en-GB" sz="1100" dirty="0">
+                    <a:solidFill>
+                      <a:schemeClr val="bg1"/>
+                    </a:solidFill>
+                  </a:endParaRPr>
+                </a:p>
+              </p:txBody>
+            </p:sp>
+          </p:grpSp>
+          <p:grpSp>
+            <p:nvGrpSpPr>
+              <p:cNvPr id="13" name="Group 12">
+                <a:extLst>
+                  <a:ext uri="{FF2B5EF4-FFF2-40B4-BE49-F238E27FC236}">
+                    <a16:creationId xmlns:a16="http://schemas.microsoft.com/office/drawing/2014/main" id="{4971F21F-0CC7-E377-8CD5-740121C75FD3}"/>
+                  </a:ext>
+                </a:extLst>
+              </p:cNvPr>
+              <p:cNvGrpSpPr/>
+              <p:nvPr/>
+            </p:nvGrpSpPr>
+            <p:grpSpPr>
+              <a:xfrm>
+                <a:off x="1680916" y="2666936"/>
+                <a:ext cx="196554" cy="1332513"/>
+                <a:chOff x="1690441" y="2507989"/>
+                <a:chExt cx="196554" cy="1332513"/>
+              </a:xfrm>
+            </p:grpSpPr>
+            <p:sp>
+              <p:nvSpPr>
+                <p:cNvPr id="58" name="Oval 57">
+                  <a:extLst>
+                    <a:ext uri="{FF2B5EF4-FFF2-40B4-BE49-F238E27FC236}">
+                      <a16:creationId xmlns:a16="http://schemas.microsoft.com/office/drawing/2014/main" id="{D875B936-AE3D-03A8-2AA8-4EEE158C1497}"/>
+                    </a:ext>
+                  </a:extLst>
+                </p:cNvPr>
+                <p:cNvSpPr/>
+                <p:nvPr/>
+              </p:nvSpPr>
+              <p:spPr>
+                <a:xfrm>
+                  <a:off x="1690441" y="2507989"/>
+                  <a:ext cx="196554" cy="196554"/>
+                </a:xfrm>
+                <a:prstGeom prst="ellipse">
+                  <a:avLst/>
+                </a:prstGeom>
+                <a:noFill/>
+                <a:ln w="19050">
+                  <a:solidFill>
+                    <a:schemeClr val="bg1"/>
+                  </a:solidFill>
+                </a:ln>
+              </p:spPr>
+              <p:style>
+                <a:lnRef idx="2">
+                  <a:schemeClr val="accent1">
+                    <a:shade val="15000"/>
+                  </a:schemeClr>
+                </a:lnRef>
+                <a:fillRef idx="1">
+                  <a:schemeClr val="accent1"/>
+                </a:fillRef>
+                <a:effectRef idx="0">
+                  <a:schemeClr val="accent1"/>
+                </a:effectRef>
+                <a:fontRef idx="minor">
+                  <a:schemeClr val="lt1"/>
+                </a:fontRef>
+              </p:style>
+              <p:txBody>
+                <a:bodyPr rtlCol="0" anchor="ctr"/>
+                <a:lstStyle/>
+                <a:p>
+                  <a:pPr algn="ctr"/>
+                  <a:endParaRPr lang="en-GB" dirty="0"/>
+                </a:p>
+              </p:txBody>
+            </p:sp>
+            <p:sp>
+              <p:nvSpPr>
+                <p:cNvPr id="59" name="Oval 58">
+                  <a:extLst>
+                    <a:ext uri="{FF2B5EF4-FFF2-40B4-BE49-F238E27FC236}">
+                      <a16:creationId xmlns:a16="http://schemas.microsoft.com/office/drawing/2014/main" id="{264CB49E-C266-3F3A-3A3F-3605BE1D9BDD}"/>
+                    </a:ext>
+                  </a:extLst>
+                </p:cNvPr>
+                <p:cNvSpPr/>
+                <p:nvPr/>
+              </p:nvSpPr>
+              <p:spPr>
+                <a:xfrm>
+                  <a:off x="1690441" y="2822314"/>
+                  <a:ext cx="196554" cy="196554"/>
+                </a:xfrm>
+                <a:prstGeom prst="ellipse">
+                  <a:avLst/>
+                </a:prstGeom>
+                <a:noFill/>
+                <a:ln w="19050">
+                  <a:solidFill>
+                    <a:schemeClr val="bg1"/>
+                  </a:solidFill>
+                </a:ln>
+              </p:spPr>
+              <p:style>
+                <a:lnRef idx="2">
+                  <a:schemeClr val="accent1">
+                    <a:shade val="15000"/>
+                  </a:schemeClr>
+                </a:lnRef>
+                <a:fillRef idx="1">
+                  <a:schemeClr val="accent1"/>
+                </a:fillRef>
+                <a:effectRef idx="0">
+                  <a:schemeClr val="accent1"/>
+                </a:effectRef>
+                <a:fontRef idx="minor">
+                  <a:schemeClr val="lt1"/>
+                </a:fontRef>
+              </p:style>
+              <p:txBody>
+                <a:bodyPr rtlCol="0" anchor="ctr"/>
+                <a:lstStyle/>
+                <a:p>
+                  <a:pPr algn="ctr"/>
+                  <a:endParaRPr lang="en-GB"/>
+                </a:p>
+              </p:txBody>
+            </p:sp>
+            <p:sp>
+              <p:nvSpPr>
+                <p:cNvPr id="60" name="Oval 59">
+                  <a:extLst>
+                    <a:ext uri="{FF2B5EF4-FFF2-40B4-BE49-F238E27FC236}">
+                      <a16:creationId xmlns:a16="http://schemas.microsoft.com/office/drawing/2014/main" id="{B3B3155B-E61B-C196-E673-53812EB2CCFA}"/>
+                    </a:ext>
+                  </a:extLst>
+                </p:cNvPr>
+                <p:cNvSpPr/>
+                <p:nvPr/>
+              </p:nvSpPr>
+              <p:spPr>
+                <a:xfrm>
+                  <a:off x="1690441" y="3643948"/>
+                  <a:ext cx="196554" cy="196554"/>
+                </a:xfrm>
+                <a:prstGeom prst="ellipse">
+                  <a:avLst/>
+                </a:prstGeom>
+                <a:noFill/>
+                <a:ln w="19050">
+                  <a:solidFill>
+                    <a:schemeClr val="bg1"/>
+                  </a:solidFill>
+                </a:ln>
+              </p:spPr>
+              <p:style>
+                <a:lnRef idx="2">
+                  <a:schemeClr val="accent1">
+                    <a:shade val="15000"/>
+                  </a:schemeClr>
+                </a:lnRef>
+                <a:fillRef idx="1">
+                  <a:schemeClr val="accent1"/>
+                </a:fillRef>
+                <a:effectRef idx="0">
+                  <a:schemeClr val="accent1"/>
+                </a:effectRef>
+                <a:fontRef idx="minor">
+                  <a:schemeClr val="lt1"/>
+                </a:fontRef>
+              </p:style>
+              <p:txBody>
+                <a:bodyPr rtlCol="0" anchor="ctr"/>
+                <a:lstStyle/>
+                <a:p>
+                  <a:pPr algn="ctr"/>
+                  <a:endParaRPr lang="en-GB"/>
+                </a:p>
+              </p:txBody>
+            </p:sp>
+            <p:sp>
+              <p:nvSpPr>
+                <p:cNvPr id="61" name="TextBox 60">
+                  <a:extLst>
+                    <a:ext uri="{FF2B5EF4-FFF2-40B4-BE49-F238E27FC236}">
+                      <a16:creationId xmlns:a16="http://schemas.microsoft.com/office/drawing/2014/main" id="{2B6E7C0A-8963-0B2A-AB84-D85A27CCA661}"/>
+                    </a:ext>
+                  </a:extLst>
+                </p:cNvPr>
+                <p:cNvSpPr txBox="1"/>
+                <p:nvPr/>
+              </p:nvSpPr>
+              <p:spPr>
+                <a:xfrm>
+                  <a:off x="1742999" y="2993219"/>
+                  <a:ext cx="45719" cy="600164"/>
+                </a:xfrm>
+                <a:prstGeom prst="rect">
+                  <a:avLst/>
+                </a:prstGeom>
+                <a:noFill/>
+              </p:spPr>
+              <p:txBody>
+                <a:bodyPr wrap="square" rtlCol="0">
+                  <a:spAutoFit/>
+                </a:bodyPr>
+                <a:lstStyle/>
+                <a:p>
+                  <a:r>
+                    <a:rPr lang="en-US" sz="1100" dirty="0">
+                      <a:solidFill>
+                        <a:schemeClr val="bg1"/>
+                      </a:solidFill>
+                    </a:rPr>
+                    <a:t>...</a:t>
+                  </a:r>
+                  <a:endParaRPr lang="en-GB" sz="1100" dirty="0">
+                    <a:solidFill>
+                      <a:schemeClr val="bg1"/>
+                    </a:solidFill>
+                  </a:endParaRPr>
+                </a:p>
+              </p:txBody>
+            </p:sp>
+          </p:grpSp>
+          <p:grpSp>
+            <p:nvGrpSpPr>
+              <p:cNvPr id="14" name="Group 13">
+                <a:extLst>
+                  <a:ext uri="{FF2B5EF4-FFF2-40B4-BE49-F238E27FC236}">
+                    <a16:creationId xmlns:a16="http://schemas.microsoft.com/office/drawing/2014/main" id="{09D649D0-44CC-6B7A-5DAB-AF931A3810B0}"/>
+                  </a:ext>
+                </a:extLst>
+              </p:cNvPr>
+              <p:cNvGrpSpPr/>
+              <p:nvPr/>
+            </p:nvGrpSpPr>
+            <p:grpSpPr>
+              <a:xfrm>
+                <a:off x="2256090" y="2666936"/>
+                <a:ext cx="196554" cy="1332513"/>
+                <a:chOff x="1690441" y="2507989"/>
+                <a:chExt cx="196554" cy="1332513"/>
+              </a:xfrm>
+            </p:grpSpPr>
+            <p:sp>
+              <p:nvSpPr>
+                <p:cNvPr id="54" name="Oval 53">
+                  <a:extLst>
+                    <a:ext uri="{FF2B5EF4-FFF2-40B4-BE49-F238E27FC236}">
+                      <a16:creationId xmlns:a16="http://schemas.microsoft.com/office/drawing/2014/main" id="{F66359CB-D6F2-CE56-43EC-23BA7CE9EC0E}"/>
+                    </a:ext>
+                  </a:extLst>
+                </p:cNvPr>
+                <p:cNvSpPr/>
+                <p:nvPr/>
+              </p:nvSpPr>
+              <p:spPr>
+                <a:xfrm>
+                  <a:off x="1690441" y="2507989"/>
+                  <a:ext cx="196554" cy="196554"/>
+                </a:xfrm>
+                <a:prstGeom prst="ellipse">
+                  <a:avLst/>
+                </a:prstGeom>
+                <a:noFill/>
+                <a:ln w="19050">
+                  <a:solidFill>
+                    <a:schemeClr val="bg1"/>
+                  </a:solidFill>
+                </a:ln>
+              </p:spPr>
+              <p:style>
+                <a:lnRef idx="2">
+                  <a:schemeClr val="accent1">
+                    <a:shade val="15000"/>
+                  </a:schemeClr>
+                </a:lnRef>
+                <a:fillRef idx="1">
+                  <a:schemeClr val="accent1"/>
+                </a:fillRef>
+                <a:effectRef idx="0">
+                  <a:schemeClr val="accent1"/>
+                </a:effectRef>
+                <a:fontRef idx="minor">
+                  <a:schemeClr val="lt1"/>
+                </a:fontRef>
+              </p:style>
+              <p:txBody>
+                <a:bodyPr rtlCol="0" anchor="ctr"/>
+                <a:lstStyle/>
+                <a:p>
+                  <a:pPr algn="ctr"/>
+                  <a:endParaRPr lang="en-GB" dirty="0"/>
+                </a:p>
+              </p:txBody>
+            </p:sp>
+            <p:sp>
+              <p:nvSpPr>
+                <p:cNvPr id="55" name="Oval 54">
+                  <a:extLst>
+                    <a:ext uri="{FF2B5EF4-FFF2-40B4-BE49-F238E27FC236}">
+                      <a16:creationId xmlns:a16="http://schemas.microsoft.com/office/drawing/2014/main" id="{D861332E-F66D-F878-4BE3-8A543B984A46}"/>
+                    </a:ext>
+                  </a:extLst>
+                </p:cNvPr>
+                <p:cNvSpPr/>
+                <p:nvPr/>
+              </p:nvSpPr>
+              <p:spPr>
+                <a:xfrm>
+                  <a:off x="1690441" y="2822314"/>
+                  <a:ext cx="196554" cy="196554"/>
+                </a:xfrm>
+                <a:prstGeom prst="ellipse">
+                  <a:avLst/>
+                </a:prstGeom>
+                <a:noFill/>
+                <a:ln w="19050">
+                  <a:solidFill>
+                    <a:schemeClr val="bg1"/>
+                  </a:solidFill>
+                </a:ln>
+              </p:spPr>
+              <p:style>
+                <a:lnRef idx="2">
+                  <a:schemeClr val="accent1">
+                    <a:shade val="15000"/>
+                  </a:schemeClr>
+                </a:lnRef>
+                <a:fillRef idx="1">
+                  <a:schemeClr val="accent1"/>
+                </a:fillRef>
+                <a:effectRef idx="0">
+                  <a:schemeClr val="accent1"/>
+                </a:effectRef>
+                <a:fontRef idx="minor">
+                  <a:schemeClr val="lt1"/>
+                </a:fontRef>
+              </p:style>
+              <p:txBody>
+                <a:bodyPr rtlCol="0" anchor="ctr"/>
+                <a:lstStyle/>
+                <a:p>
+                  <a:pPr algn="ctr"/>
+                  <a:endParaRPr lang="en-GB"/>
+                </a:p>
+              </p:txBody>
+            </p:sp>
+            <p:sp>
+              <p:nvSpPr>
+                <p:cNvPr id="56" name="Oval 55">
+                  <a:extLst>
+                    <a:ext uri="{FF2B5EF4-FFF2-40B4-BE49-F238E27FC236}">
+                      <a16:creationId xmlns:a16="http://schemas.microsoft.com/office/drawing/2014/main" id="{60A5D2ED-35BC-1FAF-7DBE-78F10A7BCFD2}"/>
+                    </a:ext>
+                  </a:extLst>
+                </p:cNvPr>
+                <p:cNvSpPr/>
+                <p:nvPr/>
+              </p:nvSpPr>
+              <p:spPr>
+                <a:xfrm>
+                  <a:off x="1690441" y="3643948"/>
+                  <a:ext cx="196554" cy="196554"/>
+                </a:xfrm>
+                <a:prstGeom prst="ellipse">
+                  <a:avLst/>
+                </a:prstGeom>
+                <a:noFill/>
+                <a:ln w="19050">
+                  <a:solidFill>
+                    <a:schemeClr val="bg1"/>
+                  </a:solidFill>
+                </a:ln>
+              </p:spPr>
+              <p:style>
+                <a:lnRef idx="2">
+                  <a:schemeClr val="accent1">
+                    <a:shade val="15000"/>
+                  </a:schemeClr>
+                </a:lnRef>
+                <a:fillRef idx="1">
+                  <a:schemeClr val="accent1"/>
+                </a:fillRef>
+                <a:effectRef idx="0">
+                  <a:schemeClr val="accent1"/>
+                </a:effectRef>
+                <a:fontRef idx="minor">
+                  <a:schemeClr val="lt1"/>
+                </a:fontRef>
+              </p:style>
+              <p:txBody>
+                <a:bodyPr rtlCol="0" anchor="ctr"/>
+                <a:lstStyle/>
+                <a:p>
+                  <a:pPr algn="ctr"/>
+                  <a:endParaRPr lang="en-GB"/>
+                </a:p>
+              </p:txBody>
+            </p:sp>
+            <p:sp>
+              <p:nvSpPr>
+                <p:cNvPr id="57" name="TextBox 56">
+                  <a:extLst>
+                    <a:ext uri="{FF2B5EF4-FFF2-40B4-BE49-F238E27FC236}">
+                      <a16:creationId xmlns:a16="http://schemas.microsoft.com/office/drawing/2014/main" id="{FA102432-9976-BDD1-59C8-BB15CD605E36}"/>
+                    </a:ext>
+                  </a:extLst>
+                </p:cNvPr>
+                <p:cNvSpPr txBox="1"/>
+                <p:nvPr/>
+              </p:nvSpPr>
+              <p:spPr>
+                <a:xfrm>
+                  <a:off x="1742999" y="2993219"/>
+                  <a:ext cx="45719" cy="600164"/>
+                </a:xfrm>
+                <a:prstGeom prst="rect">
+                  <a:avLst/>
+                </a:prstGeom>
+                <a:noFill/>
+              </p:spPr>
+              <p:txBody>
+                <a:bodyPr wrap="square" rtlCol="0">
+                  <a:spAutoFit/>
+                </a:bodyPr>
+                <a:lstStyle/>
+                <a:p>
+                  <a:r>
+                    <a:rPr lang="en-US" sz="1100" dirty="0">
+                      <a:solidFill>
+                        <a:schemeClr val="bg1"/>
+                      </a:solidFill>
+                    </a:rPr>
+                    <a:t>...</a:t>
+                  </a:r>
+                  <a:endParaRPr lang="en-GB" sz="1100" dirty="0">
+                    <a:solidFill>
+                      <a:schemeClr val="bg1"/>
+                    </a:solidFill>
+                  </a:endParaRPr>
+                </a:p>
+              </p:txBody>
+            </p:sp>
+          </p:grpSp>
+          <p:grpSp>
+            <p:nvGrpSpPr>
+              <p:cNvPr id="15" name="Group 14">
+                <a:extLst>
+                  <a:ext uri="{FF2B5EF4-FFF2-40B4-BE49-F238E27FC236}">
+                    <a16:creationId xmlns:a16="http://schemas.microsoft.com/office/drawing/2014/main" id="{88AE0F86-845F-EE5C-98A7-E868A2E6619D}"/>
+                  </a:ext>
+                </a:extLst>
+              </p:cNvPr>
+              <p:cNvGrpSpPr/>
+              <p:nvPr/>
+            </p:nvGrpSpPr>
+            <p:grpSpPr>
+              <a:xfrm>
+                <a:off x="2957393" y="2507989"/>
+                <a:ext cx="196554" cy="1723052"/>
+                <a:chOff x="863126" y="2290274"/>
+                <a:chExt cx="196554" cy="1723052"/>
+              </a:xfrm>
+            </p:grpSpPr>
+            <p:sp>
+              <p:nvSpPr>
+                <p:cNvPr id="49" name="Oval 48">
+                  <a:extLst>
+                    <a:ext uri="{FF2B5EF4-FFF2-40B4-BE49-F238E27FC236}">
+                      <a16:creationId xmlns:a16="http://schemas.microsoft.com/office/drawing/2014/main" id="{BCE9263A-2D95-9ED9-1083-F072CCBDFE10}"/>
+                    </a:ext>
+                  </a:extLst>
+                </p:cNvPr>
+                <p:cNvSpPr/>
+                <p:nvPr/>
+              </p:nvSpPr>
+              <p:spPr>
+                <a:xfrm>
+                  <a:off x="863126" y="2290274"/>
+                  <a:ext cx="196554" cy="196554"/>
+                </a:xfrm>
+                <a:prstGeom prst="ellipse">
+                  <a:avLst/>
+                </a:prstGeom>
+                <a:noFill/>
+                <a:ln w="19050">
+                  <a:solidFill>
+                    <a:schemeClr val="bg1"/>
+                  </a:solidFill>
+                </a:ln>
+              </p:spPr>
+              <p:style>
+                <a:lnRef idx="2">
+                  <a:schemeClr val="accent1">
+                    <a:shade val="15000"/>
+                  </a:schemeClr>
+                </a:lnRef>
+                <a:fillRef idx="1">
+                  <a:schemeClr val="accent1"/>
+                </a:fillRef>
+                <a:effectRef idx="0">
+                  <a:schemeClr val="accent1"/>
+                </a:effectRef>
+                <a:fontRef idx="minor">
+                  <a:schemeClr val="lt1"/>
+                </a:fontRef>
+              </p:style>
+              <p:txBody>
+                <a:bodyPr rtlCol="0" anchor="ctr"/>
+                <a:lstStyle/>
+                <a:p>
+                  <a:pPr algn="ctr"/>
+                  <a:endParaRPr lang="en-GB"/>
+                </a:p>
+              </p:txBody>
+            </p:sp>
+            <p:sp>
+              <p:nvSpPr>
+                <p:cNvPr id="50" name="Oval 49">
+                  <a:extLst>
+                    <a:ext uri="{FF2B5EF4-FFF2-40B4-BE49-F238E27FC236}">
+                      <a16:creationId xmlns:a16="http://schemas.microsoft.com/office/drawing/2014/main" id="{313B6D43-E897-9507-51F9-B0EED1E51040}"/>
+                    </a:ext>
+                  </a:extLst>
+                </p:cNvPr>
+                <p:cNvSpPr/>
+                <p:nvPr/>
+              </p:nvSpPr>
+              <p:spPr>
+                <a:xfrm>
+                  <a:off x="863126" y="2604599"/>
+                  <a:ext cx="196554" cy="196554"/>
+                </a:xfrm>
+                <a:prstGeom prst="ellipse">
+                  <a:avLst/>
+                </a:prstGeom>
+                <a:noFill/>
+                <a:ln w="19050">
+                  <a:solidFill>
+                    <a:schemeClr val="bg1"/>
+                  </a:solidFill>
+                </a:ln>
+              </p:spPr>
+              <p:style>
+                <a:lnRef idx="2">
+                  <a:schemeClr val="accent1">
+                    <a:shade val="15000"/>
+                  </a:schemeClr>
+                </a:lnRef>
+                <a:fillRef idx="1">
+                  <a:schemeClr val="accent1"/>
+                </a:fillRef>
+                <a:effectRef idx="0">
+                  <a:schemeClr val="accent1"/>
+                </a:effectRef>
+                <a:fontRef idx="minor">
+                  <a:schemeClr val="lt1"/>
+                </a:fontRef>
+              </p:style>
+              <p:txBody>
+                <a:bodyPr rtlCol="0" anchor="ctr"/>
+                <a:lstStyle/>
+                <a:p>
+                  <a:pPr algn="ctr"/>
+                  <a:endParaRPr lang="en-GB"/>
+                </a:p>
+              </p:txBody>
+            </p:sp>
+            <p:sp>
+              <p:nvSpPr>
+                <p:cNvPr id="51" name="Oval 50">
+                  <a:extLst>
+                    <a:ext uri="{FF2B5EF4-FFF2-40B4-BE49-F238E27FC236}">
+                      <a16:creationId xmlns:a16="http://schemas.microsoft.com/office/drawing/2014/main" id="{52B4655F-2EE1-172A-DCB1-22D48E4818D2}"/>
+                    </a:ext>
+                  </a:extLst>
+                </p:cNvPr>
+                <p:cNvSpPr/>
+                <p:nvPr/>
+              </p:nvSpPr>
+              <p:spPr>
+                <a:xfrm>
+                  <a:off x="863126" y="2918924"/>
+                  <a:ext cx="196554" cy="196554"/>
+                </a:xfrm>
+                <a:prstGeom prst="ellipse">
+                  <a:avLst/>
+                </a:prstGeom>
+                <a:noFill/>
+                <a:ln w="19050">
+                  <a:solidFill>
+                    <a:schemeClr val="bg1"/>
+                  </a:solidFill>
+                </a:ln>
+              </p:spPr>
+              <p:style>
+                <a:lnRef idx="2">
+                  <a:schemeClr val="accent1">
+                    <a:shade val="15000"/>
+                  </a:schemeClr>
+                </a:lnRef>
+                <a:fillRef idx="1">
+                  <a:schemeClr val="accent1"/>
+                </a:fillRef>
+                <a:effectRef idx="0">
+                  <a:schemeClr val="accent1"/>
+                </a:effectRef>
+                <a:fontRef idx="minor">
+                  <a:schemeClr val="lt1"/>
+                </a:fontRef>
+              </p:style>
+              <p:txBody>
+                <a:bodyPr rtlCol="0" anchor="ctr"/>
+                <a:lstStyle/>
+                <a:p>
+                  <a:pPr algn="ctr"/>
+                  <a:endParaRPr lang="en-GB"/>
+                </a:p>
+              </p:txBody>
+            </p:sp>
+            <p:sp>
+              <p:nvSpPr>
+                <p:cNvPr id="52" name="Oval 51">
+                  <a:extLst>
+                    <a:ext uri="{FF2B5EF4-FFF2-40B4-BE49-F238E27FC236}">
+                      <a16:creationId xmlns:a16="http://schemas.microsoft.com/office/drawing/2014/main" id="{22DFAB12-B57F-94C9-2389-344967509DBF}"/>
+                    </a:ext>
+                  </a:extLst>
+                </p:cNvPr>
+                <p:cNvSpPr/>
+                <p:nvPr/>
+              </p:nvSpPr>
+              <p:spPr>
+                <a:xfrm>
+                  <a:off x="863126" y="3816772"/>
+                  <a:ext cx="196554" cy="196554"/>
+                </a:xfrm>
+                <a:prstGeom prst="ellipse">
+                  <a:avLst/>
+                </a:prstGeom>
+                <a:noFill/>
+                <a:ln w="19050">
+                  <a:solidFill>
+                    <a:schemeClr val="bg1"/>
+                  </a:solidFill>
+                </a:ln>
+              </p:spPr>
+              <p:style>
+                <a:lnRef idx="2">
+                  <a:schemeClr val="accent1">
+                    <a:shade val="15000"/>
+                  </a:schemeClr>
+                </a:lnRef>
+                <a:fillRef idx="1">
+                  <a:schemeClr val="accent1"/>
+                </a:fillRef>
+                <a:effectRef idx="0">
+                  <a:schemeClr val="accent1"/>
+                </a:effectRef>
+                <a:fontRef idx="minor">
+                  <a:schemeClr val="lt1"/>
+                </a:fontRef>
+              </p:style>
+              <p:txBody>
+                <a:bodyPr rtlCol="0" anchor="ctr"/>
+                <a:lstStyle/>
+                <a:p>
+                  <a:pPr algn="ctr"/>
+                  <a:endParaRPr lang="en-GB"/>
+                </a:p>
+              </p:txBody>
+            </p:sp>
+            <p:sp>
+              <p:nvSpPr>
+                <p:cNvPr id="53" name="TextBox 52">
+                  <a:extLst>
+                    <a:ext uri="{FF2B5EF4-FFF2-40B4-BE49-F238E27FC236}">
+                      <a16:creationId xmlns:a16="http://schemas.microsoft.com/office/drawing/2014/main" id="{FE93812B-0774-E5F9-90E1-3B0185522F18}"/>
+                    </a:ext>
+                  </a:extLst>
+                </p:cNvPr>
+                <p:cNvSpPr txBox="1"/>
+                <p:nvPr/>
+              </p:nvSpPr>
+              <p:spPr>
+                <a:xfrm>
+                  <a:off x="915684" y="3166043"/>
+                  <a:ext cx="45719" cy="600164"/>
+                </a:xfrm>
+                <a:prstGeom prst="rect">
+                  <a:avLst/>
+                </a:prstGeom>
+                <a:noFill/>
+              </p:spPr>
+              <p:txBody>
+                <a:bodyPr wrap="square" rtlCol="0">
+                  <a:spAutoFit/>
+                </a:bodyPr>
+                <a:lstStyle/>
+                <a:p>
+                  <a:r>
+                    <a:rPr lang="en-US" sz="1100" dirty="0">
+                      <a:solidFill>
+                        <a:schemeClr val="bg1"/>
+                      </a:solidFill>
+                    </a:rPr>
+                    <a:t>...</a:t>
+                  </a:r>
+                  <a:endParaRPr lang="en-GB" sz="1100" dirty="0">
+                    <a:solidFill>
+                      <a:schemeClr val="bg1"/>
+                    </a:solidFill>
+                  </a:endParaRPr>
+                </a:p>
+              </p:txBody>
+            </p:sp>
+          </p:grpSp>
+          <p:cxnSp>
+            <p:nvCxnSpPr>
+              <p:cNvPr id="16" name="Straight Connector 15">
+                <a:extLst>
+                  <a:ext uri="{FF2B5EF4-FFF2-40B4-BE49-F238E27FC236}">
+                    <a16:creationId xmlns:a16="http://schemas.microsoft.com/office/drawing/2014/main" id="{C89404EE-C2C3-1453-4C50-B690AFB45A68}"/>
+                  </a:ext>
+                </a:extLst>
+              </p:cNvPr>
+              <p:cNvCxnSpPr>
+                <a:cxnSpLocks/>
+                <a:stCxn id="62" idx="6"/>
+                <a:endCxn id="58" idx="2"/>
+              </p:cNvCxnSpPr>
+              <p:nvPr/>
+            </p:nvCxnSpPr>
+            <p:spPr>
+              <a:xfrm>
+                <a:off x="1212080" y="2606266"/>
+                <a:ext cx="468836" cy="158947"/>
+              </a:xfrm>
+              <a:prstGeom prst="line">
+                <a:avLst/>
+              </a:prstGeom>
+              <a:ln>
+                <a:solidFill>
+                  <a:schemeClr val="bg1"/>
+                </a:solidFill>
+              </a:ln>
+            </p:spPr>
+            <p:style>
+              <a:lnRef idx="1">
+                <a:schemeClr val="accent1"/>
+              </a:lnRef>
+              <a:fillRef idx="0">
+                <a:schemeClr val="accent1"/>
+              </a:fillRef>
+              <a:effectRef idx="0">
+                <a:schemeClr val="accent1"/>
+              </a:effectRef>
+              <a:fontRef idx="minor">
+                <a:schemeClr val="tx1"/>
+              </a:fontRef>
+            </p:style>
+          </p:cxnSp>
+          <p:cxnSp>
+            <p:nvCxnSpPr>
+              <p:cNvPr id="17" name="Straight Connector 16">
+                <a:extLst>
+                  <a:ext uri="{FF2B5EF4-FFF2-40B4-BE49-F238E27FC236}">
+                    <a16:creationId xmlns:a16="http://schemas.microsoft.com/office/drawing/2014/main" id="{0E9CD423-9E36-C66A-8B71-0154E5DF0D06}"/>
+                  </a:ext>
+                </a:extLst>
+              </p:cNvPr>
+              <p:cNvCxnSpPr>
+                <a:stCxn id="62" idx="6"/>
+                <a:endCxn id="59" idx="2"/>
+              </p:cNvCxnSpPr>
+              <p:nvPr/>
+            </p:nvCxnSpPr>
+            <p:spPr>
+              <a:xfrm>
+                <a:off x="1212080" y="2606266"/>
+                <a:ext cx="468836" cy="473272"/>
+              </a:xfrm>
+              <a:prstGeom prst="line">
+                <a:avLst/>
+              </a:prstGeom>
+              <a:ln>
+                <a:solidFill>
+                  <a:schemeClr val="bg1"/>
+                </a:solidFill>
+              </a:ln>
+            </p:spPr>
+            <p:style>
+              <a:lnRef idx="1">
+                <a:schemeClr val="accent1"/>
+              </a:lnRef>
+              <a:fillRef idx="0">
+                <a:schemeClr val="accent1"/>
+              </a:fillRef>
+              <a:effectRef idx="0">
+                <a:schemeClr val="accent1"/>
+              </a:effectRef>
+              <a:fontRef idx="minor">
+                <a:schemeClr val="tx1"/>
+              </a:fontRef>
+            </p:style>
+          </p:cxnSp>
+          <p:cxnSp>
+            <p:nvCxnSpPr>
+              <p:cNvPr id="18" name="Straight Connector 17">
+                <a:extLst>
+                  <a:ext uri="{FF2B5EF4-FFF2-40B4-BE49-F238E27FC236}">
+                    <a16:creationId xmlns:a16="http://schemas.microsoft.com/office/drawing/2014/main" id="{D9B42BB4-E4CF-A21B-A5C6-2FEA6AAF5947}"/>
+                  </a:ext>
+                </a:extLst>
+              </p:cNvPr>
+              <p:cNvCxnSpPr>
+                <a:cxnSpLocks/>
+                <a:stCxn id="62" idx="6"/>
+                <a:endCxn id="60" idx="2"/>
+              </p:cNvCxnSpPr>
+              <p:nvPr/>
+            </p:nvCxnSpPr>
+            <p:spPr>
+              <a:xfrm>
+                <a:off x="1212080" y="2606266"/>
+                <a:ext cx="468836" cy="1294906"/>
+              </a:xfrm>
+              <a:prstGeom prst="line">
+                <a:avLst/>
+              </a:prstGeom>
+              <a:ln>
+                <a:solidFill>
+                  <a:schemeClr val="bg1"/>
+                </a:solidFill>
+              </a:ln>
+            </p:spPr>
+            <p:style>
+              <a:lnRef idx="1">
+                <a:schemeClr val="accent1"/>
+              </a:lnRef>
+              <a:fillRef idx="0">
+                <a:schemeClr val="accent1"/>
+              </a:fillRef>
+              <a:effectRef idx="0">
+                <a:schemeClr val="accent1"/>
+              </a:effectRef>
+              <a:fontRef idx="minor">
+                <a:schemeClr val="tx1"/>
+              </a:fontRef>
+            </p:style>
+          </p:cxnSp>
+          <p:cxnSp>
+            <p:nvCxnSpPr>
+              <p:cNvPr id="19" name="Straight Connector 18">
+                <a:extLst>
+                  <a:ext uri="{FF2B5EF4-FFF2-40B4-BE49-F238E27FC236}">
+                    <a16:creationId xmlns:a16="http://schemas.microsoft.com/office/drawing/2014/main" id="{A856A809-D6DA-DCD2-E97C-4757B9B8AC1F}"/>
+                  </a:ext>
+                </a:extLst>
+              </p:cNvPr>
+              <p:cNvCxnSpPr>
+                <a:cxnSpLocks/>
+                <a:stCxn id="63" idx="6"/>
+                <a:endCxn id="58" idx="2"/>
+              </p:cNvCxnSpPr>
+              <p:nvPr/>
+            </p:nvCxnSpPr>
+            <p:spPr>
+              <a:xfrm flipV="1">
+                <a:off x="1212080" y="2765213"/>
+                <a:ext cx="468836" cy="155378"/>
+              </a:xfrm>
+              <a:prstGeom prst="line">
+                <a:avLst/>
+              </a:prstGeom>
+              <a:ln>
+                <a:solidFill>
+                  <a:schemeClr val="bg1"/>
+                </a:solidFill>
+              </a:ln>
+            </p:spPr>
+            <p:style>
+              <a:lnRef idx="1">
+                <a:schemeClr val="accent1"/>
+              </a:lnRef>
+              <a:fillRef idx="0">
+                <a:schemeClr val="accent1"/>
+              </a:fillRef>
+              <a:effectRef idx="0">
+                <a:schemeClr val="accent1"/>
+              </a:effectRef>
+              <a:fontRef idx="minor">
+                <a:schemeClr val="tx1"/>
+              </a:fontRef>
+            </p:style>
+          </p:cxnSp>
+          <p:cxnSp>
+            <p:nvCxnSpPr>
+              <p:cNvPr id="20" name="Straight Connector 19">
+                <a:extLst>
+                  <a:ext uri="{FF2B5EF4-FFF2-40B4-BE49-F238E27FC236}">
+                    <a16:creationId xmlns:a16="http://schemas.microsoft.com/office/drawing/2014/main" id="{EECA490C-CE1B-09E7-1CB9-1FF18374BF12}"/>
+                  </a:ext>
+                </a:extLst>
+              </p:cNvPr>
+              <p:cNvCxnSpPr>
+                <a:cxnSpLocks/>
+                <a:stCxn id="63" idx="6"/>
+                <a:endCxn id="59" idx="2"/>
+              </p:cNvCxnSpPr>
+              <p:nvPr/>
+            </p:nvCxnSpPr>
+            <p:spPr>
+              <a:xfrm>
+                <a:off x="1212080" y="2920591"/>
+                <a:ext cx="468836" cy="158947"/>
+              </a:xfrm>
+              <a:prstGeom prst="line">
+                <a:avLst/>
+              </a:prstGeom>
+              <a:ln>
+                <a:solidFill>
+                  <a:schemeClr val="bg1"/>
+                </a:solidFill>
+              </a:ln>
+            </p:spPr>
+            <p:style>
+              <a:lnRef idx="1">
+                <a:schemeClr val="accent1"/>
+              </a:lnRef>
+              <a:fillRef idx="0">
+                <a:schemeClr val="accent1"/>
+              </a:fillRef>
+              <a:effectRef idx="0">
+                <a:schemeClr val="accent1"/>
+              </a:effectRef>
+              <a:fontRef idx="minor">
+                <a:schemeClr val="tx1"/>
+              </a:fontRef>
+            </p:style>
+          </p:cxnSp>
+          <p:cxnSp>
+            <p:nvCxnSpPr>
+              <p:cNvPr id="21" name="Straight Connector 20">
+                <a:extLst>
+                  <a:ext uri="{FF2B5EF4-FFF2-40B4-BE49-F238E27FC236}">
+                    <a16:creationId xmlns:a16="http://schemas.microsoft.com/office/drawing/2014/main" id="{12EC187A-7959-CEE6-837E-47A450487098}"/>
+                  </a:ext>
+                </a:extLst>
+              </p:cNvPr>
+              <p:cNvCxnSpPr>
+                <a:cxnSpLocks/>
+                <a:stCxn id="63" idx="7"/>
+                <a:endCxn id="60" idx="2"/>
+              </p:cNvCxnSpPr>
+              <p:nvPr/>
+            </p:nvCxnSpPr>
+            <p:spPr>
+              <a:xfrm>
+                <a:off x="1183295" y="2851099"/>
+                <a:ext cx="497621" cy="1050073"/>
+              </a:xfrm>
+              <a:prstGeom prst="line">
+                <a:avLst/>
+              </a:prstGeom>
+              <a:ln>
+                <a:solidFill>
+                  <a:schemeClr val="bg1"/>
+                </a:solidFill>
+              </a:ln>
+            </p:spPr>
+            <p:style>
+              <a:lnRef idx="1">
+                <a:schemeClr val="accent1"/>
+              </a:lnRef>
+              <a:fillRef idx="0">
+                <a:schemeClr val="accent1"/>
+              </a:fillRef>
+              <a:effectRef idx="0">
+                <a:schemeClr val="accent1"/>
+              </a:effectRef>
+              <a:fontRef idx="minor">
+                <a:schemeClr val="tx1"/>
+              </a:fontRef>
+            </p:style>
+          </p:cxnSp>
+          <p:cxnSp>
+            <p:nvCxnSpPr>
+              <p:cNvPr id="22" name="Straight Connector 21">
+                <a:extLst>
+                  <a:ext uri="{FF2B5EF4-FFF2-40B4-BE49-F238E27FC236}">
+                    <a16:creationId xmlns:a16="http://schemas.microsoft.com/office/drawing/2014/main" id="{EB020346-AA76-5F11-DCD1-4D9F470C0785}"/>
+                  </a:ext>
+                </a:extLst>
+              </p:cNvPr>
+              <p:cNvCxnSpPr>
+                <a:cxnSpLocks/>
+                <a:stCxn id="64" idx="6"/>
+                <a:endCxn id="58" idx="2"/>
+              </p:cNvCxnSpPr>
+              <p:nvPr/>
+            </p:nvCxnSpPr>
+            <p:spPr>
+              <a:xfrm flipV="1">
+                <a:off x="1212080" y="2765213"/>
+                <a:ext cx="468836" cy="469703"/>
+              </a:xfrm>
+              <a:prstGeom prst="line">
+                <a:avLst/>
+              </a:prstGeom>
+              <a:ln>
+                <a:solidFill>
+                  <a:schemeClr val="bg1"/>
+                </a:solidFill>
+              </a:ln>
+            </p:spPr>
+            <p:style>
+              <a:lnRef idx="1">
+                <a:schemeClr val="accent1"/>
+              </a:lnRef>
+              <a:fillRef idx="0">
+                <a:schemeClr val="accent1"/>
+              </a:fillRef>
+              <a:effectRef idx="0">
+                <a:schemeClr val="accent1"/>
+              </a:effectRef>
+              <a:fontRef idx="minor">
+                <a:schemeClr val="tx1"/>
+              </a:fontRef>
+            </p:style>
+          </p:cxnSp>
+          <p:cxnSp>
+            <p:nvCxnSpPr>
+              <p:cNvPr id="23" name="Straight Connector 22">
+                <a:extLst>
+                  <a:ext uri="{FF2B5EF4-FFF2-40B4-BE49-F238E27FC236}">
+                    <a16:creationId xmlns:a16="http://schemas.microsoft.com/office/drawing/2014/main" id="{136438A6-A3C1-84D6-26CF-8CB0F7032236}"/>
+                  </a:ext>
+                </a:extLst>
+              </p:cNvPr>
+              <p:cNvCxnSpPr>
+                <a:cxnSpLocks/>
+                <a:stCxn id="64" idx="6"/>
+                <a:endCxn id="59" idx="2"/>
+              </p:cNvCxnSpPr>
+              <p:nvPr/>
+            </p:nvCxnSpPr>
+            <p:spPr>
+              <a:xfrm flipV="1">
+                <a:off x="1212080" y="3079538"/>
+                <a:ext cx="468836" cy="155378"/>
+              </a:xfrm>
+              <a:prstGeom prst="line">
+                <a:avLst/>
+              </a:prstGeom>
+              <a:ln>
+                <a:solidFill>
+                  <a:schemeClr val="bg1"/>
+                </a:solidFill>
+              </a:ln>
+            </p:spPr>
+            <p:style>
+              <a:lnRef idx="1">
+                <a:schemeClr val="accent1"/>
+              </a:lnRef>
+              <a:fillRef idx="0">
+                <a:schemeClr val="accent1"/>
+              </a:fillRef>
+              <a:effectRef idx="0">
+                <a:schemeClr val="accent1"/>
+              </a:effectRef>
+              <a:fontRef idx="minor">
+                <a:schemeClr val="tx1"/>
+              </a:fontRef>
+            </p:style>
+          </p:cxnSp>
+          <p:cxnSp>
+            <p:nvCxnSpPr>
+              <p:cNvPr id="24" name="Straight Connector 23">
+                <a:extLst>
+                  <a:ext uri="{FF2B5EF4-FFF2-40B4-BE49-F238E27FC236}">
+                    <a16:creationId xmlns:a16="http://schemas.microsoft.com/office/drawing/2014/main" id="{8A6BC9DE-A4D8-F217-923C-C01C38761357}"/>
+                  </a:ext>
+                </a:extLst>
+              </p:cNvPr>
+              <p:cNvCxnSpPr>
+                <a:cxnSpLocks/>
+                <a:stCxn id="64" idx="6"/>
+                <a:endCxn id="60" idx="2"/>
+              </p:cNvCxnSpPr>
+              <p:nvPr/>
+            </p:nvCxnSpPr>
+            <p:spPr>
+              <a:xfrm>
+                <a:off x="1212080" y="3234916"/>
+                <a:ext cx="468836" cy="666256"/>
+              </a:xfrm>
+              <a:prstGeom prst="line">
+                <a:avLst/>
+              </a:prstGeom>
+              <a:ln>
+                <a:solidFill>
+                  <a:schemeClr val="bg1"/>
+                </a:solidFill>
+              </a:ln>
+            </p:spPr>
+            <p:style>
+              <a:lnRef idx="1">
+                <a:schemeClr val="accent1"/>
+              </a:lnRef>
+              <a:fillRef idx="0">
+                <a:schemeClr val="accent1"/>
+              </a:fillRef>
+              <a:effectRef idx="0">
+                <a:schemeClr val="accent1"/>
+              </a:effectRef>
+              <a:fontRef idx="minor">
+                <a:schemeClr val="tx1"/>
+              </a:fontRef>
+            </p:style>
+          </p:cxnSp>
+          <p:cxnSp>
+            <p:nvCxnSpPr>
+              <p:cNvPr id="25" name="Straight Connector 24">
+                <a:extLst>
+                  <a:ext uri="{FF2B5EF4-FFF2-40B4-BE49-F238E27FC236}">
+                    <a16:creationId xmlns:a16="http://schemas.microsoft.com/office/drawing/2014/main" id="{96B0D05F-F2A9-A61C-CB35-8966F3DF6B38}"/>
+                  </a:ext>
+                </a:extLst>
+              </p:cNvPr>
+              <p:cNvCxnSpPr>
+                <a:cxnSpLocks/>
+                <a:stCxn id="65" idx="6"/>
+                <a:endCxn id="58" idx="2"/>
+              </p:cNvCxnSpPr>
+              <p:nvPr/>
+            </p:nvCxnSpPr>
+            <p:spPr>
+              <a:xfrm flipV="1">
+                <a:off x="1212080" y="2765213"/>
+                <a:ext cx="468836" cy="1367551"/>
+              </a:xfrm>
+              <a:prstGeom prst="line">
+                <a:avLst/>
+              </a:prstGeom>
+              <a:ln>
+                <a:solidFill>
+                  <a:schemeClr val="bg1"/>
+                </a:solidFill>
+              </a:ln>
+            </p:spPr>
+            <p:style>
+              <a:lnRef idx="1">
+                <a:schemeClr val="accent1"/>
+              </a:lnRef>
+              <a:fillRef idx="0">
+                <a:schemeClr val="accent1"/>
+              </a:fillRef>
+              <a:effectRef idx="0">
+                <a:schemeClr val="accent1"/>
+              </a:effectRef>
+              <a:fontRef idx="minor">
+                <a:schemeClr val="tx1"/>
+              </a:fontRef>
+            </p:style>
+          </p:cxnSp>
+          <p:cxnSp>
+            <p:nvCxnSpPr>
+              <p:cNvPr id="26" name="Straight Connector 25">
+                <a:extLst>
+                  <a:ext uri="{FF2B5EF4-FFF2-40B4-BE49-F238E27FC236}">
+                    <a16:creationId xmlns:a16="http://schemas.microsoft.com/office/drawing/2014/main" id="{8E97A617-7A42-EB07-0A10-D02D3495C284}"/>
+                  </a:ext>
+                </a:extLst>
+              </p:cNvPr>
+              <p:cNvCxnSpPr>
+                <a:cxnSpLocks/>
+                <a:stCxn id="65" idx="6"/>
+                <a:endCxn id="59" idx="2"/>
+              </p:cNvCxnSpPr>
+              <p:nvPr/>
+            </p:nvCxnSpPr>
+            <p:spPr>
+              <a:xfrm flipV="1">
+                <a:off x="1212080" y="3079538"/>
+                <a:ext cx="468836" cy="1053226"/>
+              </a:xfrm>
+              <a:prstGeom prst="line">
+                <a:avLst/>
+              </a:prstGeom>
+              <a:ln>
+                <a:solidFill>
+                  <a:schemeClr val="bg1"/>
+                </a:solidFill>
+              </a:ln>
+            </p:spPr>
+            <p:style>
+              <a:lnRef idx="1">
+                <a:schemeClr val="accent1"/>
+              </a:lnRef>
+              <a:fillRef idx="0">
+                <a:schemeClr val="accent1"/>
+              </a:fillRef>
+              <a:effectRef idx="0">
+                <a:schemeClr val="accent1"/>
+              </a:effectRef>
+              <a:fontRef idx="minor">
+                <a:schemeClr val="tx1"/>
+              </a:fontRef>
+            </p:style>
+          </p:cxnSp>
+          <p:cxnSp>
+            <p:nvCxnSpPr>
+              <p:cNvPr id="27" name="Straight Connector 26">
+                <a:extLst>
+                  <a:ext uri="{FF2B5EF4-FFF2-40B4-BE49-F238E27FC236}">
+                    <a16:creationId xmlns:a16="http://schemas.microsoft.com/office/drawing/2014/main" id="{9DA04AF7-723C-534C-5569-A9ADD035F832}"/>
+                  </a:ext>
+                </a:extLst>
+              </p:cNvPr>
+              <p:cNvCxnSpPr>
+                <a:cxnSpLocks/>
+                <a:stCxn id="65" idx="6"/>
+                <a:endCxn id="60" idx="2"/>
+              </p:cNvCxnSpPr>
+              <p:nvPr/>
+            </p:nvCxnSpPr>
+            <p:spPr>
+              <a:xfrm flipV="1">
+                <a:off x="1212080" y="3901172"/>
+                <a:ext cx="468836" cy="231592"/>
+              </a:xfrm>
+              <a:prstGeom prst="line">
+                <a:avLst/>
+              </a:prstGeom>
+              <a:ln>
+                <a:solidFill>
+                  <a:schemeClr val="bg1"/>
+                </a:solidFill>
+              </a:ln>
+            </p:spPr>
+            <p:style>
+              <a:lnRef idx="1">
+                <a:schemeClr val="accent1"/>
+              </a:lnRef>
+              <a:fillRef idx="0">
+                <a:schemeClr val="accent1"/>
+              </a:fillRef>
+              <a:effectRef idx="0">
+                <a:schemeClr val="accent1"/>
+              </a:effectRef>
+              <a:fontRef idx="minor">
+                <a:schemeClr val="tx1"/>
+              </a:fontRef>
+            </p:style>
+          </p:cxnSp>
+          <p:cxnSp>
+            <p:nvCxnSpPr>
+              <p:cNvPr id="28" name="Straight Connector 27">
+                <a:extLst>
+                  <a:ext uri="{FF2B5EF4-FFF2-40B4-BE49-F238E27FC236}">
+                    <a16:creationId xmlns:a16="http://schemas.microsoft.com/office/drawing/2014/main" id="{548B8132-1260-2A85-3270-E89A4FAE3035}"/>
+                  </a:ext>
+                </a:extLst>
+              </p:cNvPr>
+              <p:cNvCxnSpPr>
+                <a:cxnSpLocks/>
+                <a:stCxn id="58" idx="6"/>
+                <a:endCxn id="54" idx="2"/>
+              </p:cNvCxnSpPr>
+              <p:nvPr/>
+            </p:nvCxnSpPr>
+            <p:spPr>
+              <a:xfrm>
+                <a:off x="1877470" y="2765213"/>
+                <a:ext cx="378620" cy="0"/>
+              </a:xfrm>
+              <a:prstGeom prst="line">
+                <a:avLst/>
+              </a:prstGeom>
+              <a:ln>
+                <a:solidFill>
+                  <a:schemeClr val="bg1"/>
+                </a:solidFill>
+              </a:ln>
+            </p:spPr>
+            <p:style>
+              <a:lnRef idx="1">
+                <a:schemeClr val="accent1"/>
+              </a:lnRef>
+              <a:fillRef idx="0">
+                <a:schemeClr val="accent1"/>
+              </a:fillRef>
+              <a:effectRef idx="0">
+                <a:schemeClr val="accent1"/>
+              </a:effectRef>
+              <a:fontRef idx="minor">
+                <a:schemeClr val="tx1"/>
+              </a:fontRef>
+            </p:style>
+          </p:cxnSp>
+          <p:cxnSp>
+            <p:nvCxnSpPr>
+              <p:cNvPr id="29" name="Straight Connector 28">
+                <a:extLst>
+                  <a:ext uri="{FF2B5EF4-FFF2-40B4-BE49-F238E27FC236}">
+                    <a16:creationId xmlns:a16="http://schemas.microsoft.com/office/drawing/2014/main" id="{AC7C2401-2B5D-62F0-5AD4-EC2F2FF49F63}"/>
+                  </a:ext>
+                </a:extLst>
+              </p:cNvPr>
+              <p:cNvCxnSpPr>
+                <a:cxnSpLocks/>
+                <a:stCxn id="58" idx="6"/>
+                <a:endCxn id="55" idx="2"/>
+              </p:cNvCxnSpPr>
+              <p:nvPr/>
+            </p:nvCxnSpPr>
+            <p:spPr>
+              <a:xfrm>
+                <a:off x="1877470" y="2765213"/>
+                <a:ext cx="378620" cy="314325"/>
+              </a:xfrm>
+              <a:prstGeom prst="line">
+                <a:avLst/>
+              </a:prstGeom>
+              <a:ln>
+                <a:solidFill>
+                  <a:schemeClr val="bg1"/>
+                </a:solidFill>
+              </a:ln>
+            </p:spPr>
+            <p:style>
+              <a:lnRef idx="1">
+                <a:schemeClr val="accent1"/>
+              </a:lnRef>
+              <a:fillRef idx="0">
+                <a:schemeClr val="accent1"/>
+              </a:fillRef>
+              <a:effectRef idx="0">
+                <a:schemeClr val="accent1"/>
+              </a:effectRef>
+              <a:fontRef idx="minor">
+                <a:schemeClr val="tx1"/>
+              </a:fontRef>
+            </p:style>
+          </p:cxnSp>
+          <p:cxnSp>
+            <p:nvCxnSpPr>
+              <p:cNvPr id="30" name="Straight Connector 29">
+                <a:extLst>
+                  <a:ext uri="{FF2B5EF4-FFF2-40B4-BE49-F238E27FC236}">
+                    <a16:creationId xmlns:a16="http://schemas.microsoft.com/office/drawing/2014/main" id="{76FA6A97-A3B1-A7A0-7CF0-90E87A2C8DA5}"/>
+                  </a:ext>
+                </a:extLst>
+              </p:cNvPr>
+              <p:cNvCxnSpPr>
+                <a:cxnSpLocks/>
+                <a:stCxn id="58" idx="6"/>
+                <a:endCxn id="56" idx="2"/>
+              </p:cNvCxnSpPr>
+              <p:nvPr/>
+            </p:nvCxnSpPr>
+            <p:spPr>
+              <a:xfrm>
+                <a:off x="1877470" y="2765213"/>
+                <a:ext cx="378620" cy="1135959"/>
+              </a:xfrm>
+              <a:prstGeom prst="line">
+                <a:avLst/>
+              </a:prstGeom>
+              <a:ln>
+                <a:solidFill>
+                  <a:schemeClr val="bg1"/>
+                </a:solidFill>
+              </a:ln>
+            </p:spPr>
+            <p:style>
+              <a:lnRef idx="1">
+                <a:schemeClr val="accent1"/>
+              </a:lnRef>
+              <a:fillRef idx="0">
+                <a:schemeClr val="accent1"/>
+              </a:fillRef>
+              <a:effectRef idx="0">
+                <a:schemeClr val="accent1"/>
+              </a:effectRef>
+              <a:fontRef idx="minor">
+                <a:schemeClr val="tx1"/>
+              </a:fontRef>
+            </p:style>
+          </p:cxnSp>
+          <p:cxnSp>
+            <p:nvCxnSpPr>
+              <p:cNvPr id="31" name="Straight Connector 30">
+                <a:extLst>
+                  <a:ext uri="{FF2B5EF4-FFF2-40B4-BE49-F238E27FC236}">
+                    <a16:creationId xmlns:a16="http://schemas.microsoft.com/office/drawing/2014/main" id="{80A1F979-7EA5-2029-CBD5-AE18DB2391F9}"/>
+                  </a:ext>
+                </a:extLst>
+              </p:cNvPr>
+              <p:cNvCxnSpPr>
+                <a:cxnSpLocks/>
+                <a:stCxn id="59" idx="6"/>
+                <a:endCxn id="54" idx="2"/>
+              </p:cNvCxnSpPr>
+              <p:nvPr/>
+            </p:nvCxnSpPr>
+            <p:spPr>
+              <a:xfrm flipV="1">
+                <a:off x="1877470" y="2765213"/>
+                <a:ext cx="378620" cy="314325"/>
+              </a:xfrm>
+              <a:prstGeom prst="line">
+                <a:avLst/>
+              </a:prstGeom>
+              <a:ln>
+                <a:solidFill>
+                  <a:schemeClr val="bg1"/>
+                </a:solidFill>
+              </a:ln>
+            </p:spPr>
+            <p:style>
+              <a:lnRef idx="1">
+                <a:schemeClr val="accent1"/>
+              </a:lnRef>
+              <a:fillRef idx="0">
+                <a:schemeClr val="accent1"/>
+              </a:fillRef>
+              <a:effectRef idx="0">
+                <a:schemeClr val="accent1"/>
+              </a:effectRef>
+              <a:fontRef idx="minor">
+                <a:schemeClr val="tx1"/>
+              </a:fontRef>
+            </p:style>
+          </p:cxnSp>
+          <p:cxnSp>
+            <p:nvCxnSpPr>
+              <p:cNvPr id="32" name="Straight Connector 31">
+                <a:extLst>
+                  <a:ext uri="{FF2B5EF4-FFF2-40B4-BE49-F238E27FC236}">
+                    <a16:creationId xmlns:a16="http://schemas.microsoft.com/office/drawing/2014/main" id="{C06C9AB9-747A-CBC0-FF29-EACB19486BD8}"/>
+                  </a:ext>
+                </a:extLst>
+              </p:cNvPr>
+              <p:cNvCxnSpPr>
+                <a:cxnSpLocks/>
+                <a:stCxn id="59" idx="6"/>
+                <a:endCxn id="55" idx="2"/>
+              </p:cNvCxnSpPr>
+              <p:nvPr/>
+            </p:nvCxnSpPr>
+            <p:spPr>
+              <a:xfrm>
+                <a:off x="1877470" y="3079538"/>
+                <a:ext cx="378620" cy="0"/>
+              </a:xfrm>
+              <a:prstGeom prst="line">
+                <a:avLst/>
+              </a:prstGeom>
+              <a:ln>
+                <a:solidFill>
+                  <a:schemeClr val="bg1"/>
+                </a:solidFill>
+              </a:ln>
+            </p:spPr>
+            <p:style>
+              <a:lnRef idx="1">
+                <a:schemeClr val="accent1"/>
+              </a:lnRef>
+              <a:fillRef idx="0">
+                <a:schemeClr val="accent1"/>
+              </a:fillRef>
+              <a:effectRef idx="0">
+                <a:schemeClr val="accent1"/>
+              </a:effectRef>
+              <a:fontRef idx="minor">
+                <a:schemeClr val="tx1"/>
+              </a:fontRef>
+            </p:style>
+          </p:cxnSp>
+          <p:cxnSp>
+            <p:nvCxnSpPr>
+              <p:cNvPr id="33" name="Straight Connector 32">
+                <a:extLst>
+                  <a:ext uri="{FF2B5EF4-FFF2-40B4-BE49-F238E27FC236}">
+                    <a16:creationId xmlns:a16="http://schemas.microsoft.com/office/drawing/2014/main" id="{F8C4C71D-DA1F-2362-565E-96128617F7C0}"/>
+                  </a:ext>
+                </a:extLst>
+              </p:cNvPr>
+              <p:cNvCxnSpPr>
+                <a:cxnSpLocks/>
+                <a:stCxn id="59" idx="6"/>
+                <a:endCxn id="56" idx="2"/>
+              </p:cNvCxnSpPr>
+              <p:nvPr/>
+            </p:nvCxnSpPr>
+            <p:spPr>
+              <a:xfrm>
+                <a:off x="1877470" y="3079538"/>
+                <a:ext cx="378620" cy="821634"/>
+              </a:xfrm>
+              <a:prstGeom prst="line">
+                <a:avLst/>
+              </a:prstGeom>
+              <a:ln>
+                <a:solidFill>
+                  <a:schemeClr val="bg1"/>
+                </a:solidFill>
+              </a:ln>
+            </p:spPr>
+            <p:style>
+              <a:lnRef idx="1">
+                <a:schemeClr val="accent1"/>
+              </a:lnRef>
+              <a:fillRef idx="0">
+                <a:schemeClr val="accent1"/>
+              </a:fillRef>
+              <a:effectRef idx="0">
+                <a:schemeClr val="accent1"/>
+              </a:effectRef>
+              <a:fontRef idx="minor">
+                <a:schemeClr val="tx1"/>
+              </a:fontRef>
+            </p:style>
+          </p:cxnSp>
+          <p:cxnSp>
+            <p:nvCxnSpPr>
+              <p:cNvPr id="34" name="Straight Connector 33">
+                <a:extLst>
+                  <a:ext uri="{FF2B5EF4-FFF2-40B4-BE49-F238E27FC236}">
+                    <a16:creationId xmlns:a16="http://schemas.microsoft.com/office/drawing/2014/main" id="{996C1F5E-7E4D-C852-773F-42BF2094B269}"/>
+                  </a:ext>
+                </a:extLst>
+              </p:cNvPr>
+              <p:cNvCxnSpPr>
+                <a:cxnSpLocks/>
+                <a:stCxn id="60" idx="6"/>
+                <a:endCxn id="56" idx="2"/>
+              </p:cNvCxnSpPr>
+              <p:nvPr/>
+            </p:nvCxnSpPr>
+            <p:spPr>
+              <a:xfrm>
+                <a:off x="1877470" y="3901172"/>
+                <a:ext cx="378620" cy="0"/>
+              </a:xfrm>
+              <a:prstGeom prst="line">
+                <a:avLst/>
+              </a:prstGeom>
+              <a:ln>
+                <a:solidFill>
+                  <a:schemeClr val="bg1"/>
+                </a:solidFill>
+              </a:ln>
+            </p:spPr>
+            <p:style>
+              <a:lnRef idx="1">
+                <a:schemeClr val="accent1"/>
+              </a:lnRef>
+              <a:fillRef idx="0">
+                <a:schemeClr val="accent1"/>
+              </a:fillRef>
+              <a:effectRef idx="0">
+                <a:schemeClr val="accent1"/>
+              </a:effectRef>
+              <a:fontRef idx="minor">
+                <a:schemeClr val="tx1"/>
+              </a:fontRef>
+            </p:style>
+          </p:cxnSp>
+          <p:cxnSp>
+            <p:nvCxnSpPr>
+              <p:cNvPr id="35" name="Straight Connector 34">
+                <a:extLst>
+                  <a:ext uri="{FF2B5EF4-FFF2-40B4-BE49-F238E27FC236}">
+                    <a16:creationId xmlns:a16="http://schemas.microsoft.com/office/drawing/2014/main" id="{6C2212B3-02C9-17C4-9563-DA0712618F41}"/>
+                  </a:ext>
+                </a:extLst>
+              </p:cNvPr>
+              <p:cNvCxnSpPr>
+                <a:cxnSpLocks/>
+                <a:stCxn id="60" idx="6"/>
+                <a:endCxn id="55" idx="2"/>
+              </p:cNvCxnSpPr>
+              <p:nvPr/>
+            </p:nvCxnSpPr>
+            <p:spPr>
+              <a:xfrm flipV="1">
+                <a:off x="1877470" y="3079538"/>
+                <a:ext cx="378620" cy="821634"/>
+              </a:xfrm>
+              <a:prstGeom prst="line">
+                <a:avLst/>
+              </a:prstGeom>
+              <a:ln>
+                <a:solidFill>
+                  <a:schemeClr val="bg1"/>
+                </a:solidFill>
+              </a:ln>
+            </p:spPr>
+            <p:style>
+              <a:lnRef idx="1">
+                <a:schemeClr val="accent1"/>
+              </a:lnRef>
+              <a:fillRef idx="0">
+                <a:schemeClr val="accent1"/>
+              </a:fillRef>
+              <a:effectRef idx="0">
+                <a:schemeClr val="accent1"/>
+              </a:effectRef>
+              <a:fontRef idx="minor">
+                <a:schemeClr val="tx1"/>
+              </a:fontRef>
+            </p:style>
+          </p:cxnSp>
+          <p:cxnSp>
+            <p:nvCxnSpPr>
+              <p:cNvPr id="36" name="Straight Connector 35">
+                <a:extLst>
+                  <a:ext uri="{FF2B5EF4-FFF2-40B4-BE49-F238E27FC236}">
+                    <a16:creationId xmlns:a16="http://schemas.microsoft.com/office/drawing/2014/main" id="{26CE003E-0F14-F268-2B65-32BBE65666AD}"/>
+                  </a:ext>
+                </a:extLst>
+              </p:cNvPr>
+              <p:cNvCxnSpPr>
+                <a:cxnSpLocks/>
+                <a:stCxn id="60" idx="6"/>
+                <a:endCxn id="54" idx="2"/>
+              </p:cNvCxnSpPr>
+              <p:nvPr/>
+            </p:nvCxnSpPr>
+            <p:spPr>
+              <a:xfrm flipV="1">
+                <a:off x="1877470" y="2765213"/>
+                <a:ext cx="378620" cy="1135959"/>
+              </a:xfrm>
+              <a:prstGeom prst="line">
+                <a:avLst/>
+              </a:prstGeom>
+              <a:ln>
+                <a:solidFill>
+                  <a:schemeClr val="bg1"/>
+                </a:solidFill>
+              </a:ln>
+            </p:spPr>
+            <p:style>
+              <a:lnRef idx="1">
+                <a:schemeClr val="accent1"/>
+              </a:lnRef>
+              <a:fillRef idx="0">
+                <a:schemeClr val="accent1"/>
+              </a:fillRef>
+              <a:effectRef idx="0">
+                <a:schemeClr val="accent1"/>
+              </a:effectRef>
+              <a:fontRef idx="minor">
+                <a:schemeClr val="tx1"/>
+              </a:fontRef>
+            </p:style>
+          </p:cxnSp>
+          <p:cxnSp>
+            <p:nvCxnSpPr>
+              <p:cNvPr id="37" name="Straight Connector 36">
+                <a:extLst>
+                  <a:ext uri="{FF2B5EF4-FFF2-40B4-BE49-F238E27FC236}">
+                    <a16:creationId xmlns:a16="http://schemas.microsoft.com/office/drawing/2014/main" id="{1E469A8C-4DB8-DF12-8F3E-CACBCFD79B8A}"/>
+                  </a:ext>
+                </a:extLst>
+              </p:cNvPr>
+              <p:cNvCxnSpPr>
+                <a:cxnSpLocks/>
+                <a:stCxn id="49" idx="2"/>
+                <a:endCxn id="54" idx="6"/>
+              </p:cNvCxnSpPr>
+              <p:nvPr/>
+            </p:nvCxnSpPr>
+            <p:spPr>
+              <a:xfrm flipH="1">
+                <a:off x="2452644" y="2606266"/>
+                <a:ext cx="504749" cy="158947"/>
+              </a:xfrm>
+              <a:prstGeom prst="line">
+                <a:avLst/>
+              </a:prstGeom>
+              <a:ln>
+                <a:solidFill>
+                  <a:schemeClr val="bg1"/>
+                </a:solidFill>
+              </a:ln>
+            </p:spPr>
+            <p:style>
+              <a:lnRef idx="1">
+                <a:schemeClr val="accent1"/>
+              </a:lnRef>
+              <a:fillRef idx="0">
+                <a:schemeClr val="accent1"/>
+              </a:fillRef>
+              <a:effectRef idx="0">
+                <a:schemeClr val="accent1"/>
+              </a:effectRef>
+              <a:fontRef idx="minor">
+                <a:schemeClr val="tx1"/>
+              </a:fontRef>
+            </p:style>
+          </p:cxnSp>
+          <p:cxnSp>
+            <p:nvCxnSpPr>
+              <p:cNvPr id="38" name="Straight Connector 37">
+                <a:extLst>
+                  <a:ext uri="{FF2B5EF4-FFF2-40B4-BE49-F238E27FC236}">
+                    <a16:creationId xmlns:a16="http://schemas.microsoft.com/office/drawing/2014/main" id="{999E2A59-A1A4-34A2-BE6B-894699CA01AA}"/>
+                  </a:ext>
+                </a:extLst>
+              </p:cNvPr>
+              <p:cNvCxnSpPr>
+                <a:cxnSpLocks/>
+                <a:stCxn id="50" idx="2"/>
+                <a:endCxn id="54" idx="6"/>
+              </p:cNvCxnSpPr>
+              <p:nvPr/>
+            </p:nvCxnSpPr>
+            <p:spPr>
+              <a:xfrm flipH="1" flipV="1">
+                <a:off x="2452644" y="2765213"/>
+                <a:ext cx="504749" cy="155378"/>
+              </a:xfrm>
+              <a:prstGeom prst="line">
+                <a:avLst/>
+              </a:prstGeom>
+              <a:ln>
+                <a:solidFill>
+                  <a:schemeClr val="bg1"/>
+                </a:solidFill>
+              </a:ln>
+            </p:spPr>
+            <p:style>
+              <a:lnRef idx="1">
+                <a:schemeClr val="accent1"/>
+              </a:lnRef>
+              <a:fillRef idx="0">
+                <a:schemeClr val="accent1"/>
+              </a:fillRef>
+              <a:effectRef idx="0">
+                <a:schemeClr val="accent1"/>
+              </a:effectRef>
+              <a:fontRef idx="minor">
+                <a:schemeClr val="tx1"/>
+              </a:fontRef>
+            </p:style>
+          </p:cxnSp>
+          <p:cxnSp>
+            <p:nvCxnSpPr>
+              <p:cNvPr id="39" name="Straight Connector 38">
+                <a:extLst>
+                  <a:ext uri="{FF2B5EF4-FFF2-40B4-BE49-F238E27FC236}">
+                    <a16:creationId xmlns:a16="http://schemas.microsoft.com/office/drawing/2014/main" id="{8726FAA5-FC9B-D1A4-62B9-F782BF57BAA5}"/>
+                  </a:ext>
+                </a:extLst>
+              </p:cNvPr>
+              <p:cNvCxnSpPr>
+                <a:cxnSpLocks/>
+                <a:stCxn id="51" idx="2"/>
+                <a:endCxn id="54" idx="6"/>
+              </p:cNvCxnSpPr>
+              <p:nvPr/>
+            </p:nvCxnSpPr>
+            <p:spPr>
+              <a:xfrm flipH="1" flipV="1">
+                <a:off x="2452644" y="2765213"/>
+                <a:ext cx="504749" cy="469703"/>
+              </a:xfrm>
+              <a:prstGeom prst="line">
+                <a:avLst/>
+              </a:prstGeom>
+              <a:ln>
+                <a:solidFill>
+                  <a:schemeClr val="bg1"/>
+                </a:solidFill>
+              </a:ln>
+            </p:spPr>
+            <p:style>
+              <a:lnRef idx="1">
+                <a:schemeClr val="accent1"/>
+              </a:lnRef>
+              <a:fillRef idx="0">
+                <a:schemeClr val="accent1"/>
+              </a:fillRef>
+              <a:effectRef idx="0">
+                <a:schemeClr val="accent1"/>
+              </a:effectRef>
+              <a:fontRef idx="minor">
+                <a:schemeClr val="tx1"/>
+              </a:fontRef>
+            </p:style>
+          </p:cxnSp>
+          <p:cxnSp>
+            <p:nvCxnSpPr>
+              <p:cNvPr id="40" name="Straight Connector 39">
+                <a:extLst>
+                  <a:ext uri="{FF2B5EF4-FFF2-40B4-BE49-F238E27FC236}">
+                    <a16:creationId xmlns:a16="http://schemas.microsoft.com/office/drawing/2014/main" id="{5CEEA200-8FBB-F90D-D22F-10E752198604}"/>
+                  </a:ext>
+                </a:extLst>
+              </p:cNvPr>
+              <p:cNvCxnSpPr>
+                <a:cxnSpLocks/>
+                <a:stCxn id="52" idx="2"/>
+                <a:endCxn id="54" idx="6"/>
+              </p:cNvCxnSpPr>
+              <p:nvPr/>
+            </p:nvCxnSpPr>
+            <p:spPr>
+              <a:xfrm flipH="1" flipV="1">
+                <a:off x="2452644" y="2765213"/>
+                <a:ext cx="504749" cy="1367551"/>
+              </a:xfrm>
+              <a:prstGeom prst="line">
+                <a:avLst/>
+              </a:prstGeom>
+              <a:ln>
+                <a:solidFill>
+                  <a:schemeClr val="bg1"/>
+                </a:solidFill>
+              </a:ln>
+            </p:spPr>
+            <p:style>
+              <a:lnRef idx="1">
+                <a:schemeClr val="accent1"/>
+              </a:lnRef>
+              <a:fillRef idx="0">
+                <a:schemeClr val="accent1"/>
+              </a:fillRef>
+              <a:effectRef idx="0">
+                <a:schemeClr val="accent1"/>
+              </a:effectRef>
+              <a:fontRef idx="minor">
+                <a:schemeClr val="tx1"/>
+              </a:fontRef>
+            </p:style>
+          </p:cxnSp>
+          <p:cxnSp>
+            <p:nvCxnSpPr>
+              <p:cNvPr id="41" name="Straight Connector 40">
+                <a:extLst>
+                  <a:ext uri="{FF2B5EF4-FFF2-40B4-BE49-F238E27FC236}">
+                    <a16:creationId xmlns:a16="http://schemas.microsoft.com/office/drawing/2014/main" id="{09B025F3-D113-18CA-A91C-0AAB406B3924}"/>
+                  </a:ext>
+                </a:extLst>
+              </p:cNvPr>
+              <p:cNvCxnSpPr>
+                <a:cxnSpLocks/>
+                <a:stCxn id="49" idx="2"/>
+                <a:endCxn id="55" idx="6"/>
+              </p:cNvCxnSpPr>
+              <p:nvPr/>
+            </p:nvCxnSpPr>
+            <p:spPr>
+              <a:xfrm flipH="1">
+                <a:off x="2452644" y="2606266"/>
+                <a:ext cx="504749" cy="473272"/>
+              </a:xfrm>
+              <a:prstGeom prst="line">
+                <a:avLst/>
+              </a:prstGeom>
+              <a:ln>
+                <a:solidFill>
+                  <a:schemeClr val="bg1"/>
+                </a:solidFill>
+              </a:ln>
+            </p:spPr>
+            <p:style>
+              <a:lnRef idx="1">
+                <a:schemeClr val="accent1"/>
+              </a:lnRef>
+              <a:fillRef idx="0">
+                <a:schemeClr val="accent1"/>
+              </a:fillRef>
+              <a:effectRef idx="0">
+                <a:schemeClr val="accent1"/>
+              </a:effectRef>
+              <a:fontRef idx="minor">
+                <a:schemeClr val="tx1"/>
+              </a:fontRef>
+            </p:style>
+          </p:cxnSp>
+          <p:cxnSp>
+            <p:nvCxnSpPr>
+              <p:cNvPr id="42" name="Straight Connector 41">
+                <a:extLst>
+                  <a:ext uri="{FF2B5EF4-FFF2-40B4-BE49-F238E27FC236}">
+                    <a16:creationId xmlns:a16="http://schemas.microsoft.com/office/drawing/2014/main" id="{8871D944-CA74-6ABF-BBF3-6E9CC7E6992E}"/>
+                  </a:ext>
+                </a:extLst>
+              </p:cNvPr>
+              <p:cNvCxnSpPr>
+                <a:cxnSpLocks/>
+                <a:stCxn id="50" idx="2"/>
+                <a:endCxn id="55" idx="6"/>
+              </p:cNvCxnSpPr>
+              <p:nvPr/>
+            </p:nvCxnSpPr>
+            <p:spPr>
+              <a:xfrm flipH="1">
+                <a:off x="2452644" y="2920591"/>
+                <a:ext cx="504749" cy="158947"/>
+              </a:xfrm>
+              <a:prstGeom prst="line">
+                <a:avLst/>
+              </a:prstGeom>
+              <a:ln>
+                <a:solidFill>
+                  <a:schemeClr val="bg1"/>
+                </a:solidFill>
+              </a:ln>
+            </p:spPr>
+            <p:style>
+              <a:lnRef idx="1">
+                <a:schemeClr val="accent1"/>
+              </a:lnRef>
+              <a:fillRef idx="0">
+                <a:schemeClr val="accent1"/>
+              </a:fillRef>
+              <a:effectRef idx="0">
+                <a:schemeClr val="accent1"/>
+              </a:effectRef>
+              <a:fontRef idx="minor">
+                <a:schemeClr val="tx1"/>
+              </a:fontRef>
+            </p:style>
+          </p:cxnSp>
+          <p:cxnSp>
+            <p:nvCxnSpPr>
+              <p:cNvPr id="43" name="Straight Connector 42">
+                <a:extLst>
+                  <a:ext uri="{FF2B5EF4-FFF2-40B4-BE49-F238E27FC236}">
+                    <a16:creationId xmlns:a16="http://schemas.microsoft.com/office/drawing/2014/main" id="{715DCC34-F4FD-8224-A2BE-7C7CB47B811B}"/>
+                  </a:ext>
+                </a:extLst>
+              </p:cNvPr>
+              <p:cNvCxnSpPr>
+                <a:cxnSpLocks/>
+                <a:stCxn id="51" idx="2"/>
+                <a:endCxn id="55" idx="6"/>
+              </p:cNvCxnSpPr>
+              <p:nvPr/>
+            </p:nvCxnSpPr>
+            <p:spPr>
+              <a:xfrm flipH="1" flipV="1">
+                <a:off x="2452644" y="3079538"/>
+                <a:ext cx="504749" cy="155378"/>
+              </a:xfrm>
+              <a:prstGeom prst="line">
+                <a:avLst/>
+              </a:prstGeom>
+              <a:ln>
+                <a:solidFill>
+                  <a:schemeClr val="bg1"/>
+                </a:solidFill>
+              </a:ln>
+            </p:spPr>
+            <p:style>
+              <a:lnRef idx="1">
+                <a:schemeClr val="accent1"/>
+              </a:lnRef>
+              <a:fillRef idx="0">
+                <a:schemeClr val="accent1"/>
+              </a:fillRef>
+              <a:effectRef idx="0">
+                <a:schemeClr val="accent1"/>
+              </a:effectRef>
+              <a:fontRef idx="minor">
+                <a:schemeClr val="tx1"/>
+              </a:fontRef>
+            </p:style>
+          </p:cxnSp>
+          <p:cxnSp>
+            <p:nvCxnSpPr>
+              <p:cNvPr id="44" name="Straight Connector 43">
+                <a:extLst>
+                  <a:ext uri="{FF2B5EF4-FFF2-40B4-BE49-F238E27FC236}">
+                    <a16:creationId xmlns:a16="http://schemas.microsoft.com/office/drawing/2014/main" id="{D2FC6603-5D46-9D1D-8A9F-5E5106346B1C}"/>
+                  </a:ext>
+                </a:extLst>
+              </p:cNvPr>
+              <p:cNvCxnSpPr>
+                <a:cxnSpLocks/>
+                <a:stCxn id="52" idx="2"/>
+                <a:endCxn id="55" idx="6"/>
+              </p:cNvCxnSpPr>
+              <p:nvPr/>
+            </p:nvCxnSpPr>
+            <p:spPr>
+              <a:xfrm flipH="1" flipV="1">
+                <a:off x="2452644" y="3079538"/>
+                <a:ext cx="504749" cy="1053226"/>
+              </a:xfrm>
+              <a:prstGeom prst="line">
+                <a:avLst/>
+              </a:prstGeom>
+              <a:ln>
+                <a:solidFill>
+                  <a:schemeClr val="bg1"/>
+                </a:solidFill>
+              </a:ln>
+            </p:spPr>
+            <p:style>
+              <a:lnRef idx="1">
+                <a:schemeClr val="accent1"/>
+              </a:lnRef>
+              <a:fillRef idx="0">
+                <a:schemeClr val="accent1"/>
+              </a:fillRef>
+              <a:effectRef idx="0">
+                <a:schemeClr val="accent1"/>
+              </a:effectRef>
+              <a:fontRef idx="minor">
+                <a:schemeClr val="tx1"/>
+              </a:fontRef>
+            </p:style>
+          </p:cxnSp>
+          <p:cxnSp>
+            <p:nvCxnSpPr>
+              <p:cNvPr id="45" name="Straight Connector 44">
+                <a:extLst>
+                  <a:ext uri="{FF2B5EF4-FFF2-40B4-BE49-F238E27FC236}">
+                    <a16:creationId xmlns:a16="http://schemas.microsoft.com/office/drawing/2014/main" id="{1F37B979-C150-46D7-489F-C94535580CE4}"/>
+                  </a:ext>
+                </a:extLst>
+              </p:cNvPr>
+              <p:cNvCxnSpPr>
+                <a:cxnSpLocks/>
+                <a:stCxn id="49" idx="2"/>
+                <a:endCxn id="56" idx="6"/>
+              </p:cNvCxnSpPr>
+              <p:nvPr/>
+            </p:nvCxnSpPr>
+            <p:spPr>
+              <a:xfrm flipH="1">
+                <a:off x="2452644" y="2606266"/>
+                <a:ext cx="504749" cy="1294906"/>
+              </a:xfrm>
+              <a:prstGeom prst="line">
+                <a:avLst/>
+              </a:prstGeom>
+              <a:ln>
+                <a:solidFill>
+                  <a:schemeClr val="bg1"/>
+                </a:solidFill>
+              </a:ln>
+            </p:spPr>
+            <p:style>
+              <a:lnRef idx="1">
+                <a:schemeClr val="accent1"/>
+              </a:lnRef>
+              <a:fillRef idx="0">
+                <a:schemeClr val="accent1"/>
+              </a:fillRef>
+              <a:effectRef idx="0">
+                <a:schemeClr val="accent1"/>
+              </a:effectRef>
+              <a:fontRef idx="minor">
+                <a:schemeClr val="tx1"/>
+              </a:fontRef>
+            </p:style>
+          </p:cxnSp>
+          <p:cxnSp>
+            <p:nvCxnSpPr>
+              <p:cNvPr id="46" name="Straight Connector 45">
+                <a:extLst>
+                  <a:ext uri="{FF2B5EF4-FFF2-40B4-BE49-F238E27FC236}">
+                    <a16:creationId xmlns:a16="http://schemas.microsoft.com/office/drawing/2014/main" id="{8D372F01-FFB2-7174-3DF5-15739B68CC04}"/>
+                  </a:ext>
+                </a:extLst>
+              </p:cNvPr>
+              <p:cNvCxnSpPr>
+                <a:cxnSpLocks/>
+                <a:stCxn id="50" idx="2"/>
+                <a:endCxn id="56" idx="6"/>
+              </p:cNvCxnSpPr>
+              <p:nvPr/>
+            </p:nvCxnSpPr>
+            <p:spPr>
+              <a:xfrm flipH="1">
+                <a:off x="2452644" y="2920591"/>
+                <a:ext cx="504749" cy="980581"/>
+              </a:xfrm>
+              <a:prstGeom prst="line">
+                <a:avLst/>
+              </a:prstGeom>
+              <a:ln>
+                <a:solidFill>
+                  <a:schemeClr val="bg1"/>
+                </a:solidFill>
+              </a:ln>
+            </p:spPr>
+            <p:style>
+              <a:lnRef idx="1">
+                <a:schemeClr val="accent1"/>
+              </a:lnRef>
+              <a:fillRef idx="0">
+                <a:schemeClr val="accent1"/>
+              </a:fillRef>
+              <a:effectRef idx="0">
+                <a:schemeClr val="accent1"/>
+              </a:effectRef>
+              <a:fontRef idx="minor">
+                <a:schemeClr val="tx1"/>
+              </a:fontRef>
+            </p:style>
+          </p:cxnSp>
+          <p:cxnSp>
+            <p:nvCxnSpPr>
+              <p:cNvPr id="47" name="Straight Connector 46">
+                <a:extLst>
+                  <a:ext uri="{FF2B5EF4-FFF2-40B4-BE49-F238E27FC236}">
+                    <a16:creationId xmlns:a16="http://schemas.microsoft.com/office/drawing/2014/main" id="{48182672-14FB-85C2-C27A-FB4E31B8642D}"/>
+                  </a:ext>
+                </a:extLst>
+              </p:cNvPr>
+              <p:cNvCxnSpPr>
+                <a:cxnSpLocks/>
+                <a:stCxn id="51" idx="2"/>
+                <a:endCxn id="56" idx="6"/>
+              </p:cNvCxnSpPr>
+              <p:nvPr/>
+            </p:nvCxnSpPr>
+            <p:spPr>
+              <a:xfrm flipH="1">
+                <a:off x="2452644" y="3234916"/>
+                <a:ext cx="504749" cy="666256"/>
+              </a:xfrm>
+              <a:prstGeom prst="line">
+                <a:avLst/>
+              </a:prstGeom>
+              <a:ln>
+                <a:solidFill>
+                  <a:schemeClr val="bg1"/>
+                </a:solidFill>
+              </a:ln>
+            </p:spPr>
+            <p:style>
+              <a:lnRef idx="1">
+                <a:schemeClr val="accent1"/>
+              </a:lnRef>
+              <a:fillRef idx="0">
+                <a:schemeClr val="accent1"/>
+              </a:fillRef>
+              <a:effectRef idx="0">
+                <a:schemeClr val="accent1"/>
+              </a:effectRef>
+              <a:fontRef idx="minor">
+                <a:schemeClr val="tx1"/>
+              </a:fontRef>
+            </p:style>
+          </p:cxnSp>
+          <p:cxnSp>
+            <p:nvCxnSpPr>
+              <p:cNvPr id="48" name="Straight Connector 47">
+                <a:extLst>
+                  <a:ext uri="{FF2B5EF4-FFF2-40B4-BE49-F238E27FC236}">
+                    <a16:creationId xmlns:a16="http://schemas.microsoft.com/office/drawing/2014/main" id="{0A4A1CD1-7D8E-2499-B938-CAD097D1FA57}"/>
+                  </a:ext>
+                </a:extLst>
+              </p:cNvPr>
+              <p:cNvCxnSpPr>
+                <a:cxnSpLocks/>
+                <a:stCxn id="52" idx="2"/>
+                <a:endCxn id="56" idx="6"/>
+              </p:cNvCxnSpPr>
+              <p:nvPr/>
+            </p:nvCxnSpPr>
+            <p:spPr>
+              <a:xfrm flipH="1" flipV="1">
+                <a:off x="2452644" y="3901172"/>
+                <a:ext cx="504749" cy="231592"/>
+              </a:xfrm>
+              <a:prstGeom prst="line">
+                <a:avLst/>
+              </a:prstGeom>
+              <a:ln>
+                <a:solidFill>
+                  <a:schemeClr val="bg1"/>
+                </a:solidFill>
+              </a:ln>
+            </p:spPr>
+            <p:style>
+              <a:lnRef idx="1">
+                <a:schemeClr val="accent1"/>
+              </a:lnRef>
+              <a:fillRef idx="0">
+                <a:schemeClr val="accent1"/>
+              </a:fillRef>
+              <a:effectRef idx="0">
+                <a:schemeClr val="accent1"/>
+              </a:effectRef>
+              <a:fontRef idx="minor">
+                <a:schemeClr val="tx1"/>
+              </a:fontRef>
+            </p:style>
+          </p:cxnSp>
+        </p:grpSp>
+        <mc:AlternateContent xmlns:mc="http://schemas.openxmlformats.org/markup-compatibility/2006" xmlns:a14="http://schemas.microsoft.com/office/drawing/2010/main">
+          <mc:Choice Requires="a14">
+            <p:sp>
+              <p:nvSpPr>
+                <p:cNvPr id="5" name="TextBox 4">
+                  <a:extLst>
+                    <a:ext uri="{FF2B5EF4-FFF2-40B4-BE49-F238E27FC236}">
+                      <a16:creationId xmlns:a16="http://schemas.microsoft.com/office/drawing/2014/main" id="{4FDDBCB8-C216-3A6F-9A03-26C01F144121}"/>
+                    </a:ext>
+                  </a:extLst>
+                </p:cNvPr>
+                <p:cNvSpPr txBox="1"/>
+                <p:nvPr/>
+              </p:nvSpPr>
+              <p:spPr>
+                <a:xfrm>
+                  <a:off x="651050" y="3096352"/>
+                  <a:ext cx="616858" cy="369332"/>
+                </a:xfrm>
+                <a:prstGeom prst="rect">
+                  <a:avLst/>
+                </a:prstGeom>
+                <a:noFill/>
+              </p:spPr>
+              <p:txBody>
+                <a:bodyPr wrap="square" rtlCol="0">
+                  <a:spAutoFit/>
+                </a:bodyPr>
+                <a:lstStyle/>
+                <a:p>
+                  <a:pPr/>
+                  <a14:m>
+                    <m:oMathPara xmlns:m="http://schemas.openxmlformats.org/officeDocument/2006/math">
+                      <m:oMathParaPr>
+                        <m:jc m:val="centerGroup"/>
+                      </m:oMathParaPr>
+                      <m:oMath xmlns:m="http://schemas.openxmlformats.org/officeDocument/2006/math">
+                        <m:sSub>
+                          <m:sSubPr>
+                            <m:ctrlPr>
+                              <a:rPr lang="en-GB" i="1" dirty="0" smtClean="0">
+                                <a:solidFill>
+                                  <a:schemeClr val="bg1"/>
+                                </a:solidFill>
+                                <a:latin typeface="Cambria Math" panose="02040503050406030204" pitchFamily="18" charset="0"/>
+                              </a:rPr>
+                            </m:ctrlPr>
+                          </m:sSubPr>
+                          <m:e>
+                            <m:r>
+                              <a:rPr lang="en-GB" i="1" dirty="0">
+                                <a:solidFill>
+                                  <a:schemeClr val="bg1"/>
+                                </a:solidFill>
+                                <a:latin typeface="Cambria Math" panose="02040503050406030204" pitchFamily="18" charset="0"/>
+                              </a:rPr>
+                              <m:t>𝑥</m:t>
+                            </m:r>
+                          </m:e>
+                          <m:sub>
+                            <m:r>
+                              <a:rPr lang="en-GB" i="1" dirty="0">
+                                <a:solidFill>
+                                  <a:schemeClr val="bg1"/>
+                                </a:solidFill>
+                                <a:latin typeface="Cambria Math" panose="02040503050406030204" pitchFamily="18" charset="0"/>
+                              </a:rPr>
+                              <m:t>𝑖</m:t>
+                            </m:r>
+                          </m:sub>
+                        </m:sSub>
+                      </m:oMath>
+                    </m:oMathPara>
+                  </a14:m>
+                  <a:endParaRPr lang="en-GB" dirty="0">
+                    <a:solidFill>
+                      <a:schemeClr val="bg1"/>
+                    </a:solidFill>
+                  </a:endParaRPr>
+                </a:p>
+              </p:txBody>
+            </p:sp>
+          </mc:Choice>
+          <mc:Fallback xmlns="">
+            <p:sp>
+              <p:nvSpPr>
+                <p:cNvPr id="224" name="TextBox 223">
+                  <a:extLst>
+                    <a:ext uri="{FF2B5EF4-FFF2-40B4-BE49-F238E27FC236}">
+                      <a16:creationId xmlns:a16="http://schemas.microsoft.com/office/drawing/2014/main" id="{BB6B4B62-F7FC-DBE0-63A4-A3E536E1129A}"/>
+                    </a:ext>
+                  </a:extLst>
+                </p:cNvPr>
+                <p:cNvSpPr txBox="1">
+                  <a:spLocks noRot="1" noChangeAspect="1" noMove="1" noResize="1" noEditPoints="1" noAdjustHandles="1" noChangeArrowheads="1" noChangeShapeType="1" noTextEdit="1"/>
+                </p:cNvSpPr>
+                <p:nvPr/>
+              </p:nvSpPr>
+              <p:spPr>
+                <a:xfrm>
+                  <a:off x="651050" y="3096352"/>
+                  <a:ext cx="616858" cy="369332"/>
+                </a:xfrm>
+                <a:prstGeom prst="rect">
+                  <a:avLst/>
+                </a:prstGeom>
+                <a:blipFill>
+                  <a:blip r:embed="rId4"/>
+                  <a:stretch>
+                    <a:fillRect b="-1667"/>
+                  </a:stretch>
+                </a:blipFill>
+              </p:spPr>
+              <p:txBody>
+                <a:bodyPr/>
+                <a:lstStyle/>
+                <a:p>
+                  <a:r>
+                    <a:rPr lang="en-GB">
+                      <a:noFill/>
+                    </a:rPr>
+                    <a:t> </a:t>
+                  </a:r>
+                </a:p>
+              </p:txBody>
+            </p:sp>
+          </mc:Fallback>
+        </mc:AlternateContent>
+        <mc:AlternateContent xmlns:mc="http://schemas.openxmlformats.org/markup-compatibility/2006" xmlns:a14="http://schemas.microsoft.com/office/drawing/2010/main">
+          <mc:Choice Requires="a14">
+            <p:sp>
+              <p:nvSpPr>
+                <p:cNvPr id="9" name="TextBox 8">
+                  <a:extLst>
+                    <a:ext uri="{FF2B5EF4-FFF2-40B4-BE49-F238E27FC236}">
+                      <a16:creationId xmlns:a16="http://schemas.microsoft.com/office/drawing/2014/main" id="{275FB5F0-CA8F-7DDE-63D9-4CBDEFA1F3B2}"/>
+                    </a:ext>
+                  </a:extLst>
+                </p:cNvPr>
+                <p:cNvSpPr txBox="1"/>
+                <p:nvPr/>
+              </p:nvSpPr>
+              <p:spPr>
+                <a:xfrm>
+                  <a:off x="2058287" y="4099798"/>
+                  <a:ext cx="185115" cy="276999"/>
+                </a:xfrm>
+                <a:prstGeom prst="rect">
+                  <a:avLst/>
+                </a:prstGeom>
+                <a:noFill/>
+              </p:spPr>
+              <p:txBody>
+                <a:bodyPr wrap="none" lIns="0" tIns="0" rIns="0" bIns="0" rtlCol="0">
+                  <a:spAutoFit/>
+                </a:bodyPr>
+                <a:lstStyle/>
+                <a:p>
+                  <a:pPr/>
+                  <a14:m>
+                    <m:oMathPara xmlns:m="http://schemas.openxmlformats.org/officeDocument/2006/math">
+                      <m:oMathParaPr>
+                        <m:jc m:val="centerGroup"/>
+                      </m:oMathParaPr>
+                      <m:oMath xmlns:m="http://schemas.openxmlformats.org/officeDocument/2006/math">
+                        <m:r>
+                          <a:rPr lang="en-GB" i="1" smtClean="0">
+                            <a:solidFill>
+                              <a:schemeClr val="bg1"/>
+                            </a:solidFill>
+                            <a:latin typeface="Cambria Math" panose="02040503050406030204" pitchFamily="18" charset="0"/>
+                          </a:rPr>
+                          <m:t>h</m:t>
+                        </m:r>
+                      </m:oMath>
+                    </m:oMathPara>
+                  </a14:m>
+                  <a:endParaRPr lang="en-GB" dirty="0">
+                    <a:solidFill>
+                      <a:schemeClr val="bg1"/>
+                    </a:solidFill>
+                  </a:endParaRPr>
+                </a:p>
+              </p:txBody>
+            </p:sp>
+          </mc:Choice>
+          <mc:Fallback xmlns="">
+            <p:sp>
+              <p:nvSpPr>
+                <p:cNvPr id="281" name="TextBox 280">
+                  <a:extLst>
+                    <a:ext uri="{FF2B5EF4-FFF2-40B4-BE49-F238E27FC236}">
+                      <a16:creationId xmlns:a16="http://schemas.microsoft.com/office/drawing/2014/main" id="{6CE1A59B-835D-1352-C2D6-B0AF4AB356F5}"/>
+                    </a:ext>
+                  </a:extLst>
+                </p:cNvPr>
+                <p:cNvSpPr txBox="1">
+                  <a:spLocks noRot="1" noChangeAspect="1" noMove="1" noResize="1" noEditPoints="1" noAdjustHandles="1" noChangeArrowheads="1" noChangeShapeType="1" noTextEdit="1"/>
+                </p:cNvSpPr>
+                <p:nvPr/>
+              </p:nvSpPr>
+              <p:spPr>
+                <a:xfrm>
+                  <a:off x="2058287" y="4099798"/>
+                  <a:ext cx="185115" cy="276999"/>
+                </a:xfrm>
+                <a:prstGeom prst="rect">
+                  <a:avLst/>
+                </a:prstGeom>
+                <a:blipFill>
+                  <a:blip r:embed="rId5"/>
+                  <a:stretch>
+                    <a:fillRect l="-33333" r="-30000" b="-8889"/>
+                  </a:stretch>
+                </a:blipFill>
+              </p:spPr>
+              <p:txBody>
+                <a:bodyPr/>
+                <a:lstStyle/>
+                <a:p>
+                  <a:r>
+                    <a:rPr lang="en-GB">
+                      <a:noFill/>
+                    </a:rPr>
+                    <a:t> </a:t>
+                  </a:r>
+                </a:p>
+              </p:txBody>
+            </p:sp>
+          </mc:Fallback>
+        </mc:AlternateContent>
+        <mc:AlternateContent xmlns:mc="http://schemas.openxmlformats.org/markup-compatibility/2006" xmlns:a14="http://schemas.microsoft.com/office/drawing/2010/main">
+          <mc:Choice Requires="a14">
+            <p:sp>
+              <p:nvSpPr>
+                <p:cNvPr id="10" name="TextBox 9">
+                  <a:extLst>
+                    <a:ext uri="{FF2B5EF4-FFF2-40B4-BE49-F238E27FC236}">
+                      <a16:creationId xmlns:a16="http://schemas.microsoft.com/office/drawing/2014/main" id="{96903242-FFB1-17A7-96CD-86ED6F536DEC}"/>
+                    </a:ext>
+                  </a:extLst>
+                </p:cNvPr>
+                <p:cNvSpPr txBox="1"/>
+                <p:nvPr/>
+              </p:nvSpPr>
+              <p:spPr>
+                <a:xfrm>
+                  <a:off x="2667032" y="4099798"/>
+                  <a:ext cx="185115" cy="276999"/>
+                </a:xfrm>
+                <a:prstGeom prst="rect">
+                  <a:avLst/>
+                </a:prstGeom>
+                <a:noFill/>
+              </p:spPr>
+              <p:txBody>
+                <a:bodyPr wrap="none" lIns="0" tIns="0" rIns="0" bIns="0" rtlCol="0">
+                  <a:spAutoFit/>
+                </a:bodyPr>
+                <a:lstStyle/>
+                <a:p>
+                  <a:pPr/>
+                  <a14:m>
+                    <m:oMathPara xmlns:m="http://schemas.openxmlformats.org/officeDocument/2006/math">
+                      <m:oMathParaPr>
+                        <m:jc m:val="centerGroup"/>
+                      </m:oMathParaPr>
+                      <m:oMath xmlns:m="http://schemas.openxmlformats.org/officeDocument/2006/math">
+                        <m:r>
+                          <a:rPr lang="en-GB" i="1" smtClean="0">
+                            <a:solidFill>
+                              <a:schemeClr val="bg1"/>
+                            </a:solidFill>
+                            <a:latin typeface="Cambria Math" panose="02040503050406030204" pitchFamily="18" charset="0"/>
+                          </a:rPr>
+                          <m:t>h</m:t>
+                        </m:r>
+                      </m:oMath>
+                    </m:oMathPara>
+                  </a14:m>
+                  <a:endParaRPr lang="en-GB" dirty="0">
+                    <a:solidFill>
+                      <a:schemeClr val="bg1"/>
+                    </a:solidFill>
+                  </a:endParaRPr>
+                </a:p>
+              </p:txBody>
+            </p:sp>
+          </mc:Choice>
+          <mc:Fallback xmlns="">
+            <p:sp>
+              <p:nvSpPr>
+                <p:cNvPr id="282" name="TextBox 281">
+                  <a:extLst>
+                    <a:ext uri="{FF2B5EF4-FFF2-40B4-BE49-F238E27FC236}">
+                      <a16:creationId xmlns:a16="http://schemas.microsoft.com/office/drawing/2014/main" id="{E91FAF01-24B6-44A5-8A5C-C0720C6D7E22}"/>
+                    </a:ext>
+                  </a:extLst>
+                </p:cNvPr>
+                <p:cNvSpPr txBox="1">
+                  <a:spLocks noRot="1" noChangeAspect="1" noMove="1" noResize="1" noEditPoints="1" noAdjustHandles="1" noChangeArrowheads="1" noChangeShapeType="1" noTextEdit="1"/>
+                </p:cNvSpPr>
+                <p:nvPr/>
+              </p:nvSpPr>
+              <p:spPr>
+                <a:xfrm>
+                  <a:off x="2667032" y="4099798"/>
+                  <a:ext cx="185115" cy="276999"/>
+                </a:xfrm>
+                <a:prstGeom prst="rect">
+                  <a:avLst/>
+                </a:prstGeom>
+                <a:blipFill>
+                  <a:blip r:embed="rId6"/>
+                  <a:stretch>
+                    <a:fillRect l="-33333" r="-30000" b="-8889"/>
+                  </a:stretch>
+                </a:blipFill>
+              </p:spPr>
+              <p:txBody>
+                <a:bodyPr/>
+                <a:lstStyle/>
+                <a:p>
+                  <a:r>
+                    <a:rPr lang="en-GB">
+                      <a:noFill/>
+                    </a:rPr>
+                    <a:t> </a:t>
+                  </a:r>
+                </a:p>
+              </p:txBody>
+            </p:sp>
+          </mc:Fallback>
+        </mc:AlternateContent>
+        <mc:AlternateContent xmlns:mc="http://schemas.openxmlformats.org/markup-compatibility/2006" xmlns:a14="http://schemas.microsoft.com/office/drawing/2010/main">
+          <mc:Choice Requires="a14">
+            <p:sp>
+              <p:nvSpPr>
+                <p:cNvPr id="11" name="TextBox 10">
+                  <a:extLst>
+                    <a:ext uri="{FF2B5EF4-FFF2-40B4-BE49-F238E27FC236}">
+                      <a16:creationId xmlns:a16="http://schemas.microsoft.com/office/drawing/2014/main" id="{C8963F38-2AC9-791E-5A95-CC910F69C97C}"/>
+                    </a:ext>
+                  </a:extLst>
+                </p:cNvPr>
+                <p:cNvSpPr txBox="1"/>
+                <p:nvPr/>
+              </p:nvSpPr>
+              <p:spPr>
+                <a:xfrm>
+                  <a:off x="3719064" y="3151153"/>
+                  <a:ext cx="250838" cy="276999"/>
+                </a:xfrm>
+                <a:prstGeom prst="rect">
+                  <a:avLst/>
+                </a:prstGeom>
+                <a:noFill/>
+              </p:spPr>
+              <p:txBody>
+                <a:bodyPr wrap="none" lIns="0" tIns="0" rIns="0" bIns="0" rtlCol="0">
+                  <a:spAutoFit/>
+                </a:bodyPr>
+                <a:lstStyle/>
+                <a:p>
+                  <a:pPr/>
+                  <a14:m>
+                    <m:oMathPara xmlns:m="http://schemas.openxmlformats.org/officeDocument/2006/math">
+                      <m:oMathParaPr>
+                        <m:jc m:val="centerGroup"/>
+                      </m:oMathParaPr>
+                      <m:oMath xmlns:m="http://schemas.openxmlformats.org/officeDocument/2006/math">
+                        <m:r>
+                          <a:rPr lang="en-GB" i="1" smtClean="0">
+                            <a:solidFill>
+                              <a:schemeClr val="bg1"/>
+                            </a:solidFill>
+                            <a:latin typeface="Cambria Math" panose="02040503050406030204" pitchFamily="18" charset="0"/>
+                          </a:rPr>
+                          <m:t>𝑚</m:t>
+                        </m:r>
+                      </m:oMath>
+                    </m:oMathPara>
+                  </a14:m>
+                  <a:endParaRPr lang="en-GB" dirty="0">
+                    <a:solidFill>
+                      <a:schemeClr val="bg1"/>
+                    </a:solidFill>
+                  </a:endParaRPr>
+                </a:p>
+              </p:txBody>
+            </p:sp>
+          </mc:Choice>
+          <mc:Fallback xmlns="">
+            <p:sp>
+              <p:nvSpPr>
+                <p:cNvPr id="283" name="TextBox 282">
+                  <a:extLst>
+                    <a:ext uri="{FF2B5EF4-FFF2-40B4-BE49-F238E27FC236}">
+                      <a16:creationId xmlns:a16="http://schemas.microsoft.com/office/drawing/2014/main" id="{EDC110E7-E7C3-6BB0-AF8C-9319770E4FD5}"/>
+                    </a:ext>
+                  </a:extLst>
+                </p:cNvPr>
+                <p:cNvSpPr txBox="1">
+                  <a:spLocks noRot="1" noChangeAspect="1" noMove="1" noResize="1" noEditPoints="1" noAdjustHandles="1" noChangeArrowheads="1" noChangeShapeType="1" noTextEdit="1"/>
+                </p:cNvSpPr>
+                <p:nvPr/>
+              </p:nvSpPr>
+              <p:spPr>
+                <a:xfrm>
+                  <a:off x="3719064" y="3151153"/>
+                  <a:ext cx="250838" cy="276999"/>
+                </a:xfrm>
+                <a:prstGeom prst="rect">
+                  <a:avLst/>
+                </a:prstGeom>
+                <a:blipFill>
+                  <a:blip r:embed="rId7"/>
+                  <a:stretch>
+                    <a:fillRect l="-14634" r="-12195"/>
+                  </a:stretch>
+                </a:blipFill>
+              </p:spPr>
+              <p:txBody>
+                <a:bodyPr/>
+                <a:lstStyle/>
+                <a:p>
+                  <a:r>
+                    <a:rPr lang="en-GB">
+                      <a:noFill/>
+                    </a:rPr>
+                    <a:t> </a:t>
+                  </a:r>
+                </a:p>
+              </p:txBody>
+            </p:sp>
+          </mc:Fallback>
+        </mc:AlternateContent>
+      </p:grpSp>
+      <p:cxnSp>
+        <p:nvCxnSpPr>
+          <p:cNvPr id="68" name="Straight Arrow Connector 67">
+            <a:extLst>
+              <a:ext uri="{FF2B5EF4-FFF2-40B4-BE49-F238E27FC236}">
+                <a16:creationId xmlns:a16="http://schemas.microsoft.com/office/drawing/2014/main" id="{99514CA0-4AC7-7487-1C41-854D91F54A5A}"/>
+              </a:ext>
+            </a:extLst>
+          </p:cNvPr>
+          <p:cNvCxnSpPr>
+            <a:cxnSpLocks/>
+            <a:stCxn id="11" idx="3"/>
+          </p:cNvCxnSpPr>
+          <p:nvPr/>
+        </p:nvCxnSpPr>
+        <p:spPr>
+          <a:xfrm>
+            <a:off x="5474700" y="4346730"/>
+            <a:ext cx="943175" cy="0"/>
+          </a:xfrm>
+          <a:prstGeom prst="straightConnector1">
+            <a:avLst/>
+          </a:prstGeom>
+          <a:ln>
+            <a:solidFill>
+              <a:schemeClr val="bg1"/>
+            </a:solidFill>
+            <a:tailEnd type="triangle"/>
+          </a:ln>
+        </p:spPr>
+        <p:style>
+          <a:lnRef idx="1">
+            <a:schemeClr val="accent1"/>
+          </a:lnRef>
+          <a:fillRef idx="0">
+            <a:schemeClr val="accent1"/>
+          </a:fillRef>
+          <a:effectRef idx="0">
+            <a:schemeClr val="accent1"/>
+          </a:effectRef>
+          <a:fontRef idx="minor">
+            <a:schemeClr val="tx1"/>
+          </a:fontRef>
+        </p:style>
+      </p:cxnSp>
     </p:spTree>
     <p:extLst>
       <p:ext uri="{BB962C8B-B14F-4D97-AF65-F5344CB8AC3E}">

--- a/presentations/powerpoint_presentation/my_presentation.pptx
+++ b/presentations/powerpoint_presentation/my_presentation.pptx
@@ -8820,7 +8820,7 @@
         <p:spPr>
           <a:xfrm>
             <a:off x="547141" y="5971921"/>
-            <a:ext cx="11035259" cy="553998"/>
+            <a:ext cx="11035259" cy="400110"/>
           </a:xfrm>
           <a:prstGeom prst="rect">
             <a:avLst/>
@@ -8843,7 +8843,7 @@
                 </a:solidFill>
                 <a:latin typeface="Bookman Old Style" panose="02050604050505020204" pitchFamily="18" charset="0"/>
               </a:rPr>
-              <a:t>[1] S. L. James, D. Abate, K. H. Abate, S. M. </a:t>
+              <a:t>[16] H. Hung and C.-T. Chiang, Estimation methods for </a:t>
             </a:r>
             <a:r>
               <a:rPr lang="en-US" sz="1000" dirty="0" err="1">
@@ -8854,7 +8854,7 @@
                 </a:solidFill>
                 <a:latin typeface="Bookman Old Style" panose="02050604050505020204" pitchFamily="18" charset="0"/>
               </a:rPr>
-              <a:t>Abay</a:t>
+              <a:t>timedependent</a:t>
             </a:r>
             <a:r>
               <a:rPr lang="en-US" sz="1000" dirty="0">
@@ -8865,7 +8865,7 @@
                 </a:solidFill>
                 <a:latin typeface="Bookman Old Style" panose="02050604050505020204" pitchFamily="18" charset="0"/>
               </a:rPr>
-              <a:t>, C. </a:t>
+              <a:t> </a:t>
             </a:r>
             <a:r>
               <a:rPr lang="en-US" sz="1000" dirty="0" err="1">
@@ -8876,7 +8876,7 @@
                 </a:solidFill>
                 <a:latin typeface="Bookman Old Style" panose="02050604050505020204" pitchFamily="18" charset="0"/>
               </a:rPr>
-              <a:t>Abbafati</a:t>
+              <a:t>auc</a:t>
             </a:r>
             <a:r>
               <a:rPr lang="en-US" sz="1000" dirty="0">
@@ -8887,7 +8887,7 @@
                 </a:solidFill>
                 <a:latin typeface="Bookman Old Style" panose="02050604050505020204" pitchFamily="18" charset="0"/>
               </a:rPr>
-              <a:t>, N. Abbasi, and H. </a:t>
+              <a:t> models with survival data., The Canadian Journal of Statistics / La Revue Canadienne de </a:t>
             </a:r>
             <a:r>
               <a:rPr lang="en-US" sz="1000" dirty="0" err="1">
@@ -8898,7 +8898,7 @@
                 </a:solidFill>
                 <a:latin typeface="Bookman Old Style" panose="02050604050505020204" pitchFamily="18" charset="0"/>
               </a:rPr>
-              <a:t>Abbastabar</a:t>
+              <a:t>Statistique</a:t>
             </a:r>
             <a:r>
               <a:rPr lang="en-US" sz="1000" dirty="0">
@@ -8909,73 +8909,7 @@
                 </a:solidFill>
                 <a:latin typeface="Bookman Old Style" panose="02050604050505020204" pitchFamily="18" charset="0"/>
               </a:rPr>
-              <a:t>, Global, regional, and national incidence, prevalence, and years lived with disability for 354 diseases and injuries for 195 countries and territories</a:t>
-            </a:r>
-            <a:r>
-              <a:rPr lang="en-US" sz="1000">
-                <a:solidFill>
-                  <a:schemeClr val="bg1">
-                    <a:lumMod val="50000"/>
-                  </a:schemeClr>
-                </a:solidFill>
-                <a:latin typeface="Bookman Old Style" panose="02050604050505020204" pitchFamily="18" charset="0"/>
-              </a:rPr>
-              <a:t>, 1990–2017: </a:t>
-            </a:r>
-            <a:r>
-              <a:rPr lang="en-US" sz="1000" dirty="0">
-                <a:solidFill>
-                  <a:schemeClr val="bg1">
-                    <a:lumMod val="50000"/>
-                  </a:schemeClr>
-                </a:solidFill>
-                <a:latin typeface="Bookman Old Style" panose="02050604050505020204" pitchFamily="18" charset="0"/>
-              </a:rPr>
-              <a:t>A systematic analysis for the global burden of disease </a:t>
-            </a:r>
-            <a:r>
-              <a:rPr lang="en-US" sz="1000">
-                <a:solidFill>
-                  <a:schemeClr val="bg1">
-                    <a:lumMod val="50000"/>
-                  </a:schemeClr>
-                </a:solidFill>
-                <a:latin typeface="Bookman Old Style" panose="02050604050505020204" pitchFamily="18" charset="0"/>
-              </a:rPr>
-              <a:t>study 2017., </a:t>
-            </a:r>
-            <a:r>
-              <a:rPr lang="en-US" sz="1000" dirty="0">
-                <a:solidFill>
-                  <a:schemeClr val="bg1">
-                    <a:lumMod val="50000"/>
-                  </a:schemeClr>
-                </a:solidFill>
-                <a:latin typeface="Bookman Old Style" panose="02050604050505020204" pitchFamily="18" charset="0"/>
-              </a:rPr>
-              <a:t>The Lancet https://doi.org/10.1016</a:t>
-            </a:r>
-            <a:r>
-              <a:rPr lang="en-US" sz="1000">
-                <a:solidFill>
-                  <a:schemeClr val="bg1">
-                    <a:lumMod val="50000"/>
-                  </a:schemeClr>
-                </a:solidFill>
-                <a:latin typeface="Bookman Old Style" panose="02050604050505020204" pitchFamily="18" charset="0"/>
-              </a:rPr>
-              <a:t>/S0140-6736(18)32279-7 </a:t>
-            </a:r>
-            <a:r>
-              <a:rPr lang="en-US" sz="1000" dirty="0">
-                <a:solidFill>
-                  <a:schemeClr val="bg1">
-                    <a:lumMod val="50000"/>
-                  </a:schemeClr>
-                </a:solidFill>
-                <a:latin typeface="Bookman Old Style" panose="02050604050505020204" pitchFamily="18" charset="0"/>
-              </a:rPr>
-              <a:t>(2018).</a:t>
+              <a:t> 38 (2010).</a:t>
             </a:r>
             <a:endParaRPr lang="en-GB" sz="1000" dirty="0">
               <a:solidFill>
@@ -8985,6 +8919,270 @@
               </a:solidFill>
               <a:latin typeface="Bookman Old Style" panose="02050604050505020204" pitchFamily="18" charset="0"/>
             </a:endParaRPr>
+          </a:p>
+        </p:txBody>
+      </p:sp>
+      <p:sp>
+        <p:nvSpPr>
+          <p:cNvPr id="8" name="Rectangle 3">
+            <a:extLst>
+              <a:ext uri="{FF2B5EF4-FFF2-40B4-BE49-F238E27FC236}">
+                <a16:creationId xmlns:a16="http://schemas.microsoft.com/office/drawing/2014/main" id="{9BAAA419-B2B8-E317-CACF-71B42D724AF5}"/>
+              </a:ext>
+            </a:extLst>
+          </p:cNvPr>
+          <p:cNvSpPr>
+            <a:spLocks noChangeArrowheads="1"/>
+          </p:cNvSpPr>
+          <p:nvPr/>
+        </p:nvSpPr>
+        <p:spPr bwMode="auto">
+          <a:xfrm>
+            <a:off x="547141" y="2136339"/>
+            <a:ext cx="10768559" cy="2585323"/>
+          </a:xfrm>
+          <a:prstGeom prst="rect">
+            <a:avLst/>
+          </a:prstGeom>
+          <a:noFill/>
+          <a:ln>
+            <a:noFill/>
+          </a:ln>
+          <a:effectLst/>
+        </p:spPr>
+        <p:txBody>
+          <a:bodyPr vert="horz" wrap="square" lIns="91440" tIns="45720" rIns="91440" bIns="45720" numCol="1" anchor="ctr" anchorCtr="0" compatLnSpc="1">
+            <a:prstTxWarp prst="textNoShape">
+              <a:avLst/>
+            </a:prstTxWarp>
+            <a:spAutoFit/>
+          </a:bodyPr>
+          <a:lstStyle>
+            <a:lvl1pPr eaLnBrk="0" fontAlgn="base" hangingPunct="0">
+              <a:spcBef>
+                <a:spcPct val="0"/>
+              </a:spcBef>
+              <a:spcAft>
+                <a:spcPct val="0"/>
+              </a:spcAft>
+              <a:defRPr>
+                <a:solidFill>
+                  <a:schemeClr val="tx1"/>
+                </a:solidFill>
+                <a:latin typeface="Arial" panose="020B0604020202020204" pitchFamily="34" charset="0"/>
+              </a:defRPr>
+            </a:lvl1pPr>
+            <a:lvl2pPr eaLnBrk="0" fontAlgn="base" hangingPunct="0">
+              <a:spcBef>
+                <a:spcPct val="0"/>
+              </a:spcBef>
+              <a:spcAft>
+                <a:spcPct val="0"/>
+              </a:spcAft>
+              <a:defRPr>
+                <a:solidFill>
+                  <a:schemeClr val="tx1"/>
+                </a:solidFill>
+                <a:latin typeface="Arial" panose="020B0604020202020204" pitchFamily="34" charset="0"/>
+              </a:defRPr>
+            </a:lvl2pPr>
+            <a:lvl3pPr eaLnBrk="0" fontAlgn="base" hangingPunct="0">
+              <a:spcBef>
+                <a:spcPct val="0"/>
+              </a:spcBef>
+              <a:spcAft>
+                <a:spcPct val="0"/>
+              </a:spcAft>
+              <a:defRPr>
+                <a:solidFill>
+                  <a:schemeClr val="tx1"/>
+                </a:solidFill>
+                <a:latin typeface="Arial" panose="020B0604020202020204" pitchFamily="34" charset="0"/>
+              </a:defRPr>
+            </a:lvl3pPr>
+            <a:lvl4pPr eaLnBrk="0" fontAlgn="base" hangingPunct="0">
+              <a:spcBef>
+                <a:spcPct val="0"/>
+              </a:spcBef>
+              <a:spcAft>
+                <a:spcPct val="0"/>
+              </a:spcAft>
+              <a:defRPr>
+                <a:solidFill>
+                  <a:schemeClr val="tx1"/>
+                </a:solidFill>
+                <a:latin typeface="Arial" panose="020B0604020202020204" pitchFamily="34" charset="0"/>
+              </a:defRPr>
+            </a:lvl4pPr>
+            <a:lvl5pPr eaLnBrk="0" fontAlgn="base" hangingPunct="0">
+              <a:spcBef>
+                <a:spcPct val="0"/>
+              </a:spcBef>
+              <a:spcAft>
+                <a:spcPct val="0"/>
+              </a:spcAft>
+              <a:defRPr>
+                <a:solidFill>
+                  <a:schemeClr val="tx1"/>
+                </a:solidFill>
+                <a:latin typeface="Arial" panose="020B0604020202020204" pitchFamily="34" charset="0"/>
+              </a:defRPr>
+            </a:lvl5pPr>
+            <a:lvl6pPr eaLnBrk="0" fontAlgn="base" hangingPunct="0">
+              <a:spcBef>
+                <a:spcPct val="0"/>
+              </a:spcBef>
+              <a:spcAft>
+                <a:spcPct val="0"/>
+              </a:spcAft>
+              <a:defRPr>
+                <a:solidFill>
+                  <a:schemeClr val="tx1"/>
+                </a:solidFill>
+                <a:latin typeface="Arial" panose="020B0604020202020204" pitchFamily="34" charset="0"/>
+              </a:defRPr>
+            </a:lvl6pPr>
+            <a:lvl7pPr eaLnBrk="0" fontAlgn="base" hangingPunct="0">
+              <a:spcBef>
+                <a:spcPct val="0"/>
+              </a:spcBef>
+              <a:spcAft>
+                <a:spcPct val="0"/>
+              </a:spcAft>
+              <a:defRPr>
+                <a:solidFill>
+                  <a:schemeClr val="tx1"/>
+                </a:solidFill>
+                <a:latin typeface="Arial" panose="020B0604020202020204" pitchFamily="34" charset="0"/>
+              </a:defRPr>
+            </a:lvl7pPr>
+            <a:lvl8pPr eaLnBrk="0" fontAlgn="base" hangingPunct="0">
+              <a:spcBef>
+                <a:spcPct val="0"/>
+              </a:spcBef>
+              <a:spcAft>
+                <a:spcPct val="0"/>
+              </a:spcAft>
+              <a:defRPr>
+                <a:solidFill>
+                  <a:schemeClr val="tx1"/>
+                </a:solidFill>
+                <a:latin typeface="Arial" panose="020B0604020202020204" pitchFamily="34" charset="0"/>
+              </a:defRPr>
+            </a:lvl8pPr>
+            <a:lvl9pPr eaLnBrk="0" fontAlgn="base" hangingPunct="0">
+              <a:spcBef>
+                <a:spcPct val="0"/>
+              </a:spcBef>
+              <a:spcAft>
+                <a:spcPct val="0"/>
+              </a:spcAft>
+              <a:defRPr>
+                <a:solidFill>
+                  <a:schemeClr val="tx1"/>
+                </a:solidFill>
+                <a:latin typeface="Arial" panose="020B0604020202020204" pitchFamily="34" charset="0"/>
+              </a:defRPr>
+            </a:lvl9pPr>
+          </a:lstStyle>
+          <a:p>
+            <a:pPr marL="285750" indent="-285750" algn="l">
+              <a:buFont typeface="Courier New" panose="02070309020205020404" pitchFamily="49" charset="0"/>
+              <a:buChar char="o"/>
+            </a:pPr>
+            <a:r>
+              <a:rPr lang="en-US" b="0" i="0" dirty="0">
+                <a:solidFill>
+                  <a:srgbClr val="D1D5DB"/>
+                </a:solidFill>
+                <a:effectLst/>
+                <a:latin typeface="Bookman Old Style" panose="02050604050505020204" pitchFamily="18" charset="0"/>
+              </a:rPr>
+              <a:t>Exploring neural network methods like RNNs that are </a:t>
+            </a:r>
+            <a:r>
+              <a:rPr lang="en-US" dirty="0">
+                <a:solidFill>
+                  <a:srgbClr val="D1D5DB"/>
+                </a:solidFill>
+                <a:latin typeface="Bookman Old Style" panose="02050604050505020204" pitchFamily="18" charset="0"/>
+              </a:rPr>
+              <a:t>designed for sequential data </a:t>
+            </a:r>
+            <a:r>
+              <a:rPr lang="en-US" b="0" i="0" dirty="0">
+                <a:solidFill>
+                  <a:srgbClr val="D1D5DB"/>
+                </a:solidFill>
+                <a:effectLst/>
+                <a:latin typeface="Bookman Old Style" panose="02050604050505020204" pitchFamily="18" charset="0"/>
+              </a:rPr>
+              <a:t>could enhance discriminative power.</a:t>
+            </a:r>
+          </a:p>
+          <a:p>
+            <a:pPr marL="285750" indent="-285750" algn="l">
+              <a:buFont typeface="Courier New" panose="02070309020205020404" pitchFamily="49" charset="0"/>
+              <a:buChar char="o"/>
+            </a:pPr>
+            <a:r>
+              <a:rPr lang="en-US" b="0" i="0" dirty="0">
+                <a:solidFill>
+                  <a:srgbClr val="D1D5DB"/>
+                </a:solidFill>
+                <a:effectLst/>
+                <a:latin typeface="Bookman Old Style" panose="02050604050505020204" pitchFamily="18" charset="0"/>
+              </a:rPr>
+              <a:t>Future steps might involve advanced optimization like Nesterov momentum and learning rate scheduling.</a:t>
+            </a:r>
+          </a:p>
+          <a:p>
+            <a:pPr marL="285750" indent="-285750" algn="just">
+              <a:buFont typeface="Courier New" panose="02070309020205020404" pitchFamily="49" charset="0"/>
+              <a:buChar char="o"/>
+            </a:pPr>
+            <a:r>
+              <a:rPr lang="en-US" b="0" i="0" dirty="0">
+                <a:solidFill>
+                  <a:srgbClr val="D1D5DB"/>
+                </a:solidFill>
+                <a:effectLst/>
+                <a:latin typeface="Bookman Old Style" panose="02050604050505020204" pitchFamily="18" charset="0"/>
+              </a:rPr>
+              <a:t>Deeper architectures can be considered, though they may necessitate longer training times.</a:t>
+            </a:r>
+          </a:p>
+          <a:p>
+            <a:pPr marL="285750" indent="-285750" algn="just">
+              <a:buFont typeface="Courier New" panose="02070309020205020404" pitchFamily="49" charset="0"/>
+              <a:buChar char="o"/>
+            </a:pPr>
+            <a:r>
+              <a:rPr lang="en-US" b="0" i="0" dirty="0">
+                <a:solidFill>
+                  <a:srgbClr val="D1D5DB"/>
+                </a:solidFill>
+                <a:effectLst/>
+                <a:latin typeface="Bookman Old Style" panose="02050604050505020204" pitchFamily="18" charset="0"/>
+              </a:rPr>
+              <a:t>Improving the efficiency of computing the time-dependent concordance index is an important goal.</a:t>
+            </a:r>
+          </a:p>
+          <a:p>
+            <a:pPr marL="285750" indent="-285750" algn="l">
+              <a:buFont typeface="Courier New" panose="02070309020205020404" pitchFamily="49" charset="0"/>
+              <a:buChar char="o"/>
+            </a:pPr>
+            <a:r>
+              <a:rPr lang="en-US" b="0" i="0" dirty="0">
+                <a:solidFill>
+                  <a:srgbClr val="D1D5DB"/>
+                </a:solidFill>
+                <a:effectLst/>
+                <a:latin typeface="Bookman Old Style" panose="02050604050505020204" pitchFamily="18" charset="0"/>
+              </a:rPr>
+              <a:t>For evaluation, alongside current metrics, integrating the cumulative dynamic AUC [16] in future iterations could provide a more comprehensive model assessment.</a:t>
+            </a:r>
           </a:p>
         </p:txBody>
       </p:sp>
@@ -10163,7 +10361,7 @@
         <p:spPr>
           <a:xfrm>
             <a:off x="6120646" y="4123798"/>
-            <a:ext cx="5388809" cy="1323439"/>
+            <a:ext cx="5388809" cy="1569660"/>
           </a:xfrm>
           <a:prstGeom prst="rect">
             <a:avLst/>
@@ -10184,7 +10382,28 @@
                 </a:solidFill>
                 <a:latin typeface="Bookman Old Style" panose="02050604050505020204" pitchFamily="18" charset="0"/>
               </a:rPr>
-              <a:t>Consequently the aim of this study is to analyze a suitable dataset and predict survival of patients using traditional as well as deep learning models. Through rigorous experimentation, the validity of DL models is to be ascertained.</a:t>
+              <a:t>Consequently the aim of this study is to analyze a suitable dataset and predict survival of patients using traditional as well as deep learning models. </a:t>
+            </a:r>
+          </a:p>
+          <a:p>
+            <a:pPr algn="just"/>
+            <a:endParaRPr lang="en-US" sz="1600" dirty="0">
+              <a:solidFill>
+                <a:schemeClr val="bg1"/>
+              </a:solidFill>
+              <a:latin typeface="Bookman Old Style" panose="02050604050505020204" pitchFamily="18" charset="0"/>
+            </a:endParaRPr>
+          </a:p>
+          <a:p>
+            <a:pPr algn="just"/>
+            <a:r>
+              <a:rPr lang="en-US" sz="1600" dirty="0">
+                <a:solidFill>
+                  <a:schemeClr val="bg1"/>
+                </a:solidFill>
+                <a:latin typeface="Bookman Old Style" panose="02050604050505020204" pitchFamily="18" charset="0"/>
+              </a:rPr>
+              <a:t>Through rigorous experimentation, the validity of DL models is to be ascertained.</a:t>
             </a:r>
             <a:endParaRPr lang="en-GB" sz="1600" dirty="0">
               <a:solidFill>

--- a/presentations/powerpoint_presentation/my_presentation.pptx
+++ b/presentations/powerpoint_presentation/my_presentation.pptx
@@ -5,7 +5,7 @@
     <p:sldMasterId id="2147483648" r:id="rId1"/>
   </p:sldMasterIdLst>
   <p:notesMasterIdLst>
-    <p:notesMasterId r:id="rId17"/>
+    <p:notesMasterId r:id="rId18"/>
   </p:notesMasterIdLst>
   <p:sldIdLst>
     <p:sldId id="256" r:id="rId2"/>
@@ -21,8 +21,9 @@
     <p:sldId id="269" r:id="rId12"/>
     <p:sldId id="270" r:id="rId13"/>
     <p:sldId id="265" r:id="rId14"/>
-    <p:sldId id="263" r:id="rId15"/>
-    <p:sldId id="262" r:id="rId16"/>
+    <p:sldId id="271" r:id="rId15"/>
+    <p:sldId id="263" r:id="rId16"/>
+    <p:sldId id="262" r:id="rId17"/>
   </p:sldIdLst>
   <p:sldSz cx="12192000" cy="6858000"/>
   <p:notesSz cx="6858000" cy="9144000"/>
@@ -159,6 +160,7 @@
         <p14:section name="Further Work" id="{2C68A18E-9AB7-40C6-9425-61B235835F26}">
           <p14:sldIdLst>
             <p14:sldId id="265"/>
+            <p14:sldId id="271"/>
             <p14:sldId id="263"/>
           </p14:sldIdLst>
         </p14:section>
@@ -581,12 +583,6 @@
           <a:bodyPr/>
           <a:lstStyle/>
           <a:p>
-            <a:r>
-              <a:rPr lang="en-US" dirty="0"/>
-              <a:t>Aim &amp; Obj need to be written better</a:t>
-            </a:r>
-          </a:p>
-          <a:p>
             <a:endParaRPr lang="en-GB" dirty="0"/>
           </a:p>
         </p:txBody>
@@ -673,8 +669,16 @@
           <a:p>
             <a:r>
               <a:rPr lang="en-US" dirty="0"/>
-              <a:t>Cox PH is fitted by max partial likelihood</a:t>
-            </a:r>
+              <a:t>1. Cox PH is fitted by max partial likelihood.</a:t>
+            </a:r>
+          </a:p>
+          <a:p>
+            <a:r>
+              <a:rPr lang="en-US" dirty="0"/>
+              <a:t>2. DL – data-hungry, advent of EHR great! Longitudinal data</a:t>
+            </a:r>
+          </a:p>
+          <a:p>
             <a:endParaRPr lang="en-GB" dirty="0"/>
           </a:p>
         </p:txBody>
@@ -7863,6 +7867,49 @@
           </a:p>
         </p:txBody>
       </p:sp>
+      <p:sp>
+        <p:nvSpPr>
+          <p:cNvPr id="6" name="TextBox 5">
+            <a:extLst>
+              <a:ext uri="{FF2B5EF4-FFF2-40B4-BE49-F238E27FC236}">
+                <a16:creationId xmlns:a16="http://schemas.microsoft.com/office/drawing/2014/main" id="{3CCCE15F-658A-7E1E-F850-8C113A3C65D2}"/>
+              </a:ext>
+            </a:extLst>
+          </p:cNvPr>
+          <p:cNvSpPr txBox="1"/>
+          <p:nvPr/>
+        </p:nvSpPr>
+        <p:spPr>
+          <a:xfrm>
+            <a:off x="7455493" y="122255"/>
+            <a:ext cx="4736507" cy="261610"/>
+          </a:xfrm>
+          <a:prstGeom prst="rect">
+            <a:avLst/>
+          </a:prstGeom>
+          <a:noFill/>
+        </p:spPr>
+        <p:txBody>
+          <a:bodyPr wrap="square">
+            <a:spAutoFit/>
+          </a:bodyPr>
+          <a:lstStyle/>
+          <a:p>
+            <a:pPr algn="ctr"/>
+            <a:r>
+              <a:rPr lang="en-US" sz="1100" dirty="0">
+                <a:solidFill>
+                  <a:schemeClr val="bg1">
+                    <a:lumMod val="50000"/>
+                  </a:schemeClr>
+                </a:solidFill>
+                <a:latin typeface="Bookman Old Style" panose="02050604050505020204" pitchFamily="18" charset="0"/>
+              </a:rPr>
+              <a:t>Results are subject to slight change in final submission of report</a:t>
+            </a:r>
+          </a:p>
+        </p:txBody>
+      </p:sp>
     </p:spTree>
     <p:extLst>
       <p:ext uri="{BB962C8B-B14F-4D97-AF65-F5344CB8AC3E}">
@@ -8545,6 +8592,49 @@
           </a:p>
         </p:txBody>
       </p:sp>
+      <p:sp>
+        <p:nvSpPr>
+          <p:cNvPr id="4" name="TextBox 3">
+            <a:extLst>
+              <a:ext uri="{FF2B5EF4-FFF2-40B4-BE49-F238E27FC236}">
+                <a16:creationId xmlns:a16="http://schemas.microsoft.com/office/drawing/2014/main" id="{CDDEB2DC-E7ED-C3AE-2248-2642446A1E13}"/>
+              </a:ext>
+            </a:extLst>
+          </p:cNvPr>
+          <p:cNvSpPr txBox="1"/>
+          <p:nvPr/>
+        </p:nvSpPr>
+        <p:spPr>
+          <a:xfrm>
+            <a:off x="7455493" y="122255"/>
+            <a:ext cx="4736507" cy="261610"/>
+          </a:xfrm>
+          <a:prstGeom prst="rect">
+            <a:avLst/>
+          </a:prstGeom>
+          <a:noFill/>
+        </p:spPr>
+        <p:txBody>
+          <a:bodyPr wrap="square">
+            <a:spAutoFit/>
+          </a:bodyPr>
+          <a:lstStyle/>
+          <a:p>
+            <a:pPr algn="ctr"/>
+            <a:r>
+              <a:rPr lang="en-US" sz="1100" dirty="0">
+                <a:solidFill>
+                  <a:schemeClr val="bg1">
+                    <a:lumMod val="50000"/>
+                  </a:schemeClr>
+                </a:solidFill>
+                <a:latin typeface="Bookman Old Style" panose="02050604050505020204" pitchFamily="18" charset="0"/>
+              </a:rPr>
+              <a:t>Results are subject to slight change in final submission of report</a:t>
+            </a:r>
+          </a:p>
+        </p:txBody>
+      </p:sp>
     </p:spTree>
     <p:extLst>
       <p:ext uri="{BB962C8B-B14F-4D97-AF65-F5344CB8AC3E}">
@@ -8689,6 +8779,49 @@
               </a:solidFill>
               <a:latin typeface="Bookman Old Style" panose="02050604050505020204" pitchFamily="18" charset="0"/>
             </a:endParaRPr>
+          </a:p>
+        </p:txBody>
+      </p:sp>
+      <p:sp>
+        <p:nvSpPr>
+          <p:cNvPr id="2" name="TextBox 1">
+            <a:extLst>
+              <a:ext uri="{FF2B5EF4-FFF2-40B4-BE49-F238E27FC236}">
+                <a16:creationId xmlns:a16="http://schemas.microsoft.com/office/drawing/2014/main" id="{A4E4A43E-863D-6E6A-5A20-B2F851AAF2FD}"/>
+              </a:ext>
+            </a:extLst>
+          </p:cNvPr>
+          <p:cNvSpPr txBox="1"/>
+          <p:nvPr/>
+        </p:nvSpPr>
+        <p:spPr>
+          <a:xfrm>
+            <a:off x="7455493" y="122255"/>
+            <a:ext cx="4736507" cy="261610"/>
+          </a:xfrm>
+          <a:prstGeom prst="rect">
+            <a:avLst/>
+          </a:prstGeom>
+          <a:noFill/>
+        </p:spPr>
+        <p:txBody>
+          <a:bodyPr wrap="square">
+            <a:spAutoFit/>
+          </a:bodyPr>
+          <a:lstStyle/>
+          <a:p>
+            <a:pPr algn="ctr"/>
+            <a:r>
+              <a:rPr lang="en-US" sz="1100" dirty="0">
+                <a:solidFill>
+                  <a:schemeClr val="bg1">
+                    <a:lumMod val="50000"/>
+                  </a:schemeClr>
+                </a:solidFill>
+                <a:latin typeface="Bookman Old Style" panose="02050604050505020204" pitchFamily="18" charset="0"/>
+              </a:rPr>
+              <a:t>Results are subject to slight change in final submission of report</a:t>
+            </a:r>
           </a:p>
         </p:txBody>
       </p:sp>
@@ -9251,6 +9384,478 @@
                 </a:solidFill>
                 <a:latin typeface="Bookman Old Style" panose="02050604050505020204" pitchFamily="18" charset="0"/>
               </a:rPr>
+              <a:t>Discussion</a:t>
+            </a:r>
+          </a:p>
+        </p:txBody>
+      </p:sp>
+      <p:cxnSp>
+        <p:nvCxnSpPr>
+          <p:cNvPr id="4" name="Straight Connector 3">
+            <a:extLst>
+              <a:ext uri="{FF2B5EF4-FFF2-40B4-BE49-F238E27FC236}">
+                <a16:creationId xmlns:a16="http://schemas.microsoft.com/office/drawing/2014/main" id="{2F6BEED8-228E-A349-F419-5217F2A346CA}"/>
+              </a:ext>
+            </a:extLst>
+          </p:cNvPr>
+          <p:cNvCxnSpPr>
+            <a:cxnSpLocks/>
+          </p:cNvCxnSpPr>
+          <p:nvPr/>
+        </p:nvCxnSpPr>
+        <p:spPr>
+          <a:xfrm>
+            <a:off x="658894" y="5971922"/>
+            <a:ext cx="10923506" cy="0"/>
+          </a:xfrm>
+          <a:prstGeom prst="line">
+            <a:avLst/>
+          </a:prstGeom>
+          <a:ln>
+            <a:solidFill>
+              <a:schemeClr val="bg1"/>
+            </a:solidFill>
+          </a:ln>
+        </p:spPr>
+        <p:style>
+          <a:lnRef idx="1">
+            <a:schemeClr val="accent1"/>
+          </a:lnRef>
+          <a:fillRef idx="0">
+            <a:schemeClr val="accent1"/>
+          </a:fillRef>
+          <a:effectRef idx="0">
+            <a:schemeClr val="accent1"/>
+          </a:effectRef>
+          <a:fontRef idx="minor">
+            <a:schemeClr val="tx1"/>
+          </a:fontRef>
+        </p:style>
+      </p:cxnSp>
+      <p:sp>
+        <p:nvSpPr>
+          <p:cNvPr id="5" name="TextBox 4">
+            <a:extLst>
+              <a:ext uri="{FF2B5EF4-FFF2-40B4-BE49-F238E27FC236}">
+                <a16:creationId xmlns:a16="http://schemas.microsoft.com/office/drawing/2014/main" id="{03082D74-E05F-69E4-5AD3-1FB785A52B09}"/>
+              </a:ext>
+            </a:extLst>
+          </p:cNvPr>
+          <p:cNvSpPr txBox="1"/>
+          <p:nvPr/>
+        </p:nvSpPr>
+        <p:spPr>
+          <a:xfrm>
+            <a:off x="547141" y="5971921"/>
+            <a:ext cx="11035259" cy="400110"/>
+          </a:xfrm>
+          <a:prstGeom prst="rect">
+            <a:avLst/>
+          </a:prstGeom>
+          <a:noFill/>
+        </p:spPr>
+        <p:txBody>
+          <a:bodyPr wrap="square" rtlCol="0">
+            <a:spAutoFit/>
+          </a:bodyPr>
+          <a:lstStyle/>
+          <a:p>
+            <a:pPr algn="just"/>
+            <a:r>
+              <a:rPr lang="en-US" sz="1000" dirty="0">
+                <a:solidFill>
+                  <a:schemeClr val="bg1">
+                    <a:lumMod val="50000"/>
+                  </a:schemeClr>
+                </a:solidFill>
+                <a:latin typeface="Bookman Old Style" panose="02050604050505020204" pitchFamily="18" charset="0"/>
+              </a:rPr>
+              <a:t>[16] H. Hung and C.-T. Chiang, Estimation methods for </a:t>
+            </a:r>
+            <a:r>
+              <a:rPr lang="en-US" sz="1000" dirty="0" err="1">
+                <a:solidFill>
+                  <a:schemeClr val="bg1">
+                    <a:lumMod val="50000"/>
+                  </a:schemeClr>
+                </a:solidFill>
+                <a:latin typeface="Bookman Old Style" panose="02050604050505020204" pitchFamily="18" charset="0"/>
+              </a:rPr>
+              <a:t>timedependent</a:t>
+            </a:r>
+            <a:r>
+              <a:rPr lang="en-US" sz="1000" dirty="0">
+                <a:solidFill>
+                  <a:schemeClr val="bg1">
+                    <a:lumMod val="50000"/>
+                  </a:schemeClr>
+                </a:solidFill>
+                <a:latin typeface="Bookman Old Style" panose="02050604050505020204" pitchFamily="18" charset="0"/>
+              </a:rPr>
+              <a:t> </a:t>
+            </a:r>
+            <a:r>
+              <a:rPr lang="en-US" sz="1000" dirty="0" err="1">
+                <a:solidFill>
+                  <a:schemeClr val="bg1">
+                    <a:lumMod val="50000"/>
+                  </a:schemeClr>
+                </a:solidFill>
+                <a:latin typeface="Bookman Old Style" panose="02050604050505020204" pitchFamily="18" charset="0"/>
+              </a:rPr>
+              <a:t>auc</a:t>
+            </a:r>
+            <a:r>
+              <a:rPr lang="en-US" sz="1000" dirty="0">
+                <a:solidFill>
+                  <a:schemeClr val="bg1">
+                    <a:lumMod val="50000"/>
+                  </a:schemeClr>
+                </a:solidFill>
+                <a:latin typeface="Bookman Old Style" panose="02050604050505020204" pitchFamily="18" charset="0"/>
+              </a:rPr>
+              <a:t> models with survival data., The Canadian Journal of Statistics / La Revue Canadienne de </a:t>
+            </a:r>
+            <a:r>
+              <a:rPr lang="en-US" sz="1000" dirty="0" err="1">
+                <a:solidFill>
+                  <a:schemeClr val="bg1">
+                    <a:lumMod val="50000"/>
+                  </a:schemeClr>
+                </a:solidFill>
+                <a:latin typeface="Bookman Old Style" panose="02050604050505020204" pitchFamily="18" charset="0"/>
+              </a:rPr>
+              <a:t>Statistique</a:t>
+            </a:r>
+            <a:r>
+              <a:rPr lang="en-US" sz="1000" dirty="0">
+                <a:solidFill>
+                  <a:schemeClr val="bg1">
+                    <a:lumMod val="50000"/>
+                  </a:schemeClr>
+                </a:solidFill>
+                <a:latin typeface="Bookman Old Style" panose="02050604050505020204" pitchFamily="18" charset="0"/>
+              </a:rPr>
+              <a:t> 38 (2010).</a:t>
+            </a:r>
+            <a:endParaRPr lang="en-GB" sz="1000" dirty="0">
+              <a:solidFill>
+                <a:schemeClr val="bg1">
+                  <a:lumMod val="50000"/>
+                </a:schemeClr>
+              </a:solidFill>
+              <a:latin typeface="Bookman Old Style" panose="02050604050505020204" pitchFamily="18" charset="0"/>
+            </a:endParaRPr>
+          </a:p>
+        </p:txBody>
+      </p:sp>
+      <p:sp>
+        <p:nvSpPr>
+          <p:cNvPr id="8" name="Rectangle 3">
+            <a:extLst>
+              <a:ext uri="{FF2B5EF4-FFF2-40B4-BE49-F238E27FC236}">
+                <a16:creationId xmlns:a16="http://schemas.microsoft.com/office/drawing/2014/main" id="{9BAAA419-B2B8-E317-CACF-71B42D724AF5}"/>
+              </a:ext>
+            </a:extLst>
+          </p:cNvPr>
+          <p:cNvSpPr>
+            <a:spLocks noChangeArrowheads="1"/>
+          </p:cNvSpPr>
+          <p:nvPr/>
+        </p:nvSpPr>
+        <p:spPr bwMode="auto">
+          <a:xfrm>
+            <a:off x="547141" y="1859342"/>
+            <a:ext cx="10768559" cy="3139321"/>
+          </a:xfrm>
+          <a:prstGeom prst="rect">
+            <a:avLst/>
+          </a:prstGeom>
+          <a:noFill/>
+          <a:ln>
+            <a:noFill/>
+          </a:ln>
+          <a:effectLst/>
+        </p:spPr>
+        <p:txBody>
+          <a:bodyPr vert="horz" wrap="square" lIns="91440" tIns="45720" rIns="91440" bIns="45720" numCol="1" anchor="ctr" anchorCtr="0" compatLnSpc="1">
+            <a:prstTxWarp prst="textNoShape">
+              <a:avLst/>
+            </a:prstTxWarp>
+            <a:spAutoFit/>
+          </a:bodyPr>
+          <a:lstStyle>
+            <a:lvl1pPr eaLnBrk="0" fontAlgn="base" hangingPunct="0">
+              <a:spcBef>
+                <a:spcPct val="0"/>
+              </a:spcBef>
+              <a:spcAft>
+                <a:spcPct val="0"/>
+              </a:spcAft>
+              <a:defRPr>
+                <a:solidFill>
+                  <a:schemeClr val="tx1"/>
+                </a:solidFill>
+                <a:latin typeface="Arial" panose="020B0604020202020204" pitchFamily="34" charset="0"/>
+              </a:defRPr>
+            </a:lvl1pPr>
+            <a:lvl2pPr eaLnBrk="0" fontAlgn="base" hangingPunct="0">
+              <a:spcBef>
+                <a:spcPct val="0"/>
+              </a:spcBef>
+              <a:spcAft>
+                <a:spcPct val="0"/>
+              </a:spcAft>
+              <a:defRPr>
+                <a:solidFill>
+                  <a:schemeClr val="tx1"/>
+                </a:solidFill>
+                <a:latin typeface="Arial" panose="020B0604020202020204" pitchFamily="34" charset="0"/>
+              </a:defRPr>
+            </a:lvl2pPr>
+            <a:lvl3pPr eaLnBrk="0" fontAlgn="base" hangingPunct="0">
+              <a:spcBef>
+                <a:spcPct val="0"/>
+              </a:spcBef>
+              <a:spcAft>
+                <a:spcPct val="0"/>
+              </a:spcAft>
+              <a:defRPr>
+                <a:solidFill>
+                  <a:schemeClr val="tx1"/>
+                </a:solidFill>
+                <a:latin typeface="Arial" panose="020B0604020202020204" pitchFamily="34" charset="0"/>
+              </a:defRPr>
+            </a:lvl3pPr>
+            <a:lvl4pPr eaLnBrk="0" fontAlgn="base" hangingPunct="0">
+              <a:spcBef>
+                <a:spcPct val="0"/>
+              </a:spcBef>
+              <a:spcAft>
+                <a:spcPct val="0"/>
+              </a:spcAft>
+              <a:defRPr>
+                <a:solidFill>
+                  <a:schemeClr val="tx1"/>
+                </a:solidFill>
+                <a:latin typeface="Arial" panose="020B0604020202020204" pitchFamily="34" charset="0"/>
+              </a:defRPr>
+            </a:lvl4pPr>
+            <a:lvl5pPr eaLnBrk="0" fontAlgn="base" hangingPunct="0">
+              <a:spcBef>
+                <a:spcPct val="0"/>
+              </a:spcBef>
+              <a:spcAft>
+                <a:spcPct val="0"/>
+              </a:spcAft>
+              <a:defRPr>
+                <a:solidFill>
+                  <a:schemeClr val="tx1"/>
+                </a:solidFill>
+                <a:latin typeface="Arial" panose="020B0604020202020204" pitchFamily="34" charset="0"/>
+              </a:defRPr>
+            </a:lvl5pPr>
+            <a:lvl6pPr eaLnBrk="0" fontAlgn="base" hangingPunct="0">
+              <a:spcBef>
+                <a:spcPct val="0"/>
+              </a:spcBef>
+              <a:spcAft>
+                <a:spcPct val="0"/>
+              </a:spcAft>
+              <a:defRPr>
+                <a:solidFill>
+                  <a:schemeClr val="tx1"/>
+                </a:solidFill>
+                <a:latin typeface="Arial" panose="020B0604020202020204" pitchFamily="34" charset="0"/>
+              </a:defRPr>
+            </a:lvl6pPr>
+            <a:lvl7pPr eaLnBrk="0" fontAlgn="base" hangingPunct="0">
+              <a:spcBef>
+                <a:spcPct val="0"/>
+              </a:spcBef>
+              <a:spcAft>
+                <a:spcPct val="0"/>
+              </a:spcAft>
+              <a:defRPr>
+                <a:solidFill>
+                  <a:schemeClr val="tx1"/>
+                </a:solidFill>
+                <a:latin typeface="Arial" panose="020B0604020202020204" pitchFamily="34" charset="0"/>
+              </a:defRPr>
+            </a:lvl7pPr>
+            <a:lvl8pPr eaLnBrk="0" fontAlgn="base" hangingPunct="0">
+              <a:spcBef>
+                <a:spcPct val="0"/>
+              </a:spcBef>
+              <a:spcAft>
+                <a:spcPct val="0"/>
+              </a:spcAft>
+              <a:defRPr>
+                <a:solidFill>
+                  <a:schemeClr val="tx1"/>
+                </a:solidFill>
+                <a:latin typeface="Arial" panose="020B0604020202020204" pitchFamily="34" charset="0"/>
+              </a:defRPr>
+            </a:lvl8pPr>
+            <a:lvl9pPr eaLnBrk="0" fontAlgn="base" hangingPunct="0">
+              <a:spcBef>
+                <a:spcPct val="0"/>
+              </a:spcBef>
+              <a:spcAft>
+                <a:spcPct val="0"/>
+              </a:spcAft>
+              <a:defRPr>
+                <a:solidFill>
+                  <a:schemeClr val="tx1"/>
+                </a:solidFill>
+                <a:latin typeface="Arial" panose="020B0604020202020204" pitchFamily="34" charset="0"/>
+              </a:defRPr>
+            </a:lvl9pPr>
+          </a:lstStyle>
+          <a:p>
+            <a:pPr algn="just"/>
+            <a:r>
+              <a:rPr lang="en-US" b="0" i="0" dirty="0">
+                <a:solidFill>
+                  <a:schemeClr val="bg1"/>
+                </a:solidFill>
+                <a:effectLst/>
+                <a:latin typeface="Bookman Old Style" panose="02050604050505020204" pitchFamily="18" charset="0"/>
+              </a:rPr>
+              <a:t>Both the time-invariant and time-varying architectures lead to higher discriminative power in </a:t>
+            </a:r>
+            <a:r>
+              <a:rPr lang="en-US" b="0" i="0" dirty="0" err="1">
+                <a:solidFill>
+                  <a:schemeClr val="bg1"/>
+                </a:solidFill>
+                <a:effectLst/>
+                <a:latin typeface="Bookman Old Style" panose="02050604050505020204" pitchFamily="18" charset="0"/>
+              </a:rPr>
+              <a:t>favour</a:t>
+            </a:r>
+            <a:r>
+              <a:rPr lang="en-US" b="0" i="0" dirty="0">
+                <a:solidFill>
+                  <a:schemeClr val="bg1"/>
+                </a:solidFill>
+                <a:effectLst/>
+                <a:latin typeface="Bookman Old Style" panose="02050604050505020204" pitchFamily="18" charset="0"/>
+              </a:rPr>
+              <a:t> of worse calibration. For these to be applied in a clinical setting, the choice of which metric to prioritize needs to be carefully considered.</a:t>
+            </a:r>
+          </a:p>
+          <a:p>
+            <a:pPr algn="just"/>
+            <a:endParaRPr lang="en-US" dirty="0">
+              <a:solidFill>
+                <a:schemeClr val="bg1"/>
+              </a:solidFill>
+              <a:latin typeface="Bookman Old Style" panose="02050604050505020204" pitchFamily="18" charset="0"/>
+            </a:endParaRPr>
+          </a:p>
+          <a:p>
+            <a:pPr algn="just"/>
+            <a:r>
+              <a:rPr lang="en-US" b="0" i="0" dirty="0">
+                <a:solidFill>
+                  <a:schemeClr val="bg1"/>
+                </a:solidFill>
+                <a:effectLst/>
+                <a:latin typeface="Bookman Old Style" panose="02050604050505020204" pitchFamily="18" charset="0"/>
+              </a:rPr>
+              <a:t>Additionally, in the realm of neural networks and big data, training time and selective hyperparameter tuning are important. While deep learning can compete with (and outperform) traditional survival analysis, achieving optimal results requires meticulous hyperparameter tuning and sufficient training duration.</a:t>
+            </a:r>
+          </a:p>
+          <a:p>
+            <a:pPr algn="just"/>
+            <a:endParaRPr lang="en-US" dirty="0">
+              <a:solidFill>
+                <a:schemeClr val="bg1"/>
+              </a:solidFill>
+              <a:latin typeface="Bookman Old Style" panose="02050604050505020204" pitchFamily="18" charset="0"/>
+            </a:endParaRPr>
+          </a:p>
+          <a:p>
+            <a:pPr algn="just"/>
+            <a:r>
+              <a:rPr lang="en-US" b="0" i="0" dirty="0">
+                <a:solidFill>
+                  <a:schemeClr val="bg1"/>
+                </a:solidFill>
+                <a:effectLst/>
+                <a:latin typeface="Bookman Old Style" panose="02050604050505020204" pitchFamily="18" charset="0"/>
+              </a:rPr>
+              <a:t>Nonetheless, the relationship between training time and improved performance is not always linear, highlighting the need for careful evaluation.</a:t>
+            </a:r>
+          </a:p>
+        </p:txBody>
+      </p:sp>
+    </p:spTree>
+    <p:extLst>
+      <p:ext uri="{BB962C8B-B14F-4D97-AF65-F5344CB8AC3E}">
+        <p14:creationId xmlns:p14="http://schemas.microsoft.com/office/powerpoint/2010/main" val="2609001791"/>
+      </p:ext>
+    </p:extLst>
+  </p:cSld>
+  <p:clrMapOvr>
+    <a:masterClrMapping/>
+  </p:clrMapOvr>
+</p:sld>
+</file>
+
+<file path=ppt/slides/slide15.xml><?xml version="1.0" encoding="utf-8"?>
+<p:sld xmlns:a="http://schemas.openxmlformats.org/drawingml/2006/main" xmlns:r="http://schemas.openxmlformats.org/officeDocument/2006/relationships" xmlns:p="http://schemas.openxmlformats.org/presentationml/2006/main">
+  <p:cSld>
+    <p:spTree>
+      <p:nvGrpSpPr>
+        <p:cNvPr id="1" name=""/>
+        <p:cNvGrpSpPr/>
+        <p:nvPr/>
+      </p:nvGrpSpPr>
+      <p:grpSpPr>
+        <a:xfrm>
+          <a:off x="0" y="0"/>
+          <a:ext cx="0" cy="0"/>
+          <a:chOff x="0" y="0"/>
+          <a:chExt cx="0" cy="0"/>
+        </a:xfrm>
+      </p:grpSpPr>
+      <p:sp>
+        <p:nvSpPr>
+          <p:cNvPr id="3" name="TextBox 2">
+            <a:extLst>
+              <a:ext uri="{FF2B5EF4-FFF2-40B4-BE49-F238E27FC236}">
+                <a16:creationId xmlns:a16="http://schemas.microsoft.com/office/drawing/2014/main" id="{0E725062-F380-C772-0084-0A280BF5775E}"/>
+              </a:ext>
+            </a:extLst>
+          </p:cNvPr>
+          <p:cNvSpPr txBox="1"/>
+          <p:nvPr/>
+        </p:nvSpPr>
+        <p:spPr>
+          <a:xfrm>
+            <a:off x="547141" y="520597"/>
+            <a:ext cx="8881672" cy="584775"/>
+          </a:xfrm>
+          <a:prstGeom prst="rect">
+            <a:avLst/>
+          </a:prstGeom>
+          <a:noFill/>
+        </p:spPr>
+        <p:txBody>
+          <a:bodyPr wrap="square" rtlCol="0">
+            <a:spAutoFit/>
+          </a:bodyPr>
+          <a:lstStyle/>
+          <a:p>
+            <a:r>
+              <a:rPr lang="en-US" sz="3200" dirty="0">
+                <a:solidFill>
+                  <a:schemeClr val="bg1"/>
+                </a:solidFill>
+                <a:latin typeface="Bookman Old Style" panose="02050604050505020204" pitchFamily="18" charset="0"/>
+              </a:rPr>
               <a:t>Thank you for watching!</a:t>
             </a:r>
           </a:p>
@@ -9269,7 +9874,7 @@
 </p:sld>
 </file>
 
-<file path=ppt/slides/slide15.xml><?xml version="1.0" encoding="utf-8"?>
+<file path=ppt/slides/slide16.xml><?xml version="1.0" encoding="utf-8"?>
 <p:sld xmlns:a="http://schemas.openxmlformats.org/drawingml/2006/main" xmlns:r="http://schemas.openxmlformats.org/officeDocument/2006/relationships" xmlns:p="http://schemas.openxmlformats.org/presentationml/2006/main" show="0">
   <p:cSld>
     <p:spTree>
@@ -9637,7 +10242,7 @@
         <p:spPr>
           <a:xfrm>
             <a:off x="1655164" y="1982450"/>
-            <a:ext cx="8881672" cy="2800767"/>
+            <a:ext cx="8881672" cy="2554545"/>
           </a:xfrm>
           <a:prstGeom prst="rect">
             <a:avLst/>
@@ -9782,21 +10387,6 @@
                 <a:latin typeface="Bookman Old Style" panose="02050604050505020204" pitchFamily="18" charset="0"/>
               </a:rPr>
               <a:t>Results</a:t>
-            </a:r>
-          </a:p>
-          <a:p>
-            <a:pPr marL="971550" lvl="1" indent="-514350">
-              <a:buFont typeface="+mj-lt"/>
-              <a:buAutoNum type="romanLcPeriod"/>
-            </a:pPr>
-            <a:r>
-              <a:rPr lang="en-US" sz="1600" dirty="0">
-                <a:solidFill>
-                  <a:schemeClr val="bg1"/>
-                </a:solidFill>
-                <a:latin typeface="Bookman Old Style" panose="02050604050505020204" pitchFamily="18" charset="0"/>
-              </a:rPr>
-              <a:t>Additional Findings</a:t>
             </a:r>
           </a:p>
           <a:p>
@@ -10479,7 +11069,7 @@
                 </a:solidFill>
                 <a:latin typeface="Bookman Old Style" panose="02050604050505020204" pitchFamily="18" charset="0"/>
               </a:rPr>
-              <a:t>Background</a:t>
+              <a:t>Background – Survival Analysis</a:t>
             </a:r>
           </a:p>
         </p:txBody>
@@ -26011,6 +26601,49 @@
           </a:graphicData>
         </a:graphic>
       </p:graphicFrame>
+      <p:sp>
+        <p:nvSpPr>
+          <p:cNvPr id="5" name="TextBox 4">
+            <a:extLst>
+              <a:ext uri="{FF2B5EF4-FFF2-40B4-BE49-F238E27FC236}">
+                <a16:creationId xmlns:a16="http://schemas.microsoft.com/office/drawing/2014/main" id="{66E9E682-7BAF-DFAA-853E-E7A9098EB7F2}"/>
+              </a:ext>
+            </a:extLst>
+          </p:cNvPr>
+          <p:cNvSpPr txBox="1"/>
+          <p:nvPr/>
+        </p:nvSpPr>
+        <p:spPr>
+          <a:xfrm>
+            <a:off x="7455493" y="122255"/>
+            <a:ext cx="4736507" cy="261610"/>
+          </a:xfrm>
+          <a:prstGeom prst="rect">
+            <a:avLst/>
+          </a:prstGeom>
+          <a:noFill/>
+        </p:spPr>
+        <p:txBody>
+          <a:bodyPr wrap="square">
+            <a:spAutoFit/>
+          </a:bodyPr>
+          <a:lstStyle/>
+          <a:p>
+            <a:pPr algn="ctr"/>
+            <a:r>
+              <a:rPr lang="en-US" sz="1100" dirty="0">
+                <a:solidFill>
+                  <a:schemeClr val="bg1">
+                    <a:lumMod val="50000"/>
+                  </a:schemeClr>
+                </a:solidFill>
+                <a:latin typeface="Bookman Old Style" panose="02050604050505020204" pitchFamily="18" charset="0"/>
+              </a:rPr>
+              <a:t>Results are subject to slight change in final submission of report</a:t>
+            </a:r>
+          </a:p>
+        </p:txBody>
+      </p:sp>
     </p:spTree>
     <p:extLst>
       <p:ext uri="{BB962C8B-B14F-4D97-AF65-F5344CB8AC3E}">
@@ -26220,6 +26853,49 @@
               <a:t> with Logistic Hazards</a:t>
             </a:r>
             <a:endParaRPr lang="en-GB" sz="1050" dirty="0"/>
+          </a:p>
+        </p:txBody>
+      </p:sp>
+      <p:sp>
+        <p:nvSpPr>
+          <p:cNvPr id="4" name="TextBox 3">
+            <a:extLst>
+              <a:ext uri="{FF2B5EF4-FFF2-40B4-BE49-F238E27FC236}">
+                <a16:creationId xmlns:a16="http://schemas.microsoft.com/office/drawing/2014/main" id="{5FB2B426-2222-A9C4-1CED-7462F972C056}"/>
+              </a:ext>
+            </a:extLst>
+          </p:cNvPr>
+          <p:cNvSpPr txBox="1"/>
+          <p:nvPr/>
+        </p:nvSpPr>
+        <p:spPr>
+          <a:xfrm>
+            <a:off x="7455493" y="122255"/>
+            <a:ext cx="4736507" cy="261610"/>
+          </a:xfrm>
+          <a:prstGeom prst="rect">
+            <a:avLst/>
+          </a:prstGeom>
+          <a:noFill/>
+        </p:spPr>
+        <p:txBody>
+          <a:bodyPr wrap="square">
+            <a:spAutoFit/>
+          </a:bodyPr>
+          <a:lstStyle/>
+          <a:p>
+            <a:pPr algn="ctr"/>
+            <a:r>
+              <a:rPr lang="en-US" sz="1100" dirty="0">
+                <a:solidFill>
+                  <a:schemeClr val="bg1">
+                    <a:lumMod val="50000"/>
+                  </a:schemeClr>
+                </a:solidFill>
+                <a:latin typeface="Bookman Old Style" panose="02050604050505020204" pitchFamily="18" charset="0"/>
+              </a:rPr>
+              <a:t>Results are subject to slight change in final submission of report</a:t>
+            </a:r>
           </a:p>
         </p:txBody>
       </p:sp>

--- a/presentations/powerpoint_presentation/my_presentation.pptx
+++ b/presentations/powerpoint_presentation/my_presentation.pptx
@@ -128,10 +128,6 @@
         <p14:section name="Introduction" id="{963ED6ED-447D-4168-9D7A-041F01D88350}">
           <p14:sldIdLst>
             <p14:sldId id="256"/>
-          </p14:sldIdLst>
-        </p14:section>
-        <p14:section name="Contents" id="{2F4FBADC-4A63-4A4A-B024-7D23DBEEAD8D}">
-          <p14:sldIdLst>
             <p14:sldId id="257"/>
           </p14:sldIdLst>
         </p14:section>
@@ -172,18 +168,7 @@
       </p14:sectionLst>
     </p:ext>
     <p:ext uri="{EFAFB233-063F-42B5-8137-9DF3F51BA10A}">
-      <p15:sldGuideLst xmlns:p15="http://schemas.microsoft.com/office/powerpoint/2012/main">
-        <p15:guide id="1" orient="horz" pos="1248" userDrawn="1">
-          <p15:clr>
-            <a:srgbClr val="A4A3A4"/>
-          </p15:clr>
-        </p15:guide>
-        <p15:guide id="2" pos="7128" userDrawn="1">
-          <p15:clr>
-            <a:srgbClr val="A4A3A4"/>
-          </p15:clr>
-        </p15:guide>
-      </p15:sldGuideLst>
+      <p15:sldGuideLst xmlns:p15="http://schemas.microsoft.com/office/powerpoint/2012/main"/>
     </p:ext>
   </p:extLst>
 </p:presentation>
@@ -8976,29 +8961,7 @@
                 </a:solidFill>
                 <a:latin typeface="Bookman Old Style" panose="02050604050505020204" pitchFamily="18" charset="0"/>
               </a:rPr>
-              <a:t>[16] H. Hung and C.-T. Chiang, Estimation methods for </a:t>
-            </a:r>
-            <a:r>
-              <a:rPr lang="en-US" sz="1000" dirty="0" err="1">
-                <a:solidFill>
-                  <a:schemeClr val="bg1">
-                    <a:lumMod val="50000"/>
-                  </a:schemeClr>
-                </a:solidFill>
-                <a:latin typeface="Bookman Old Style" panose="02050604050505020204" pitchFamily="18" charset="0"/>
-              </a:rPr>
-              <a:t>timedependent</a:t>
-            </a:r>
-            <a:r>
-              <a:rPr lang="en-US" sz="1000" dirty="0">
-                <a:solidFill>
-                  <a:schemeClr val="bg1">
-                    <a:lumMod val="50000"/>
-                  </a:schemeClr>
-                </a:solidFill>
-                <a:latin typeface="Bookman Old Style" panose="02050604050505020204" pitchFamily="18" charset="0"/>
-              </a:rPr>
-              <a:t> </a:t>
+              <a:t>[16] H. Hung and C.-T. Chiang, Estimation methods for time-dependent </a:t>
             </a:r>
             <a:r>
               <a:rPr lang="en-US" sz="1000" dirty="0" err="1">
@@ -9071,8 +9034,8 @@
         </p:nvSpPr>
         <p:spPr bwMode="auto">
           <a:xfrm>
-            <a:off x="547141" y="2136339"/>
-            <a:ext cx="10768559" cy="2585323"/>
+            <a:off x="547141" y="1997840"/>
+            <a:ext cx="10768559" cy="2862322"/>
           </a:xfrm>
           <a:prstGeom prst="rect">
             <a:avLst/>
@@ -9283,6 +9246,22 @@
                 <a:latin typeface="Bookman Old Style" panose="02050604050505020204" pitchFamily="18" charset="0"/>
               </a:rPr>
               <a:t>Deeper architectures can be considered, though they may necessitate longer training times.</a:t>
+            </a:r>
+          </a:p>
+          <a:p>
+            <a:pPr marL="285750" indent="-285750" algn="just">
+              <a:buFont typeface="Courier New" panose="02070309020205020404" pitchFamily="49" charset="0"/>
+              <a:buChar char="o"/>
+            </a:pPr>
+            <a:r>
+              <a:rPr lang="en-US" b="0" i="0" dirty="0">
+                <a:solidFill>
+                  <a:srgbClr val="D1D5DB"/>
+                </a:solidFill>
+                <a:effectLst/>
+                <a:latin typeface="Bookman Old Style" panose="02050604050505020204" pitchFamily="18" charset="0"/>
+              </a:rPr>
+              <a:t>Automated hyper-parameter tuning can be an important addition to the implementation.</a:t>
             </a:r>
           </a:p>
           <a:p>
@@ -9858,6 +9837,65 @@
               </a:rPr>
               <a:t>Thank you for watching!</a:t>
             </a:r>
+          </a:p>
+        </p:txBody>
+      </p:sp>
+      <p:sp>
+        <p:nvSpPr>
+          <p:cNvPr id="6" name="TextBox 5">
+            <a:extLst>
+              <a:ext uri="{FF2B5EF4-FFF2-40B4-BE49-F238E27FC236}">
+                <a16:creationId xmlns:a16="http://schemas.microsoft.com/office/drawing/2014/main" id="{74073F61-EC82-47FF-435A-6D70F9EBC58C}"/>
+              </a:ext>
+            </a:extLst>
+          </p:cNvPr>
+          <p:cNvSpPr txBox="1"/>
+          <p:nvPr/>
+        </p:nvSpPr>
+        <p:spPr>
+          <a:xfrm>
+            <a:off x="547141" y="1203994"/>
+            <a:ext cx="6097136" cy="369332"/>
+          </a:xfrm>
+          <a:prstGeom prst="rect">
+            <a:avLst/>
+          </a:prstGeom>
+          <a:noFill/>
+        </p:spPr>
+        <p:txBody>
+          <a:bodyPr wrap="square">
+            <a:spAutoFit/>
+          </a:bodyPr>
+          <a:lstStyle/>
+          <a:p>
+            <a:r>
+              <a:rPr lang="en-GB" dirty="0">
+                <a:solidFill>
+                  <a:schemeClr val="accent1">
+                    <a:lumMod val="60000"/>
+                    <a:lumOff val="40000"/>
+                  </a:schemeClr>
+                </a:solidFill>
+                <a:latin typeface="Bookman Old Style" panose="02050604050505020204" pitchFamily="18" charset="0"/>
+                <a:hlinkClick r:id="rId2">
+                  <a:extLst>
+                    <a:ext uri="{A12FA001-AC4F-418D-AE19-62706E023703}">
+                      <ahyp:hlinkClr xmlns:ahyp="http://schemas.microsoft.com/office/drawing/2018/hyperlinkcolor" val="tx"/>
+                    </a:ext>
+                  </a:extLst>
+                </a:hlinkClick>
+              </a:rPr>
+              <a:t>Presentation_Recording_ss1474.mp4</a:t>
+            </a:r>
+            <a:endParaRPr lang="en-GB" dirty="0">
+              <a:solidFill>
+                <a:schemeClr val="accent1">
+                  <a:lumMod val="60000"/>
+                  <a:lumOff val="40000"/>
+                </a:schemeClr>
+              </a:solidFill>
+              <a:latin typeface="Bookman Old Style" panose="02050604050505020204" pitchFamily="18" charset="0"/>
+            </a:endParaRPr>
           </a:p>
         </p:txBody>
       </p:sp>

--- a/presentations/powerpoint_presentation/my_presentation.pptx
+++ b/presentations/powerpoint_presentation/my_presentation.pptx
@@ -256,7 +256,7 @@
           <a:p>
             <a:fld id="{CA024827-C890-46DF-AE44-0BCEFEEF6005}" type="datetimeFigureOut">
               <a:rPr lang="en-GB" smtClean="0"/>
-              <a:t>10/08/2023</a:t>
+              <a:t>11/08/2023</a:t>
             </a:fld>
             <a:endParaRPr lang="en-GB"/>
           </a:p>
@@ -1273,7 +1273,7 @@
           <a:p>
             <a:fld id="{FAC75D48-CC08-48B4-B703-750190F693E3}" type="datetimeFigureOut">
               <a:rPr lang="en-GB" smtClean="0"/>
-              <a:t>10/08/2023</a:t>
+              <a:t>11/08/2023</a:t>
             </a:fld>
             <a:endParaRPr lang="en-GB"/>
           </a:p>
@@ -1473,7 +1473,7 @@
           <a:p>
             <a:fld id="{FAC75D48-CC08-48B4-B703-750190F693E3}" type="datetimeFigureOut">
               <a:rPr lang="en-GB" smtClean="0"/>
-              <a:t>10/08/2023</a:t>
+              <a:t>11/08/2023</a:t>
             </a:fld>
             <a:endParaRPr lang="en-GB"/>
           </a:p>
@@ -1683,7 +1683,7 @@
           <a:p>
             <a:fld id="{FAC75D48-CC08-48B4-B703-750190F693E3}" type="datetimeFigureOut">
               <a:rPr lang="en-GB" smtClean="0"/>
-              <a:t>10/08/2023</a:t>
+              <a:t>11/08/2023</a:t>
             </a:fld>
             <a:endParaRPr lang="en-GB"/>
           </a:p>
@@ -1883,7 +1883,7 @@
           <a:p>
             <a:fld id="{FAC75D48-CC08-48B4-B703-750190F693E3}" type="datetimeFigureOut">
               <a:rPr lang="en-GB" smtClean="0"/>
-              <a:t>10/08/2023</a:t>
+              <a:t>11/08/2023</a:t>
             </a:fld>
             <a:endParaRPr lang="en-GB"/>
           </a:p>
@@ -2159,7 +2159,7 @@
           <a:p>
             <a:fld id="{FAC75D48-CC08-48B4-B703-750190F693E3}" type="datetimeFigureOut">
               <a:rPr lang="en-GB" smtClean="0"/>
-              <a:t>10/08/2023</a:t>
+              <a:t>11/08/2023</a:t>
             </a:fld>
             <a:endParaRPr lang="en-GB"/>
           </a:p>
@@ -2427,7 +2427,7 @@
           <a:p>
             <a:fld id="{FAC75D48-CC08-48B4-B703-750190F693E3}" type="datetimeFigureOut">
               <a:rPr lang="en-GB" smtClean="0"/>
-              <a:t>10/08/2023</a:t>
+              <a:t>11/08/2023</a:t>
             </a:fld>
             <a:endParaRPr lang="en-GB"/>
           </a:p>
@@ -2842,7 +2842,7 @@
           <a:p>
             <a:fld id="{FAC75D48-CC08-48B4-B703-750190F693E3}" type="datetimeFigureOut">
               <a:rPr lang="en-GB" smtClean="0"/>
-              <a:t>10/08/2023</a:t>
+              <a:t>11/08/2023</a:t>
             </a:fld>
             <a:endParaRPr lang="en-GB"/>
           </a:p>
@@ -2984,7 +2984,7 @@
           <a:p>
             <a:fld id="{FAC75D48-CC08-48B4-B703-750190F693E3}" type="datetimeFigureOut">
               <a:rPr lang="en-GB" smtClean="0"/>
-              <a:t>10/08/2023</a:t>
+              <a:t>11/08/2023</a:t>
             </a:fld>
             <a:endParaRPr lang="en-GB"/>
           </a:p>
@@ -3097,7 +3097,7 @@
           <a:p>
             <a:fld id="{FAC75D48-CC08-48B4-B703-750190F693E3}" type="datetimeFigureOut">
               <a:rPr lang="en-GB" smtClean="0"/>
-              <a:t>10/08/2023</a:t>
+              <a:t>11/08/2023</a:t>
             </a:fld>
             <a:endParaRPr lang="en-GB"/>
           </a:p>
@@ -3410,7 +3410,7 @@
           <a:p>
             <a:fld id="{FAC75D48-CC08-48B4-B703-750190F693E3}" type="datetimeFigureOut">
               <a:rPr lang="en-GB" smtClean="0"/>
-              <a:t>10/08/2023</a:t>
+              <a:t>11/08/2023</a:t>
             </a:fld>
             <a:endParaRPr lang="en-GB"/>
           </a:p>
@@ -3699,7 +3699,7 @@
           <a:p>
             <a:fld id="{FAC75D48-CC08-48B4-B703-750190F693E3}" type="datetimeFigureOut">
               <a:rPr lang="en-GB" smtClean="0"/>
-              <a:t>10/08/2023</a:t>
+              <a:t>11/08/2023</a:t>
             </a:fld>
             <a:endParaRPr lang="en-GB"/>
           </a:p>
@@ -3945,7 +3945,7 @@
           <a:p>
             <a:fld id="{FAC75D48-CC08-48B4-B703-750190F693E3}" type="datetimeFigureOut">
               <a:rPr lang="en-GB" smtClean="0"/>
-              <a:t>10/08/2023</a:t>
+              <a:t>11/08/2023</a:t>
             </a:fld>
             <a:endParaRPr lang="en-GB"/>
           </a:p>
@@ -9842,10 +9842,10 @@
       </p:sp>
       <p:sp>
         <p:nvSpPr>
-          <p:cNvPr id="6" name="TextBox 5">
+          <p:cNvPr id="9" name="TextBox 8">
             <a:extLst>
               <a:ext uri="{FF2B5EF4-FFF2-40B4-BE49-F238E27FC236}">
-                <a16:creationId xmlns:a16="http://schemas.microsoft.com/office/drawing/2014/main" id="{74073F61-EC82-47FF-435A-6D70F9EBC58C}"/>
+                <a16:creationId xmlns:a16="http://schemas.microsoft.com/office/drawing/2014/main" id="{05CBF40A-55E8-7F6A-9969-8DE5A580DF13}"/>
               </a:ext>
             </a:extLst>
           </p:cNvPr>
@@ -9854,7 +9854,7 @@
         </p:nvSpPr>
         <p:spPr>
           <a:xfrm>
-            <a:off x="547141" y="1203994"/>
+            <a:off x="547141" y="1279056"/>
             <a:ext cx="6097136" cy="369332"/>
           </a:xfrm>
           <a:prstGeom prst="rect">

--- a/presentations/powerpoint_presentation/my_presentation.pptx
+++ b/presentations/powerpoint_presentation/my_presentation.pptx
@@ -9842,10 +9842,10 @@
       </p:sp>
       <p:sp>
         <p:nvSpPr>
-          <p:cNvPr id="9" name="TextBox 8">
+          <p:cNvPr id="5" name="TextBox 4">
             <a:extLst>
               <a:ext uri="{FF2B5EF4-FFF2-40B4-BE49-F238E27FC236}">
-                <a16:creationId xmlns:a16="http://schemas.microsoft.com/office/drawing/2014/main" id="{05CBF40A-55E8-7F6A-9969-8DE5A580DF13}"/>
+                <a16:creationId xmlns:a16="http://schemas.microsoft.com/office/drawing/2014/main" id="{0F5E582A-BE22-7216-CB0C-3CDD145D3D79}"/>
               </a:ext>
             </a:extLst>
           </p:cNvPr>
@@ -9854,8 +9854,8 @@
         </p:nvSpPr>
         <p:spPr>
           <a:xfrm>
-            <a:off x="547141" y="1279056"/>
-            <a:ext cx="6097136" cy="369332"/>
+            <a:off x="547141" y="1386217"/>
+            <a:ext cx="6097136" cy="646331"/>
           </a:xfrm>
           <a:prstGeom prst="rect">
             <a:avLst/>
@@ -9871,10 +9871,7 @@
             <a:r>
               <a:rPr lang="en-GB" dirty="0">
                 <a:solidFill>
-                  <a:schemeClr val="accent1">
-                    <a:lumMod val="60000"/>
-                    <a:lumOff val="40000"/>
-                  </a:schemeClr>
+                  <a:schemeClr val="accent2"/>
                 </a:solidFill>
                 <a:latin typeface="Bookman Old Style" panose="02050604050505020204" pitchFamily="18" charset="0"/>
                 <a:hlinkClick r:id="rId2">
@@ -9885,14 +9882,11 @@
                   </a:extLst>
                 </a:hlinkClick>
               </a:rPr>
-              <a:t>Presentation_Recording_ss1474.mp4</a:t>
+              <a:t>Dissertation_Presentation-20230811_105634-Meeting Recording.mp4</a:t>
             </a:r>
             <a:endParaRPr lang="en-GB" dirty="0">
               <a:solidFill>
-                <a:schemeClr val="accent1">
-                  <a:lumMod val="60000"/>
-                  <a:lumOff val="40000"/>
-                </a:schemeClr>
+                <a:schemeClr val="accent2"/>
               </a:solidFill>
               <a:latin typeface="Bookman Old Style" panose="02050604050505020204" pitchFamily="18" charset="0"/>
             </a:endParaRPr>

--- a/presentations/powerpoint_presentation/my_presentation.pptx
+++ b/presentations/powerpoint_presentation/my_presentation.pptx
@@ -9842,10 +9842,10 @@
       </p:sp>
       <p:sp>
         <p:nvSpPr>
-          <p:cNvPr id="5" name="TextBox 4">
+          <p:cNvPr id="4" name="TextBox 3">
             <a:extLst>
               <a:ext uri="{FF2B5EF4-FFF2-40B4-BE49-F238E27FC236}">
-                <a16:creationId xmlns:a16="http://schemas.microsoft.com/office/drawing/2014/main" id="{0F5E582A-BE22-7216-CB0C-3CDD145D3D79}"/>
+                <a16:creationId xmlns:a16="http://schemas.microsoft.com/office/drawing/2014/main" id="{B3D44109-8271-9CFC-BE9A-3EC296F8CE69}"/>
               </a:ext>
             </a:extLst>
           </p:cNvPr>
@@ -9854,7 +9854,7 @@
         </p:nvSpPr>
         <p:spPr>
           <a:xfrm>
-            <a:off x="547141" y="1386217"/>
+            <a:off x="3048569" y="3105835"/>
             <a:ext cx="6097136" cy="646331"/>
           </a:xfrm>
           <a:prstGeom prst="rect">
@@ -9871,7 +9871,7 @@
             <a:r>
               <a:rPr lang="en-GB" dirty="0">
                 <a:solidFill>
-                  <a:schemeClr val="accent2"/>
+                  <a:srgbClr val="FF0000"/>
                 </a:solidFill>
                 <a:latin typeface="Bookman Old Style" panose="02050604050505020204" pitchFamily="18" charset="0"/>
                 <a:hlinkClick r:id="rId2">
@@ -9886,7 +9886,7 @@
             </a:r>
             <a:endParaRPr lang="en-GB" dirty="0">
               <a:solidFill>
-                <a:schemeClr val="accent2"/>
+                <a:srgbClr val="FF0000"/>
               </a:solidFill>
               <a:latin typeface="Bookman Old Style" panose="02050604050505020204" pitchFamily="18" charset="0"/>
             </a:endParaRPr>

--- a/presentations/powerpoint_presentation/my_presentation.pptx
+++ b/presentations/powerpoint_presentation/my_presentation.pptx
@@ -5,7 +5,7 @@
     <p:sldMasterId id="2147483648" r:id="rId1"/>
   </p:sldMasterIdLst>
   <p:notesMasterIdLst>
-    <p:notesMasterId r:id="rId18"/>
+    <p:notesMasterId r:id="rId17"/>
   </p:notesMasterIdLst>
   <p:sldIdLst>
     <p:sldId id="256" r:id="rId2"/>
@@ -23,7 +23,6 @@
     <p:sldId id="265" r:id="rId14"/>
     <p:sldId id="271" r:id="rId15"/>
     <p:sldId id="263" r:id="rId16"/>
-    <p:sldId id="262" r:id="rId17"/>
   </p:sldIdLst>
   <p:sldSz cx="12192000" cy="6858000"/>
   <p:notesSz cx="6858000" cy="9144000"/>
@@ -158,11 +157,6 @@
             <p14:sldId id="265"/>
             <p14:sldId id="271"/>
             <p14:sldId id="263"/>
-          </p14:sldIdLst>
-        </p14:section>
-        <p14:section name="Archive" id="{CEF68174-487A-4A62-AC8D-E29553488953}">
-          <p14:sldIdLst>
-            <p14:sldId id="262"/>
           </p14:sldIdLst>
         </p14:section>
       </p14:sectionLst>
@@ -7683,7 +7677,7 @@
         </p:nvSpPr>
         <p:spPr>
           <a:xfrm>
-            <a:off x="547141" y="520597"/>
+            <a:off x="547141" y="506949"/>
             <a:ext cx="8881672" cy="584775"/>
           </a:xfrm>
           <a:prstGeom prst="rect">
@@ -7892,6 +7886,93 @@
               </a:rPr>
               <a:t>Results are subject to slight change in final submission of report</a:t>
             </a:r>
+          </a:p>
+        </p:txBody>
+      </p:sp>
+      <p:cxnSp>
+        <p:nvCxnSpPr>
+          <p:cNvPr id="5" name="Connector: Curved 4">
+            <a:extLst>
+              <a:ext uri="{FF2B5EF4-FFF2-40B4-BE49-F238E27FC236}">
+                <a16:creationId xmlns:a16="http://schemas.microsoft.com/office/drawing/2014/main" id="{E84F233B-C216-C26D-9BAB-5240EC73C52F}"/>
+              </a:ext>
+            </a:extLst>
+          </p:cNvPr>
+          <p:cNvCxnSpPr>
+            <a:cxnSpLocks/>
+          </p:cNvCxnSpPr>
+          <p:nvPr/>
+        </p:nvCxnSpPr>
+        <p:spPr>
+          <a:xfrm rot="5400000">
+            <a:off x="381029" y="3837612"/>
+            <a:ext cx="2291345" cy="119133"/>
+          </a:xfrm>
+          <a:prstGeom prst="curvedConnector3">
+            <a:avLst>
+              <a:gd name="adj1" fmla="val 50000"/>
+            </a:avLst>
+          </a:prstGeom>
+          <a:ln>
+            <a:solidFill>
+              <a:schemeClr val="tx1"/>
+            </a:solidFill>
+            <a:tailEnd type="triangle"/>
+          </a:ln>
+        </p:spPr>
+        <p:style>
+          <a:lnRef idx="1">
+            <a:schemeClr val="accent1"/>
+          </a:lnRef>
+          <a:fillRef idx="0">
+            <a:schemeClr val="accent1"/>
+          </a:fillRef>
+          <a:effectRef idx="0">
+            <a:schemeClr val="accent1"/>
+          </a:effectRef>
+          <a:fontRef idx="minor">
+            <a:schemeClr val="tx1"/>
+          </a:fontRef>
+        </p:style>
+      </p:cxnSp>
+      <p:sp>
+        <p:nvSpPr>
+          <p:cNvPr id="7" name="TextBox 6">
+            <a:extLst>
+              <a:ext uri="{FF2B5EF4-FFF2-40B4-BE49-F238E27FC236}">
+                <a16:creationId xmlns:a16="http://schemas.microsoft.com/office/drawing/2014/main" id="{699D0489-440F-CF3F-9BC8-F179469BB700}"/>
+              </a:ext>
+            </a:extLst>
+          </p:cNvPr>
+          <p:cNvSpPr txBox="1"/>
+          <p:nvPr/>
+        </p:nvSpPr>
+        <p:spPr>
+          <a:xfrm>
+            <a:off x="1064239" y="2105173"/>
+            <a:ext cx="1044053" cy="646331"/>
+          </a:xfrm>
+          <a:prstGeom prst="rect">
+            <a:avLst/>
+          </a:prstGeom>
+          <a:noFill/>
+        </p:spPr>
+        <p:txBody>
+          <a:bodyPr wrap="square" rtlCol="0">
+            <a:spAutoFit/>
+          </a:bodyPr>
+          <a:lstStyle/>
+          <a:p>
+            <a:pPr algn="ctr"/>
+            <a:r>
+              <a:rPr lang="en-US" sz="1200" dirty="0">
+                <a:latin typeface="Ink Free" panose="03080402000500000000" pitchFamily="66" charset="0"/>
+              </a:rPr>
+              <a:t>Cox Proportional Hazards</a:t>
+            </a:r>
+            <a:endParaRPr lang="en-GB" sz="1200" dirty="0">
+              <a:latin typeface="Ink Free" panose="03080402000500000000" pitchFamily="66" charset="0"/>
+            </a:endParaRPr>
           </a:p>
         </p:txBody>
       </p:sp>
@@ -8735,7 +8816,7 @@
         <p:spPr>
           <a:xfrm>
             <a:off x="2001138" y="5507933"/>
-            <a:ext cx="8189726" cy="830997"/>
+            <a:ext cx="8189726" cy="646331"/>
           </a:xfrm>
           <a:prstGeom prst="rect">
             <a:avLst/>
@@ -8756,11 +8837,24 @@
                 </a:solidFill>
                 <a:latin typeface="Bookman Old Style" panose="02050604050505020204" pitchFamily="18" charset="0"/>
               </a:rPr>
-              <a:t>SHAP [15] waterfall charts attempt to allocate credit to model covariates which lets users understand which of these had a say in the model’s output and how much that effect was. E[f(X)] and f(x) are shown on the predictor scale. Once passed through a sigmoid function, they become valid discrete hazards for the concerned subject over the chosen discrete time period.</a:t>
-            </a:r>
-            <a:endParaRPr lang="en-GB" sz="1200" dirty="0">
+              <a:t>SHAP [15] waterfall charts attempt to allocate credit to covariates as per the final model outputs. </a:t>
+            </a:r>
+            <a:r>
+              <a:rPr lang="en-US" sz="1200" i="1" dirty="0">
+                <a:solidFill>
+                  <a:schemeClr val="bg1">
+                    <a:lumMod val="50000"/>
+                  </a:schemeClr>
+                </a:solidFill>
+                <a:latin typeface="Bookman Old Style" panose="02050604050505020204" pitchFamily="18" charset="0"/>
+              </a:rPr>
+              <a:t>E[f(X)] and f(x) are shown on the predictor scale. Once passed through a sigmoid function, they become valid discrete hazards for the concerned subject over the chosen discrete time period.</a:t>
+            </a:r>
+            <a:endParaRPr lang="en-GB" sz="1200" i="1" dirty="0">
               <a:solidFill>
-                <a:schemeClr val="bg1"/>
+                <a:schemeClr val="bg1">
+                  <a:lumMod val="50000"/>
+                </a:schemeClr>
               </a:solidFill>
               <a:latin typeface="Bookman Old Style" panose="02050604050505020204" pitchFamily="18" charset="0"/>
             </a:endParaRPr>
@@ -9426,7 +9520,7 @@
         <p:spPr>
           <a:xfrm>
             <a:off x="547141" y="5971921"/>
-            <a:ext cx="11035259" cy="400110"/>
+            <a:ext cx="11035259" cy="246221"/>
           </a:xfrm>
           <a:prstGeom prst="rect">
             <a:avLst/>
@@ -9441,90 +9535,17 @@
           <a:p>
             <a:pPr algn="just"/>
             <a:r>
-              <a:rPr lang="en-US" sz="1000" dirty="0">
+              <a:rPr lang="en-US" sz="1000" b="0" i="0" dirty="0">
                 <a:solidFill>
                   <a:schemeClr val="bg1">
                     <a:lumMod val="50000"/>
                   </a:schemeClr>
                 </a:solidFill>
+                <a:effectLst/>
                 <a:latin typeface="Bookman Old Style" panose="02050604050505020204" pitchFamily="18" charset="0"/>
               </a:rPr>
-              <a:t>[16] H. Hung and C.-T. Chiang, Estimation methods for </a:t>
-            </a:r>
-            <a:r>
-              <a:rPr lang="en-US" sz="1000" dirty="0" err="1">
-                <a:solidFill>
-                  <a:schemeClr val="bg1">
-                    <a:lumMod val="50000"/>
-                  </a:schemeClr>
-                </a:solidFill>
-                <a:latin typeface="Bookman Old Style" panose="02050604050505020204" pitchFamily="18" charset="0"/>
-              </a:rPr>
-              <a:t>timedependent</a:t>
-            </a:r>
-            <a:r>
-              <a:rPr lang="en-US" sz="1000" dirty="0">
-                <a:solidFill>
-                  <a:schemeClr val="bg1">
-                    <a:lumMod val="50000"/>
-                  </a:schemeClr>
-                </a:solidFill>
-                <a:latin typeface="Bookman Old Style" panose="02050604050505020204" pitchFamily="18" charset="0"/>
-              </a:rPr>
-              <a:t> </a:t>
-            </a:r>
-            <a:r>
-              <a:rPr lang="en-US" sz="1000" dirty="0" err="1">
-                <a:solidFill>
-                  <a:schemeClr val="bg1">
-                    <a:lumMod val="50000"/>
-                  </a:schemeClr>
-                </a:solidFill>
-                <a:latin typeface="Bookman Old Style" panose="02050604050505020204" pitchFamily="18" charset="0"/>
-              </a:rPr>
-              <a:t>auc</a:t>
-            </a:r>
-            <a:r>
-              <a:rPr lang="en-US" sz="1000" dirty="0">
-                <a:solidFill>
-                  <a:schemeClr val="bg1">
-                    <a:lumMod val="50000"/>
-                  </a:schemeClr>
-                </a:solidFill>
-                <a:latin typeface="Bookman Old Style" panose="02050604050505020204" pitchFamily="18" charset="0"/>
-              </a:rPr>
-              <a:t> models with survival data., The Canadian Journal of Statistics / La Revue Canadienne de </a:t>
-            </a:r>
-            <a:r>
-              <a:rPr lang="en-US" sz="1000" dirty="0" err="1">
-                <a:solidFill>
-                  <a:schemeClr val="bg1">
-                    <a:lumMod val="50000"/>
-                  </a:schemeClr>
-                </a:solidFill>
-                <a:latin typeface="Bookman Old Style" panose="02050604050505020204" pitchFamily="18" charset="0"/>
-              </a:rPr>
-              <a:t>Statistique</a:t>
-            </a:r>
-            <a:r>
-              <a:rPr lang="en-US" sz="1000" dirty="0">
-                <a:solidFill>
-                  <a:schemeClr val="bg1">
-                    <a:lumMod val="50000"/>
-                  </a:schemeClr>
-                </a:solidFill>
-                <a:latin typeface="Bookman Old Style" panose="02050604050505020204" pitchFamily="18" charset="0"/>
-              </a:rPr>
-              <a:t> 38 (2010).</a:t>
-            </a:r>
-            <a:endParaRPr lang="en-GB" sz="1000" dirty="0">
-              <a:solidFill>
-                <a:schemeClr val="bg1">
-                  <a:lumMod val="50000"/>
-                </a:schemeClr>
-              </a:solidFill>
-              <a:latin typeface="Bookman Old Style" panose="02050604050505020204" pitchFamily="18" charset="0"/>
-            </a:endParaRPr>
+              <a:t>*Nonetheless, the relationship between training time and improved performance is not always linear, highlighting the need for careful evaluation.</a:t>
+            </a:r>
           </a:p>
         </p:txBody>
       </p:sp>
@@ -9544,8 +9565,8 @@
         </p:nvSpPr>
         <p:spPr bwMode="auto">
           <a:xfrm>
-            <a:off x="547141" y="1859342"/>
-            <a:ext cx="10768559" cy="3139321"/>
+            <a:off x="547141" y="2274840"/>
+            <a:ext cx="10768559" cy="2308324"/>
           </a:xfrm>
           <a:prstGeom prst="rect">
             <a:avLst/>
@@ -9743,29 +9764,7 @@
                 <a:effectLst/>
                 <a:latin typeface="Bookman Old Style" panose="02050604050505020204" pitchFamily="18" charset="0"/>
               </a:rPr>
-              <a:t>Additionally, in the realm of neural networks and big data, training time and selective hyperparameter tuning are important. While deep learning can compete with (and outperform) traditional survival analysis, achieving optimal results requires meticulous hyperparameter tuning and sufficient training duration.</a:t>
-            </a:r>
-          </a:p>
-          <a:p>
-            <a:pPr algn="just"/>
-            <a:endParaRPr lang="en-US" dirty="0">
-              <a:solidFill>
-                <a:schemeClr val="bg1"/>
-              </a:solidFill>
-              <a:latin typeface="Bookman Old Style" panose="02050604050505020204" pitchFamily="18" charset="0"/>
-            </a:endParaRPr>
-          </a:p>
-          <a:p>
-            <a:pPr algn="just"/>
-            <a:r>
-              <a:rPr lang="en-US" b="0" i="0" dirty="0">
-                <a:solidFill>
-                  <a:schemeClr val="bg1"/>
-                </a:solidFill>
-                <a:effectLst/>
-                <a:latin typeface="Bookman Old Style" panose="02050604050505020204" pitchFamily="18" charset="0"/>
-              </a:rPr>
-              <a:t>Nonetheless, the relationship between training time and improved performance is not always linear, highlighting the need for careful evaluation.</a:t>
+              <a:t>Additionally, in the realm of neural networks and big data, training time* and selective hyperparameter tuning are important. While deep learning can compete with (and outperform) traditional survival analysis, achieving optimal results requires meticulous hyperparameter tuning and sufficient training duration.</a:t>
             </a:r>
           </a:p>
         </p:txBody>
@@ -9842,10 +9841,10 @@
       </p:sp>
       <p:sp>
         <p:nvSpPr>
-          <p:cNvPr id="4" name="TextBox 3">
+          <p:cNvPr id="5" name="TextBox 4">
             <a:extLst>
               <a:ext uri="{FF2B5EF4-FFF2-40B4-BE49-F238E27FC236}">
-                <a16:creationId xmlns:a16="http://schemas.microsoft.com/office/drawing/2014/main" id="{B3D44109-8271-9CFC-BE9A-3EC296F8CE69}"/>
+                <a16:creationId xmlns:a16="http://schemas.microsoft.com/office/drawing/2014/main" id="{9623C921-0CAD-85B8-DECC-1695105519E6}"/>
               </a:ext>
             </a:extLst>
           </p:cNvPr>
@@ -9870,26 +9869,11 @@
           <a:p>
             <a:r>
               <a:rPr lang="en-GB" dirty="0">
-                <a:solidFill>
-                  <a:srgbClr val="FF0000"/>
-                </a:solidFill>
-                <a:latin typeface="Bookman Old Style" panose="02050604050505020204" pitchFamily="18" charset="0"/>
-                <a:hlinkClick r:id="rId2">
-                  <a:extLst>
-                    <a:ext uri="{A12FA001-AC4F-418D-AE19-62706E023703}">
-                      <ahyp:hlinkClr xmlns:ahyp="http://schemas.microsoft.com/office/drawing/2018/hyperlinkcolor" val="tx"/>
-                    </a:ext>
-                  </a:extLst>
-                </a:hlinkClick>
+                <a:hlinkClick r:id="rId2"/>
               </a:rPr>
-              <a:t>Dissertation_Presentation-20230811_105634-Meeting Recording.mp4</a:t>
-            </a:r>
-            <a:endParaRPr lang="en-GB" dirty="0">
-              <a:solidFill>
-                <a:srgbClr val="FF0000"/>
-              </a:solidFill>
-              <a:latin typeface="Bookman Old Style" panose="02050604050505020204" pitchFamily="18" charset="0"/>
-            </a:endParaRPr>
+              <a:t>Dissertation_Presentation-20230811_183636-Meeting Recording.mp4</a:t>
+            </a:r>
+            <a:endParaRPr lang="en-GB" dirty="0"/>
           </a:p>
         </p:txBody>
       </p:sp>
@@ -9897,302 +9881,6 @@
     <p:extLst>
       <p:ext uri="{BB962C8B-B14F-4D97-AF65-F5344CB8AC3E}">
         <p14:creationId xmlns:p14="http://schemas.microsoft.com/office/powerpoint/2010/main" val="1020853260"/>
-      </p:ext>
-    </p:extLst>
-  </p:cSld>
-  <p:clrMapOvr>
-    <a:masterClrMapping/>
-  </p:clrMapOvr>
-</p:sld>
-</file>
-
-<file path=ppt/slides/slide16.xml><?xml version="1.0" encoding="utf-8"?>
-<p:sld xmlns:a="http://schemas.openxmlformats.org/drawingml/2006/main" xmlns:r="http://schemas.openxmlformats.org/officeDocument/2006/relationships" xmlns:p="http://schemas.openxmlformats.org/presentationml/2006/main" show="0">
-  <p:cSld>
-    <p:spTree>
-      <p:nvGrpSpPr>
-        <p:cNvPr id="1" name=""/>
-        <p:cNvGrpSpPr/>
-        <p:nvPr/>
-      </p:nvGrpSpPr>
-      <p:grpSpPr>
-        <a:xfrm>
-          <a:off x="0" y="0"/>
-          <a:ext cx="0" cy="0"/>
-          <a:chOff x="0" y="0"/>
-          <a:chExt cx="0" cy="0"/>
-        </a:xfrm>
-      </p:grpSpPr>
-      <p:sp>
-        <p:nvSpPr>
-          <p:cNvPr id="3" name="TextBox 2">
-            <a:extLst>
-              <a:ext uri="{FF2B5EF4-FFF2-40B4-BE49-F238E27FC236}">
-                <a16:creationId xmlns:a16="http://schemas.microsoft.com/office/drawing/2014/main" id="{0E725062-F380-C772-0084-0A280BF5775E}"/>
-              </a:ext>
-            </a:extLst>
-          </p:cNvPr>
-          <p:cNvSpPr txBox="1"/>
-          <p:nvPr/>
-        </p:nvSpPr>
-        <p:spPr>
-          <a:xfrm>
-            <a:off x="547141" y="520597"/>
-            <a:ext cx="8881672" cy="584775"/>
-          </a:xfrm>
-          <a:prstGeom prst="rect">
-            <a:avLst/>
-          </a:prstGeom>
-          <a:noFill/>
-        </p:spPr>
-        <p:txBody>
-          <a:bodyPr wrap="square" rtlCol="0">
-            <a:spAutoFit/>
-          </a:bodyPr>
-          <a:lstStyle/>
-          <a:p>
-            <a:r>
-              <a:rPr lang="en-US" sz="3200" dirty="0">
-                <a:solidFill>
-                  <a:schemeClr val="bg1"/>
-                </a:solidFill>
-                <a:latin typeface="Bookman Old Style" panose="02050604050505020204" pitchFamily="18" charset="0"/>
-              </a:rPr>
-              <a:t>Additional Findings</a:t>
-            </a:r>
-          </a:p>
-        </p:txBody>
-      </p:sp>
-      <p:cxnSp>
-        <p:nvCxnSpPr>
-          <p:cNvPr id="4" name="Straight Connector 3">
-            <a:extLst>
-              <a:ext uri="{FF2B5EF4-FFF2-40B4-BE49-F238E27FC236}">
-                <a16:creationId xmlns:a16="http://schemas.microsoft.com/office/drawing/2014/main" id="{D06DF6F2-7DFE-3356-24B5-50DE8EEBC70D}"/>
-              </a:ext>
-            </a:extLst>
-          </p:cNvPr>
-          <p:cNvCxnSpPr>
-            <a:cxnSpLocks/>
-          </p:cNvCxnSpPr>
-          <p:nvPr/>
-        </p:nvCxnSpPr>
-        <p:spPr>
-          <a:xfrm>
-            <a:off x="658894" y="5971922"/>
-            <a:ext cx="10923506" cy="0"/>
-          </a:xfrm>
-          <a:prstGeom prst="line">
-            <a:avLst/>
-          </a:prstGeom>
-          <a:ln>
-            <a:solidFill>
-              <a:schemeClr val="bg1"/>
-            </a:solidFill>
-          </a:ln>
-        </p:spPr>
-        <p:style>
-          <a:lnRef idx="1">
-            <a:schemeClr val="accent1"/>
-          </a:lnRef>
-          <a:fillRef idx="0">
-            <a:schemeClr val="accent1"/>
-          </a:fillRef>
-          <a:effectRef idx="0">
-            <a:schemeClr val="accent1"/>
-          </a:effectRef>
-          <a:fontRef idx="minor">
-            <a:schemeClr val="tx1"/>
-          </a:fontRef>
-        </p:style>
-      </p:cxnSp>
-      <p:sp>
-        <p:nvSpPr>
-          <p:cNvPr id="5" name="TextBox 4">
-            <a:extLst>
-              <a:ext uri="{FF2B5EF4-FFF2-40B4-BE49-F238E27FC236}">
-                <a16:creationId xmlns:a16="http://schemas.microsoft.com/office/drawing/2014/main" id="{2E757AFA-ED54-4ECD-09D0-56B72A97D202}"/>
-              </a:ext>
-            </a:extLst>
-          </p:cNvPr>
-          <p:cNvSpPr txBox="1"/>
-          <p:nvPr/>
-        </p:nvSpPr>
-        <p:spPr>
-          <a:xfrm>
-            <a:off x="547141" y="5971921"/>
-            <a:ext cx="11035259" cy="553998"/>
-          </a:xfrm>
-          <a:prstGeom prst="rect">
-            <a:avLst/>
-          </a:prstGeom>
-          <a:noFill/>
-        </p:spPr>
-        <p:txBody>
-          <a:bodyPr wrap="square" rtlCol="0">
-            <a:spAutoFit/>
-          </a:bodyPr>
-          <a:lstStyle/>
-          <a:p>
-            <a:pPr algn="just"/>
-            <a:r>
-              <a:rPr lang="en-US" sz="1000" dirty="0">
-                <a:solidFill>
-                  <a:schemeClr val="bg1">
-                    <a:lumMod val="50000"/>
-                  </a:schemeClr>
-                </a:solidFill>
-                <a:latin typeface="Bookman Old Style" panose="02050604050505020204" pitchFamily="18" charset="0"/>
-              </a:rPr>
-              <a:t>[1] S. L. James, D. Abate, K. H. Abate, S. M. </a:t>
-            </a:r>
-            <a:r>
-              <a:rPr lang="en-US" sz="1000" dirty="0" err="1">
-                <a:solidFill>
-                  <a:schemeClr val="bg1">
-                    <a:lumMod val="50000"/>
-                  </a:schemeClr>
-                </a:solidFill>
-                <a:latin typeface="Bookman Old Style" panose="02050604050505020204" pitchFamily="18" charset="0"/>
-              </a:rPr>
-              <a:t>Abay</a:t>
-            </a:r>
-            <a:r>
-              <a:rPr lang="en-US" sz="1000" dirty="0">
-                <a:solidFill>
-                  <a:schemeClr val="bg1">
-                    <a:lumMod val="50000"/>
-                  </a:schemeClr>
-                </a:solidFill>
-                <a:latin typeface="Bookman Old Style" panose="02050604050505020204" pitchFamily="18" charset="0"/>
-              </a:rPr>
-              <a:t>, C. </a:t>
-            </a:r>
-            <a:r>
-              <a:rPr lang="en-US" sz="1000" dirty="0" err="1">
-                <a:solidFill>
-                  <a:schemeClr val="bg1">
-                    <a:lumMod val="50000"/>
-                  </a:schemeClr>
-                </a:solidFill>
-                <a:latin typeface="Bookman Old Style" panose="02050604050505020204" pitchFamily="18" charset="0"/>
-              </a:rPr>
-              <a:t>Abbafati</a:t>
-            </a:r>
-            <a:r>
-              <a:rPr lang="en-US" sz="1000" dirty="0">
-                <a:solidFill>
-                  <a:schemeClr val="bg1">
-                    <a:lumMod val="50000"/>
-                  </a:schemeClr>
-                </a:solidFill>
-                <a:latin typeface="Bookman Old Style" panose="02050604050505020204" pitchFamily="18" charset="0"/>
-              </a:rPr>
-              <a:t>, N. Abbasi, and H. </a:t>
-            </a:r>
-            <a:r>
-              <a:rPr lang="en-US" sz="1000" dirty="0" err="1">
-                <a:solidFill>
-                  <a:schemeClr val="bg1">
-                    <a:lumMod val="50000"/>
-                  </a:schemeClr>
-                </a:solidFill>
-                <a:latin typeface="Bookman Old Style" panose="02050604050505020204" pitchFamily="18" charset="0"/>
-              </a:rPr>
-              <a:t>Abbastabar</a:t>
-            </a:r>
-            <a:r>
-              <a:rPr lang="en-US" sz="1000" dirty="0">
-                <a:solidFill>
-                  <a:schemeClr val="bg1">
-                    <a:lumMod val="50000"/>
-                  </a:schemeClr>
-                </a:solidFill>
-                <a:latin typeface="Bookman Old Style" panose="02050604050505020204" pitchFamily="18" charset="0"/>
-              </a:rPr>
-              <a:t>, Global, regional, and national incidence, prevalence, and years lived with disability for 354 diseases and injuries for 195 countries and territories</a:t>
-            </a:r>
-            <a:r>
-              <a:rPr lang="en-US" sz="1000">
-                <a:solidFill>
-                  <a:schemeClr val="bg1">
-                    <a:lumMod val="50000"/>
-                  </a:schemeClr>
-                </a:solidFill>
-                <a:latin typeface="Bookman Old Style" panose="02050604050505020204" pitchFamily="18" charset="0"/>
-              </a:rPr>
-              <a:t>, 1990–2017: </a:t>
-            </a:r>
-            <a:r>
-              <a:rPr lang="en-US" sz="1000" dirty="0">
-                <a:solidFill>
-                  <a:schemeClr val="bg1">
-                    <a:lumMod val="50000"/>
-                  </a:schemeClr>
-                </a:solidFill>
-                <a:latin typeface="Bookman Old Style" panose="02050604050505020204" pitchFamily="18" charset="0"/>
-              </a:rPr>
-              <a:t>A systematic analysis for the global burden of disease </a:t>
-            </a:r>
-            <a:r>
-              <a:rPr lang="en-US" sz="1000">
-                <a:solidFill>
-                  <a:schemeClr val="bg1">
-                    <a:lumMod val="50000"/>
-                  </a:schemeClr>
-                </a:solidFill>
-                <a:latin typeface="Bookman Old Style" panose="02050604050505020204" pitchFamily="18" charset="0"/>
-              </a:rPr>
-              <a:t>study 2017., </a:t>
-            </a:r>
-            <a:r>
-              <a:rPr lang="en-US" sz="1000" dirty="0">
-                <a:solidFill>
-                  <a:schemeClr val="bg1">
-                    <a:lumMod val="50000"/>
-                  </a:schemeClr>
-                </a:solidFill>
-                <a:latin typeface="Bookman Old Style" panose="02050604050505020204" pitchFamily="18" charset="0"/>
-              </a:rPr>
-              <a:t>The Lancet https://doi.org/10.1016</a:t>
-            </a:r>
-            <a:r>
-              <a:rPr lang="en-US" sz="1000">
-                <a:solidFill>
-                  <a:schemeClr val="bg1">
-                    <a:lumMod val="50000"/>
-                  </a:schemeClr>
-                </a:solidFill>
-                <a:latin typeface="Bookman Old Style" panose="02050604050505020204" pitchFamily="18" charset="0"/>
-              </a:rPr>
-              <a:t>/S0140-6736(18)32279-7 </a:t>
-            </a:r>
-            <a:r>
-              <a:rPr lang="en-US" sz="1000" dirty="0">
-                <a:solidFill>
-                  <a:schemeClr val="bg1">
-                    <a:lumMod val="50000"/>
-                  </a:schemeClr>
-                </a:solidFill>
-                <a:latin typeface="Bookman Old Style" panose="02050604050505020204" pitchFamily="18" charset="0"/>
-              </a:rPr>
-              <a:t>(2018).</a:t>
-            </a:r>
-            <a:endParaRPr lang="en-GB" sz="1000" dirty="0">
-              <a:solidFill>
-                <a:schemeClr val="bg1">
-                  <a:lumMod val="50000"/>
-                </a:schemeClr>
-              </a:solidFill>
-              <a:latin typeface="Bookman Old Style" panose="02050604050505020204" pitchFamily="18" charset="0"/>
-            </a:endParaRPr>
-          </a:p>
-        </p:txBody>
-      </p:sp>
-    </p:spTree>
-    <p:extLst>
-      <p:ext uri="{BB962C8B-B14F-4D97-AF65-F5344CB8AC3E}">
-        <p14:creationId xmlns:p14="http://schemas.microsoft.com/office/powerpoint/2010/main" val="4736425"/>
       </p:ext>
     </p:extLst>
   </p:cSld>
@@ -10603,7 +10291,7 @@
         <p:spPr>
           <a:xfrm>
             <a:off x="566191" y="1488006"/>
-            <a:ext cx="10943265" cy="1323439"/>
+            <a:ext cx="10943265" cy="1569660"/>
           </a:xfrm>
           <a:prstGeom prst="rect">
             <a:avLst/>
@@ -10616,7 +10304,10 @@
           </a:bodyPr>
           <a:lstStyle/>
           <a:p>
-            <a:pPr algn="just"/>
+            <a:pPr marL="285750" indent="-285750" algn="l">
+              <a:buFont typeface="Arial" panose="020B0604020202020204" pitchFamily="34" charset="0"/>
+              <a:buChar char="•"/>
+            </a:pPr>
             <a:r>
               <a:rPr lang="en-US" sz="1600" b="0" i="0" dirty="0">
                 <a:solidFill>
@@ -10625,18 +10316,30 @@
                 <a:effectLst/>
                 <a:latin typeface="Bookman Old Style" panose="02050604050505020204" pitchFamily="18" charset="0"/>
               </a:rPr>
-              <a:t>Heart failure is a syndrome that interferes with the heart's pumping ability, causing circulatory problems. Globally, around 64 million people were affected by heart failure as </a:t>
-            </a:r>
-            <a:r>
-              <a:rPr lang="en-US" sz="1600" b="0" i="0">
+              <a:t>Heart failure is a syndrome affecting the heart's pumping ability, leading to circulatory issues.</a:t>
+            </a:r>
+          </a:p>
+          <a:p>
+            <a:pPr marL="285750" indent="-285750" algn="l">
+              <a:buFont typeface="Arial" panose="020B0604020202020204" pitchFamily="34" charset="0"/>
+              <a:buChar char="•"/>
+            </a:pPr>
+            <a:r>
+              <a:rPr lang="en-US" sz="1600" b="0" i="0" dirty="0">
                 <a:solidFill>
                   <a:schemeClr val="bg1"/>
                 </a:solidFill>
                 <a:effectLst/>
                 <a:latin typeface="Bookman Old Style" panose="02050604050505020204" pitchFamily="18" charset="0"/>
               </a:rPr>
-              <a:t>of 2017[1</a:t>
-            </a:r>
+              <a:t>Approximately 64 million individuals affected worldwide (2017) [1].</a:t>
+            </a:r>
+          </a:p>
+          <a:p>
+            <a:pPr marL="285750" indent="-285750" algn="l">
+              <a:buFont typeface="Arial" panose="020B0604020202020204" pitchFamily="34" charset="0"/>
+              <a:buChar char="•"/>
+            </a:pPr>
             <a:r>
               <a:rPr lang="en-US" sz="1600" b="0" i="0" dirty="0">
                 <a:solidFill>
@@ -10645,14 +10348,40 @@
                 <a:effectLst/>
                 <a:latin typeface="Bookman Old Style" panose="02050604050505020204" pitchFamily="18" charset="0"/>
               </a:rPr>
-              <a:t>]. Precise risk prediction is vital for better patient outcomes. Traditional semi-parametric models are most popular amongst medical practitioners and clinicians to ascertain risk of mortality for subjects. We compare several traditional methodologies versus newer deep learning methods to gauge their performance.</a:t>
-            </a:r>
-            <a:endParaRPr lang="en-GB" sz="1600" dirty="0">
-              <a:solidFill>
-                <a:schemeClr val="bg1"/>
-              </a:solidFill>
-              <a:latin typeface="Bookman Old Style" panose="02050604050505020204" pitchFamily="18" charset="0"/>
-            </a:endParaRPr>
+              <a:t>Accurate risk prediction is crucial for improving patient outcomes.</a:t>
+            </a:r>
+          </a:p>
+          <a:p>
+            <a:pPr marL="285750" indent="-285750" algn="l">
+              <a:buFont typeface="Arial" panose="020B0604020202020204" pitchFamily="34" charset="0"/>
+              <a:buChar char="•"/>
+            </a:pPr>
+            <a:r>
+              <a:rPr lang="en-US" sz="1600" b="0" i="0" dirty="0">
+                <a:solidFill>
+                  <a:schemeClr val="bg1"/>
+                </a:solidFill>
+                <a:effectLst/>
+                <a:latin typeface="Bookman Old Style" panose="02050604050505020204" pitchFamily="18" charset="0"/>
+              </a:rPr>
+              <a:t>Medical professionals commonly use traditional semi-parametric models to predict mortality risk.</a:t>
+            </a:r>
+          </a:p>
+          <a:p>
+            <a:pPr marL="285750" indent="-285750" algn="l">
+              <a:buFont typeface="Arial" panose="020B0604020202020204" pitchFamily="34" charset="0"/>
+              <a:buChar char="•"/>
+            </a:pPr>
+            <a:r>
+              <a:rPr lang="en-US" sz="1600" b="0" i="0" dirty="0">
+                <a:solidFill>
+                  <a:schemeClr val="bg1"/>
+                </a:solidFill>
+                <a:effectLst/>
+                <a:latin typeface="Bookman Old Style" panose="02050604050505020204" pitchFamily="18" charset="0"/>
+              </a:rPr>
+              <a:t>Various traditional methods are compared against newer deep learning techniques to assess their performance in risk prediction.</a:t>
+            </a:r>
           </a:p>
         </p:txBody>
       </p:sp>
@@ -10897,7 +10626,7 @@
         <p:spPr>
           <a:xfrm>
             <a:off x="566192" y="4123798"/>
-            <a:ext cx="4634458" cy="1569660"/>
+            <a:ext cx="4634458" cy="1077218"/>
           </a:xfrm>
           <a:prstGeom prst="rect">
             <a:avLst/>
@@ -10910,7 +10639,10 @@
           </a:bodyPr>
           <a:lstStyle/>
           <a:p>
-            <a:pPr algn="just"/>
+            <a:pPr marL="342900" indent="-342900" algn="just">
+              <a:buFont typeface="Arial" panose="020B0604020202020204" pitchFamily="34" charset="0"/>
+              <a:buChar char="•"/>
+            </a:pPr>
             <a:r>
               <a:rPr lang="en-US" sz="1600" dirty="0">
                 <a:solidFill>
@@ -10918,37 +10650,13 @@
                 </a:solidFill>
                 <a:latin typeface="Bookman Old Style" panose="02050604050505020204" pitchFamily="18" charset="0"/>
               </a:rPr>
-              <a:t>The questions posed in this study are:</a:t>
-            </a:r>
-          </a:p>
-          <a:p>
-            <a:pPr algn="just"/>
-            <a:endParaRPr lang="en-US" sz="1600" dirty="0">
-              <a:solidFill>
-                <a:schemeClr val="bg1"/>
-              </a:solidFill>
-              <a:latin typeface="Bookman Old Style" panose="02050604050505020204" pitchFamily="18" charset="0"/>
-            </a:endParaRPr>
+              <a:t>Are deep learning methods better at predicting risk for HF patients when compared to traditional methods?</a:t>
+            </a:r>
           </a:p>
           <a:p>
             <a:pPr marL="342900" indent="-342900" algn="just">
-              <a:buFont typeface="+mj-lt"/>
-              <a:buAutoNum type="arabicPeriod"/>
-            </a:pPr>
-            <a:r>
-              <a:rPr lang="en-US" sz="1600" dirty="0">
-                <a:solidFill>
-                  <a:schemeClr val="bg1"/>
-                </a:solidFill>
-                <a:latin typeface="Bookman Old Style" panose="02050604050505020204" pitchFamily="18" charset="0"/>
-              </a:rPr>
-              <a:t>Are deep learning methods better at predicting risk for HF patients when compared to traditional methods?</a:t>
-            </a:r>
-          </a:p>
-          <a:p>
-            <a:pPr marL="342900" indent="-342900" algn="just">
-              <a:buFont typeface="+mj-lt"/>
-              <a:buAutoNum type="arabicPeriod"/>
+              <a:buFont typeface="Arial" panose="020B0604020202020204" pitchFamily="34" charset="0"/>
+              <a:buChar char="•"/>
             </a:pPr>
             <a:r>
               <a:rPr lang="en-US" sz="1600" dirty="0">
@@ -10983,7 +10691,7 @@
         <p:spPr>
           <a:xfrm>
             <a:off x="6120646" y="4123798"/>
-            <a:ext cx="5388809" cy="1569660"/>
+            <a:ext cx="5388809" cy="1323439"/>
           </a:xfrm>
           <a:prstGeom prst="rect">
             <a:avLst/>
@@ -10996,7 +10704,10 @@
           </a:bodyPr>
           <a:lstStyle/>
           <a:p>
-            <a:pPr algn="just"/>
+            <a:pPr marL="285750" indent="-285750" algn="just">
+              <a:buFont typeface="Arial" panose="020B0604020202020204" pitchFamily="34" charset="0"/>
+              <a:buChar char="•"/>
+            </a:pPr>
             <a:r>
               <a:rPr lang="en-US" sz="1600" dirty="0">
                 <a:solidFill>
@@ -11004,20 +10715,14 @@
                 </a:solidFill>
                 <a:latin typeface="Bookman Old Style" panose="02050604050505020204" pitchFamily="18" charset="0"/>
               </a:rPr>
-              <a:t>Consequently the aim of this study is to analyze a suitable dataset and predict survival of patients using traditional as well as deep learning models. </a:t>
+              <a:t>Analyze a suitable dataset and predict survival of patients using traditional as well as deep learning models. </a:t>
             </a:r>
           </a:p>
           <a:p>
-            <a:pPr algn="just"/>
-            <a:endParaRPr lang="en-US" sz="1600" dirty="0">
-              <a:solidFill>
-                <a:schemeClr val="bg1"/>
-              </a:solidFill>
-              <a:latin typeface="Bookman Old Style" panose="02050604050505020204" pitchFamily="18" charset="0"/>
-            </a:endParaRPr>
-          </a:p>
-          <a:p>
-            <a:pPr algn="just"/>
+            <a:pPr marL="285750" indent="-285750" algn="just">
+              <a:buFont typeface="Arial" panose="020B0604020202020204" pitchFamily="34" charset="0"/>
+              <a:buChar char="•"/>
+            </a:pPr>
             <a:r>
               <a:rPr lang="en-US" sz="1600" dirty="0">
                 <a:solidFill>
@@ -11025,7 +10730,7 @@
                 </a:solidFill>
                 <a:latin typeface="Bookman Old Style" panose="02050604050505020204" pitchFamily="18" charset="0"/>
               </a:rPr>
-              <a:t>Through rigorous experimentation, the validity of DL models is to be ascertained.</a:t>
+              <a:t>Through rigorous experimentation, ascertain the validity of DL models.</a:t>
             </a:r>
             <a:endParaRPr lang="en-GB" sz="1600" dirty="0">
               <a:solidFill>
@@ -11121,7 +10826,7 @@
         <p:spPr>
           <a:xfrm>
             <a:off x="547140" y="1581765"/>
-            <a:ext cx="10940009" cy="3046988"/>
+            <a:ext cx="10940009" cy="2800767"/>
           </a:xfrm>
           <a:prstGeom prst="rect">
             <a:avLst/>
@@ -11134,7 +10839,10 @@
           </a:bodyPr>
           <a:lstStyle/>
           <a:p>
-            <a:pPr algn="just"/>
+            <a:pPr marL="285750" indent="-285750" algn="l">
+              <a:buFont typeface="Arial" panose="020B0604020202020204" pitchFamily="34" charset="0"/>
+              <a:buChar char="•"/>
+            </a:pPr>
             <a:r>
               <a:rPr lang="en-US" sz="1600" b="0" i="0" dirty="0">
                 <a:solidFill>
@@ -11143,20 +10851,14 @@
                 <a:effectLst/>
                 <a:latin typeface="Bookman Old Style" panose="02050604050505020204" pitchFamily="18" charset="0"/>
               </a:rPr>
-              <a:t>Survival analysis differs from ordinary regression tasks as for many some subjects, their actual time to experience the event is unknown. These are referred to as censored observations.</a:t>
+              <a:t>Survival analysis differs from regular regression tasks due to unknown event times for some subjects, termed censored observations.</a:t>
             </a:r>
           </a:p>
           <a:p>
-            <a:pPr algn="just"/>
-            <a:endParaRPr lang="en-US" sz="1600" dirty="0">
-              <a:solidFill>
-                <a:schemeClr val="bg1"/>
-              </a:solidFill>
-              <a:latin typeface="Bookman Old Style" panose="02050604050505020204" pitchFamily="18" charset="0"/>
-            </a:endParaRPr>
-          </a:p>
-          <a:p>
-            <a:pPr algn="just"/>
+            <a:pPr marL="285750" indent="-285750" algn="l">
+              <a:buFont typeface="Arial" panose="020B0604020202020204" pitchFamily="34" charset="0"/>
+              <a:buChar char="•"/>
+            </a:pPr>
             <a:r>
               <a:rPr lang="en-US" sz="1600" b="0" i="0" dirty="0">
                 <a:solidFill>
@@ -11165,36 +10867,96 @@
                 <a:effectLst/>
                 <a:latin typeface="Bookman Old Style" panose="02050604050505020204" pitchFamily="18" charset="0"/>
               </a:rPr>
-              <a:t>In continuous time survival models, the Cox Proportional Hazards model has been the 'gold standard'. Extensions for nonlinear hazards have been explored, while maintaining the proportional hazards assumption, where covariates exert a multiplicative impact on the hazard.</a:t>
+              <a:t>The Cox Proportional Hazards model is a standard in continuous time survival models, maintaining proportional hazards assumption with multiplicative covariate impact.</a:t>
             </a:r>
           </a:p>
           <a:p>
-            <a:pPr algn="just"/>
-            <a:endParaRPr lang="en-US" sz="1600" dirty="0">
-              <a:solidFill>
-                <a:schemeClr val="bg1"/>
-              </a:solidFill>
-              <a:latin typeface="Bookman Old Style" panose="02050604050505020204" pitchFamily="18" charset="0"/>
-            </a:endParaRPr>
-          </a:p>
-          <a:p>
-            <a:pPr algn="just"/>
+            <a:pPr marL="742950" lvl="1" indent="-285750">
+              <a:buFont typeface="Arial" panose="020B0604020202020204" pitchFamily="34" charset="0"/>
+              <a:buChar char="•"/>
+            </a:pPr>
             <a:r>
               <a:rPr lang="en-US" sz="1600" b="0" i="0" dirty="0">
                 <a:solidFill>
-                  <a:schemeClr val="bg1"/>
+                  <a:schemeClr val="bg1">
+                    <a:lumMod val="50000"/>
+                  </a:schemeClr>
                 </a:solidFill>
                 <a:effectLst/>
                 <a:latin typeface="Bookman Old Style" panose="02050604050505020204" pitchFamily="18" charset="0"/>
               </a:rPr>
-              <a:t>Deep learning, as well as traditional machine learning, is gaining traction in clinical settings, including survival analysis [2]-[3]. Recent approaches [4] propose using deep neural networks to handle complex electronic health record (EHR) data for risk prediction, showing promise in congestive heart failure cases, while [5] explores real-time risk prediction. Discrete time survival predictions [6] enable probabilistic mortality risk estimation.</a:t>
-            </a:r>
-            <a:endParaRPr lang="en-US" sz="1600" dirty="0">
-              <a:solidFill>
-                <a:schemeClr val="bg1"/>
-              </a:solidFill>
-              <a:latin typeface="Bookman Old Style" panose="02050604050505020204" pitchFamily="18" charset="0"/>
-            </a:endParaRPr>
+              <a:t>Extensions explore nonlinear hazards within the Cox model framework.</a:t>
+            </a:r>
+          </a:p>
+          <a:p>
+            <a:pPr marL="285750" indent="-285750" algn="l">
+              <a:buFont typeface="Arial" panose="020B0604020202020204" pitchFamily="34" charset="0"/>
+              <a:buChar char="•"/>
+            </a:pPr>
+            <a:r>
+              <a:rPr lang="en-US" sz="1600" b="0" i="0" dirty="0">
+                <a:solidFill>
+                  <a:schemeClr val="bg1"/>
+                </a:solidFill>
+                <a:effectLst/>
+                <a:latin typeface="Bookman Old Style" panose="02050604050505020204" pitchFamily="18" charset="0"/>
+              </a:rPr>
+              <a:t>Recent methods [2] suggest deep neural networks for risk prediction using complex electronic health record (EHR) data, showing promise in congestive heart failure cases.</a:t>
+            </a:r>
+          </a:p>
+          <a:p>
+            <a:pPr marL="742950" lvl="1" indent="-285750">
+              <a:buFont typeface="Arial" panose="020B0604020202020204" pitchFamily="34" charset="0"/>
+              <a:buChar char="•"/>
+            </a:pPr>
+            <a:r>
+              <a:rPr lang="en-US" sz="1600" b="0" i="0" dirty="0">
+                <a:solidFill>
+                  <a:schemeClr val="bg1">
+                    <a:lumMod val="50000"/>
+                  </a:schemeClr>
+                </a:solidFill>
+                <a:effectLst/>
+                <a:latin typeface="Bookman Old Style" panose="02050604050505020204" pitchFamily="18" charset="0"/>
+              </a:rPr>
+              <a:t>Real-time risk prediction is explored in [3].</a:t>
+            </a:r>
+          </a:p>
+          <a:p>
+            <a:pPr marL="742950" lvl="1" indent="-285750">
+              <a:buFont typeface="Arial" panose="020B0604020202020204" pitchFamily="34" charset="0"/>
+              <a:buChar char="•"/>
+            </a:pPr>
+            <a:r>
+              <a:rPr lang="en-US" sz="1600" b="0" i="0" dirty="0">
+                <a:solidFill>
+                  <a:schemeClr val="bg1">
+                    <a:lumMod val="50000"/>
+                  </a:schemeClr>
+                </a:solidFill>
+                <a:effectLst/>
+                <a:latin typeface="Bookman Old Style" panose="02050604050505020204" pitchFamily="18" charset="0"/>
+              </a:rPr>
+              <a:t>Discrete time survival predictions [4] allow probabilistic estimation of mortality risk.</a:t>
+            </a:r>
+          </a:p>
+          <a:p>
+            <a:pPr marL="742950" lvl="1" indent="-285750">
+              <a:buFont typeface="Arial" panose="020B0604020202020204" pitchFamily="34" charset="0"/>
+              <a:buChar char="•"/>
+            </a:pPr>
+            <a:r>
+              <a:rPr lang="en-US" sz="1600" b="0" i="0" dirty="0">
+                <a:solidFill>
+                  <a:schemeClr val="bg1">
+                    <a:lumMod val="50000"/>
+                  </a:schemeClr>
+                </a:solidFill>
+                <a:effectLst/>
+                <a:latin typeface="Bookman Old Style" panose="02050604050505020204" pitchFamily="18" charset="0"/>
+              </a:rPr>
+              <a:t>Clinical settings are adopting deep learning and traditional machine learning for survival analysis [5,6].</a:t>
+            </a:r>
           </a:p>
         </p:txBody>
       </p:sp>
@@ -11279,10 +11041,13 @@
                 </a:solidFill>
                 <a:latin typeface="Bookman Old Style" panose="02050604050505020204" pitchFamily="18" charset="0"/>
               </a:rPr>
-              <a:t>[2] M. </a:t>
-            </a:r>
-            <a:r>
-              <a:rPr lang="en-GB" sz="1000" dirty="0" err="1">
+              <a:t>Patients With Dementia for Earlier Palliative Care Interventions, JAMA Network Open 2, e196972 (2019).</a:t>
+            </a:r>
+          </a:p>
+          <a:p>
+            <a:pPr algn="just"/>
+            <a:r>
+              <a:rPr lang="en-US" sz="1000" dirty="0">
                 <a:solidFill>
                   <a:schemeClr val="bg1">
                     <a:lumMod val="50000"/>
@@ -11290,10 +11055,10 @@
                 </a:solidFill>
                 <a:latin typeface="Bookman Old Style" panose="02050604050505020204" pitchFamily="18" charset="0"/>
               </a:rPr>
-              <a:t>Gjoreski</a:t>
-            </a:r>
-            <a:r>
-              <a:rPr lang="en-GB" sz="1000" dirty="0">
+              <a:t>[2] Z. Che, Y. Cheng, Z. Sun, and Y. Liu, Exploiting convolutional neural network for risk prediction with medical feature embedding, </a:t>
+            </a:r>
+            <a:r>
+              <a:rPr lang="en-US" sz="1000" dirty="0" err="1">
                 <a:solidFill>
                   <a:schemeClr val="bg1">
                     <a:lumMod val="50000"/>
@@ -11301,10 +11066,10 @@
                 </a:solidFill>
                 <a:latin typeface="Bookman Old Style" panose="02050604050505020204" pitchFamily="18" charset="0"/>
               </a:rPr>
-              <a:t>, A. </a:t>
-            </a:r>
-            <a:r>
-              <a:rPr lang="en-GB" sz="1000" dirty="0" err="1">
+              <a:t>arXiv</a:t>
+            </a:r>
+            <a:r>
+              <a:rPr lang="en-US" sz="1000" dirty="0">
                 <a:solidFill>
                   <a:schemeClr val="bg1">
                     <a:lumMod val="50000"/>
@@ -11312,10 +11077,13 @@
                 </a:solidFill>
                 <a:latin typeface="Bookman Old Style" panose="02050604050505020204" pitchFamily="18" charset="0"/>
               </a:rPr>
-              <a:t>Gradisek</a:t>
-            </a:r>
-            <a:r>
-              <a:rPr lang="en-GB" sz="1000" dirty="0">
+              <a:t> preprint arXiv:1701.07474 (2017).</a:t>
+            </a:r>
+          </a:p>
+          <a:p>
+            <a:pPr algn="just"/>
+            <a:r>
+              <a:rPr lang="en-US" sz="1000" dirty="0">
                 <a:solidFill>
                   <a:schemeClr val="bg1">
                     <a:lumMod val="50000"/>
@@ -11323,10 +11091,13 @@
                 </a:solidFill>
                 <a:latin typeface="Bookman Old Style" panose="02050604050505020204" pitchFamily="18" charset="0"/>
               </a:rPr>
-              <a:t>, B. </a:t>
-            </a:r>
-            <a:r>
-              <a:rPr lang="en-GB" sz="1000" dirty="0" err="1">
+              <a:t>[3] L. Brand, A. Patel, I. Singh, and C. Brand, Real time mortality risk prediction: A convolutional neural network approach., in HEALTHINF (2018) pp. 463–470.</a:t>
+            </a:r>
+          </a:p>
+          <a:p>
+            <a:pPr algn="just"/>
+            <a:r>
+              <a:rPr lang="en-GB" sz="1000" dirty="0">
                 <a:solidFill>
                   <a:schemeClr val="bg1">
                     <a:lumMod val="50000"/>
@@ -11334,10 +11105,10 @@
                 </a:solidFill>
                 <a:latin typeface="Bookman Old Style" panose="02050604050505020204" pitchFamily="18" charset="0"/>
               </a:rPr>
-              <a:t>Budna</a:t>
-            </a:r>
-            <a:r>
-              <a:rPr lang="en-GB" sz="1000" dirty="0">
+              <a:t>[4] C. Lee, J. Yoon, and M. van der </a:t>
+            </a:r>
+            <a:r>
+              <a:rPr lang="en-GB" sz="1000" dirty="0" err="1">
                 <a:solidFill>
                   <a:schemeClr val="bg1">
                     <a:lumMod val="50000"/>
@@ -11345,10 +11116,10 @@
                 </a:solidFill>
                 <a:latin typeface="Bookman Old Style" panose="02050604050505020204" pitchFamily="18" charset="0"/>
               </a:rPr>
-              <a:t>, M. Gams, and G. </a:t>
-            </a:r>
-            <a:r>
-              <a:rPr lang="en-GB" sz="1000" dirty="0" err="1">
+              <a:t>Schaar</a:t>
+            </a:r>
+            <a:r>
+              <a:rPr lang="en-GB" sz="1000" dirty="0">
                 <a:solidFill>
                   <a:schemeClr val="bg1">
                     <a:lumMod val="50000"/>
@@ -11356,10 +11127,10 @@
                 </a:solidFill>
                 <a:latin typeface="Bookman Old Style" panose="02050604050505020204" pitchFamily="18" charset="0"/>
               </a:rPr>
-              <a:t>Poglajen</a:t>
-            </a:r>
-            <a:r>
-              <a:rPr lang="en-GB" sz="1000" dirty="0">
+              <a:t>, </a:t>
+            </a:r>
+            <a:r>
+              <a:rPr lang="en-GB" sz="1000" dirty="0" err="1">
                 <a:solidFill>
                   <a:schemeClr val="bg1">
                     <a:lumMod val="50000"/>
@@ -11367,7 +11138,18 @@
                 </a:solidFill>
                 <a:latin typeface="Bookman Old Style" panose="02050604050505020204" pitchFamily="18" charset="0"/>
               </a:rPr>
-              <a:t>, Machine learning and end-to-end deep learning for the detection of chronic heart failure from heart sounds, IEEE Access 8, 20313 (2020).</a:t>
+              <a:t>Dynamicdeephit</a:t>
+            </a:r>
+            <a:r>
+              <a:rPr lang="en-GB" sz="1000" dirty="0">
+                <a:solidFill>
+                  <a:schemeClr val="bg1">
+                    <a:lumMod val="50000"/>
+                  </a:schemeClr>
+                </a:solidFill>
+                <a:latin typeface="Bookman Old Style" panose="02050604050505020204" pitchFamily="18" charset="0"/>
+              </a:rPr>
+              <a:t>: A deep learning approach for dynamic survival analysis with competing risks based on longitudinal data, IEEE Transactions on Biomedical Engineering https://doi.org/10.1109/TBME.2019.2909027 (2020).</a:t>
             </a:r>
           </a:p>
           <a:p>
@@ -11381,13 +11163,101 @@
                 </a:solidFill>
                 <a:latin typeface="Bookman Old Style" panose="02050604050505020204" pitchFamily="18" charset="0"/>
               </a:rPr>
-              <a:t>[3] L. Wang, L. Sha, J. R. Lakin, J. Bynum, D. W. Bates, P. Hong, and L. Zhou, Development and Validation of a Deep Learning Algorithm for Mortality Prediction in Selecting Patients With Dementia for Earlier Palliative Care Interventions, JAMA Network Open 2, e196972 (2019).</a:t>
+              <a:t>[5] M. </a:t>
+            </a:r>
+            <a:r>
+              <a:rPr lang="en-GB" sz="1000" dirty="0" err="1">
+                <a:solidFill>
+                  <a:schemeClr val="bg1">
+                    <a:lumMod val="50000"/>
+                  </a:schemeClr>
+                </a:solidFill>
+                <a:latin typeface="Bookman Old Style" panose="02050604050505020204" pitchFamily="18" charset="0"/>
+              </a:rPr>
+              <a:t>Gjoreski</a:t>
+            </a:r>
+            <a:r>
+              <a:rPr lang="en-GB" sz="1000" dirty="0">
+                <a:solidFill>
+                  <a:schemeClr val="bg1">
+                    <a:lumMod val="50000"/>
+                  </a:schemeClr>
+                </a:solidFill>
+                <a:latin typeface="Bookman Old Style" panose="02050604050505020204" pitchFamily="18" charset="0"/>
+              </a:rPr>
+              <a:t>, A. </a:t>
+            </a:r>
+            <a:r>
+              <a:rPr lang="en-GB" sz="1000" dirty="0" err="1">
+                <a:solidFill>
+                  <a:schemeClr val="bg1">
+                    <a:lumMod val="50000"/>
+                  </a:schemeClr>
+                </a:solidFill>
+                <a:latin typeface="Bookman Old Style" panose="02050604050505020204" pitchFamily="18" charset="0"/>
+              </a:rPr>
+              <a:t>Gradisek</a:t>
+            </a:r>
+            <a:r>
+              <a:rPr lang="en-GB" sz="1000" dirty="0">
+                <a:solidFill>
+                  <a:schemeClr val="bg1">
+                    <a:lumMod val="50000"/>
+                  </a:schemeClr>
+                </a:solidFill>
+                <a:latin typeface="Bookman Old Style" panose="02050604050505020204" pitchFamily="18" charset="0"/>
+              </a:rPr>
+              <a:t>, B. </a:t>
+            </a:r>
+            <a:r>
+              <a:rPr lang="en-GB" sz="1000" dirty="0" err="1">
+                <a:solidFill>
+                  <a:schemeClr val="bg1">
+                    <a:lumMod val="50000"/>
+                  </a:schemeClr>
+                </a:solidFill>
+                <a:latin typeface="Bookman Old Style" panose="02050604050505020204" pitchFamily="18" charset="0"/>
+              </a:rPr>
+              <a:t>Budna</a:t>
+            </a:r>
+            <a:r>
+              <a:rPr lang="en-GB" sz="1000" dirty="0">
+                <a:solidFill>
+                  <a:schemeClr val="bg1">
+                    <a:lumMod val="50000"/>
+                  </a:schemeClr>
+                </a:solidFill>
+                <a:latin typeface="Bookman Old Style" panose="02050604050505020204" pitchFamily="18" charset="0"/>
+              </a:rPr>
+              <a:t>, M. Gams, and G. </a:t>
+            </a:r>
+            <a:r>
+              <a:rPr lang="en-GB" sz="1000" dirty="0" err="1">
+                <a:solidFill>
+                  <a:schemeClr val="bg1">
+                    <a:lumMod val="50000"/>
+                  </a:schemeClr>
+                </a:solidFill>
+                <a:latin typeface="Bookman Old Style" panose="02050604050505020204" pitchFamily="18" charset="0"/>
+              </a:rPr>
+              <a:t>Poglajen</a:t>
+            </a:r>
+            <a:r>
+              <a:rPr lang="en-GB" sz="1000" dirty="0">
+                <a:solidFill>
+                  <a:schemeClr val="bg1">
+                    <a:lumMod val="50000"/>
+                  </a:schemeClr>
+                </a:solidFill>
+                <a:latin typeface="Bookman Old Style" panose="02050604050505020204" pitchFamily="18" charset="0"/>
+              </a:rPr>
+              <a:t>, Machine learning and end-to-end deep learning for the detection of chronic heart failure from heart sounds, IEEE Access 8, 20313 (2020).</a:t>
             </a:r>
           </a:p>
           <a:p>
             <a:pPr algn="just"/>
             <a:r>
-              <a:rPr lang="en-US" sz="1000" dirty="0">
+              <a:rPr lang="en-GB" sz="1000" dirty="0">
                 <a:solidFill>
                   <a:schemeClr val="bg1">
                     <a:lumMod val="50000"/>
@@ -11395,101 +11265,7 @@
                 </a:solidFill>
                 <a:latin typeface="Bookman Old Style" panose="02050604050505020204" pitchFamily="18" charset="0"/>
               </a:rPr>
-              <a:t>[4] Z. Che, Y. Cheng, Z. Sun, and Y. Liu, Exploiting convolutional neural network for risk prediction with medical feature embedding, </a:t>
-            </a:r>
-            <a:r>
-              <a:rPr lang="en-US" sz="1000" dirty="0" err="1">
-                <a:solidFill>
-                  <a:schemeClr val="bg1">
-                    <a:lumMod val="50000"/>
-                  </a:schemeClr>
-                </a:solidFill>
-                <a:latin typeface="Bookman Old Style" panose="02050604050505020204" pitchFamily="18" charset="0"/>
-              </a:rPr>
-              <a:t>arXiv</a:t>
-            </a:r>
-            <a:r>
-              <a:rPr lang="en-US" sz="1000" dirty="0">
-                <a:solidFill>
-                  <a:schemeClr val="bg1">
-                    <a:lumMod val="50000"/>
-                  </a:schemeClr>
-                </a:solidFill>
-                <a:latin typeface="Bookman Old Style" panose="02050604050505020204" pitchFamily="18" charset="0"/>
-              </a:rPr>
-              <a:t> preprint arXiv:1701.07474 (2017).</a:t>
-            </a:r>
-          </a:p>
-          <a:p>
-            <a:pPr algn="just"/>
-            <a:r>
-              <a:rPr lang="en-US" sz="1000" dirty="0">
-                <a:solidFill>
-                  <a:schemeClr val="bg1">
-                    <a:lumMod val="50000"/>
-                  </a:schemeClr>
-                </a:solidFill>
-                <a:latin typeface="Bookman Old Style" panose="02050604050505020204" pitchFamily="18" charset="0"/>
-              </a:rPr>
-              <a:t>[5] L. Brand, A. Patel, I. Singh, and C. Brand, Real time mortality risk prediction: A convolutional neural network approach., in HEALTHINF (2018) pp. 463–470.</a:t>
-            </a:r>
-          </a:p>
-          <a:p>
-            <a:pPr algn="just"/>
-            <a:r>
-              <a:rPr lang="en-GB" sz="1000" dirty="0">
-                <a:solidFill>
-                  <a:schemeClr val="bg1">
-                    <a:lumMod val="50000"/>
-                  </a:schemeClr>
-                </a:solidFill>
-                <a:latin typeface="Bookman Old Style" panose="02050604050505020204" pitchFamily="18" charset="0"/>
-              </a:rPr>
-              <a:t>[6] C. Lee, J. Yoon, and M. van der </a:t>
-            </a:r>
-            <a:r>
-              <a:rPr lang="en-GB" sz="1000" dirty="0" err="1">
-                <a:solidFill>
-                  <a:schemeClr val="bg1">
-                    <a:lumMod val="50000"/>
-                  </a:schemeClr>
-                </a:solidFill>
-                <a:latin typeface="Bookman Old Style" panose="02050604050505020204" pitchFamily="18" charset="0"/>
-              </a:rPr>
-              <a:t>Schaar</a:t>
-            </a:r>
-            <a:r>
-              <a:rPr lang="en-GB" sz="1000" dirty="0">
-                <a:solidFill>
-                  <a:schemeClr val="bg1">
-                    <a:lumMod val="50000"/>
-                  </a:schemeClr>
-                </a:solidFill>
-                <a:latin typeface="Bookman Old Style" panose="02050604050505020204" pitchFamily="18" charset="0"/>
-              </a:rPr>
-              <a:t>, </a:t>
-            </a:r>
-            <a:r>
-              <a:rPr lang="en-GB" sz="1000" dirty="0" err="1">
-                <a:solidFill>
-                  <a:schemeClr val="bg1">
-                    <a:lumMod val="50000"/>
-                  </a:schemeClr>
-                </a:solidFill>
-                <a:latin typeface="Bookman Old Style" panose="02050604050505020204" pitchFamily="18" charset="0"/>
-              </a:rPr>
-              <a:t>Dynamicdeephit</a:t>
-            </a:r>
-            <a:r>
-              <a:rPr lang="en-GB" sz="1000" dirty="0">
-                <a:solidFill>
-                  <a:schemeClr val="bg1">
-                    <a:lumMod val="50000"/>
-                  </a:schemeClr>
-                </a:solidFill>
-                <a:latin typeface="Bookman Old Style" panose="02050604050505020204" pitchFamily="18" charset="0"/>
-              </a:rPr>
-              <a:t>: A deep learning approach for dynamic survival analysis with competing risks based on longitudinal data, IEEE Transactions on Biomedical Engineering https://doi.org/10.1109/TBME.2019.2909027 (2020).</a:t>
+              <a:t>[6] L. Wang, L. Sha, J. R. Lakin, J. Bynum, D. W. Bates, P. Hong, and L. Zhou, Development and Validation of a Deep Learning Algorithm for Mortality Prediction in Selecting</a:t>
             </a:r>
           </a:p>
         </p:txBody>
@@ -11859,8 +11635,8 @@
         </p:nvSpPr>
         <p:spPr>
           <a:xfrm>
-            <a:off x="569119" y="1572833"/>
-            <a:ext cx="11013281" cy="1569660"/>
+            <a:off x="569118" y="1306700"/>
+            <a:ext cx="11013281" cy="1323439"/>
           </a:xfrm>
           <a:prstGeom prst="rect">
             <a:avLst/>
@@ -11873,15 +11649,60 @@
           </a:bodyPr>
           <a:lstStyle/>
           <a:p>
-            <a:pPr algn="just"/>
-            <a:r>
-              <a:rPr lang="en-US" sz="1600" dirty="0">
+            <a:pPr marL="285750" indent="-285750" algn="l">
+              <a:buFont typeface="Arial" panose="020B0604020202020204" pitchFamily="34" charset="0"/>
+              <a:buChar char="•"/>
+            </a:pPr>
+            <a:r>
+              <a:rPr lang="en-US" sz="1600" b="0" i="0" dirty="0">
                 <a:solidFill>
                   <a:schemeClr val="bg1"/>
                 </a:solidFill>
+                <a:effectLst/>
                 <a:latin typeface="Bookman Old Style" panose="02050604050505020204" pitchFamily="18" charset="0"/>
               </a:rPr>
-              <a:t>The study uses the large publicly available database MIMIC-IV [7], which consists of critical care data from hospital and ICU admissions for almost 300,000 patients admitted to intensive care units at the Beth Israel Deaconess Medical Center (BIDMC). For a more thorough treatment of the data, see </a:t>
+              <a:t>The study utilizes the open-source MIMIC-IV database [7], encompassing critical care information from hospital and ICU admissions.</a:t>
+            </a:r>
+          </a:p>
+          <a:p>
+            <a:pPr marL="285750" indent="-285750" algn="l">
+              <a:buFont typeface="Arial" panose="020B0604020202020204" pitchFamily="34" charset="0"/>
+              <a:buChar char="•"/>
+            </a:pPr>
+            <a:r>
+              <a:rPr lang="en-US" sz="1600" b="0" i="0" dirty="0">
+                <a:solidFill>
+                  <a:schemeClr val="bg1"/>
+                </a:solidFill>
+                <a:effectLst/>
+                <a:latin typeface="Bookman Old Style" panose="02050604050505020204" pitchFamily="18" charset="0"/>
+              </a:rPr>
+              <a:t>The database includes data from nearly 300,000 patients admitted to intensive care units at the Beth Israel Deaconess Medical Center (BIDMC).</a:t>
+            </a:r>
+          </a:p>
+          <a:p>
+            <a:pPr marL="285750" indent="-285750">
+              <a:buFont typeface="Arial" panose="020B0604020202020204" pitchFamily="34" charset="0"/>
+              <a:buChar char="•"/>
+            </a:pPr>
+            <a:r>
+              <a:rPr lang="en-US" sz="1600" b="0" i="0" dirty="0">
+                <a:solidFill>
+                  <a:schemeClr val="bg1"/>
+                </a:solidFill>
+                <a:effectLst/>
+                <a:latin typeface="Bookman Old Style" panose="02050604050505020204" pitchFamily="18" charset="0"/>
+              </a:rPr>
+              <a:t>For comprehensive data details, </a:t>
+            </a:r>
+            <a:r>
+              <a:rPr lang="en-US" sz="1600" dirty="0">
+                <a:solidFill>
+                  <a:schemeClr val="bg1"/>
+                </a:solidFill>
+                <a:latin typeface="Bookman Old Style" panose="02050604050505020204" pitchFamily="18" charset="0"/>
+              </a:rPr>
+              <a:t>see </a:t>
             </a:r>
             <a:r>
               <a:rPr lang="en-US" sz="1600" dirty="0">
@@ -11907,71 +11728,6 @@
                 <a:latin typeface="Bookman Old Style" panose="02050604050505020204" pitchFamily="18" charset="0"/>
               </a:rPr>
               <a:t>.</a:t>
-            </a:r>
-          </a:p>
-          <a:p>
-            <a:pPr algn="just"/>
-            <a:endParaRPr lang="en-US" sz="1600" dirty="0">
-              <a:solidFill>
-                <a:schemeClr val="bg1"/>
-              </a:solidFill>
-              <a:latin typeface="Bookman Old Style" panose="02050604050505020204" pitchFamily="18" charset="0"/>
-            </a:endParaRPr>
-          </a:p>
-          <a:p>
-            <a:pPr algn="just"/>
-            <a:r>
-              <a:rPr lang="en-US" sz="1600" dirty="0">
-                <a:solidFill>
-                  <a:schemeClr val="bg1"/>
-                </a:solidFill>
-                <a:latin typeface="Bookman Old Style" panose="02050604050505020204" pitchFamily="18" charset="0"/>
-              </a:rPr>
-              <a:t>As per the maintainers’ recommendation (see: </a:t>
-            </a:r>
-            <a:r>
-              <a:rPr lang="en-US" sz="1600" dirty="0" err="1">
-                <a:solidFill>
-                  <a:schemeClr val="bg1"/>
-                </a:solidFill>
-                <a:latin typeface="Bookman Old Style" panose="02050604050505020204" pitchFamily="18" charset="0"/>
-                <a:hlinkClick r:id="rId3">
-                  <a:extLst>
-                    <a:ext uri="{A12FA001-AC4F-418D-AE19-62706E023703}">
-                      <ahyp:hlinkClr xmlns:ahyp="http://schemas.microsoft.com/office/drawing/2018/hyperlinkcolor" val="tx"/>
-                    </a:ext>
-                  </a:extLst>
-                </a:hlinkClick>
-              </a:rPr>
-              <a:t>github</a:t>
-            </a:r>
-            <a:r>
-              <a:rPr lang="en-US" sz="1600" dirty="0">
-                <a:solidFill>
-                  <a:schemeClr val="bg1"/>
-                </a:solidFill>
-                <a:latin typeface="Bookman Old Style" panose="02050604050505020204" pitchFamily="18" charset="0"/>
-              </a:rPr>
-              <a:t>), the data was set up on a local </a:t>
-            </a:r>
-            <a:r>
-              <a:rPr lang="en-US" sz="1600" dirty="0" err="1">
-                <a:solidFill>
-                  <a:schemeClr val="bg1"/>
-                </a:solidFill>
-                <a:latin typeface="Bookman Old Style" panose="02050604050505020204" pitchFamily="18" charset="0"/>
-                <a:cs typeface="Courier New" panose="02070309020205020404" pitchFamily="49" charset="0"/>
-              </a:rPr>
-              <a:t>postgres</a:t>
-            </a:r>
-            <a:r>
-              <a:rPr lang="en-US" sz="1600" dirty="0">
-                <a:solidFill>
-                  <a:schemeClr val="bg1"/>
-                </a:solidFill>
-                <a:latin typeface="Bookman Old Style" panose="02050604050505020204" pitchFamily="18" charset="0"/>
-              </a:rPr>
-              <a:t> server to allow fast querying through Python.</a:t>
             </a:r>
             <a:endParaRPr lang="en-US" sz="1600" b="0" i="0" dirty="0">
               <a:solidFill>
@@ -11997,8 +11753,8 @@
         </p:nvSpPr>
         <p:spPr>
           <a:xfrm>
-            <a:off x="566193" y="3923894"/>
-            <a:ext cx="5913480" cy="1323439"/>
+            <a:off x="566192" y="4331328"/>
+            <a:ext cx="6166551" cy="1077218"/>
           </a:xfrm>
           <a:prstGeom prst="rect">
             <a:avLst/>
@@ -12011,7 +11767,10 @@
           </a:bodyPr>
           <a:lstStyle/>
           <a:p>
-            <a:pPr algn="just"/>
+            <a:pPr marL="285750" indent="-285750" algn="l">
+              <a:buFont typeface="Arial" panose="020B0604020202020204" pitchFamily="34" charset="0"/>
+              <a:buChar char="•"/>
+            </a:pPr>
             <a:r>
               <a:rPr lang="en-US" sz="1600" b="0" i="0" dirty="0">
                 <a:solidFill>
@@ -12020,886 +11779,24 @@
                 <a:effectLst/>
                 <a:latin typeface="Bookman Old Style" panose="02050604050505020204" pitchFamily="18" charset="0"/>
               </a:rPr>
-              <a:t>This study explores two approaches: time-invariant and time-varying. Preprocessing is similar for both. Patients with Heart Failure ICD-10 codes are selected, including admission/discharge times, and static as well as time-varying covariates.</a:t>
+              <a:t>Patients with Heart Failure ICD-10 codes are chosen for inclusion in the study.</a:t>
             </a:r>
           </a:p>
-        </p:txBody>
-      </p:sp>
-      <p:cxnSp>
-        <p:nvCxnSpPr>
-          <p:cNvPr id="11" name="Straight Arrow Connector 10">
-            <a:extLst>
-              <a:ext uri="{FF2B5EF4-FFF2-40B4-BE49-F238E27FC236}">
-                <a16:creationId xmlns:a16="http://schemas.microsoft.com/office/drawing/2014/main" id="{8BC2BE89-EF3A-B6AC-0BED-52DED60B2821}"/>
-              </a:ext>
-            </a:extLst>
-          </p:cNvPr>
-          <p:cNvCxnSpPr/>
-          <p:nvPr/>
-        </p:nvCxnSpPr>
-        <p:spPr>
-          <a:xfrm flipV="1">
-            <a:off x="7093009" y="3296320"/>
-            <a:ext cx="0" cy="2241357"/>
-          </a:xfrm>
-          <a:prstGeom prst="straightConnector1">
-            <a:avLst/>
-          </a:prstGeom>
-          <a:ln>
-            <a:solidFill>
-              <a:schemeClr val="bg1"/>
-            </a:solidFill>
-            <a:tailEnd type="triangle"/>
-          </a:ln>
-        </p:spPr>
-        <p:style>
-          <a:lnRef idx="1">
-            <a:schemeClr val="accent1"/>
-          </a:lnRef>
-          <a:fillRef idx="0">
-            <a:schemeClr val="accent1"/>
-          </a:fillRef>
-          <a:effectRef idx="0">
-            <a:schemeClr val="accent1"/>
-          </a:effectRef>
-          <a:fontRef idx="minor">
-            <a:schemeClr val="tx1"/>
-          </a:fontRef>
-        </p:style>
-      </p:cxnSp>
-      <p:cxnSp>
-        <p:nvCxnSpPr>
-          <p:cNvPr id="15" name="Straight Arrow Connector 14">
-            <a:extLst>
-              <a:ext uri="{FF2B5EF4-FFF2-40B4-BE49-F238E27FC236}">
-                <a16:creationId xmlns:a16="http://schemas.microsoft.com/office/drawing/2014/main" id="{60FA63C8-DEA6-F7C0-A7DB-2580C17B90F9}"/>
-              </a:ext>
-            </a:extLst>
-          </p:cNvPr>
-          <p:cNvCxnSpPr>
-            <a:cxnSpLocks/>
-          </p:cNvCxnSpPr>
-          <p:nvPr/>
-        </p:nvCxnSpPr>
-        <p:spPr>
-          <a:xfrm>
-            <a:off x="7093009" y="5537677"/>
-            <a:ext cx="4190288" cy="0"/>
-          </a:xfrm>
-          <a:prstGeom prst="straightConnector1">
-            <a:avLst/>
-          </a:prstGeom>
-          <a:ln>
-            <a:solidFill>
-              <a:schemeClr val="bg1"/>
-            </a:solidFill>
-            <a:tailEnd type="triangle"/>
-          </a:ln>
-        </p:spPr>
-        <p:style>
-          <a:lnRef idx="1">
-            <a:schemeClr val="accent1"/>
-          </a:lnRef>
-          <a:fillRef idx="0">
-            <a:schemeClr val="accent1"/>
-          </a:fillRef>
-          <a:effectRef idx="0">
-            <a:schemeClr val="accent1"/>
-          </a:effectRef>
-          <a:fontRef idx="minor">
-            <a:schemeClr val="tx1"/>
-          </a:fontRef>
-        </p:style>
-      </p:cxnSp>
-      <p:cxnSp>
-        <p:nvCxnSpPr>
-          <p:cNvPr id="17" name="Straight Connector 16">
-            <a:extLst>
-              <a:ext uri="{FF2B5EF4-FFF2-40B4-BE49-F238E27FC236}">
-                <a16:creationId xmlns:a16="http://schemas.microsoft.com/office/drawing/2014/main" id="{9D02F048-1A75-D807-0CF8-AC044B1C95A6}"/>
-              </a:ext>
-            </a:extLst>
-          </p:cNvPr>
-          <p:cNvCxnSpPr/>
-          <p:nvPr/>
-        </p:nvCxnSpPr>
-        <p:spPr>
-          <a:xfrm>
-            <a:off x="7472161" y="3885586"/>
-            <a:ext cx="1400628" cy="0"/>
-          </a:xfrm>
-          <a:prstGeom prst="line">
-            <a:avLst/>
-          </a:prstGeom>
-          <a:ln w="19050">
-            <a:solidFill>
-              <a:schemeClr val="bg1"/>
-            </a:solidFill>
-          </a:ln>
-        </p:spPr>
-        <p:style>
-          <a:lnRef idx="1">
-            <a:schemeClr val="accent1"/>
-          </a:lnRef>
-          <a:fillRef idx="0">
-            <a:schemeClr val="accent1"/>
-          </a:fillRef>
-          <a:effectRef idx="0">
-            <a:schemeClr val="accent1"/>
-          </a:effectRef>
-          <a:fontRef idx="minor">
-            <a:schemeClr val="tx1"/>
-          </a:fontRef>
-        </p:style>
-      </p:cxnSp>
-      <p:cxnSp>
-        <p:nvCxnSpPr>
-          <p:cNvPr id="18" name="Straight Connector 17">
-            <a:extLst>
-              <a:ext uri="{FF2B5EF4-FFF2-40B4-BE49-F238E27FC236}">
-                <a16:creationId xmlns:a16="http://schemas.microsoft.com/office/drawing/2014/main" id="{02C0F8A8-867B-EB5E-A808-E8BEF32CB58A}"/>
-              </a:ext>
-            </a:extLst>
-          </p:cNvPr>
-          <p:cNvCxnSpPr>
-            <a:cxnSpLocks/>
-          </p:cNvCxnSpPr>
-          <p:nvPr/>
-        </p:nvCxnSpPr>
-        <p:spPr>
-          <a:xfrm>
-            <a:off x="8053869" y="4297656"/>
-            <a:ext cx="1683657" cy="0"/>
-          </a:xfrm>
-          <a:prstGeom prst="line">
-            <a:avLst/>
-          </a:prstGeom>
-          <a:ln w="19050">
-            <a:solidFill>
-              <a:schemeClr val="bg1"/>
-            </a:solidFill>
-          </a:ln>
-        </p:spPr>
-        <p:style>
-          <a:lnRef idx="1">
-            <a:schemeClr val="accent1"/>
-          </a:lnRef>
-          <a:fillRef idx="0">
-            <a:schemeClr val="accent1"/>
-          </a:fillRef>
-          <a:effectRef idx="0">
-            <a:schemeClr val="accent1"/>
-          </a:effectRef>
-          <a:fontRef idx="minor">
-            <a:schemeClr val="tx1"/>
-          </a:fontRef>
-        </p:style>
-      </p:cxnSp>
-      <p:cxnSp>
-        <p:nvCxnSpPr>
-          <p:cNvPr id="20" name="Straight Connector 19">
-            <a:extLst>
-              <a:ext uri="{FF2B5EF4-FFF2-40B4-BE49-F238E27FC236}">
-                <a16:creationId xmlns:a16="http://schemas.microsoft.com/office/drawing/2014/main" id="{1DF50900-6779-0A3E-EEF5-011B7672876F}"/>
-              </a:ext>
-            </a:extLst>
-          </p:cNvPr>
-          <p:cNvCxnSpPr>
-            <a:cxnSpLocks/>
-          </p:cNvCxnSpPr>
-          <p:nvPr/>
-        </p:nvCxnSpPr>
-        <p:spPr>
-          <a:xfrm>
-            <a:off x="7654727" y="4948410"/>
-            <a:ext cx="2743199" cy="0"/>
-          </a:xfrm>
-          <a:prstGeom prst="line">
-            <a:avLst/>
-          </a:prstGeom>
-          <a:ln w="19050">
-            <a:solidFill>
-              <a:schemeClr val="accent4">
-                <a:lumMod val="60000"/>
-                <a:lumOff val="40000"/>
-              </a:schemeClr>
-            </a:solidFill>
-          </a:ln>
-        </p:spPr>
-        <p:style>
-          <a:lnRef idx="1">
-            <a:schemeClr val="accent1"/>
-          </a:lnRef>
-          <a:fillRef idx="0">
-            <a:schemeClr val="accent1"/>
-          </a:fillRef>
-          <a:effectRef idx="0">
-            <a:schemeClr val="accent1"/>
-          </a:effectRef>
-          <a:fontRef idx="minor">
-            <a:schemeClr val="tx1"/>
-          </a:fontRef>
-        </p:style>
-      </p:cxnSp>
-      <p:sp>
-        <p:nvSpPr>
-          <p:cNvPr id="23" name="Multiplication Sign 22">
-            <a:extLst>
-              <a:ext uri="{FF2B5EF4-FFF2-40B4-BE49-F238E27FC236}">
-                <a16:creationId xmlns:a16="http://schemas.microsoft.com/office/drawing/2014/main" id="{E9F0BE54-557A-0236-3A1C-5E557FD01B43}"/>
-              </a:ext>
-            </a:extLst>
-          </p:cNvPr>
-          <p:cNvSpPr/>
-          <p:nvPr/>
-        </p:nvSpPr>
-        <p:spPr>
-          <a:xfrm flipV="1">
-            <a:off x="8663928" y="3676498"/>
-            <a:ext cx="419088" cy="419088"/>
-          </a:xfrm>
-          <a:prstGeom prst="mathMultiply">
-            <a:avLst>
-              <a:gd name="adj1" fmla="val 4328"/>
-            </a:avLst>
-          </a:prstGeom>
-          <a:noFill/>
-          <a:ln>
-            <a:solidFill>
-              <a:schemeClr val="bg1"/>
-            </a:solidFill>
-          </a:ln>
-        </p:spPr>
-        <p:style>
-          <a:lnRef idx="2">
-            <a:schemeClr val="accent1">
-              <a:shade val="15000"/>
-            </a:schemeClr>
-          </a:lnRef>
-          <a:fillRef idx="1">
-            <a:schemeClr val="accent1"/>
-          </a:fillRef>
-          <a:effectRef idx="0">
-            <a:schemeClr val="accent1"/>
-          </a:effectRef>
-          <a:fontRef idx="minor">
-            <a:schemeClr val="lt1"/>
-          </a:fontRef>
-        </p:style>
-        <p:txBody>
-          <a:bodyPr rtlCol="0" anchor="ctr"/>
-          <a:lstStyle/>
           <a:p>
-            <a:pPr algn="ctr"/>
-            <a:endParaRPr lang="en-GB">
-              <a:solidFill>
-                <a:schemeClr val="bg1"/>
-              </a:solidFill>
-            </a:endParaRPr>
-          </a:p>
-        </p:txBody>
-      </p:sp>
-      <p:sp>
-        <p:nvSpPr>
-          <p:cNvPr id="24" name="Multiplication Sign 23">
-            <a:extLst>
-              <a:ext uri="{FF2B5EF4-FFF2-40B4-BE49-F238E27FC236}">
-                <a16:creationId xmlns:a16="http://schemas.microsoft.com/office/drawing/2014/main" id="{A0876B58-ECAF-0E99-BA8F-594B9492BCEA}"/>
-              </a:ext>
-            </a:extLst>
-          </p:cNvPr>
-          <p:cNvSpPr/>
-          <p:nvPr/>
-        </p:nvSpPr>
-        <p:spPr>
-          <a:xfrm flipV="1">
-            <a:off x="9527542" y="4088112"/>
-            <a:ext cx="419088" cy="419088"/>
-          </a:xfrm>
-          <a:prstGeom prst="mathMultiply">
-            <a:avLst>
-              <a:gd name="adj1" fmla="val 4328"/>
-            </a:avLst>
-          </a:prstGeom>
-          <a:noFill/>
-          <a:ln>
-            <a:solidFill>
-              <a:schemeClr val="bg1"/>
-            </a:solidFill>
-          </a:ln>
-        </p:spPr>
-        <p:style>
-          <a:lnRef idx="2">
-            <a:schemeClr val="accent1">
-              <a:shade val="15000"/>
-            </a:schemeClr>
-          </a:lnRef>
-          <a:fillRef idx="1">
-            <a:schemeClr val="accent1"/>
-          </a:fillRef>
-          <a:effectRef idx="0">
-            <a:schemeClr val="accent1"/>
-          </a:effectRef>
-          <a:fontRef idx="minor">
-            <a:schemeClr val="lt1"/>
-          </a:fontRef>
-        </p:style>
-        <p:txBody>
-          <a:bodyPr rtlCol="0" anchor="ctr"/>
-          <a:lstStyle/>
-          <a:p>
-            <a:pPr algn="ctr"/>
-            <a:endParaRPr lang="en-GB">
-              <a:solidFill>
-                <a:schemeClr val="bg1"/>
-              </a:solidFill>
-            </a:endParaRPr>
-          </a:p>
-        </p:txBody>
-      </p:sp>
-      <p:sp>
-        <p:nvSpPr>
-          <p:cNvPr id="25" name="Oval 24">
-            <a:extLst>
-              <a:ext uri="{FF2B5EF4-FFF2-40B4-BE49-F238E27FC236}">
-                <a16:creationId xmlns:a16="http://schemas.microsoft.com/office/drawing/2014/main" id="{96E9DEFC-DE61-1FD1-DA7B-D19C8DC6C30D}"/>
-              </a:ext>
-            </a:extLst>
-          </p:cNvPr>
-          <p:cNvSpPr/>
-          <p:nvPr/>
-        </p:nvSpPr>
-        <p:spPr>
-          <a:xfrm>
-            <a:off x="10397926" y="4866971"/>
-            <a:ext cx="162878" cy="162878"/>
-          </a:xfrm>
-          <a:prstGeom prst="ellipse">
-            <a:avLst/>
-          </a:prstGeom>
-          <a:noFill/>
-          <a:ln w="19050">
-            <a:solidFill>
-              <a:schemeClr val="accent4">
-                <a:lumMod val="60000"/>
-                <a:lumOff val="40000"/>
-              </a:schemeClr>
-            </a:solidFill>
-          </a:ln>
-        </p:spPr>
-        <p:style>
-          <a:lnRef idx="2">
-            <a:schemeClr val="accent1">
-              <a:shade val="15000"/>
-            </a:schemeClr>
-          </a:lnRef>
-          <a:fillRef idx="1">
-            <a:schemeClr val="accent1"/>
-          </a:fillRef>
-          <a:effectRef idx="0">
-            <a:schemeClr val="accent1"/>
-          </a:effectRef>
-          <a:fontRef idx="minor">
-            <a:schemeClr val="lt1"/>
-          </a:fontRef>
-        </p:style>
-        <p:txBody>
-          <a:bodyPr rtlCol="0" anchor="ctr"/>
-          <a:lstStyle/>
-          <a:p>
-            <a:pPr algn="ctr"/>
-            <a:endParaRPr lang="en-GB">
-              <a:solidFill>
-                <a:schemeClr val="accent4">
-                  <a:lumMod val="60000"/>
-                  <a:lumOff val="40000"/>
-                </a:schemeClr>
-              </a:solidFill>
-            </a:endParaRPr>
-          </a:p>
-        </p:txBody>
-      </p:sp>
-      <p:sp>
-        <p:nvSpPr>
-          <p:cNvPr id="27" name="Rectangle 26">
-            <a:extLst>
-              <a:ext uri="{FF2B5EF4-FFF2-40B4-BE49-F238E27FC236}">
-                <a16:creationId xmlns:a16="http://schemas.microsoft.com/office/drawing/2014/main" id="{92DBA0ED-CC79-FF25-3342-38D01D59AA66}"/>
-              </a:ext>
-            </a:extLst>
-          </p:cNvPr>
-          <p:cNvSpPr/>
-          <p:nvPr/>
-        </p:nvSpPr>
-        <p:spPr>
-          <a:xfrm>
-            <a:off x="9264952" y="4146412"/>
-            <a:ext cx="799141" cy="303619"/>
-          </a:xfrm>
-          <a:prstGeom prst="rect">
-            <a:avLst/>
-          </a:prstGeom>
-          <a:noFill/>
-          <a:ln w="3175">
-            <a:solidFill>
-              <a:schemeClr val="bg1"/>
-            </a:solidFill>
-            <a:prstDash val="lgDashDot"/>
-          </a:ln>
-        </p:spPr>
-        <p:style>
-          <a:lnRef idx="2">
-            <a:schemeClr val="accent1">
-              <a:shade val="15000"/>
-            </a:schemeClr>
-          </a:lnRef>
-          <a:fillRef idx="1">
-            <a:schemeClr val="accent1"/>
-          </a:fillRef>
-          <a:effectRef idx="0">
-            <a:schemeClr val="accent1"/>
-          </a:effectRef>
-          <a:fontRef idx="minor">
-            <a:schemeClr val="lt1"/>
-          </a:fontRef>
-        </p:style>
-        <p:txBody>
-          <a:bodyPr rtlCol="0" anchor="ctr"/>
-          <a:lstStyle/>
-          <a:p>
-            <a:pPr algn="ctr"/>
-            <a:endParaRPr lang="en-GB"/>
-          </a:p>
-        </p:txBody>
-      </p:sp>
-      <p:sp>
-        <p:nvSpPr>
-          <p:cNvPr id="28" name="Rectangle 27">
-            <a:extLst>
-              <a:ext uri="{FF2B5EF4-FFF2-40B4-BE49-F238E27FC236}">
-                <a16:creationId xmlns:a16="http://schemas.microsoft.com/office/drawing/2014/main" id="{089E2971-F2BB-9C82-134F-BAFC73D77780}"/>
-              </a:ext>
-            </a:extLst>
-          </p:cNvPr>
-          <p:cNvSpPr/>
-          <p:nvPr/>
-        </p:nvSpPr>
-        <p:spPr>
-          <a:xfrm>
-            <a:off x="9693114" y="4812051"/>
-            <a:ext cx="799141" cy="303619"/>
-          </a:xfrm>
-          <a:prstGeom prst="rect">
-            <a:avLst/>
-          </a:prstGeom>
-          <a:noFill/>
-          <a:ln w="3175">
-            <a:solidFill>
-              <a:schemeClr val="bg1"/>
-            </a:solidFill>
-            <a:prstDash val="lgDashDot"/>
-          </a:ln>
-        </p:spPr>
-        <p:style>
-          <a:lnRef idx="2">
-            <a:schemeClr val="accent1">
-              <a:shade val="15000"/>
-            </a:schemeClr>
-          </a:lnRef>
-          <a:fillRef idx="1">
-            <a:schemeClr val="accent1"/>
-          </a:fillRef>
-          <a:effectRef idx="0">
-            <a:schemeClr val="accent1"/>
-          </a:effectRef>
-          <a:fontRef idx="minor">
-            <a:schemeClr val="lt1"/>
-          </a:fontRef>
-        </p:style>
-        <p:txBody>
-          <a:bodyPr rtlCol="0" anchor="ctr"/>
-          <a:lstStyle/>
-          <a:p>
-            <a:pPr algn="ctr"/>
-            <a:endParaRPr lang="en-GB"/>
-          </a:p>
-        </p:txBody>
-      </p:sp>
-      <p:cxnSp>
-        <p:nvCxnSpPr>
-          <p:cNvPr id="30" name="Straight Connector 29">
-            <a:extLst>
-              <a:ext uri="{FF2B5EF4-FFF2-40B4-BE49-F238E27FC236}">
-                <a16:creationId xmlns:a16="http://schemas.microsoft.com/office/drawing/2014/main" id="{2F8EC778-0840-5BDF-BC49-2F2196ED7FB7}"/>
-              </a:ext>
-            </a:extLst>
-          </p:cNvPr>
-          <p:cNvCxnSpPr>
-            <a:cxnSpLocks/>
-          </p:cNvCxnSpPr>
-          <p:nvPr/>
-        </p:nvCxnSpPr>
-        <p:spPr>
-          <a:xfrm>
-            <a:off x="9264952" y="4095586"/>
-            <a:ext cx="0" cy="1514160"/>
-          </a:xfrm>
-          <a:prstGeom prst="line">
-            <a:avLst/>
-          </a:prstGeom>
-          <a:ln w="3175">
-            <a:solidFill>
-              <a:schemeClr val="bg1">
-                <a:lumMod val="95000"/>
-              </a:schemeClr>
-            </a:solidFill>
-            <a:prstDash val="lgDashDot"/>
-          </a:ln>
-        </p:spPr>
-        <p:style>
-          <a:lnRef idx="1">
-            <a:schemeClr val="accent1"/>
-          </a:lnRef>
-          <a:fillRef idx="0">
-            <a:schemeClr val="accent1"/>
-          </a:fillRef>
-          <a:effectRef idx="0">
-            <a:schemeClr val="accent1"/>
-          </a:effectRef>
-          <a:fontRef idx="minor">
-            <a:schemeClr val="tx1"/>
-          </a:fontRef>
-        </p:style>
-      </p:cxnSp>
-      <p:cxnSp>
-        <p:nvCxnSpPr>
-          <p:cNvPr id="31" name="Straight Connector 30">
-            <a:extLst>
-              <a:ext uri="{FF2B5EF4-FFF2-40B4-BE49-F238E27FC236}">
-                <a16:creationId xmlns:a16="http://schemas.microsoft.com/office/drawing/2014/main" id="{A9FB307D-A03D-80FC-707B-E7851E366252}"/>
-              </a:ext>
-            </a:extLst>
-          </p:cNvPr>
-          <p:cNvCxnSpPr>
-            <a:cxnSpLocks/>
-          </p:cNvCxnSpPr>
-          <p:nvPr/>
-        </p:nvCxnSpPr>
-        <p:spPr>
-          <a:xfrm>
-            <a:off x="9693114" y="4758501"/>
-            <a:ext cx="0" cy="851245"/>
-          </a:xfrm>
-          <a:prstGeom prst="line">
-            <a:avLst/>
-          </a:prstGeom>
-          <a:ln w="3175">
-            <a:solidFill>
-              <a:schemeClr val="bg1">
-                <a:lumMod val="95000"/>
-              </a:schemeClr>
-            </a:solidFill>
-            <a:prstDash val="lgDashDot"/>
-          </a:ln>
-        </p:spPr>
-        <p:style>
-          <a:lnRef idx="1">
-            <a:schemeClr val="accent1"/>
-          </a:lnRef>
-          <a:fillRef idx="0">
-            <a:schemeClr val="accent1"/>
-          </a:fillRef>
-          <a:effectRef idx="0">
-            <a:schemeClr val="accent1"/>
-          </a:effectRef>
-          <a:fontRef idx="minor">
-            <a:schemeClr val="tx1"/>
-          </a:fontRef>
-        </p:style>
-      </p:cxnSp>
-      <p:sp>
-        <p:nvSpPr>
-          <p:cNvPr id="36" name="Arc 35">
-            <a:extLst>
-              <a:ext uri="{FF2B5EF4-FFF2-40B4-BE49-F238E27FC236}">
-                <a16:creationId xmlns:a16="http://schemas.microsoft.com/office/drawing/2014/main" id="{AB05DD60-8680-FDD2-D57B-1870BE540E41}"/>
-              </a:ext>
-            </a:extLst>
-          </p:cNvPr>
-          <p:cNvSpPr/>
-          <p:nvPr/>
-        </p:nvSpPr>
-        <p:spPr>
-          <a:xfrm rot="16449086">
-            <a:off x="9203047" y="2986779"/>
-            <a:ext cx="1168391" cy="1748910"/>
-          </a:xfrm>
-          <a:custGeom>
-            <a:avLst/>
-            <a:gdLst>
-              <a:gd name="connsiteX0" fmla="*/ 584195 w 1168391"/>
-              <a:gd name="connsiteY0" fmla="*/ 0 h 1748910"/>
-              <a:gd name="connsiteX1" fmla="*/ 1105876 w 1168391"/>
-              <a:gd name="connsiteY1" fmla="*/ 480882 h 1748910"/>
-              <a:gd name="connsiteX2" fmla="*/ 1158044 w 1168391"/>
-              <a:gd name="connsiteY2" fmla="*/ 1038308 h 1748910"/>
-              <a:gd name="connsiteX3" fmla="*/ 584196 w 1168391"/>
-              <a:gd name="connsiteY3" fmla="*/ 874455 h 1748910"/>
-              <a:gd name="connsiteX4" fmla="*/ 584195 w 1168391"/>
-              <a:gd name="connsiteY4" fmla="*/ 0 h 1748910"/>
-              <a:gd name="connsiteX0" fmla="*/ 584195 w 1168391"/>
-              <a:gd name="connsiteY0" fmla="*/ 0 h 1748910"/>
-              <a:gd name="connsiteX1" fmla="*/ 1105876 w 1168391"/>
-              <a:gd name="connsiteY1" fmla="*/ 480882 h 1748910"/>
-              <a:gd name="connsiteX2" fmla="*/ 1158044 w 1168391"/>
-              <a:gd name="connsiteY2" fmla="*/ 1038308 h 1748910"/>
-            </a:gdLst>
-            <a:ahLst/>
-            <a:cxnLst>
-              <a:cxn ang="0">
-                <a:pos x="connsiteX0" y="connsiteY0"/>
-              </a:cxn>
-              <a:cxn ang="0">
-                <a:pos x="connsiteX1" y="connsiteY1"/>
-              </a:cxn>
-              <a:cxn ang="0">
-                <a:pos x="connsiteX2" y="connsiteY2"/>
-              </a:cxn>
-            </a:cxnLst>
-            <a:rect l="l" t="t" r="r" b="b"/>
-            <a:pathLst>
-              <a:path w="1168391" h="1748910" stroke="0" extrusionOk="0">
-                <a:moveTo>
-                  <a:pt x="584195" y="0"/>
-                </a:moveTo>
-                <a:cubicBezTo>
-                  <a:pt x="839512" y="-14811"/>
-                  <a:pt x="1032152" y="223236"/>
-                  <a:pt x="1105876" y="480882"/>
-                </a:cubicBezTo>
-                <a:cubicBezTo>
-                  <a:pt x="1179067" y="680138"/>
-                  <a:pt x="1147978" y="846666"/>
-                  <a:pt x="1158044" y="1038308"/>
-                </a:cubicBezTo>
-                <a:cubicBezTo>
-                  <a:pt x="864529" y="1001579"/>
-                  <a:pt x="758383" y="936594"/>
-                  <a:pt x="584196" y="874455"/>
-                </a:cubicBezTo>
-                <a:cubicBezTo>
-                  <a:pt x="583847" y="577450"/>
-                  <a:pt x="581994" y="245223"/>
-                  <a:pt x="584195" y="0"/>
-                </a:cubicBezTo>
-                <a:close/>
-              </a:path>
-              <a:path w="1168391" h="1748910" fill="none" extrusionOk="0">
-                <a:moveTo>
-                  <a:pt x="584195" y="0"/>
-                </a:moveTo>
-                <a:cubicBezTo>
-                  <a:pt x="819848" y="2757"/>
-                  <a:pt x="1012586" y="201110"/>
-                  <a:pt x="1105876" y="480882"/>
-                </a:cubicBezTo>
-                <a:cubicBezTo>
-                  <a:pt x="1166931" y="638732"/>
-                  <a:pt x="1199629" y="852920"/>
-                  <a:pt x="1158044" y="1038308"/>
-                </a:cubicBezTo>
-              </a:path>
-              <a:path w="1168391" h="1748910" fill="none" stroke="0" extrusionOk="0">
-                <a:moveTo>
-                  <a:pt x="584195" y="0"/>
-                </a:moveTo>
-                <a:cubicBezTo>
-                  <a:pt x="810304" y="7699"/>
-                  <a:pt x="1026763" y="168566"/>
-                  <a:pt x="1105876" y="480882"/>
-                </a:cubicBezTo>
-                <a:cubicBezTo>
-                  <a:pt x="1175910" y="654544"/>
-                  <a:pt x="1178206" y="821752"/>
-                  <a:pt x="1158044" y="1038308"/>
-                </a:cubicBezTo>
-              </a:path>
-            </a:pathLst>
-          </a:custGeom>
-          <a:ln>
-            <a:solidFill>
-              <a:schemeClr val="bg1"/>
-            </a:solidFill>
-            <a:prstDash val="lgDash"/>
-            <a:extLst>
-              <a:ext uri="{C807C97D-BFC1-408E-A445-0C87EB9F89A2}">
-                <ask:lineSketchStyleProps xmlns:ask="http://schemas.microsoft.com/office/drawing/2018/sketchyshapes" sd="2693366876">
-                  <a:prstGeom prst="arc">
-                    <a:avLst>
-                      <a:gd name="adj1" fmla="val 16200000"/>
-                      <a:gd name="adj2" fmla="val 956152"/>
-                    </a:avLst>
-                  </a:prstGeom>
-                  <ask:type>
-                    <ask:lineSketchCurved/>
-                  </ask:type>
-                </ask:lineSketchStyleProps>
-              </a:ext>
-            </a:extLst>
-          </a:ln>
-        </p:spPr>
-        <p:style>
-          <a:lnRef idx="1">
-            <a:schemeClr val="accent1"/>
-          </a:lnRef>
-          <a:fillRef idx="0">
-            <a:schemeClr val="accent1"/>
-          </a:fillRef>
-          <a:effectRef idx="0">
-            <a:schemeClr val="accent1"/>
-          </a:effectRef>
-          <a:fontRef idx="minor">
-            <a:schemeClr val="tx1"/>
-          </a:fontRef>
-        </p:style>
-        <p:txBody>
-          <a:bodyPr rtlCol="0" anchor="ctr"/>
-          <a:lstStyle/>
-          <a:p>
-            <a:pPr algn="ctr"/>
-            <a:endParaRPr lang="en-GB"/>
-          </a:p>
-        </p:txBody>
-      </p:sp>
-      <p:sp>
-        <p:nvSpPr>
-          <p:cNvPr id="37" name="Arc 36">
-            <a:extLst>
-              <a:ext uri="{FF2B5EF4-FFF2-40B4-BE49-F238E27FC236}">
-                <a16:creationId xmlns:a16="http://schemas.microsoft.com/office/drawing/2014/main" id="{F015627D-5B35-3B0E-098C-F4911960187D}"/>
-              </a:ext>
-            </a:extLst>
-          </p:cNvPr>
-          <p:cNvSpPr/>
-          <p:nvPr/>
-        </p:nvSpPr>
-        <p:spPr>
-          <a:xfrm rot="6422290">
-            <a:off x="9193279" y="2926721"/>
-            <a:ext cx="1168391" cy="1748910"/>
-          </a:xfrm>
-          <a:custGeom>
-            <a:avLst/>
-            <a:gdLst>
-              <a:gd name="connsiteX0" fmla="*/ 584195 w 1168391"/>
-              <a:gd name="connsiteY0" fmla="*/ 0 h 1748910"/>
-              <a:gd name="connsiteX1" fmla="*/ 1064301 w 1168391"/>
-              <a:gd name="connsiteY1" fmla="*/ 376241 h 1748910"/>
-              <a:gd name="connsiteX2" fmla="*/ 584196 w 1168391"/>
-              <a:gd name="connsiteY2" fmla="*/ 874455 h 1748910"/>
-              <a:gd name="connsiteX3" fmla="*/ 584195 w 1168391"/>
-              <a:gd name="connsiteY3" fmla="*/ 0 h 1748910"/>
-              <a:gd name="connsiteX0" fmla="*/ 584195 w 1168391"/>
-              <a:gd name="connsiteY0" fmla="*/ 0 h 1748910"/>
-              <a:gd name="connsiteX1" fmla="*/ 1064301 w 1168391"/>
-              <a:gd name="connsiteY1" fmla="*/ 376241 h 1748910"/>
-            </a:gdLst>
-            <a:ahLst/>
-            <a:cxnLst>
-              <a:cxn ang="0">
-                <a:pos x="connsiteX0" y="connsiteY0"/>
-              </a:cxn>
-              <a:cxn ang="0">
-                <a:pos x="connsiteX1" y="connsiteY1"/>
-              </a:cxn>
-            </a:cxnLst>
-            <a:rect l="l" t="t" r="r" b="b"/>
-            <a:pathLst>
-              <a:path w="1168391" h="1748910" stroke="0" extrusionOk="0">
-                <a:moveTo>
-                  <a:pt x="584195" y="0"/>
-                </a:moveTo>
-                <a:cubicBezTo>
-                  <a:pt x="806722" y="-13210"/>
-                  <a:pt x="973122" y="166746"/>
-                  <a:pt x="1064301" y="376241"/>
-                </a:cubicBezTo>
-                <a:cubicBezTo>
-                  <a:pt x="879603" y="504921"/>
-                  <a:pt x="687771" y="752427"/>
-                  <a:pt x="584196" y="874455"/>
-                </a:cubicBezTo>
-                <a:cubicBezTo>
-                  <a:pt x="573488" y="528762"/>
-                  <a:pt x="599547" y="288054"/>
-                  <a:pt x="584195" y="0"/>
-                </a:cubicBezTo>
-                <a:close/>
-              </a:path>
-              <a:path w="1168391" h="1748910" fill="none" extrusionOk="0">
-                <a:moveTo>
-                  <a:pt x="584195" y="0"/>
-                </a:moveTo>
-                <a:cubicBezTo>
-                  <a:pt x="793676" y="25050"/>
-                  <a:pt x="964803" y="132246"/>
-                  <a:pt x="1064301" y="376241"/>
-                </a:cubicBezTo>
-              </a:path>
-              <a:path w="1168391" h="1748910" fill="none" stroke="0" extrusionOk="0">
-                <a:moveTo>
-                  <a:pt x="584195" y="0"/>
-                </a:moveTo>
-                <a:cubicBezTo>
-                  <a:pt x="775084" y="-10735"/>
-                  <a:pt x="953171" y="98841"/>
-                  <a:pt x="1064301" y="376241"/>
-                </a:cubicBezTo>
-              </a:path>
-            </a:pathLst>
-          </a:custGeom>
-          <a:ln>
-            <a:solidFill>
-              <a:schemeClr val="bg1"/>
-            </a:solidFill>
-            <a:prstDash val="lgDash"/>
-            <a:extLst>
-              <a:ext uri="{C807C97D-BFC1-408E-A445-0C87EB9F89A2}">
-                <ask:lineSketchStyleProps xmlns:ask="http://schemas.microsoft.com/office/drawing/2018/sketchyshapes" sd="2693366876">
-                  <a:prstGeom prst="arc">
-                    <a:avLst>
-                      <a:gd name="adj1" fmla="val 16200000"/>
-                      <a:gd name="adj2" fmla="val 18836378"/>
-                    </a:avLst>
-                  </a:prstGeom>
-                  <ask:type>
-                    <ask:lineSketchCurved/>
-                  </ask:type>
-                </ask:lineSketchStyleProps>
-              </a:ext>
-            </a:extLst>
-          </a:ln>
-        </p:spPr>
-        <p:style>
-          <a:lnRef idx="1">
-            <a:schemeClr val="accent1"/>
-          </a:lnRef>
-          <a:fillRef idx="0">
-            <a:schemeClr val="accent1"/>
-          </a:fillRef>
-          <a:effectRef idx="0">
-            <a:schemeClr val="accent1"/>
-          </a:effectRef>
-          <a:fontRef idx="minor">
-            <a:schemeClr val="tx1"/>
-          </a:fontRef>
-        </p:style>
-        <p:txBody>
-          <a:bodyPr rtlCol="0" anchor="ctr"/>
-          <a:lstStyle/>
-          <a:p>
-            <a:pPr algn="ctr"/>
-            <a:endParaRPr lang="en-GB"/>
+            <a:pPr marL="285750" indent="-285750" algn="l">
+              <a:buFont typeface="Arial" panose="020B0604020202020204" pitchFamily="34" charset="0"/>
+              <a:buChar char="•"/>
+            </a:pPr>
+            <a:r>
+              <a:rPr lang="en-US" sz="1600" b="0" i="0" dirty="0">
+                <a:solidFill>
+                  <a:schemeClr val="bg1"/>
+                </a:solidFill>
+                <a:effectLst/>
+                <a:latin typeface="Bookman Old Style" panose="02050604050505020204" pitchFamily="18" charset="0"/>
+              </a:rPr>
+              <a:t>Collected data encompass admission and discharge times, as well as static and time-varying covariates.</a:t>
+            </a:r>
           </a:p>
         </p:txBody>
       </p:sp>
@@ -12917,7 +11814,7 @@
         </p:nvSpPr>
         <p:spPr>
           <a:xfrm rot="21021629">
-            <a:off x="10165308" y="4931642"/>
+            <a:off x="10165308" y="4317490"/>
             <a:ext cx="1168391" cy="1748910"/>
           </a:xfrm>
           <a:custGeom>
@@ -13035,567 +11932,1466 @@
           </a:p>
         </p:txBody>
       </p:sp>
-      <p:sp>
-        <p:nvSpPr>
-          <p:cNvPr id="39" name="TextBox 38">
+      <p:grpSp>
+        <p:nvGrpSpPr>
+          <p:cNvPr id="10" name="Group 9">
             <a:extLst>
               <a:ext uri="{FF2B5EF4-FFF2-40B4-BE49-F238E27FC236}">
-                <a16:creationId xmlns:a16="http://schemas.microsoft.com/office/drawing/2014/main" id="{BDF29DE5-862E-B2FB-6EE9-1A28D62468F0}"/>
+                <a16:creationId xmlns:a16="http://schemas.microsoft.com/office/drawing/2014/main" id="{EE707059-12A6-1B90-F4AB-0A860EF43835}"/>
               </a:ext>
             </a:extLst>
           </p:cNvPr>
-          <p:cNvSpPr txBox="1"/>
+          <p:cNvGrpSpPr/>
           <p:nvPr/>
-        </p:nvSpPr>
-        <p:spPr>
+        </p:nvGrpSpPr>
+        <p:grpSpPr>
           <a:xfrm>
-            <a:off x="9835491" y="3119037"/>
-            <a:ext cx="1574804" cy="461665"/>
+            <a:off x="6850208" y="2484415"/>
+            <a:ext cx="4836632" cy="2675912"/>
+            <a:chOff x="6850208" y="2484415"/>
+            <a:chExt cx="4836632" cy="2675912"/>
           </a:xfrm>
-          <a:prstGeom prst="rect">
-            <a:avLst/>
-          </a:prstGeom>
-          <a:noFill/>
-        </p:spPr>
-        <p:txBody>
-          <a:bodyPr wrap="square" rtlCol="0">
-            <a:spAutoFit/>
-          </a:bodyPr>
-          <a:lstStyle/>
-          <a:p>
-            <a:pPr algn="ctr"/>
-            <a:r>
-              <a:rPr lang="en-US" sz="1200" dirty="0">
-                <a:solidFill>
-                  <a:schemeClr val="bg1"/>
-                </a:solidFill>
-                <a:latin typeface="Ink Free" panose="03080402000500000000" pitchFamily="66" charset="0"/>
-              </a:rPr>
-              <a:t>In-hospital death (uncensored)</a:t>
-            </a:r>
-            <a:endParaRPr lang="en-GB" sz="1200" dirty="0">
+        </p:grpSpPr>
+        <p:cxnSp>
+          <p:nvCxnSpPr>
+            <p:cNvPr id="11" name="Straight Arrow Connector 10">
+              <a:extLst>
+                <a:ext uri="{FF2B5EF4-FFF2-40B4-BE49-F238E27FC236}">
+                  <a16:creationId xmlns:a16="http://schemas.microsoft.com/office/drawing/2014/main" id="{8BC2BE89-EF3A-B6AC-0BED-52DED60B2821}"/>
+                </a:ext>
+              </a:extLst>
+            </p:cNvPr>
+            <p:cNvCxnSpPr/>
+            <p:nvPr/>
+          </p:nvCxnSpPr>
+          <p:spPr>
+            <a:xfrm flipV="1">
+              <a:off x="7093009" y="2661698"/>
+              <a:ext cx="0" cy="2241357"/>
+            </a:xfrm>
+            <a:prstGeom prst="straightConnector1">
+              <a:avLst/>
+            </a:prstGeom>
+            <a:ln>
               <a:solidFill>
                 <a:schemeClr val="bg1"/>
               </a:solidFill>
-              <a:latin typeface="Ink Free" panose="03080402000500000000" pitchFamily="66" charset="0"/>
-            </a:endParaRPr>
-          </a:p>
-        </p:txBody>
-      </p:sp>
-      <p:sp>
-        <p:nvSpPr>
-          <p:cNvPr id="40" name="TextBox 39">
-            <a:extLst>
-              <a:ext uri="{FF2B5EF4-FFF2-40B4-BE49-F238E27FC236}">
-                <a16:creationId xmlns:a16="http://schemas.microsoft.com/office/drawing/2014/main" id="{3E9CC21D-17E6-33FD-13ED-A2DC0A42C873}"/>
-              </a:ext>
-            </a:extLst>
-          </p:cNvPr>
-          <p:cNvSpPr txBox="1"/>
-          <p:nvPr/>
-        </p:nvSpPr>
-        <p:spPr>
-          <a:xfrm>
-            <a:off x="10025984" y="3661298"/>
-            <a:ext cx="1574804" cy="461665"/>
-          </a:xfrm>
-          <a:prstGeom prst="rect">
-            <a:avLst/>
-          </a:prstGeom>
-          <a:noFill/>
-        </p:spPr>
-        <p:txBody>
-          <a:bodyPr wrap="square" rtlCol="0">
-            <a:spAutoFit/>
-          </a:bodyPr>
-          <a:lstStyle/>
-          <a:p>
-            <a:pPr algn="ctr"/>
-            <a:r>
-              <a:rPr lang="en-US" sz="1200" dirty="0">
-                <a:solidFill>
-                  <a:schemeClr val="bg1"/>
-                </a:solidFill>
-                <a:latin typeface="Ink Free" panose="03080402000500000000" pitchFamily="66" charset="0"/>
-              </a:rPr>
-              <a:t>Out-of-hospital death (uncensored)</a:t>
-            </a:r>
-            <a:endParaRPr lang="en-GB" sz="1200" dirty="0">
+              <a:tailEnd type="triangle"/>
+            </a:ln>
+          </p:spPr>
+          <p:style>
+            <a:lnRef idx="1">
+              <a:schemeClr val="accent1"/>
+            </a:lnRef>
+            <a:fillRef idx="0">
+              <a:schemeClr val="accent1"/>
+            </a:fillRef>
+            <a:effectRef idx="0">
+              <a:schemeClr val="accent1"/>
+            </a:effectRef>
+            <a:fontRef idx="minor">
+              <a:schemeClr val="tx1"/>
+            </a:fontRef>
+          </p:style>
+        </p:cxnSp>
+        <p:cxnSp>
+          <p:nvCxnSpPr>
+            <p:cNvPr id="15" name="Straight Arrow Connector 14">
+              <a:extLst>
+                <a:ext uri="{FF2B5EF4-FFF2-40B4-BE49-F238E27FC236}">
+                  <a16:creationId xmlns:a16="http://schemas.microsoft.com/office/drawing/2014/main" id="{60FA63C8-DEA6-F7C0-A7DB-2580C17B90F9}"/>
+                </a:ext>
+              </a:extLst>
+            </p:cNvPr>
+            <p:cNvCxnSpPr>
+              <a:cxnSpLocks/>
+            </p:cNvCxnSpPr>
+            <p:nvPr/>
+          </p:nvCxnSpPr>
+          <p:spPr>
+            <a:xfrm>
+              <a:off x="7093009" y="4903055"/>
+              <a:ext cx="4190288" cy="0"/>
+            </a:xfrm>
+            <a:prstGeom prst="straightConnector1">
+              <a:avLst/>
+            </a:prstGeom>
+            <a:ln>
               <a:solidFill>
                 <a:schemeClr val="bg1"/>
               </a:solidFill>
-              <a:latin typeface="Ink Free" panose="03080402000500000000" pitchFamily="66" charset="0"/>
-            </a:endParaRPr>
-          </a:p>
-        </p:txBody>
-      </p:sp>
-      <p:sp>
-        <p:nvSpPr>
-          <p:cNvPr id="41" name="TextBox 40">
-            <a:extLst>
-              <a:ext uri="{FF2B5EF4-FFF2-40B4-BE49-F238E27FC236}">
-                <a16:creationId xmlns:a16="http://schemas.microsoft.com/office/drawing/2014/main" id="{E4BD804D-C0E9-0586-50CA-8C99AE93F0AF}"/>
-              </a:ext>
-            </a:extLst>
-          </p:cNvPr>
-          <p:cNvSpPr txBox="1"/>
-          <p:nvPr/>
-        </p:nvSpPr>
-        <p:spPr>
-          <a:xfrm>
-            <a:off x="10112036" y="5076012"/>
-            <a:ext cx="1574804" cy="461665"/>
-          </a:xfrm>
-          <a:prstGeom prst="rect">
-            <a:avLst/>
-          </a:prstGeom>
-          <a:noFill/>
-        </p:spPr>
-        <p:txBody>
-          <a:bodyPr wrap="square" rtlCol="0">
-            <a:spAutoFit/>
-          </a:bodyPr>
-          <a:lstStyle/>
-          <a:p>
-            <a:pPr algn="ctr"/>
-            <a:r>
-              <a:rPr lang="en-US" sz="1200" dirty="0">
-                <a:solidFill>
-                  <a:schemeClr val="bg1"/>
-                </a:solidFill>
-                <a:latin typeface="Ink Free" panose="03080402000500000000" pitchFamily="66" charset="0"/>
-              </a:rPr>
-              <a:t>Out-of-hospital death (censored)</a:t>
-            </a:r>
-            <a:endParaRPr lang="en-GB" sz="1200" dirty="0">
+              <a:tailEnd type="triangle"/>
+            </a:ln>
+          </p:spPr>
+          <p:style>
+            <a:lnRef idx="1">
+              <a:schemeClr val="accent1"/>
+            </a:lnRef>
+            <a:fillRef idx="0">
+              <a:schemeClr val="accent1"/>
+            </a:fillRef>
+            <a:effectRef idx="0">
+              <a:schemeClr val="accent1"/>
+            </a:effectRef>
+            <a:fontRef idx="minor">
+              <a:schemeClr val="tx1"/>
+            </a:fontRef>
+          </p:style>
+        </p:cxnSp>
+        <p:cxnSp>
+          <p:nvCxnSpPr>
+            <p:cNvPr id="17" name="Straight Connector 16">
+              <a:extLst>
+                <a:ext uri="{FF2B5EF4-FFF2-40B4-BE49-F238E27FC236}">
+                  <a16:creationId xmlns:a16="http://schemas.microsoft.com/office/drawing/2014/main" id="{9D02F048-1A75-D807-0CF8-AC044B1C95A6}"/>
+                </a:ext>
+              </a:extLst>
+            </p:cNvPr>
+            <p:cNvCxnSpPr/>
+            <p:nvPr/>
+          </p:nvCxnSpPr>
+          <p:spPr>
+            <a:xfrm>
+              <a:off x="7472161" y="3250964"/>
+              <a:ext cx="1400628" cy="0"/>
+            </a:xfrm>
+            <a:prstGeom prst="line">
+              <a:avLst/>
+            </a:prstGeom>
+            <a:ln w="19050">
               <a:solidFill>
                 <a:schemeClr val="bg1"/>
               </a:solidFill>
-              <a:latin typeface="Ink Free" panose="03080402000500000000" pitchFamily="66" charset="0"/>
-            </a:endParaRPr>
-          </a:p>
-        </p:txBody>
-      </p:sp>
-      <p:cxnSp>
-        <p:nvCxnSpPr>
-          <p:cNvPr id="42" name="Straight Connector 41">
-            <a:extLst>
-              <a:ext uri="{FF2B5EF4-FFF2-40B4-BE49-F238E27FC236}">
-                <a16:creationId xmlns:a16="http://schemas.microsoft.com/office/drawing/2014/main" id="{148DB70E-ED42-8127-4455-E5544428176A}"/>
-              </a:ext>
-            </a:extLst>
-          </p:cNvPr>
-          <p:cNvCxnSpPr>
-            <a:cxnSpLocks/>
-          </p:cNvCxnSpPr>
-          <p:nvPr/>
-        </p:nvCxnSpPr>
-        <p:spPr>
-          <a:xfrm>
-            <a:off x="7472756" y="3885586"/>
-            <a:ext cx="0" cy="1724160"/>
-          </a:xfrm>
-          <a:prstGeom prst="line">
-            <a:avLst/>
-          </a:prstGeom>
-          <a:ln w="3175">
-            <a:solidFill>
-              <a:schemeClr val="bg1">
-                <a:lumMod val="95000"/>
-              </a:schemeClr>
-            </a:solidFill>
-            <a:prstDash val="lgDashDot"/>
-          </a:ln>
-        </p:spPr>
-        <p:style>
-          <a:lnRef idx="1">
-            <a:schemeClr val="accent1"/>
-          </a:lnRef>
-          <a:fillRef idx="0">
-            <a:schemeClr val="accent1"/>
-          </a:fillRef>
-          <a:effectRef idx="0">
-            <a:schemeClr val="accent1"/>
-          </a:effectRef>
-          <a:fontRef idx="minor">
-            <a:schemeClr val="tx1"/>
-          </a:fontRef>
-        </p:style>
-      </p:cxnSp>
-      <p:cxnSp>
-        <p:nvCxnSpPr>
-          <p:cNvPr id="44" name="Straight Connector 43">
-            <a:extLst>
-              <a:ext uri="{FF2B5EF4-FFF2-40B4-BE49-F238E27FC236}">
-                <a16:creationId xmlns:a16="http://schemas.microsoft.com/office/drawing/2014/main" id="{8377C2EA-AAB0-E03D-DE24-97CD47649760}"/>
-              </a:ext>
-            </a:extLst>
-          </p:cNvPr>
-          <p:cNvCxnSpPr>
-            <a:cxnSpLocks/>
-          </p:cNvCxnSpPr>
-          <p:nvPr/>
-        </p:nvCxnSpPr>
-        <p:spPr>
-          <a:xfrm>
-            <a:off x="7654727" y="4948410"/>
-            <a:ext cx="0" cy="661336"/>
-          </a:xfrm>
-          <a:prstGeom prst="line">
-            <a:avLst/>
-          </a:prstGeom>
-          <a:ln w="3175">
-            <a:solidFill>
-              <a:schemeClr val="bg1">
-                <a:lumMod val="95000"/>
-              </a:schemeClr>
-            </a:solidFill>
-            <a:prstDash val="lgDashDot"/>
-          </a:ln>
-        </p:spPr>
-        <p:style>
-          <a:lnRef idx="1">
-            <a:schemeClr val="accent1"/>
-          </a:lnRef>
-          <a:fillRef idx="0">
-            <a:schemeClr val="accent1"/>
-          </a:fillRef>
-          <a:effectRef idx="0">
-            <a:schemeClr val="accent1"/>
-          </a:effectRef>
-          <a:fontRef idx="minor">
-            <a:schemeClr val="tx1"/>
-          </a:fontRef>
-        </p:style>
-      </p:cxnSp>
-      <p:cxnSp>
-        <p:nvCxnSpPr>
-          <p:cNvPr id="46" name="Straight Connector 45">
-            <a:extLst>
-              <a:ext uri="{FF2B5EF4-FFF2-40B4-BE49-F238E27FC236}">
-                <a16:creationId xmlns:a16="http://schemas.microsoft.com/office/drawing/2014/main" id="{54516AC1-5C0E-F348-BEBA-276F97C8FDB9}"/>
-              </a:ext>
-            </a:extLst>
-          </p:cNvPr>
-          <p:cNvCxnSpPr>
-            <a:cxnSpLocks/>
-          </p:cNvCxnSpPr>
-          <p:nvPr/>
-        </p:nvCxnSpPr>
-        <p:spPr>
-          <a:xfrm>
-            <a:off x="8053869" y="4297656"/>
-            <a:ext cx="0" cy="1312090"/>
-          </a:xfrm>
-          <a:prstGeom prst="line">
-            <a:avLst/>
-          </a:prstGeom>
-          <a:ln w="3175">
-            <a:solidFill>
-              <a:schemeClr val="bg1">
-                <a:lumMod val="95000"/>
-              </a:schemeClr>
-            </a:solidFill>
-            <a:prstDash val="lgDashDot"/>
-          </a:ln>
-        </p:spPr>
-        <p:style>
-          <a:lnRef idx="1">
-            <a:schemeClr val="accent1"/>
-          </a:lnRef>
-          <a:fillRef idx="0">
-            <a:schemeClr val="accent1"/>
-          </a:fillRef>
-          <a:effectRef idx="0">
-            <a:schemeClr val="accent1"/>
-          </a:effectRef>
-          <a:fontRef idx="minor">
-            <a:schemeClr val="tx1"/>
-          </a:fontRef>
-        </p:style>
-      </p:cxnSp>
-      <p:cxnSp>
-        <p:nvCxnSpPr>
-          <p:cNvPr id="49" name="Straight Arrow Connector 48">
-            <a:extLst>
-              <a:ext uri="{FF2B5EF4-FFF2-40B4-BE49-F238E27FC236}">
-                <a16:creationId xmlns:a16="http://schemas.microsoft.com/office/drawing/2014/main" id="{4D38F8ED-58B2-9EED-5B2D-0AF85B85BDA4}"/>
-              </a:ext>
-            </a:extLst>
-          </p:cNvPr>
-          <p:cNvCxnSpPr>
-            <a:cxnSpLocks/>
-          </p:cNvCxnSpPr>
-          <p:nvPr/>
-        </p:nvCxnSpPr>
-        <p:spPr>
-          <a:xfrm>
-            <a:off x="9264952" y="4079086"/>
-            <a:ext cx="799141" cy="0"/>
-          </a:xfrm>
-          <a:prstGeom prst="straightConnector1">
-            <a:avLst/>
-          </a:prstGeom>
-          <a:ln>
-            <a:solidFill>
-              <a:schemeClr val="bg1">
-                <a:lumMod val="95000"/>
-              </a:schemeClr>
-            </a:solidFill>
-            <a:headEnd type="triangle"/>
-            <a:tailEnd type="triangle"/>
-          </a:ln>
-        </p:spPr>
-        <p:style>
-          <a:lnRef idx="1">
-            <a:schemeClr val="accent1"/>
-          </a:lnRef>
-          <a:fillRef idx="0">
-            <a:schemeClr val="accent1"/>
-          </a:fillRef>
-          <a:effectRef idx="0">
-            <a:schemeClr val="accent1"/>
-          </a:effectRef>
-          <a:fontRef idx="minor">
-            <a:schemeClr val="tx1"/>
-          </a:fontRef>
-        </p:style>
-      </p:cxnSp>
-      <p:cxnSp>
-        <p:nvCxnSpPr>
-          <p:cNvPr id="53" name="Straight Arrow Connector 52">
-            <a:extLst>
-              <a:ext uri="{FF2B5EF4-FFF2-40B4-BE49-F238E27FC236}">
-                <a16:creationId xmlns:a16="http://schemas.microsoft.com/office/drawing/2014/main" id="{04696016-5C81-7892-ADE1-9F419EF8096C}"/>
-              </a:ext>
-            </a:extLst>
-          </p:cNvPr>
-          <p:cNvCxnSpPr>
-            <a:cxnSpLocks/>
-          </p:cNvCxnSpPr>
-          <p:nvPr/>
-        </p:nvCxnSpPr>
-        <p:spPr>
-          <a:xfrm>
-            <a:off x="9693114" y="4720436"/>
-            <a:ext cx="799141" cy="0"/>
-          </a:xfrm>
-          <a:prstGeom prst="straightConnector1">
-            <a:avLst/>
-          </a:prstGeom>
-          <a:ln>
-            <a:solidFill>
-              <a:schemeClr val="bg1">
-                <a:lumMod val="95000"/>
-              </a:schemeClr>
-            </a:solidFill>
-            <a:headEnd type="triangle"/>
-            <a:tailEnd type="triangle"/>
-          </a:ln>
-        </p:spPr>
-        <p:style>
-          <a:lnRef idx="1">
-            <a:schemeClr val="accent1"/>
-          </a:lnRef>
-          <a:fillRef idx="0">
-            <a:schemeClr val="accent1"/>
-          </a:fillRef>
-          <a:effectRef idx="0">
-            <a:schemeClr val="accent1"/>
-          </a:effectRef>
-          <a:fontRef idx="minor">
-            <a:schemeClr val="tx1"/>
-          </a:fontRef>
-        </p:style>
-      </p:cxnSp>
-      <p:sp>
-        <p:nvSpPr>
-          <p:cNvPr id="54" name="TextBox 53">
-            <a:extLst>
-              <a:ext uri="{FF2B5EF4-FFF2-40B4-BE49-F238E27FC236}">
-                <a16:creationId xmlns:a16="http://schemas.microsoft.com/office/drawing/2014/main" id="{4C5D9D45-327E-887C-568C-C9B76FB56A00}"/>
-              </a:ext>
-            </a:extLst>
-          </p:cNvPr>
-          <p:cNvSpPr txBox="1"/>
-          <p:nvPr/>
-        </p:nvSpPr>
-        <p:spPr>
-          <a:xfrm>
-            <a:off x="9162384" y="3737498"/>
-            <a:ext cx="1009650" cy="430887"/>
-          </a:xfrm>
-          <a:prstGeom prst="rect">
-            <a:avLst/>
-          </a:prstGeom>
-          <a:noFill/>
-        </p:spPr>
-        <p:txBody>
-          <a:bodyPr wrap="square" rtlCol="0">
-            <a:spAutoFit/>
-          </a:bodyPr>
-          <a:lstStyle/>
-          <a:p>
-            <a:pPr algn="ctr"/>
-            <a:r>
-              <a:rPr lang="en-US" sz="1050" dirty="0">
-                <a:solidFill>
-                  <a:schemeClr val="bg1"/>
-                </a:solidFill>
-                <a:latin typeface="Ink Free" panose="03080402000500000000" pitchFamily="66" charset="0"/>
-              </a:rPr>
-              <a:t>1 year since discharge</a:t>
-            </a:r>
-            <a:endParaRPr lang="en-GB" sz="1050" dirty="0">
+            </a:ln>
+          </p:spPr>
+          <p:style>
+            <a:lnRef idx="1">
+              <a:schemeClr val="accent1"/>
+            </a:lnRef>
+            <a:fillRef idx="0">
+              <a:schemeClr val="accent1"/>
+            </a:fillRef>
+            <a:effectRef idx="0">
+              <a:schemeClr val="accent1"/>
+            </a:effectRef>
+            <a:fontRef idx="minor">
+              <a:schemeClr val="tx1"/>
+            </a:fontRef>
+          </p:style>
+        </p:cxnSp>
+        <p:cxnSp>
+          <p:nvCxnSpPr>
+            <p:cNvPr id="18" name="Straight Connector 17">
+              <a:extLst>
+                <a:ext uri="{FF2B5EF4-FFF2-40B4-BE49-F238E27FC236}">
+                  <a16:creationId xmlns:a16="http://schemas.microsoft.com/office/drawing/2014/main" id="{02C0F8A8-867B-EB5E-A808-E8BEF32CB58A}"/>
+                </a:ext>
+              </a:extLst>
+            </p:cNvPr>
+            <p:cNvCxnSpPr>
+              <a:cxnSpLocks/>
+            </p:cNvCxnSpPr>
+            <p:nvPr/>
+          </p:nvCxnSpPr>
+          <p:spPr>
+            <a:xfrm>
+              <a:off x="8053869" y="3663034"/>
+              <a:ext cx="1683657" cy="0"/>
+            </a:xfrm>
+            <a:prstGeom prst="line">
+              <a:avLst/>
+            </a:prstGeom>
+            <a:ln w="19050">
               <a:solidFill>
                 <a:schemeClr val="bg1"/>
               </a:solidFill>
-              <a:latin typeface="Ink Free" panose="03080402000500000000" pitchFamily="66" charset="0"/>
-            </a:endParaRPr>
-          </a:p>
-        </p:txBody>
-      </p:sp>
-      <p:sp>
-        <p:nvSpPr>
-          <p:cNvPr id="55" name="TextBox 54">
-            <a:extLst>
-              <a:ext uri="{FF2B5EF4-FFF2-40B4-BE49-F238E27FC236}">
-                <a16:creationId xmlns:a16="http://schemas.microsoft.com/office/drawing/2014/main" id="{4E2C6470-5470-0860-413F-118740E68262}"/>
-              </a:ext>
-            </a:extLst>
-          </p:cNvPr>
-          <p:cNvSpPr txBox="1"/>
-          <p:nvPr/>
-        </p:nvSpPr>
-        <p:spPr>
-          <a:xfrm>
-            <a:off x="9598945" y="4377838"/>
-            <a:ext cx="1009650" cy="430887"/>
-          </a:xfrm>
-          <a:prstGeom prst="rect">
-            <a:avLst/>
-          </a:prstGeom>
-          <a:noFill/>
-        </p:spPr>
-        <p:txBody>
-          <a:bodyPr wrap="square" rtlCol="0">
-            <a:spAutoFit/>
-          </a:bodyPr>
-          <a:lstStyle/>
-          <a:p>
-            <a:pPr algn="ctr"/>
-            <a:r>
-              <a:rPr lang="en-US" sz="1050" dirty="0">
-                <a:solidFill>
-                  <a:schemeClr val="bg1"/>
-                </a:solidFill>
-                <a:latin typeface="Ink Free" panose="03080402000500000000" pitchFamily="66" charset="0"/>
-              </a:rPr>
-              <a:t>1 year since discharge</a:t>
-            </a:r>
-            <a:endParaRPr lang="en-GB" sz="1050" dirty="0">
+            </a:ln>
+          </p:spPr>
+          <p:style>
+            <a:lnRef idx="1">
+              <a:schemeClr val="accent1"/>
+            </a:lnRef>
+            <a:fillRef idx="0">
+              <a:schemeClr val="accent1"/>
+            </a:fillRef>
+            <a:effectRef idx="0">
+              <a:schemeClr val="accent1"/>
+            </a:effectRef>
+            <a:fontRef idx="minor">
+              <a:schemeClr val="tx1"/>
+            </a:fontRef>
+          </p:style>
+        </p:cxnSp>
+        <p:cxnSp>
+          <p:nvCxnSpPr>
+            <p:cNvPr id="20" name="Straight Connector 19">
+              <a:extLst>
+                <a:ext uri="{FF2B5EF4-FFF2-40B4-BE49-F238E27FC236}">
+                  <a16:creationId xmlns:a16="http://schemas.microsoft.com/office/drawing/2014/main" id="{1DF50900-6779-0A3E-EEF5-011B7672876F}"/>
+                </a:ext>
+              </a:extLst>
+            </p:cNvPr>
+            <p:cNvCxnSpPr>
+              <a:cxnSpLocks/>
+            </p:cNvCxnSpPr>
+            <p:nvPr/>
+          </p:nvCxnSpPr>
+          <p:spPr>
+            <a:xfrm>
+              <a:off x="7654727" y="4313788"/>
+              <a:ext cx="2743199" cy="0"/>
+            </a:xfrm>
+            <a:prstGeom prst="line">
+              <a:avLst/>
+            </a:prstGeom>
+            <a:ln w="19050">
+              <a:solidFill>
+                <a:schemeClr val="accent4">
+                  <a:lumMod val="60000"/>
+                  <a:lumOff val="40000"/>
+                </a:schemeClr>
+              </a:solidFill>
+            </a:ln>
+          </p:spPr>
+          <p:style>
+            <a:lnRef idx="1">
+              <a:schemeClr val="accent1"/>
+            </a:lnRef>
+            <a:fillRef idx="0">
+              <a:schemeClr val="accent1"/>
+            </a:fillRef>
+            <a:effectRef idx="0">
+              <a:schemeClr val="accent1"/>
+            </a:effectRef>
+            <a:fontRef idx="minor">
+              <a:schemeClr val="tx1"/>
+            </a:fontRef>
+          </p:style>
+        </p:cxnSp>
+        <p:sp>
+          <p:nvSpPr>
+            <p:cNvPr id="23" name="Multiplication Sign 22">
+              <a:extLst>
+                <a:ext uri="{FF2B5EF4-FFF2-40B4-BE49-F238E27FC236}">
+                  <a16:creationId xmlns:a16="http://schemas.microsoft.com/office/drawing/2014/main" id="{E9F0BE54-557A-0236-3A1C-5E557FD01B43}"/>
+                </a:ext>
+              </a:extLst>
+            </p:cNvPr>
+            <p:cNvSpPr/>
+            <p:nvPr/>
+          </p:nvSpPr>
+          <p:spPr>
+            <a:xfrm flipV="1">
+              <a:off x="8663928" y="3041876"/>
+              <a:ext cx="419088" cy="419088"/>
+            </a:xfrm>
+            <a:prstGeom prst="mathMultiply">
+              <a:avLst>
+                <a:gd name="adj1" fmla="val 4328"/>
+              </a:avLst>
+            </a:prstGeom>
+            <a:noFill/>
+            <a:ln>
               <a:solidFill>
                 <a:schemeClr val="bg1"/>
               </a:solidFill>
-              <a:latin typeface="Ink Free" panose="03080402000500000000" pitchFamily="66" charset="0"/>
-            </a:endParaRPr>
-          </a:p>
-        </p:txBody>
-      </p:sp>
-      <p:sp>
-        <p:nvSpPr>
-          <p:cNvPr id="56" name="TextBox 55">
-            <a:extLst>
-              <a:ext uri="{FF2B5EF4-FFF2-40B4-BE49-F238E27FC236}">
-                <a16:creationId xmlns:a16="http://schemas.microsoft.com/office/drawing/2014/main" id="{8D5A1DA9-D740-F13E-4502-967591FBD359}"/>
-              </a:ext>
-            </a:extLst>
-          </p:cNvPr>
-          <p:cNvSpPr txBox="1"/>
-          <p:nvPr/>
-        </p:nvSpPr>
-        <p:spPr>
-          <a:xfrm>
-            <a:off x="8763216" y="5541033"/>
-            <a:ext cx="1009650" cy="253916"/>
-          </a:xfrm>
-          <a:prstGeom prst="rect">
-            <a:avLst/>
-          </a:prstGeom>
-          <a:noFill/>
-        </p:spPr>
-        <p:txBody>
-          <a:bodyPr wrap="square" rtlCol="0">
-            <a:spAutoFit/>
-          </a:bodyPr>
-          <a:lstStyle/>
-          <a:p>
-            <a:pPr algn="ctr"/>
-            <a:r>
-              <a:rPr lang="en-US" sz="1050" dirty="0">
+            </a:ln>
+          </p:spPr>
+          <p:style>
+            <a:lnRef idx="2">
+              <a:schemeClr val="accent1">
+                <a:shade val="15000"/>
+              </a:schemeClr>
+            </a:lnRef>
+            <a:fillRef idx="1">
+              <a:schemeClr val="accent1"/>
+            </a:fillRef>
+            <a:effectRef idx="0">
+              <a:schemeClr val="accent1"/>
+            </a:effectRef>
+            <a:fontRef idx="minor">
+              <a:schemeClr val="lt1"/>
+            </a:fontRef>
+          </p:style>
+          <p:txBody>
+            <a:bodyPr rtlCol="0" anchor="ctr"/>
+            <a:lstStyle/>
+            <a:p>
+              <a:pPr algn="ctr"/>
+              <a:endParaRPr lang="en-GB">
                 <a:solidFill>
                   <a:schemeClr val="bg1"/>
                 </a:solidFill>
-                <a:latin typeface="Ink Free" panose="03080402000500000000" pitchFamily="66" charset="0"/>
-              </a:rPr>
-              <a:t>Timeline</a:t>
-            </a:r>
-            <a:endParaRPr lang="en-GB" sz="1050" dirty="0">
+              </a:endParaRPr>
+            </a:p>
+          </p:txBody>
+        </p:sp>
+        <p:sp>
+          <p:nvSpPr>
+            <p:cNvPr id="24" name="Multiplication Sign 23">
+              <a:extLst>
+                <a:ext uri="{FF2B5EF4-FFF2-40B4-BE49-F238E27FC236}">
+                  <a16:creationId xmlns:a16="http://schemas.microsoft.com/office/drawing/2014/main" id="{A0876B58-ECAF-0E99-BA8F-594B9492BCEA}"/>
+                </a:ext>
+              </a:extLst>
+            </p:cNvPr>
+            <p:cNvSpPr/>
+            <p:nvPr/>
+          </p:nvSpPr>
+          <p:spPr>
+            <a:xfrm flipV="1">
+              <a:off x="9527542" y="3453490"/>
+              <a:ext cx="419088" cy="419088"/>
+            </a:xfrm>
+            <a:prstGeom prst="mathMultiply">
+              <a:avLst>
+                <a:gd name="adj1" fmla="val 4328"/>
+              </a:avLst>
+            </a:prstGeom>
+            <a:noFill/>
+            <a:ln>
               <a:solidFill>
                 <a:schemeClr val="bg1"/>
               </a:solidFill>
-              <a:latin typeface="Ink Free" panose="03080402000500000000" pitchFamily="66" charset="0"/>
-            </a:endParaRPr>
-          </a:p>
-        </p:txBody>
-      </p:sp>
-      <p:sp>
-        <p:nvSpPr>
-          <p:cNvPr id="57" name="TextBox 56">
-            <a:extLst>
-              <a:ext uri="{FF2B5EF4-FFF2-40B4-BE49-F238E27FC236}">
-                <a16:creationId xmlns:a16="http://schemas.microsoft.com/office/drawing/2014/main" id="{45A816CE-DEBD-0C2B-F4A2-0624EE667194}"/>
-              </a:ext>
-            </a:extLst>
-          </p:cNvPr>
-          <p:cNvSpPr txBox="1"/>
-          <p:nvPr/>
-        </p:nvSpPr>
-        <p:spPr>
-          <a:xfrm rot="16200000">
-            <a:off x="6299002" y="4310547"/>
-            <a:ext cx="1356328" cy="253916"/>
-          </a:xfrm>
-          <a:prstGeom prst="rect">
-            <a:avLst/>
-          </a:prstGeom>
-          <a:noFill/>
-        </p:spPr>
-        <p:txBody>
-          <a:bodyPr wrap="square" rtlCol="0">
-            <a:spAutoFit/>
-          </a:bodyPr>
-          <a:lstStyle/>
-          <a:p>
-            <a:pPr algn="ctr"/>
-            <a:r>
-              <a:rPr lang="en-US" sz="1050" dirty="0">
+            </a:ln>
+          </p:spPr>
+          <p:style>
+            <a:lnRef idx="2">
+              <a:schemeClr val="accent1">
+                <a:shade val="15000"/>
+              </a:schemeClr>
+            </a:lnRef>
+            <a:fillRef idx="1">
+              <a:schemeClr val="accent1"/>
+            </a:fillRef>
+            <a:effectRef idx="0">
+              <a:schemeClr val="accent1"/>
+            </a:effectRef>
+            <a:fontRef idx="minor">
+              <a:schemeClr val="lt1"/>
+            </a:fontRef>
+          </p:style>
+          <p:txBody>
+            <a:bodyPr rtlCol="0" anchor="ctr"/>
+            <a:lstStyle/>
+            <a:p>
+              <a:pPr algn="ctr"/>
+              <a:endParaRPr lang="en-GB">
                 <a:solidFill>
                   <a:schemeClr val="bg1"/>
                 </a:solidFill>
-                <a:latin typeface="Ink Free" panose="03080402000500000000" pitchFamily="66" charset="0"/>
-              </a:rPr>
-              <a:t>Patient journeys</a:t>
-            </a:r>
-            <a:endParaRPr lang="en-GB" sz="1050" dirty="0">
+              </a:endParaRPr>
+            </a:p>
+          </p:txBody>
+        </p:sp>
+        <p:sp>
+          <p:nvSpPr>
+            <p:cNvPr id="25" name="Oval 24">
+              <a:extLst>
+                <a:ext uri="{FF2B5EF4-FFF2-40B4-BE49-F238E27FC236}">
+                  <a16:creationId xmlns:a16="http://schemas.microsoft.com/office/drawing/2014/main" id="{96E9DEFC-DE61-1FD1-DA7B-D19C8DC6C30D}"/>
+                </a:ext>
+              </a:extLst>
+            </p:cNvPr>
+            <p:cNvSpPr/>
+            <p:nvPr/>
+          </p:nvSpPr>
+          <p:spPr>
+            <a:xfrm>
+              <a:off x="10397926" y="4232349"/>
+              <a:ext cx="162878" cy="162878"/>
+            </a:xfrm>
+            <a:prstGeom prst="ellipse">
+              <a:avLst/>
+            </a:prstGeom>
+            <a:noFill/>
+            <a:ln w="19050">
+              <a:solidFill>
+                <a:schemeClr val="accent4">
+                  <a:lumMod val="60000"/>
+                  <a:lumOff val="40000"/>
+                </a:schemeClr>
+              </a:solidFill>
+            </a:ln>
+          </p:spPr>
+          <p:style>
+            <a:lnRef idx="2">
+              <a:schemeClr val="accent1">
+                <a:shade val="15000"/>
+              </a:schemeClr>
+            </a:lnRef>
+            <a:fillRef idx="1">
+              <a:schemeClr val="accent1"/>
+            </a:fillRef>
+            <a:effectRef idx="0">
+              <a:schemeClr val="accent1"/>
+            </a:effectRef>
+            <a:fontRef idx="minor">
+              <a:schemeClr val="lt1"/>
+            </a:fontRef>
+          </p:style>
+          <p:txBody>
+            <a:bodyPr rtlCol="0" anchor="ctr"/>
+            <a:lstStyle/>
+            <a:p>
+              <a:pPr algn="ctr"/>
+              <a:endParaRPr lang="en-GB">
+                <a:solidFill>
+                  <a:schemeClr val="accent4">
+                    <a:lumMod val="60000"/>
+                    <a:lumOff val="40000"/>
+                  </a:schemeClr>
+                </a:solidFill>
+              </a:endParaRPr>
+            </a:p>
+          </p:txBody>
+        </p:sp>
+        <p:sp>
+          <p:nvSpPr>
+            <p:cNvPr id="27" name="Rectangle 26">
+              <a:extLst>
+                <a:ext uri="{FF2B5EF4-FFF2-40B4-BE49-F238E27FC236}">
+                  <a16:creationId xmlns:a16="http://schemas.microsoft.com/office/drawing/2014/main" id="{92DBA0ED-CC79-FF25-3342-38D01D59AA66}"/>
+                </a:ext>
+              </a:extLst>
+            </p:cNvPr>
+            <p:cNvSpPr/>
+            <p:nvPr/>
+          </p:nvSpPr>
+          <p:spPr>
+            <a:xfrm>
+              <a:off x="9264952" y="3511790"/>
+              <a:ext cx="799141" cy="303619"/>
+            </a:xfrm>
+            <a:prstGeom prst="rect">
+              <a:avLst/>
+            </a:prstGeom>
+            <a:noFill/>
+            <a:ln w="3175">
               <a:solidFill>
                 <a:schemeClr val="bg1"/>
               </a:solidFill>
-              <a:latin typeface="Ink Free" panose="03080402000500000000" pitchFamily="66" charset="0"/>
-            </a:endParaRPr>
-          </a:p>
-        </p:txBody>
-      </p:sp>
+              <a:prstDash val="lgDashDot"/>
+            </a:ln>
+          </p:spPr>
+          <p:style>
+            <a:lnRef idx="2">
+              <a:schemeClr val="accent1">
+                <a:shade val="15000"/>
+              </a:schemeClr>
+            </a:lnRef>
+            <a:fillRef idx="1">
+              <a:schemeClr val="accent1"/>
+            </a:fillRef>
+            <a:effectRef idx="0">
+              <a:schemeClr val="accent1"/>
+            </a:effectRef>
+            <a:fontRef idx="minor">
+              <a:schemeClr val="lt1"/>
+            </a:fontRef>
+          </p:style>
+          <p:txBody>
+            <a:bodyPr rtlCol="0" anchor="ctr"/>
+            <a:lstStyle/>
+            <a:p>
+              <a:pPr algn="ctr"/>
+              <a:endParaRPr lang="en-GB"/>
+            </a:p>
+          </p:txBody>
+        </p:sp>
+        <p:sp>
+          <p:nvSpPr>
+            <p:cNvPr id="28" name="Rectangle 27">
+              <a:extLst>
+                <a:ext uri="{FF2B5EF4-FFF2-40B4-BE49-F238E27FC236}">
+                  <a16:creationId xmlns:a16="http://schemas.microsoft.com/office/drawing/2014/main" id="{089E2971-F2BB-9C82-134F-BAFC73D77780}"/>
+                </a:ext>
+              </a:extLst>
+            </p:cNvPr>
+            <p:cNvSpPr/>
+            <p:nvPr/>
+          </p:nvSpPr>
+          <p:spPr>
+            <a:xfrm>
+              <a:off x="9693114" y="4177429"/>
+              <a:ext cx="799141" cy="303619"/>
+            </a:xfrm>
+            <a:prstGeom prst="rect">
+              <a:avLst/>
+            </a:prstGeom>
+            <a:noFill/>
+            <a:ln w="3175">
+              <a:solidFill>
+                <a:schemeClr val="bg1"/>
+              </a:solidFill>
+              <a:prstDash val="lgDashDot"/>
+            </a:ln>
+          </p:spPr>
+          <p:style>
+            <a:lnRef idx="2">
+              <a:schemeClr val="accent1">
+                <a:shade val="15000"/>
+              </a:schemeClr>
+            </a:lnRef>
+            <a:fillRef idx="1">
+              <a:schemeClr val="accent1"/>
+            </a:fillRef>
+            <a:effectRef idx="0">
+              <a:schemeClr val="accent1"/>
+            </a:effectRef>
+            <a:fontRef idx="minor">
+              <a:schemeClr val="lt1"/>
+            </a:fontRef>
+          </p:style>
+          <p:txBody>
+            <a:bodyPr rtlCol="0" anchor="ctr"/>
+            <a:lstStyle/>
+            <a:p>
+              <a:pPr algn="ctr"/>
+              <a:endParaRPr lang="en-GB"/>
+            </a:p>
+          </p:txBody>
+        </p:sp>
+        <p:cxnSp>
+          <p:nvCxnSpPr>
+            <p:cNvPr id="30" name="Straight Connector 29">
+              <a:extLst>
+                <a:ext uri="{FF2B5EF4-FFF2-40B4-BE49-F238E27FC236}">
+                  <a16:creationId xmlns:a16="http://schemas.microsoft.com/office/drawing/2014/main" id="{2F8EC778-0840-5BDF-BC49-2F2196ED7FB7}"/>
+                </a:ext>
+              </a:extLst>
+            </p:cNvPr>
+            <p:cNvCxnSpPr>
+              <a:cxnSpLocks/>
+            </p:cNvCxnSpPr>
+            <p:nvPr/>
+          </p:nvCxnSpPr>
+          <p:spPr>
+            <a:xfrm>
+              <a:off x="9264952" y="3460964"/>
+              <a:ext cx="0" cy="1514160"/>
+            </a:xfrm>
+            <a:prstGeom prst="line">
+              <a:avLst/>
+            </a:prstGeom>
+            <a:ln w="3175">
+              <a:solidFill>
+                <a:schemeClr val="bg1">
+                  <a:lumMod val="95000"/>
+                </a:schemeClr>
+              </a:solidFill>
+              <a:prstDash val="lgDashDot"/>
+            </a:ln>
+          </p:spPr>
+          <p:style>
+            <a:lnRef idx="1">
+              <a:schemeClr val="accent1"/>
+            </a:lnRef>
+            <a:fillRef idx="0">
+              <a:schemeClr val="accent1"/>
+            </a:fillRef>
+            <a:effectRef idx="0">
+              <a:schemeClr val="accent1"/>
+            </a:effectRef>
+            <a:fontRef idx="minor">
+              <a:schemeClr val="tx1"/>
+            </a:fontRef>
+          </p:style>
+        </p:cxnSp>
+        <p:cxnSp>
+          <p:nvCxnSpPr>
+            <p:cNvPr id="31" name="Straight Connector 30">
+              <a:extLst>
+                <a:ext uri="{FF2B5EF4-FFF2-40B4-BE49-F238E27FC236}">
+                  <a16:creationId xmlns:a16="http://schemas.microsoft.com/office/drawing/2014/main" id="{A9FB307D-A03D-80FC-707B-E7851E366252}"/>
+                </a:ext>
+              </a:extLst>
+            </p:cNvPr>
+            <p:cNvCxnSpPr>
+              <a:cxnSpLocks/>
+            </p:cNvCxnSpPr>
+            <p:nvPr/>
+          </p:nvCxnSpPr>
+          <p:spPr>
+            <a:xfrm>
+              <a:off x="9693114" y="4123879"/>
+              <a:ext cx="0" cy="851245"/>
+            </a:xfrm>
+            <a:prstGeom prst="line">
+              <a:avLst/>
+            </a:prstGeom>
+            <a:ln w="3175">
+              <a:solidFill>
+                <a:schemeClr val="bg1">
+                  <a:lumMod val="95000"/>
+                </a:schemeClr>
+              </a:solidFill>
+              <a:prstDash val="lgDashDot"/>
+            </a:ln>
+          </p:spPr>
+          <p:style>
+            <a:lnRef idx="1">
+              <a:schemeClr val="accent1"/>
+            </a:lnRef>
+            <a:fillRef idx="0">
+              <a:schemeClr val="accent1"/>
+            </a:fillRef>
+            <a:effectRef idx="0">
+              <a:schemeClr val="accent1"/>
+            </a:effectRef>
+            <a:fontRef idx="minor">
+              <a:schemeClr val="tx1"/>
+            </a:fontRef>
+          </p:style>
+        </p:cxnSp>
+        <p:sp>
+          <p:nvSpPr>
+            <p:cNvPr id="36" name="Arc 35">
+              <a:extLst>
+                <a:ext uri="{FF2B5EF4-FFF2-40B4-BE49-F238E27FC236}">
+                  <a16:creationId xmlns:a16="http://schemas.microsoft.com/office/drawing/2014/main" id="{AB05DD60-8680-FDD2-D57B-1870BE540E41}"/>
+                </a:ext>
+              </a:extLst>
+            </p:cNvPr>
+            <p:cNvSpPr/>
+            <p:nvPr/>
+          </p:nvSpPr>
+          <p:spPr>
+            <a:xfrm rot="16449086">
+              <a:off x="9203047" y="2352157"/>
+              <a:ext cx="1168391" cy="1748910"/>
+            </a:xfrm>
+            <a:custGeom>
+              <a:avLst/>
+              <a:gdLst>
+                <a:gd name="connsiteX0" fmla="*/ 584195 w 1168391"/>
+                <a:gd name="connsiteY0" fmla="*/ 0 h 1748910"/>
+                <a:gd name="connsiteX1" fmla="*/ 1105876 w 1168391"/>
+                <a:gd name="connsiteY1" fmla="*/ 480882 h 1748910"/>
+                <a:gd name="connsiteX2" fmla="*/ 1158044 w 1168391"/>
+                <a:gd name="connsiteY2" fmla="*/ 1038308 h 1748910"/>
+                <a:gd name="connsiteX3" fmla="*/ 584196 w 1168391"/>
+                <a:gd name="connsiteY3" fmla="*/ 874455 h 1748910"/>
+                <a:gd name="connsiteX4" fmla="*/ 584195 w 1168391"/>
+                <a:gd name="connsiteY4" fmla="*/ 0 h 1748910"/>
+                <a:gd name="connsiteX0" fmla="*/ 584195 w 1168391"/>
+                <a:gd name="connsiteY0" fmla="*/ 0 h 1748910"/>
+                <a:gd name="connsiteX1" fmla="*/ 1105876 w 1168391"/>
+                <a:gd name="connsiteY1" fmla="*/ 480882 h 1748910"/>
+                <a:gd name="connsiteX2" fmla="*/ 1158044 w 1168391"/>
+                <a:gd name="connsiteY2" fmla="*/ 1038308 h 1748910"/>
+              </a:gdLst>
+              <a:ahLst/>
+              <a:cxnLst>
+                <a:cxn ang="0">
+                  <a:pos x="connsiteX0" y="connsiteY0"/>
+                </a:cxn>
+                <a:cxn ang="0">
+                  <a:pos x="connsiteX1" y="connsiteY1"/>
+                </a:cxn>
+                <a:cxn ang="0">
+                  <a:pos x="connsiteX2" y="connsiteY2"/>
+                </a:cxn>
+              </a:cxnLst>
+              <a:rect l="l" t="t" r="r" b="b"/>
+              <a:pathLst>
+                <a:path w="1168391" h="1748910" stroke="0" extrusionOk="0">
+                  <a:moveTo>
+                    <a:pt x="584195" y="0"/>
+                  </a:moveTo>
+                  <a:cubicBezTo>
+                    <a:pt x="839512" y="-14811"/>
+                    <a:pt x="1032152" y="223236"/>
+                    <a:pt x="1105876" y="480882"/>
+                  </a:cubicBezTo>
+                  <a:cubicBezTo>
+                    <a:pt x="1179067" y="680138"/>
+                    <a:pt x="1147978" y="846666"/>
+                    <a:pt x="1158044" y="1038308"/>
+                  </a:cubicBezTo>
+                  <a:cubicBezTo>
+                    <a:pt x="864529" y="1001579"/>
+                    <a:pt x="758383" y="936594"/>
+                    <a:pt x="584196" y="874455"/>
+                  </a:cubicBezTo>
+                  <a:cubicBezTo>
+                    <a:pt x="583847" y="577450"/>
+                    <a:pt x="581994" y="245223"/>
+                    <a:pt x="584195" y="0"/>
+                  </a:cubicBezTo>
+                  <a:close/>
+                </a:path>
+                <a:path w="1168391" h="1748910" fill="none" extrusionOk="0">
+                  <a:moveTo>
+                    <a:pt x="584195" y="0"/>
+                  </a:moveTo>
+                  <a:cubicBezTo>
+                    <a:pt x="819848" y="2757"/>
+                    <a:pt x="1012586" y="201110"/>
+                    <a:pt x="1105876" y="480882"/>
+                  </a:cubicBezTo>
+                  <a:cubicBezTo>
+                    <a:pt x="1166931" y="638732"/>
+                    <a:pt x="1199629" y="852920"/>
+                    <a:pt x="1158044" y="1038308"/>
+                  </a:cubicBezTo>
+                </a:path>
+                <a:path w="1168391" h="1748910" fill="none" stroke="0" extrusionOk="0">
+                  <a:moveTo>
+                    <a:pt x="584195" y="0"/>
+                  </a:moveTo>
+                  <a:cubicBezTo>
+                    <a:pt x="810304" y="7699"/>
+                    <a:pt x="1026763" y="168566"/>
+                    <a:pt x="1105876" y="480882"/>
+                  </a:cubicBezTo>
+                  <a:cubicBezTo>
+                    <a:pt x="1175910" y="654544"/>
+                    <a:pt x="1178206" y="821752"/>
+                    <a:pt x="1158044" y="1038308"/>
+                  </a:cubicBezTo>
+                </a:path>
+              </a:pathLst>
+            </a:custGeom>
+            <a:ln>
+              <a:solidFill>
+                <a:schemeClr val="bg1"/>
+              </a:solidFill>
+              <a:prstDash val="lgDash"/>
+              <a:extLst>
+                <a:ext uri="{C807C97D-BFC1-408E-A445-0C87EB9F89A2}">
+                  <ask:lineSketchStyleProps xmlns:ask="http://schemas.microsoft.com/office/drawing/2018/sketchyshapes" sd="2693366876">
+                    <a:prstGeom prst="arc">
+                      <a:avLst>
+                        <a:gd name="adj1" fmla="val 16200000"/>
+                        <a:gd name="adj2" fmla="val 956152"/>
+                      </a:avLst>
+                    </a:prstGeom>
+                    <ask:type>
+                      <ask:lineSketchCurved/>
+                    </ask:type>
+                  </ask:lineSketchStyleProps>
+                </a:ext>
+              </a:extLst>
+            </a:ln>
+          </p:spPr>
+          <p:style>
+            <a:lnRef idx="1">
+              <a:schemeClr val="accent1"/>
+            </a:lnRef>
+            <a:fillRef idx="0">
+              <a:schemeClr val="accent1"/>
+            </a:fillRef>
+            <a:effectRef idx="0">
+              <a:schemeClr val="accent1"/>
+            </a:effectRef>
+            <a:fontRef idx="minor">
+              <a:schemeClr val="tx1"/>
+            </a:fontRef>
+          </p:style>
+          <p:txBody>
+            <a:bodyPr rtlCol="0" anchor="ctr"/>
+            <a:lstStyle/>
+            <a:p>
+              <a:pPr algn="ctr"/>
+              <a:endParaRPr lang="en-GB"/>
+            </a:p>
+          </p:txBody>
+        </p:sp>
+        <p:sp>
+          <p:nvSpPr>
+            <p:cNvPr id="37" name="Arc 36">
+              <a:extLst>
+                <a:ext uri="{FF2B5EF4-FFF2-40B4-BE49-F238E27FC236}">
+                  <a16:creationId xmlns:a16="http://schemas.microsoft.com/office/drawing/2014/main" id="{F015627D-5B35-3B0E-098C-F4911960187D}"/>
+                </a:ext>
+              </a:extLst>
+            </p:cNvPr>
+            <p:cNvSpPr/>
+            <p:nvPr/>
+          </p:nvSpPr>
+          <p:spPr>
+            <a:xfrm rot="6422290">
+              <a:off x="9193279" y="2292099"/>
+              <a:ext cx="1168391" cy="1748910"/>
+            </a:xfrm>
+            <a:custGeom>
+              <a:avLst/>
+              <a:gdLst>
+                <a:gd name="connsiteX0" fmla="*/ 584195 w 1168391"/>
+                <a:gd name="connsiteY0" fmla="*/ 0 h 1748910"/>
+                <a:gd name="connsiteX1" fmla="*/ 1064301 w 1168391"/>
+                <a:gd name="connsiteY1" fmla="*/ 376241 h 1748910"/>
+                <a:gd name="connsiteX2" fmla="*/ 584196 w 1168391"/>
+                <a:gd name="connsiteY2" fmla="*/ 874455 h 1748910"/>
+                <a:gd name="connsiteX3" fmla="*/ 584195 w 1168391"/>
+                <a:gd name="connsiteY3" fmla="*/ 0 h 1748910"/>
+                <a:gd name="connsiteX0" fmla="*/ 584195 w 1168391"/>
+                <a:gd name="connsiteY0" fmla="*/ 0 h 1748910"/>
+                <a:gd name="connsiteX1" fmla="*/ 1064301 w 1168391"/>
+                <a:gd name="connsiteY1" fmla="*/ 376241 h 1748910"/>
+              </a:gdLst>
+              <a:ahLst/>
+              <a:cxnLst>
+                <a:cxn ang="0">
+                  <a:pos x="connsiteX0" y="connsiteY0"/>
+                </a:cxn>
+                <a:cxn ang="0">
+                  <a:pos x="connsiteX1" y="connsiteY1"/>
+                </a:cxn>
+              </a:cxnLst>
+              <a:rect l="l" t="t" r="r" b="b"/>
+              <a:pathLst>
+                <a:path w="1168391" h="1748910" stroke="0" extrusionOk="0">
+                  <a:moveTo>
+                    <a:pt x="584195" y="0"/>
+                  </a:moveTo>
+                  <a:cubicBezTo>
+                    <a:pt x="806722" y="-13210"/>
+                    <a:pt x="973122" y="166746"/>
+                    <a:pt x="1064301" y="376241"/>
+                  </a:cubicBezTo>
+                  <a:cubicBezTo>
+                    <a:pt x="879603" y="504921"/>
+                    <a:pt x="687771" y="752427"/>
+                    <a:pt x="584196" y="874455"/>
+                  </a:cubicBezTo>
+                  <a:cubicBezTo>
+                    <a:pt x="573488" y="528762"/>
+                    <a:pt x="599547" y="288054"/>
+                    <a:pt x="584195" y="0"/>
+                  </a:cubicBezTo>
+                  <a:close/>
+                </a:path>
+                <a:path w="1168391" h="1748910" fill="none" extrusionOk="0">
+                  <a:moveTo>
+                    <a:pt x="584195" y="0"/>
+                  </a:moveTo>
+                  <a:cubicBezTo>
+                    <a:pt x="793676" y="25050"/>
+                    <a:pt x="964803" y="132246"/>
+                    <a:pt x="1064301" y="376241"/>
+                  </a:cubicBezTo>
+                </a:path>
+                <a:path w="1168391" h="1748910" fill="none" stroke="0" extrusionOk="0">
+                  <a:moveTo>
+                    <a:pt x="584195" y="0"/>
+                  </a:moveTo>
+                  <a:cubicBezTo>
+                    <a:pt x="775084" y="-10735"/>
+                    <a:pt x="953171" y="98841"/>
+                    <a:pt x="1064301" y="376241"/>
+                  </a:cubicBezTo>
+                </a:path>
+              </a:pathLst>
+            </a:custGeom>
+            <a:ln>
+              <a:solidFill>
+                <a:schemeClr val="bg1"/>
+              </a:solidFill>
+              <a:prstDash val="lgDash"/>
+              <a:extLst>
+                <a:ext uri="{C807C97D-BFC1-408E-A445-0C87EB9F89A2}">
+                  <ask:lineSketchStyleProps xmlns:ask="http://schemas.microsoft.com/office/drawing/2018/sketchyshapes" sd="2693366876">
+                    <a:prstGeom prst="arc">
+                      <a:avLst>
+                        <a:gd name="adj1" fmla="val 16200000"/>
+                        <a:gd name="adj2" fmla="val 18836378"/>
+                      </a:avLst>
+                    </a:prstGeom>
+                    <ask:type>
+                      <ask:lineSketchCurved/>
+                    </ask:type>
+                  </ask:lineSketchStyleProps>
+                </a:ext>
+              </a:extLst>
+            </a:ln>
+          </p:spPr>
+          <p:style>
+            <a:lnRef idx="1">
+              <a:schemeClr val="accent1"/>
+            </a:lnRef>
+            <a:fillRef idx="0">
+              <a:schemeClr val="accent1"/>
+            </a:fillRef>
+            <a:effectRef idx="0">
+              <a:schemeClr val="accent1"/>
+            </a:effectRef>
+            <a:fontRef idx="minor">
+              <a:schemeClr val="tx1"/>
+            </a:fontRef>
+          </p:style>
+          <p:txBody>
+            <a:bodyPr rtlCol="0" anchor="ctr"/>
+            <a:lstStyle/>
+            <a:p>
+              <a:pPr algn="ctr"/>
+              <a:endParaRPr lang="en-GB"/>
+            </a:p>
+          </p:txBody>
+        </p:sp>
+        <p:sp>
+          <p:nvSpPr>
+            <p:cNvPr id="39" name="TextBox 38">
+              <a:extLst>
+                <a:ext uri="{FF2B5EF4-FFF2-40B4-BE49-F238E27FC236}">
+                  <a16:creationId xmlns:a16="http://schemas.microsoft.com/office/drawing/2014/main" id="{BDF29DE5-862E-B2FB-6EE9-1A28D62468F0}"/>
+                </a:ext>
+              </a:extLst>
+            </p:cNvPr>
+            <p:cNvSpPr txBox="1"/>
+            <p:nvPr/>
+          </p:nvSpPr>
+          <p:spPr>
+            <a:xfrm>
+              <a:off x="9835491" y="2484415"/>
+              <a:ext cx="1574804" cy="461665"/>
+            </a:xfrm>
+            <a:prstGeom prst="rect">
+              <a:avLst/>
+            </a:prstGeom>
+            <a:noFill/>
+          </p:spPr>
+          <p:txBody>
+            <a:bodyPr wrap="square" rtlCol="0">
+              <a:spAutoFit/>
+            </a:bodyPr>
+            <a:lstStyle/>
+            <a:p>
+              <a:pPr algn="ctr"/>
+              <a:r>
+                <a:rPr lang="en-US" sz="1200" dirty="0">
+                  <a:solidFill>
+                    <a:schemeClr val="bg1"/>
+                  </a:solidFill>
+                  <a:latin typeface="Ink Free" panose="03080402000500000000" pitchFamily="66" charset="0"/>
+                </a:rPr>
+                <a:t>In-hospital death (uncensored)</a:t>
+              </a:r>
+              <a:endParaRPr lang="en-GB" sz="1200" dirty="0">
+                <a:solidFill>
+                  <a:schemeClr val="bg1"/>
+                </a:solidFill>
+                <a:latin typeface="Ink Free" panose="03080402000500000000" pitchFamily="66" charset="0"/>
+              </a:endParaRPr>
+            </a:p>
+          </p:txBody>
+        </p:sp>
+        <p:sp>
+          <p:nvSpPr>
+            <p:cNvPr id="40" name="TextBox 39">
+              <a:extLst>
+                <a:ext uri="{FF2B5EF4-FFF2-40B4-BE49-F238E27FC236}">
+                  <a16:creationId xmlns:a16="http://schemas.microsoft.com/office/drawing/2014/main" id="{3E9CC21D-17E6-33FD-13ED-A2DC0A42C873}"/>
+                </a:ext>
+              </a:extLst>
+            </p:cNvPr>
+            <p:cNvSpPr txBox="1"/>
+            <p:nvPr/>
+          </p:nvSpPr>
+          <p:spPr>
+            <a:xfrm>
+              <a:off x="10025984" y="3026676"/>
+              <a:ext cx="1574804" cy="461665"/>
+            </a:xfrm>
+            <a:prstGeom prst="rect">
+              <a:avLst/>
+            </a:prstGeom>
+            <a:noFill/>
+          </p:spPr>
+          <p:txBody>
+            <a:bodyPr wrap="square" rtlCol="0">
+              <a:spAutoFit/>
+            </a:bodyPr>
+            <a:lstStyle/>
+            <a:p>
+              <a:pPr algn="ctr"/>
+              <a:r>
+                <a:rPr lang="en-US" sz="1200" dirty="0">
+                  <a:solidFill>
+                    <a:schemeClr val="bg1"/>
+                  </a:solidFill>
+                  <a:latin typeface="Ink Free" panose="03080402000500000000" pitchFamily="66" charset="0"/>
+                </a:rPr>
+                <a:t>Out-of-hospital death (uncensored)</a:t>
+              </a:r>
+              <a:endParaRPr lang="en-GB" sz="1200" dirty="0">
+                <a:solidFill>
+                  <a:schemeClr val="bg1"/>
+                </a:solidFill>
+                <a:latin typeface="Ink Free" panose="03080402000500000000" pitchFamily="66" charset="0"/>
+              </a:endParaRPr>
+            </a:p>
+          </p:txBody>
+        </p:sp>
+        <p:sp>
+          <p:nvSpPr>
+            <p:cNvPr id="41" name="TextBox 40">
+              <a:extLst>
+                <a:ext uri="{FF2B5EF4-FFF2-40B4-BE49-F238E27FC236}">
+                  <a16:creationId xmlns:a16="http://schemas.microsoft.com/office/drawing/2014/main" id="{E4BD804D-C0E9-0586-50CA-8C99AE93F0AF}"/>
+                </a:ext>
+              </a:extLst>
+            </p:cNvPr>
+            <p:cNvSpPr txBox="1"/>
+            <p:nvPr/>
+          </p:nvSpPr>
+          <p:spPr>
+            <a:xfrm>
+              <a:off x="10112036" y="4441390"/>
+              <a:ext cx="1574804" cy="461665"/>
+            </a:xfrm>
+            <a:prstGeom prst="rect">
+              <a:avLst/>
+            </a:prstGeom>
+            <a:noFill/>
+          </p:spPr>
+          <p:txBody>
+            <a:bodyPr wrap="square" rtlCol="0">
+              <a:spAutoFit/>
+            </a:bodyPr>
+            <a:lstStyle/>
+            <a:p>
+              <a:pPr algn="ctr"/>
+              <a:r>
+                <a:rPr lang="en-US" sz="1200" dirty="0">
+                  <a:solidFill>
+                    <a:schemeClr val="bg1"/>
+                  </a:solidFill>
+                  <a:latin typeface="Ink Free" panose="03080402000500000000" pitchFamily="66" charset="0"/>
+                </a:rPr>
+                <a:t>Out-of-hospital death (censored)</a:t>
+              </a:r>
+              <a:endParaRPr lang="en-GB" sz="1200" dirty="0">
+                <a:solidFill>
+                  <a:schemeClr val="bg1"/>
+                </a:solidFill>
+                <a:latin typeface="Ink Free" panose="03080402000500000000" pitchFamily="66" charset="0"/>
+              </a:endParaRPr>
+            </a:p>
+          </p:txBody>
+        </p:sp>
+        <p:cxnSp>
+          <p:nvCxnSpPr>
+            <p:cNvPr id="42" name="Straight Connector 41">
+              <a:extLst>
+                <a:ext uri="{FF2B5EF4-FFF2-40B4-BE49-F238E27FC236}">
+                  <a16:creationId xmlns:a16="http://schemas.microsoft.com/office/drawing/2014/main" id="{148DB70E-ED42-8127-4455-E5544428176A}"/>
+                </a:ext>
+              </a:extLst>
+            </p:cNvPr>
+            <p:cNvCxnSpPr>
+              <a:cxnSpLocks/>
+            </p:cNvCxnSpPr>
+            <p:nvPr/>
+          </p:nvCxnSpPr>
+          <p:spPr>
+            <a:xfrm>
+              <a:off x="7472756" y="3250964"/>
+              <a:ext cx="0" cy="1724160"/>
+            </a:xfrm>
+            <a:prstGeom prst="line">
+              <a:avLst/>
+            </a:prstGeom>
+            <a:ln w="3175">
+              <a:solidFill>
+                <a:schemeClr val="bg1">
+                  <a:lumMod val="95000"/>
+                </a:schemeClr>
+              </a:solidFill>
+              <a:prstDash val="lgDashDot"/>
+            </a:ln>
+          </p:spPr>
+          <p:style>
+            <a:lnRef idx="1">
+              <a:schemeClr val="accent1"/>
+            </a:lnRef>
+            <a:fillRef idx="0">
+              <a:schemeClr val="accent1"/>
+            </a:fillRef>
+            <a:effectRef idx="0">
+              <a:schemeClr val="accent1"/>
+            </a:effectRef>
+            <a:fontRef idx="minor">
+              <a:schemeClr val="tx1"/>
+            </a:fontRef>
+          </p:style>
+        </p:cxnSp>
+        <p:cxnSp>
+          <p:nvCxnSpPr>
+            <p:cNvPr id="44" name="Straight Connector 43">
+              <a:extLst>
+                <a:ext uri="{FF2B5EF4-FFF2-40B4-BE49-F238E27FC236}">
+                  <a16:creationId xmlns:a16="http://schemas.microsoft.com/office/drawing/2014/main" id="{8377C2EA-AAB0-E03D-DE24-97CD47649760}"/>
+                </a:ext>
+              </a:extLst>
+            </p:cNvPr>
+            <p:cNvCxnSpPr>
+              <a:cxnSpLocks/>
+            </p:cNvCxnSpPr>
+            <p:nvPr/>
+          </p:nvCxnSpPr>
+          <p:spPr>
+            <a:xfrm>
+              <a:off x="7654727" y="4313788"/>
+              <a:ext cx="0" cy="661336"/>
+            </a:xfrm>
+            <a:prstGeom prst="line">
+              <a:avLst/>
+            </a:prstGeom>
+            <a:ln w="3175">
+              <a:solidFill>
+                <a:schemeClr val="bg1">
+                  <a:lumMod val="95000"/>
+                </a:schemeClr>
+              </a:solidFill>
+              <a:prstDash val="lgDashDot"/>
+            </a:ln>
+          </p:spPr>
+          <p:style>
+            <a:lnRef idx="1">
+              <a:schemeClr val="accent1"/>
+            </a:lnRef>
+            <a:fillRef idx="0">
+              <a:schemeClr val="accent1"/>
+            </a:fillRef>
+            <a:effectRef idx="0">
+              <a:schemeClr val="accent1"/>
+            </a:effectRef>
+            <a:fontRef idx="minor">
+              <a:schemeClr val="tx1"/>
+            </a:fontRef>
+          </p:style>
+        </p:cxnSp>
+        <p:cxnSp>
+          <p:nvCxnSpPr>
+            <p:cNvPr id="46" name="Straight Connector 45">
+              <a:extLst>
+                <a:ext uri="{FF2B5EF4-FFF2-40B4-BE49-F238E27FC236}">
+                  <a16:creationId xmlns:a16="http://schemas.microsoft.com/office/drawing/2014/main" id="{54516AC1-5C0E-F348-BEBA-276F97C8FDB9}"/>
+                </a:ext>
+              </a:extLst>
+            </p:cNvPr>
+            <p:cNvCxnSpPr>
+              <a:cxnSpLocks/>
+            </p:cNvCxnSpPr>
+            <p:nvPr/>
+          </p:nvCxnSpPr>
+          <p:spPr>
+            <a:xfrm>
+              <a:off x="8053869" y="3663034"/>
+              <a:ext cx="0" cy="1312090"/>
+            </a:xfrm>
+            <a:prstGeom prst="line">
+              <a:avLst/>
+            </a:prstGeom>
+            <a:ln w="3175">
+              <a:solidFill>
+                <a:schemeClr val="bg1">
+                  <a:lumMod val="95000"/>
+                </a:schemeClr>
+              </a:solidFill>
+              <a:prstDash val="lgDashDot"/>
+            </a:ln>
+          </p:spPr>
+          <p:style>
+            <a:lnRef idx="1">
+              <a:schemeClr val="accent1"/>
+            </a:lnRef>
+            <a:fillRef idx="0">
+              <a:schemeClr val="accent1"/>
+            </a:fillRef>
+            <a:effectRef idx="0">
+              <a:schemeClr val="accent1"/>
+            </a:effectRef>
+            <a:fontRef idx="minor">
+              <a:schemeClr val="tx1"/>
+            </a:fontRef>
+          </p:style>
+        </p:cxnSp>
+        <p:cxnSp>
+          <p:nvCxnSpPr>
+            <p:cNvPr id="49" name="Straight Arrow Connector 48">
+              <a:extLst>
+                <a:ext uri="{FF2B5EF4-FFF2-40B4-BE49-F238E27FC236}">
+                  <a16:creationId xmlns:a16="http://schemas.microsoft.com/office/drawing/2014/main" id="{4D38F8ED-58B2-9EED-5B2D-0AF85B85BDA4}"/>
+                </a:ext>
+              </a:extLst>
+            </p:cNvPr>
+            <p:cNvCxnSpPr>
+              <a:cxnSpLocks/>
+            </p:cNvCxnSpPr>
+            <p:nvPr/>
+          </p:nvCxnSpPr>
+          <p:spPr>
+            <a:xfrm>
+              <a:off x="9264952" y="3444464"/>
+              <a:ext cx="799141" cy="0"/>
+            </a:xfrm>
+            <a:prstGeom prst="straightConnector1">
+              <a:avLst/>
+            </a:prstGeom>
+            <a:ln>
+              <a:solidFill>
+                <a:schemeClr val="bg1">
+                  <a:lumMod val="95000"/>
+                </a:schemeClr>
+              </a:solidFill>
+              <a:headEnd type="triangle"/>
+              <a:tailEnd type="triangle"/>
+            </a:ln>
+          </p:spPr>
+          <p:style>
+            <a:lnRef idx="1">
+              <a:schemeClr val="accent1"/>
+            </a:lnRef>
+            <a:fillRef idx="0">
+              <a:schemeClr val="accent1"/>
+            </a:fillRef>
+            <a:effectRef idx="0">
+              <a:schemeClr val="accent1"/>
+            </a:effectRef>
+            <a:fontRef idx="minor">
+              <a:schemeClr val="tx1"/>
+            </a:fontRef>
+          </p:style>
+        </p:cxnSp>
+        <p:cxnSp>
+          <p:nvCxnSpPr>
+            <p:cNvPr id="53" name="Straight Arrow Connector 52">
+              <a:extLst>
+                <a:ext uri="{FF2B5EF4-FFF2-40B4-BE49-F238E27FC236}">
+                  <a16:creationId xmlns:a16="http://schemas.microsoft.com/office/drawing/2014/main" id="{04696016-5C81-7892-ADE1-9F419EF8096C}"/>
+                </a:ext>
+              </a:extLst>
+            </p:cNvPr>
+            <p:cNvCxnSpPr>
+              <a:cxnSpLocks/>
+            </p:cNvCxnSpPr>
+            <p:nvPr/>
+          </p:nvCxnSpPr>
+          <p:spPr>
+            <a:xfrm>
+              <a:off x="9693114" y="4085814"/>
+              <a:ext cx="799141" cy="0"/>
+            </a:xfrm>
+            <a:prstGeom prst="straightConnector1">
+              <a:avLst/>
+            </a:prstGeom>
+            <a:ln>
+              <a:solidFill>
+                <a:schemeClr val="bg1">
+                  <a:lumMod val="95000"/>
+                </a:schemeClr>
+              </a:solidFill>
+              <a:headEnd type="triangle"/>
+              <a:tailEnd type="triangle"/>
+            </a:ln>
+          </p:spPr>
+          <p:style>
+            <a:lnRef idx="1">
+              <a:schemeClr val="accent1"/>
+            </a:lnRef>
+            <a:fillRef idx="0">
+              <a:schemeClr val="accent1"/>
+            </a:fillRef>
+            <a:effectRef idx="0">
+              <a:schemeClr val="accent1"/>
+            </a:effectRef>
+            <a:fontRef idx="minor">
+              <a:schemeClr val="tx1"/>
+            </a:fontRef>
+          </p:style>
+        </p:cxnSp>
+        <p:sp>
+          <p:nvSpPr>
+            <p:cNvPr id="54" name="TextBox 53">
+              <a:extLst>
+                <a:ext uri="{FF2B5EF4-FFF2-40B4-BE49-F238E27FC236}">
+                  <a16:creationId xmlns:a16="http://schemas.microsoft.com/office/drawing/2014/main" id="{4C5D9D45-327E-887C-568C-C9B76FB56A00}"/>
+                </a:ext>
+              </a:extLst>
+            </p:cNvPr>
+            <p:cNvSpPr txBox="1"/>
+            <p:nvPr/>
+          </p:nvSpPr>
+          <p:spPr>
+            <a:xfrm>
+              <a:off x="9162384" y="3102876"/>
+              <a:ext cx="1009650" cy="430887"/>
+            </a:xfrm>
+            <a:prstGeom prst="rect">
+              <a:avLst/>
+            </a:prstGeom>
+            <a:noFill/>
+          </p:spPr>
+          <p:txBody>
+            <a:bodyPr wrap="square" rtlCol="0">
+              <a:spAutoFit/>
+            </a:bodyPr>
+            <a:lstStyle/>
+            <a:p>
+              <a:pPr algn="ctr"/>
+              <a:r>
+                <a:rPr lang="en-US" sz="1050" dirty="0">
+                  <a:solidFill>
+                    <a:schemeClr val="bg1"/>
+                  </a:solidFill>
+                  <a:latin typeface="Ink Free" panose="03080402000500000000" pitchFamily="66" charset="0"/>
+                </a:rPr>
+                <a:t>1 year since discharge</a:t>
+              </a:r>
+              <a:endParaRPr lang="en-GB" sz="1050" dirty="0">
+                <a:solidFill>
+                  <a:schemeClr val="bg1"/>
+                </a:solidFill>
+                <a:latin typeface="Ink Free" panose="03080402000500000000" pitchFamily="66" charset="0"/>
+              </a:endParaRPr>
+            </a:p>
+          </p:txBody>
+        </p:sp>
+        <p:sp>
+          <p:nvSpPr>
+            <p:cNvPr id="55" name="TextBox 54">
+              <a:extLst>
+                <a:ext uri="{FF2B5EF4-FFF2-40B4-BE49-F238E27FC236}">
+                  <a16:creationId xmlns:a16="http://schemas.microsoft.com/office/drawing/2014/main" id="{4E2C6470-5470-0860-413F-118740E68262}"/>
+                </a:ext>
+              </a:extLst>
+            </p:cNvPr>
+            <p:cNvSpPr txBox="1"/>
+            <p:nvPr/>
+          </p:nvSpPr>
+          <p:spPr>
+            <a:xfrm>
+              <a:off x="9598945" y="3743216"/>
+              <a:ext cx="1009650" cy="430887"/>
+            </a:xfrm>
+            <a:prstGeom prst="rect">
+              <a:avLst/>
+            </a:prstGeom>
+            <a:noFill/>
+          </p:spPr>
+          <p:txBody>
+            <a:bodyPr wrap="square" rtlCol="0">
+              <a:spAutoFit/>
+            </a:bodyPr>
+            <a:lstStyle/>
+            <a:p>
+              <a:pPr algn="ctr"/>
+              <a:r>
+                <a:rPr lang="en-US" sz="1050" dirty="0">
+                  <a:solidFill>
+                    <a:schemeClr val="bg1"/>
+                  </a:solidFill>
+                  <a:latin typeface="Ink Free" panose="03080402000500000000" pitchFamily="66" charset="0"/>
+                </a:rPr>
+                <a:t>1 year since discharge</a:t>
+              </a:r>
+              <a:endParaRPr lang="en-GB" sz="1050" dirty="0">
+                <a:solidFill>
+                  <a:schemeClr val="bg1"/>
+                </a:solidFill>
+                <a:latin typeface="Ink Free" panose="03080402000500000000" pitchFamily="66" charset="0"/>
+              </a:endParaRPr>
+            </a:p>
+          </p:txBody>
+        </p:sp>
+        <p:sp>
+          <p:nvSpPr>
+            <p:cNvPr id="56" name="TextBox 55">
+              <a:extLst>
+                <a:ext uri="{FF2B5EF4-FFF2-40B4-BE49-F238E27FC236}">
+                  <a16:creationId xmlns:a16="http://schemas.microsoft.com/office/drawing/2014/main" id="{8D5A1DA9-D740-F13E-4502-967591FBD359}"/>
+                </a:ext>
+              </a:extLst>
+            </p:cNvPr>
+            <p:cNvSpPr txBox="1"/>
+            <p:nvPr/>
+          </p:nvSpPr>
+          <p:spPr>
+            <a:xfrm>
+              <a:off x="8763216" y="4906411"/>
+              <a:ext cx="1009650" cy="253916"/>
+            </a:xfrm>
+            <a:prstGeom prst="rect">
+              <a:avLst/>
+            </a:prstGeom>
+            <a:noFill/>
+          </p:spPr>
+          <p:txBody>
+            <a:bodyPr wrap="square" rtlCol="0">
+              <a:spAutoFit/>
+            </a:bodyPr>
+            <a:lstStyle/>
+            <a:p>
+              <a:pPr algn="ctr"/>
+              <a:r>
+                <a:rPr lang="en-US" sz="1050" dirty="0">
+                  <a:solidFill>
+                    <a:schemeClr val="bg1"/>
+                  </a:solidFill>
+                  <a:latin typeface="Ink Free" panose="03080402000500000000" pitchFamily="66" charset="0"/>
+                </a:rPr>
+                <a:t>Timeline</a:t>
+              </a:r>
+              <a:endParaRPr lang="en-GB" sz="1050" dirty="0">
+                <a:solidFill>
+                  <a:schemeClr val="bg1"/>
+                </a:solidFill>
+                <a:latin typeface="Ink Free" panose="03080402000500000000" pitchFamily="66" charset="0"/>
+              </a:endParaRPr>
+            </a:p>
+          </p:txBody>
+        </p:sp>
+        <p:sp>
+          <p:nvSpPr>
+            <p:cNvPr id="57" name="TextBox 56">
+              <a:extLst>
+                <a:ext uri="{FF2B5EF4-FFF2-40B4-BE49-F238E27FC236}">
+                  <a16:creationId xmlns:a16="http://schemas.microsoft.com/office/drawing/2014/main" id="{45A816CE-DEBD-0C2B-F4A2-0624EE667194}"/>
+                </a:ext>
+              </a:extLst>
+            </p:cNvPr>
+            <p:cNvSpPr txBox="1"/>
+            <p:nvPr/>
+          </p:nvSpPr>
+          <p:spPr>
+            <a:xfrm rot="16200000">
+              <a:off x="6299002" y="3675925"/>
+              <a:ext cx="1356328" cy="253916"/>
+            </a:xfrm>
+            <a:prstGeom prst="rect">
+              <a:avLst/>
+            </a:prstGeom>
+            <a:noFill/>
+          </p:spPr>
+          <p:txBody>
+            <a:bodyPr wrap="square" rtlCol="0">
+              <a:spAutoFit/>
+            </a:bodyPr>
+            <a:lstStyle/>
+            <a:p>
+              <a:pPr algn="ctr"/>
+              <a:r>
+                <a:rPr lang="en-US" sz="1050" dirty="0">
+                  <a:solidFill>
+                    <a:schemeClr val="bg1"/>
+                  </a:solidFill>
+                  <a:latin typeface="Ink Free" panose="03080402000500000000" pitchFamily="66" charset="0"/>
+                </a:rPr>
+                <a:t>Patient journeys</a:t>
+              </a:r>
+              <a:endParaRPr lang="en-GB" sz="1050" dirty="0">
+                <a:solidFill>
+                  <a:schemeClr val="bg1"/>
+                </a:solidFill>
+                <a:latin typeface="Ink Free" panose="03080402000500000000" pitchFamily="66" charset="0"/>
+              </a:endParaRPr>
+            </a:p>
+          </p:txBody>
+        </p:sp>
+      </p:grpSp>
       <p:cxnSp>
         <p:nvCxnSpPr>
           <p:cNvPr id="6" name="Straight Connector 5">
@@ -13639,6 +13435,176 @@
           </a:fontRef>
         </p:style>
       </p:cxnSp>
+      <p:sp>
+        <p:nvSpPr>
+          <p:cNvPr id="8" name="TextBox 7">
+            <a:extLst>
+              <a:ext uri="{FF2B5EF4-FFF2-40B4-BE49-F238E27FC236}">
+                <a16:creationId xmlns:a16="http://schemas.microsoft.com/office/drawing/2014/main" id="{CEA60416-AA9F-D3B5-F073-90F6E9098A28}"/>
+              </a:ext>
+            </a:extLst>
+          </p:cNvPr>
+          <p:cNvSpPr txBox="1"/>
+          <p:nvPr/>
+        </p:nvSpPr>
+        <p:spPr>
+          <a:xfrm>
+            <a:off x="2199057" y="2880569"/>
+            <a:ext cx="6097136" cy="1200329"/>
+          </a:xfrm>
+          <a:prstGeom prst="rect">
+            <a:avLst/>
+          </a:prstGeom>
+          <a:noFill/>
+        </p:spPr>
+        <p:txBody>
+          <a:bodyPr wrap="square">
+            <a:spAutoFit/>
+          </a:bodyPr>
+          <a:lstStyle/>
+          <a:p>
+            <a:pPr algn="just"/>
+            <a:r>
+              <a:rPr lang="en-US" sz="1800" u="sng" dirty="0">
+                <a:solidFill>
+                  <a:schemeClr val="bg1"/>
+                </a:solidFill>
+                <a:latin typeface="Bookman Old Style" panose="02050604050505020204" pitchFamily="18" charset="0"/>
+              </a:rPr>
+              <a:t>Setup </a:t>
+            </a:r>
+            <a:r>
+              <a:rPr lang="en-US" sz="1800" dirty="0">
+                <a:solidFill>
+                  <a:schemeClr val="bg1"/>
+                </a:solidFill>
+                <a:latin typeface="Bookman Old Style" panose="02050604050505020204" pitchFamily="18" charset="0"/>
+              </a:rPr>
+              <a:t>(see: </a:t>
+            </a:r>
+            <a:r>
+              <a:rPr lang="en-US" sz="1800" dirty="0" err="1">
+                <a:solidFill>
+                  <a:schemeClr val="bg1"/>
+                </a:solidFill>
+                <a:latin typeface="Bookman Old Style" panose="02050604050505020204" pitchFamily="18" charset="0"/>
+                <a:hlinkClick r:id="rId3">
+                  <a:extLst>
+                    <a:ext uri="{A12FA001-AC4F-418D-AE19-62706E023703}">
+                      <ahyp:hlinkClr xmlns:ahyp="http://schemas.microsoft.com/office/drawing/2018/hyperlinkcolor" val="tx"/>
+                    </a:ext>
+                  </a:extLst>
+                </a:hlinkClick>
+              </a:rPr>
+              <a:t>github</a:t>
+            </a:r>
+            <a:r>
+              <a:rPr lang="en-US" sz="1800" dirty="0">
+                <a:solidFill>
+                  <a:schemeClr val="bg1"/>
+                </a:solidFill>
+                <a:latin typeface="Bookman Old Style" panose="02050604050505020204" pitchFamily="18" charset="0"/>
+              </a:rPr>
+              <a:t>)</a:t>
+            </a:r>
+            <a:endParaRPr lang="en-US" sz="1800" u="sng" dirty="0">
+              <a:solidFill>
+                <a:schemeClr val="bg1"/>
+              </a:solidFill>
+              <a:latin typeface="Bookman Old Style" panose="02050604050505020204" pitchFamily="18" charset="0"/>
+            </a:endParaRPr>
+          </a:p>
+          <a:p>
+            <a:pPr marL="285750" indent="-285750" algn="just">
+              <a:buFont typeface="Arial" panose="020B0604020202020204" pitchFamily="34" charset="0"/>
+              <a:buChar char="•"/>
+            </a:pPr>
+            <a:r>
+              <a:rPr lang="en-US" sz="1800" dirty="0">
+                <a:solidFill>
+                  <a:schemeClr val="bg1"/>
+                </a:solidFill>
+                <a:latin typeface="Bookman Old Style" panose="02050604050505020204" pitchFamily="18" charset="0"/>
+              </a:rPr>
+              <a:t>Local </a:t>
+            </a:r>
+            <a:r>
+              <a:rPr lang="en-US" sz="1800" dirty="0" err="1">
+                <a:solidFill>
+                  <a:schemeClr val="bg1"/>
+                </a:solidFill>
+                <a:latin typeface="Bookman Old Style" panose="02050604050505020204" pitchFamily="18" charset="0"/>
+              </a:rPr>
+              <a:t>postgres</a:t>
+            </a:r>
+            <a:r>
+              <a:rPr lang="en-US" sz="1800" dirty="0">
+                <a:solidFill>
+                  <a:schemeClr val="bg1"/>
+                </a:solidFill>
+                <a:latin typeface="Bookman Old Style" panose="02050604050505020204" pitchFamily="18" charset="0"/>
+              </a:rPr>
+              <a:t> server</a:t>
+            </a:r>
+          </a:p>
+          <a:p>
+            <a:pPr marL="285750" indent="-285750" algn="just">
+              <a:buFont typeface="Arial" panose="020B0604020202020204" pitchFamily="34" charset="0"/>
+              <a:buChar char="•"/>
+            </a:pPr>
+            <a:r>
+              <a:rPr lang="en-US" sz="1800" dirty="0">
+                <a:solidFill>
+                  <a:schemeClr val="bg1"/>
+                </a:solidFill>
+                <a:latin typeface="Bookman Old Style" panose="02050604050505020204" pitchFamily="18" charset="0"/>
+              </a:rPr>
+              <a:t>Python to query</a:t>
+            </a:r>
+          </a:p>
+          <a:p>
+            <a:pPr marL="285750" indent="-285750" algn="just">
+              <a:buFont typeface="Arial" panose="020B0604020202020204" pitchFamily="34" charset="0"/>
+              <a:buChar char="•"/>
+            </a:pPr>
+            <a:r>
+              <a:rPr lang="en-US" b="0" i="0" dirty="0" err="1">
+                <a:solidFill>
+                  <a:schemeClr val="bg1"/>
+                </a:solidFill>
+                <a:effectLst/>
+                <a:latin typeface="Bookman Old Style" panose="02050604050505020204" pitchFamily="18" charset="0"/>
+              </a:rPr>
+              <a:t>Py</a:t>
+            </a:r>
+            <a:r>
+              <a:rPr lang="en-US" dirty="0" err="1">
+                <a:solidFill>
+                  <a:schemeClr val="bg1"/>
+                </a:solidFill>
+                <a:latin typeface="Bookman Old Style" panose="02050604050505020204" pitchFamily="18" charset="0"/>
+              </a:rPr>
+              <a:t>Torch</a:t>
+            </a:r>
+            <a:r>
+              <a:rPr lang="en-US" dirty="0">
+                <a:solidFill>
+                  <a:schemeClr val="bg1"/>
+                </a:solidFill>
+                <a:latin typeface="Bookman Old Style" panose="02050604050505020204" pitchFamily="18" charset="0"/>
+              </a:rPr>
+              <a:t> for Deep Learning</a:t>
+            </a:r>
+            <a:endParaRPr lang="en-US" sz="1800" b="0" i="0" dirty="0">
+              <a:solidFill>
+                <a:schemeClr val="bg1"/>
+              </a:solidFill>
+              <a:effectLst/>
+              <a:latin typeface="Bookman Old Style" panose="02050604050505020204" pitchFamily="18" charset="0"/>
+            </a:endParaRPr>
+          </a:p>
+        </p:txBody>
+      </p:sp>
     </p:spTree>
     <p:extLst>
       <p:ext uri="{BB962C8B-B14F-4D97-AF65-F5344CB8AC3E}">
@@ -23754,8 +23720,8 @@
           </a:p>
         </p:txBody>
       </p:sp>
-      <mc:AlternateContent xmlns:mc="http://schemas.openxmlformats.org/markup-compatibility/2006" xmlns:a14="http://schemas.microsoft.com/office/drawing/2010/main">
-        <mc:Choice Requires="a14">
+      <mc:AlternateContent xmlns:mc="http://schemas.openxmlformats.org/markup-compatibility/2006">
+        <mc:Choice xmlns:a14="http://schemas.microsoft.com/office/drawing/2010/main" Requires="a14">
           <p:sp>
             <p:nvSpPr>
               <p:cNvPr id="426" name="TextBox 425">
@@ -23770,7 +23736,7 @@
             </p:nvSpPr>
             <p:spPr>
               <a:xfrm>
-                <a:off x="1464490" y="5347510"/>
+                <a:off x="2153703" y="5347510"/>
                 <a:ext cx="2359236" cy="788486"/>
               </a:xfrm>
               <a:prstGeom prst="rect">
@@ -23997,7 +23963,7 @@
             </p:txBody>
           </p:sp>
         </mc:Choice>
-        <mc:Fallback xmlns="">
+        <mc:Fallback>
           <p:sp>
             <p:nvSpPr>
               <p:cNvPr id="426" name="TextBox 425">
@@ -24014,7 +23980,7 @@
             </p:nvSpPr>
             <p:spPr>
               <a:xfrm>
-                <a:off x="1464490" y="5347510"/>
+                <a:off x="2153703" y="5347510"/>
                 <a:ext cx="2359236" cy="788486"/>
               </a:xfrm>
               <a:prstGeom prst="rect">
@@ -24057,7 +24023,7 @@
         <p:spPr>
           <a:xfrm>
             <a:off x="881635" y="4926098"/>
-            <a:ext cx="3896760" cy="338554"/>
+            <a:ext cx="4740854" cy="338554"/>
           </a:xfrm>
           <a:prstGeom prst="rect">
             <a:avLst/>
@@ -24078,7 +24044,7 @@
                 </a:solidFill>
                 <a:latin typeface="Bookman Old Style" panose="02050604050505020204" pitchFamily="18" charset="0"/>
               </a:rPr>
-              <a:t>Survival from cumulative hazards [8]</a:t>
+              <a:t>Survival from cumulative discrete hazards [8]</a:t>
             </a:r>
             <a:endParaRPr lang="en-US" sz="1600" b="0" i="0" dirty="0">
               <a:solidFill>
@@ -24874,7 +24840,7 @@
         </p:nvSpPr>
         <p:spPr>
           <a:xfrm>
-            <a:off x="581980" y="1640793"/>
+            <a:off x="581980" y="2705320"/>
             <a:ext cx="3289263" cy="369332"/>
           </a:xfrm>
           <a:prstGeom prst="rect">
@@ -24920,7 +24886,7 @@
         </p:nvSpPr>
         <p:spPr>
           <a:xfrm>
-            <a:off x="4399101" y="1640793"/>
+            <a:off x="4399101" y="2705320"/>
             <a:ext cx="3289263" cy="369332"/>
           </a:xfrm>
           <a:prstGeom prst="rect">
@@ -24966,7 +24932,7 @@
         </p:nvSpPr>
         <p:spPr>
           <a:xfrm>
-            <a:off x="8216223" y="1640793"/>
+            <a:off x="8216223" y="2705320"/>
             <a:ext cx="3289263" cy="369332"/>
           </a:xfrm>
           <a:prstGeom prst="rect">
@@ -25012,7 +24978,7 @@
         </p:nvSpPr>
         <p:spPr>
           <a:xfrm>
-            <a:off x="581980" y="2461190"/>
+            <a:off x="581980" y="3525717"/>
             <a:ext cx="3393801" cy="738664"/>
           </a:xfrm>
           <a:prstGeom prst="rect">
@@ -25080,7 +25046,7 @@
         </p:nvSpPr>
         <p:spPr>
           <a:xfrm>
-            <a:off x="4399100" y="2461190"/>
+            <a:off x="4399100" y="3525717"/>
             <a:ext cx="3289263" cy="523220"/>
           </a:xfrm>
           <a:prstGeom prst="rect">
@@ -25146,7 +25112,7 @@
         </p:nvSpPr>
         <p:spPr>
           <a:xfrm>
-            <a:off x="8216220" y="2461190"/>
+            <a:off x="8216220" y="3525717"/>
             <a:ext cx="3289263" cy="523220"/>
           </a:xfrm>
           <a:prstGeom prst="rect">
@@ -25274,7 +25240,7 @@
           <p:nvPr>
             <p:extLst>
               <p:ext uri="{D42A27DB-BD31-4B8C-83A1-F6EECF244321}">
-                <p14:modId xmlns:p14="http://schemas.microsoft.com/office/powerpoint/2010/main" val="2382505110"/>
+                <p14:modId xmlns:p14="http://schemas.microsoft.com/office/powerpoint/2010/main" val="1962395915"/>
               </p:ext>
             </p:extLst>
           </p:nvPr>
@@ -25290,14 +25256,14 @@
                 <a:tableStyleId>{2D5ABB26-0587-4C30-8999-92F81FD0307C}</a:tableStyleId>
               </a:tblPr>
               <a:tblGrid>
-                <a:gridCol w="2520143">
+                <a:gridCol w="2339260">
                   <a:extLst>
                     <a:ext uri="{9D8B030D-6E8A-4147-A177-3AD203B41FA5}">
                       <a16:colId xmlns:a16="http://schemas.microsoft.com/office/drawing/2014/main" val="2219782597"/>
                     </a:ext>
                   </a:extLst>
                 </a:gridCol>
-                <a:gridCol w="2416493">
+                <a:gridCol w="2597376">
                   <a:extLst>
                     <a:ext uri="{9D8B030D-6E8A-4147-A177-3AD203B41FA5}">
                       <a16:colId xmlns:a16="http://schemas.microsoft.com/office/drawing/2014/main" val="1897785242"/>
@@ -25381,7 +25347,7 @@
                           </a:solidFill>
                           <a:latin typeface="Bookman Old Style" panose="02050604050505020204" pitchFamily="18" charset="0"/>
                         </a:rPr>
-                        <a:t>C-index (0.05 , 0.95)</a:t>
+                        <a:t>C-index* (0.05 , 0.95)</a:t>
                       </a:r>
                       <a:endParaRPr lang="en-GB" sz="1600" b="1" dirty="0">
                         <a:solidFill>
@@ -25436,7 +25402,7 @@
                           </a:solidFill>
                           <a:latin typeface="Bookman Old Style" panose="02050604050505020204" pitchFamily="18" charset="0"/>
                         </a:rPr>
-                        <a:t>IBS (0.05 , 0.95)</a:t>
+                        <a:t>IBS** (0.05 , 0.95)</a:t>
                       </a:r>
                       <a:endParaRPr lang="en-GB" sz="1600" b="1" dirty="0">
                         <a:solidFill>
@@ -25756,9 +25722,9 @@
                     <a:p>
                       <a:pPr algn="ctr"/>
                       <a:r>
-                        <a:rPr lang="en-GB" sz="1100" b="1" i="1" dirty="0">
+                        <a:rPr lang="en-GB" sz="1100" b="0" i="0" dirty="0">
                           <a:solidFill>
-                            <a:schemeClr val="accent6"/>
+                            <a:schemeClr val="bg1"/>
                           </a:solidFill>
                           <a:latin typeface="Bookman Old Style" panose="02050604050505020204" pitchFamily="18" charset="0"/>
                         </a:rPr>
@@ -26676,6 +26642,170 @@
           </a:p>
         </p:txBody>
       </p:sp>
+      <p:cxnSp>
+        <p:nvCxnSpPr>
+          <p:cNvPr id="2" name="Straight Connector 1">
+            <a:extLst>
+              <a:ext uri="{FF2B5EF4-FFF2-40B4-BE49-F238E27FC236}">
+                <a16:creationId xmlns:a16="http://schemas.microsoft.com/office/drawing/2014/main" id="{9FA2CE55-0347-31F3-51B1-ED3368FED1C2}"/>
+              </a:ext>
+            </a:extLst>
+          </p:cNvPr>
+          <p:cNvCxnSpPr>
+            <a:cxnSpLocks/>
+          </p:cNvCxnSpPr>
+          <p:nvPr/>
+        </p:nvCxnSpPr>
+        <p:spPr>
+          <a:xfrm>
+            <a:off x="658894" y="6099023"/>
+            <a:ext cx="10923506" cy="0"/>
+          </a:xfrm>
+          <a:prstGeom prst="line">
+            <a:avLst/>
+          </a:prstGeom>
+          <a:ln>
+            <a:solidFill>
+              <a:schemeClr val="bg1"/>
+            </a:solidFill>
+          </a:ln>
+        </p:spPr>
+        <p:style>
+          <a:lnRef idx="1">
+            <a:schemeClr val="accent1"/>
+          </a:lnRef>
+          <a:fillRef idx="0">
+            <a:schemeClr val="accent1"/>
+          </a:fillRef>
+          <a:effectRef idx="0">
+            <a:schemeClr val="accent1"/>
+          </a:effectRef>
+          <a:fontRef idx="minor">
+            <a:schemeClr val="tx1"/>
+          </a:fontRef>
+        </p:style>
+      </p:cxnSp>
+      <p:sp>
+        <p:nvSpPr>
+          <p:cNvPr id="4" name="TextBox 3">
+            <a:extLst>
+              <a:ext uri="{FF2B5EF4-FFF2-40B4-BE49-F238E27FC236}">
+                <a16:creationId xmlns:a16="http://schemas.microsoft.com/office/drawing/2014/main" id="{84B4E3E8-36F2-A559-6AF2-3AA032BDDF49}"/>
+              </a:ext>
+            </a:extLst>
+          </p:cNvPr>
+          <p:cNvSpPr txBox="1"/>
+          <p:nvPr/>
+        </p:nvSpPr>
+        <p:spPr>
+          <a:xfrm>
+            <a:off x="547141" y="6090478"/>
+            <a:ext cx="11035259" cy="553998"/>
+          </a:xfrm>
+          <a:prstGeom prst="rect">
+            <a:avLst/>
+          </a:prstGeom>
+          <a:noFill/>
+        </p:spPr>
+        <p:txBody>
+          <a:bodyPr wrap="square" rtlCol="0">
+            <a:spAutoFit/>
+          </a:bodyPr>
+          <a:lstStyle/>
+          <a:p>
+            <a:r>
+              <a:rPr lang="en-US" sz="1000" dirty="0">
+                <a:solidFill>
+                  <a:schemeClr val="bg1">
+                    <a:lumMod val="50000"/>
+                  </a:schemeClr>
+                </a:solidFill>
+                <a:latin typeface="Bookman Old Style" panose="02050604050505020204" pitchFamily="18" charset="0"/>
+              </a:rPr>
+              <a:t>* H. Uno, T. Cai, M. J. </a:t>
+            </a:r>
+            <a:r>
+              <a:rPr lang="en-US" sz="1000" dirty="0" err="1">
+                <a:solidFill>
+                  <a:schemeClr val="bg1">
+                    <a:lumMod val="50000"/>
+                  </a:schemeClr>
+                </a:solidFill>
+                <a:latin typeface="Bookman Old Style" panose="02050604050505020204" pitchFamily="18" charset="0"/>
+              </a:rPr>
+              <a:t>Pencina</a:t>
+            </a:r>
+            <a:r>
+              <a:rPr lang="en-US" sz="1000" dirty="0">
+                <a:solidFill>
+                  <a:schemeClr val="bg1">
+                    <a:lumMod val="50000"/>
+                  </a:schemeClr>
+                </a:solidFill>
+                <a:latin typeface="Bookman Old Style" panose="02050604050505020204" pitchFamily="18" charset="0"/>
+              </a:rPr>
+              <a:t>, R. B. D’Agostino, and L. J. Wei, On the c-statistics for evaluating overall adequacy of risk prediction procedures with censored survival data, Statistics in Medicine 30, 1105–1117 (2011).</a:t>
+            </a:r>
+          </a:p>
+          <a:p>
+            <a:r>
+              <a:rPr lang="en-US" sz="1000" dirty="0">
+                <a:solidFill>
+                  <a:schemeClr val="bg1">
+                    <a:lumMod val="50000"/>
+                  </a:schemeClr>
+                </a:solidFill>
+                <a:latin typeface="Bookman Old Style" panose="02050604050505020204" pitchFamily="18" charset="0"/>
+              </a:rPr>
+              <a:t>** E. Graf, C. </a:t>
+            </a:r>
+            <a:r>
+              <a:rPr lang="en-US" sz="1000" dirty="0" err="1">
+                <a:solidFill>
+                  <a:schemeClr val="bg1">
+                    <a:lumMod val="50000"/>
+                  </a:schemeClr>
+                </a:solidFill>
+                <a:latin typeface="Bookman Old Style" panose="02050604050505020204" pitchFamily="18" charset="0"/>
+              </a:rPr>
+              <a:t>Schmoor</a:t>
+            </a:r>
+            <a:r>
+              <a:rPr lang="en-US" sz="1000" dirty="0">
+                <a:solidFill>
+                  <a:schemeClr val="bg1">
+                    <a:lumMod val="50000"/>
+                  </a:schemeClr>
+                </a:solidFill>
+                <a:latin typeface="Bookman Old Style" panose="02050604050505020204" pitchFamily="18" charset="0"/>
+              </a:rPr>
+              <a:t>, W. </a:t>
+            </a:r>
+            <a:r>
+              <a:rPr lang="en-US" sz="1000" dirty="0" err="1">
+                <a:solidFill>
+                  <a:schemeClr val="bg1">
+                    <a:lumMod val="50000"/>
+                  </a:schemeClr>
+                </a:solidFill>
+                <a:latin typeface="Bookman Old Style" panose="02050604050505020204" pitchFamily="18" charset="0"/>
+              </a:rPr>
+              <a:t>Sauerbrei</a:t>
+            </a:r>
+            <a:r>
+              <a:rPr lang="en-US" sz="1000" dirty="0">
+                <a:solidFill>
+                  <a:schemeClr val="bg1">
+                    <a:lumMod val="50000"/>
+                  </a:schemeClr>
+                </a:solidFill>
+                <a:latin typeface="Bookman Old Style" panose="02050604050505020204" pitchFamily="18" charset="0"/>
+              </a:rPr>
+              <a:t>, and M. Schumacher, Assessment and comparison of prognostic classification schemes for survival data, Statistics in Medicine (1999).</a:t>
+            </a:r>
+          </a:p>
+        </p:txBody>
+      </p:sp>
     </p:spTree>
     <p:extLst>
       <p:ext uri="{BB962C8B-B14F-4D97-AF65-F5344CB8AC3E}">
@@ -26928,6 +27058,93 @@
               </a:rPr>
               <a:t>Results are subject to slight change in final submission of report</a:t>
             </a:r>
+          </a:p>
+        </p:txBody>
+      </p:sp>
+      <p:cxnSp>
+        <p:nvCxnSpPr>
+          <p:cNvPr id="5" name="Connector: Curved 4">
+            <a:extLst>
+              <a:ext uri="{FF2B5EF4-FFF2-40B4-BE49-F238E27FC236}">
+                <a16:creationId xmlns:a16="http://schemas.microsoft.com/office/drawing/2014/main" id="{7137D189-5E73-6B64-EC5F-D8FE9B6A3C25}"/>
+              </a:ext>
+            </a:extLst>
+          </p:cNvPr>
+          <p:cNvCxnSpPr>
+            <a:cxnSpLocks/>
+          </p:cNvCxnSpPr>
+          <p:nvPr/>
+        </p:nvCxnSpPr>
+        <p:spPr>
+          <a:xfrm rot="5400000">
+            <a:off x="8482087" y="4292222"/>
+            <a:ext cx="1064520" cy="368488"/>
+          </a:xfrm>
+          <a:prstGeom prst="curvedConnector3">
+            <a:avLst>
+              <a:gd name="adj1" fmla="val -25000"/>
+            </a:avLst>
+          </a:prstGeom>
+          <a:ln>
+            <a:solidFill>
+              <a:schemeClr val="tx1"/>
+            </a:solidFill>
+            <a:tailEnd type="triangle"/>
+          </a:ln>
+        </p:spPr>
+        <p:style>
+          <a:lnRef idx="1">
+            <a:schemeClr val="accent1"/>
+          </a:lnRef>
+          <a:fillRef idx="0">
+            <a:schemeClr val="accent1"/>
+          </a:fillRef>
+          <a:effectRef idx="0">
+            <a:schemeClr val="accent1"/>
+          </a:effectRef>
+          <a:fontRef idx="minor">
+            <a:schemeClr val="tx1"/>
+          </a:fontRef>
+        </p:style>
+      </p:cxnSp>
+      <p:sp>
+        <p:nvSpPr>
+          <p:cNvPr id="15" name="TextBox 14">
+            <a:extLst>
+              <a:ext uri="{FF2B5EF4-FFF2-40B4-BE49-F238E27FC236}">
+                <a16:creationId xmlns:a16="http://schemas.microsoft.com/office/drawing/2014/main" id="{84321D0F-044A-BDC6-23D4-C8D6349C4115}"/>
+              </a:ext>
+            </a:extLst>
+          </p:cNvPr>
+          <p:cNvSpPr txBox="1"/>
+          <p:nvPr/>
+        </p:nvSpPr>
+        <p:spPr>
+          <a:xfrm>
+            <a:off x="8906786" y="3828200"/>
+            <a:ext cx="1044053" cy="646331"/>
+          </a:xfrm>
+          <a:prstGeom prst="rect">
+            <a:avLst/>
+          </a:prstGeom>
+          <a:noFill/>
+        </p:spPr>
+        <p:txBody>
+          <a:bodyPr wrap="square" rtlCol="0">
+            <a:spAutoFit/>
+          </a:bodyPr>
+          <a:lstStyle/>
+          <a:p>
+            <a:pPr algn="ctr"/>
+            <a:r>
+              <a:rPr lang="en-US" sz="1200" dirty="0">
+                <a:latin typeface="Ink Free" panose="03080402000500000000" pitchFamily="66" charset="0"/>
+              </a:rPr>
+              <a:t>Cox Proportional Hazards</a:t>
+            </a:r>
+            <a:endParaRPr lang="en-GB" sz="1200" dirty="0">
+              <a:latin typeface="Ink Free" panose="03080402000500000000" pitchFamily="66" charset="0"/>
+            </a:endParaRPr>
           </a:p>
         </p:txBody>
       </p:sp>

--- a/presentations/powerpoint_presentation/my_presentation.pptx
+++ b/presentations/powerpoint_presentation/my_presentation.pptx
@@ -250,7 +250,7 @@
           <a:p>
             <a:fld id="{CA024827-C890-46DF-AE44-0BCEFEEF6005}" type="datetimeFigureOut">
               <a:rPr lang="en-GB" smtClean="0"/>
-              <a:t>11/08/2023</a:t>
+              <a:t>14/08/2023</a:t>
             </a:fld>
             <a:endParaRPr lang="en-GB"/>
           </a:p>
@@ -1267,7 +1267,7 @@
           <a:p>
             <a:fld id="{FAC75D48-CC08-48B4-B703-750190F693E3}" type="datetimeFigureOut">
               <a:rPr lang="en-GB" smtClean="0"/>
-              <a:t>11/08/2023</a:t>
+              <a:t>14/08/2023</a:t>
             </a:fld>
             <a:endParaRPr lang="en-GB"/>
           </a:p>
@@ -1467,7 +1467,7 @@
           <a:p>
             <a:fld id="{FAC75D48-CC08-48B4-B703-750190F693E3}" type="datetimeFigureOut">
               <a:rPr lang="en-GB" smtClean="0"/>
-              <a:t>11/08/2023</a:t>
+              <a:t>14/08/2023</a:t>
             </a:fld>
             <a:endParaRPr lang="en-GB"/>
           </a:p>
@@ -1677,7 +1677,7 @@
           <a:p>
             <a:fld id="{FAC75D48-CC08-48B4-B703-750190F693E3}" type="datetimeFigureOut">
               <a:rPr lang="en-GB" smtClean="0"/>
-              <a:t>11/08/2023</a:t>
+              <a:t>14/08/2023</a:t>
             </a:fld>
             <a:endParaRPr lang="en-GB"/>
           </a:p>
@@ -1877,7 +1877,7 @@
           <a:p>
             <a:fld id="{FAC75D48-CC08-48B4-B703-750190F693E3}" type="datetimeFigureOut">
               <a:rPr lang="en-GB" smtClean="0"/>
-              <a:t>11/08/2023</a:t>
+              <a:t>14/08/2023</a:t>
             </a:fld>
             <a:endParaRPr lang="en-GB"/>
           </a:p>
@@ -2153,7 +2153,7 @@
           <a:p>
             <a:fld id="{FAC75D48-CC08-48B4-B703-750190F693E3}" type="datetimeFigureOut">
               <a:rPr lang="en-GB" smtClean="0"/>
-              <a:t>11/08/2023</a:t>
+              <a:t>14/08/2023</a:t>
             </a:fld>
             <a:endParaRPr lang="en-GB"/>
           </a:p>
@@ -2421,7 +2421,7 @@
           <a:p>
             <a:fld id="{FAC75D48-CC08-48B4-B703-750190F693E3}" type="datetimeFigureOut">
               <a:rPr lang="en-GB" smtClean="0"/>
-              <a:t>11/08/2023</a:t>
+              <a:t>14/08/2023</a:t>
             </a:fld>
             <a:endParaRPr lang="en-GB"/>
           </a:p>
@@ -2836,7 +2836,7 @@
           <a:p>
             <a:fld id="{FAC75D48-CC08-48B4-B703-750190F693E3}" type="datetimeFigureOut">
               <a:rPr lang="en-GB" smtClean="0"/>
-              <a:t>11/08/2023</a:t>
+              <a:t>14/08/2023</a:t>
             </a:fld>
             <a:endParaRPr lang="en-GB"/>
           </a:p>
@@ -2978,7 +2978,7 @@
           <a:p>
             <a:fld id="{FAC75D48-CC08-48B4-B703-750190F693E3}" type="datetimeFigureOut">
               <a:rPr lang="en-GB" smtClean="0"/>
-              <a:t>11/08/2023</a:t>
+              <a:t>14/08/2023</a:t>
             </a:fld>
             <a:endParaRPr lang="en-GB"/>
           </a:p>
@@ -3091,7 +3091,7 @@
           <a:p>
             <a:fld id="{FAC75D48-CC08-48B4-B703-750190F693E3}" type="datetimeFigureOut">
               <a:rPr lang="en-GB" smtClean="0"/>
-              <a:t>11/08/2023</a:t>
+              <a:t>14/08/2023</a:t>
             </a:fld>
             <a:endParaRPr lang="en-GB"/>
           </a:p>
@@ -3404,7 +3404,7 @@
           <a:p>
             <a:fld id="{FAC75D48-CC08-48B4-B703-750190F693E3}" type="datetimeFigureOut">
               <a:rPr lang="en-GB" smtClean="0"/>
-              <a:t>11/08/2023</a:t>
+              <a:t>14/08/2023</a:t>
             </a:fld>
             <a:endParaRPr lang="en-GB"/>
           </a:p>
@@ -3693,7 +3693,7 @@
           <a:p>
             <a:fld id="{FAC75D48-CC08-48B4-B703-750190F693E3}" type="datetimeFigureOut">
               <a:rPr lang="en-GB" smtClean="0"/>
-              <a:t>11/08/2023</a:t>
+              <a:t>14/08/2023</a:t>
             </a:fld>
             <a:endParaRPr lang="en-GB"/>
           </a:p>
@@ -3939,7 +3939,7 @@
           <a:p>
             <a:fld id="{FAC75D48-CC08-48B4-B703-750190F693E3}" type="datetimeFigureOut">
               <a:rPr lang="en-GB" smtClean="0"/>
-              <a:t>11/08/2023</a:t>
+              <a:t>14/08/2023</a:t>
             </a:fld>
             <a:endParaRPr lang="en-GB"/>
           </a:p>
@@ -7966,12 +7966,12 @@
             <a:pPr algn="ctr"/>
             <a:r>
               <a:rPr lang="en-US" sz="1200" dirty="0">
-                <a:latin typeface="Ink Free" panose="03080402000500000000" pitchFamily="66" charset="0"/>
+                <a:latin typeface="Bahnschrift" panose="020B0502040204020203" pitchFamily="34" charset="0"/>
               </a:rPr>
               <a:t>Cox Proportional Hazards</a:t>
             </a:r>
             <a:endParaRPr lang="en-GB" sz="1200" dirty="0">
-              <a:latin typeface="Ink Free" panose="03080402000500000000" pitchFamily="66" charset="0"/>
+              <a:latin typeface="Bahnschrift" panose="020B0502040204020203" pitchFamily="34" charset="0"/>
             </a:endParaRPr>
           </a:p>
         </p:txBody>
@@ -8081,7 +8081,7 @@
                 </a:solidFill>
                 <a:latin typeface="Bookman Old Style" panose="02050604050505020204" pitchFamily="18" charset="0"/>
               </a:rPr>
-              <a:t>This implementation is equipped with MC dropout [14] (for generating confidence intervals on individual survival curves) and SHAP [15] (for explaining individual survival curves).</a:t>
+              <a:t>This implementation is equipped with MC dropout [14] for generating confidence intervals on individual survival curves and SHAP [15] for explaining individual survival curves.</a:t>
             </a:r>
             <a:endParaRPr lang="en-GB" sz="1400" dirty="0">
               <a:solidFill>
@@ -8648,12 +8648,12 @@
             <a:pPr algn="ctr"/>
             <a:r>
               <a:rPr lang="en-US" sz="1100" dirty="0">
-                <a:latin typeface="Ink Free" panose="03080402000500000000" pitchFamily="66" charset="0"/>
+                <a:latin typeface="Bahnschrift" panose="020B0502040204020203" pitchFamily="34" charset="0"/>
               </a:rPr>
               <a:t>What factors drive this change?</a:t>
             </a:r>
             <a:endParaRPr lang="en-GB" sz="1100" dirty="0">
-              <a:latin typeface="Ink Free" panose="03080402000500000000" pitchFamily="66" charset="0"/>
+              <a:latin typeface="Bahnschrift" panose="020B0502040204020203" pitchFamily="34" charset="0"/>
             </a:endParaRPr>
           </a:p>
         </p:txBody>
@@ -8815,7 +8815,7 @@
         </p:nvSpPr>
         <p:spPr>
           <a:xfrm>
-            <a:off x="2001138" y="5507933"/>
+            <a:off x="2001138" y="5501109"/>
             <a:ext cx="8189726" cy="646331"/>
           </a:xfrm>
           <a:prstGeom prst="rect">
@@ -8843,7 +8843,7 @@
               <a:rPr lang="en-US" sz="1200" i="1" dirty="0">
                 <a:solidFill>
                   <a:schemeClr val="bg1">
-                    <a:lumMod val="50000"/>
+                    <a:lumMod val="85000"/>
                   </a:schemeClr>
                 </a:solidFill>
                 <a:latin typeface="Bookman Old Style" panose="02050604050505020204" pitchFamily="18" charset="0"/>
@@ -8853,7 +8853,7 @@
             <a:endParaRPr lang="en-GB" sz="1200" i="1" dirty="0">
               <a:solidFill>
                 <a:schemeClr val="bg1">
-                  <a:lumMod val="50000"/>
+                  <a:lumMod val="85000"/>
                 </a:schemeClr>
               </a:solidFill>
               <a:latin typeface="Bookman Old Style" panose="02050604050505020204" pitchFamily="18" charset="0"/>
@@ -9128,8 +9128,8 @@
         </p:nvSpPr>
         <p:spPr bwMode="auto">
           <a:xfrm>
-            <a:off x="547141" y="1997840"/>
-            <a:ext cx="10768559" cy="2862322"/>
+            <a:off x="547141" y="2136339"/>
+            <a:ext cx="10768559" cy="2585323"/>
           </a:xfrm>
           <a:prstGeom prst="rect">
             <a:avLst/>
@@ -9283,7 +9283,7 @@
             <a:r>
               <a:rPr lang="en-US" b="0" i="0" dirty="0">
                 <a:solidFill>
-                  <a:srgbClr val="D1D5DB"/>
+                  <a:schemeClr val="bg1"/>
                 </a:solidFill>
                 <a:effectLst/>
                 <a:latin typeface="Bookman Old Style" panose="02050604050505020204" pitchFamily="18" charset="0"/>
@@ -9293,7 +9293,7 @@
             <a:r>
               <a:rPr lang="en-US" dirty="0">
                 <a:solidFill>
-                  <a:srgbClr val="D1D5DB"/>
+                  <a:schemeClr val="bg1"/>
                 </a:solidFill>
                 <a:latin typeface="Bookman Old Style" panose="02050604050505020204" pitchFamily="18" charset="0"/>
               </a:rPr>
@@ -9302,7 +9302,7 @@
             <a:r>
               <a:rPr lang="en-US" b="0" i="0" dirty="0">
                 <a:solidFill>
-                  <a:srgbClr val="D1D5DB"/>
+                  <a:schemeClr val="bg1"/>
                 </a:solidFill>
                 <a:effectLst/>
                 <a:latin typeface="Bookman Old Style" panose="02050604050505020204" pitchFamily="18" charset="0"/>
@@ -9318,7 +9318,7 @@
             <a:r>
               <a:rPr lang="en-US" b="0" i="0" dirty="0">
                 <a:solidFill>
-                  <a:srgbClr val="D1D5DB"/>
+                  <a:schemeClr val="bg1"/>
                 </a:solidFill>
                 <a:effectLst/>
                 <a:latin typeface="Bookman Old Style" panose="02050604050505020204" pitchFamily="18" charset="0"/>
@@ -9334,7 +9334,7 @@
             <a:r>
               <a:rPr lang="en-US" b="0" i="0" dirty="0">
                 <a:solidFill>
-                  <a:srgbClr val="D1D5DB"/>
+                  <a:schemeClr val="bg1"/>
                 </a:solidFill>
                 <a:effectLst/>
                 <a:latin typeface="Bookman Old Style" panose="02050604050505020204" pitchFamily="18" charset="0"/>
@@ -9350,7 +9350,7 @@
             <a:r>
               <a:rPr lang="en-US" b="0" i="0" dirty="0">
                 <a:solidFill>
-                  <a:srgbClr val="D1D5DB"/>
+                  <a:schemeClr val="bg1"/>
                 </a:solidFill>
                 <a:effectLst/>
                 <a:latin typeface="Bookman Old Style" panose="02050604050505020204" pitchFamily="18" charset="0"/>
@@ -9366,12 +9366,12 @@
             <a:r>
               <a:rPr lang="en-US" b="0" i="0" dirty="0">
                 <a:solidFill>
-                  <a:srgbClr val="D1D5DB"/>
+                  <a:schemeClr val="bg1"/>
                 </a:solidFill>
                 <a:effectLst/>
                 <a:latin typeface="Bookman Old Style" panose="02050604050505020204" pitchFamily="18" charset="0"/>
               </a:rPr>
-              <a:t>Improving the efficiency of computing the time-dependent concordance index is an important goal.</a:t>
+              <a:t>Improving the efficiency of computing the time-dependent concordance index is a key goal.</a:t>
             </a:r>
           </a:p>
           <a:p>
@@ -9382,7 +9382,7 @@
             <a:r>
               <a:rPr lang="en-US" b="0" i="0" dirty="0">
                 <a:solidFill>
-                  <a:srgbClr val="D1D5DB"/>
+                  <a:schemeClr val="bg1"/>
                 </a:solidFill>
                 <a:effectLst/>
                 <a:latin typeface="Bookman Old Style" panose="02050604050505020204" pitchFamily="18" charset="0"/>
@@ -9764,7 +9764,7 @@
                 <a:effectLst/>
                 <a:latin typeface="Bookman Old Style" panose="02050604050505020204" pitchFamily="18" charset="0"/>
               </a:rPr>
-              <a:t>Additionally, in the realm of neural networks and big data, training time* and selective hyperparameter tuning are important. While deep learning can compete with (and outperform) traditional survival analysis, achieving optimal results requires meticulous hyperparameter tuning and sufficient training duration.</a:t>
+              <a:t>Additionally, in the realm of neural networks and big data, training time* and selective hyperparameter tuning are important. While deep learning can compete with traditional survival analysis, achieving optimal results requires meticulous hyperparameter tuning and sufficient training duration.</a:t>
             </a:r>
           </a:p>
         </p:txBody>
@@ -10016,7 +10016,7 @@
                 </a:solidFill>
                 <a:latin typeface="Bookman Old Style" panose="02050604050505020204" pitchFamily="18" charset="0"/>
               </a:rPr>
-              <a:t>Aim(s) and Objective(s)</a:t>
+              <a:t>Research Aim</a:t>
             </a:r>
           </a:p>
           <a:p>
@@ -10271,7 +10271,7 @@
                 </a:solidFill>
                 <a:latin typeface="Bookman Old Style" panose="02050604050505020204" pitchFamily="18" charset="0"/>
               </a:rPr>
-              <a:t>Aim and Objective</a:t>
+              <a:t>Research Aim</a:t>
             </a:r>
           </a:p>
         </p:txBody>
@@ -10316,7 +10316,7 @@
                 <a:effectLst/>
                 <a:latin typeface="Bookman Old Style" panose="02050604050505020204" pitchFamily="18" charset="0"/>
               </a:rPr>
-              <a:t>Heart failure is a syndrome affecting the heart's pumping ability, leading to circulatory issues.</a:t>
+              <a:t>Heart failure is a condition affecting the heart's pumping ability, leading to circulatory issues.</a:t>
             </a:r>
           </a:p>
           <a:p>
@@ -10332,7 +10332,7 @@
                 <a:effectLst/>
                 <a:latin typeface="Bookman Old Style" panose="02050604050505020204" pitchFamily="18" charset="0"/>
               </a:rPr>
-              <a:t>Approximately 64 million individuals affected worldwide (2017) [1].</a:t>
+              <a:t>Approximately 64 million individuals are affected worldwide (2017) [1].</a:t>
             </a:r>
           </a:p>
           <a:p>
@@ -10826,7 +10826,7 @@
         <p:spPr>
           <a:xfrm>
             <a:off x="547140" y="1581765"/>
-            <a:ext cx="10940009" cy="2800767"/>
+            <a:ext cx="10940009" cy="2554545"/>
           </a:xfrm>
           <a:prstGeom prst="rect">
             <a:avLst/>
@@ -10867,7 +10867,7 @@
                 <a:effectLst/>
                 <a:latin typeface="Bookman Old Style" panose="02050604050505020204" pitchFamily="18" charset="0"/>
               </a:rPr>
-              <a:t>The Cox Proportional Hazards model is a standard in continuous time survival models, maintaining proportional hazards assumption with multiplicative covariate impact.</a:t>
+              <a:t>The Cox Proportional Hazards model is highly popular among continuous time survival models.</a:t>
             </a:r>
           </a:p>
           <a:p>
@@ -10879,13 +10879,13 @@
               <a:rPr lang="en-US" sz="1600" b="0" i="0" dirty="0">
                 <a:solidFill>
                   <a:schemeClr val="bg1">
-                    <a:lumMod val="50000"/>
+                    <a:lumMod val="75000"/>
                   </a:schemeClr>
                 </a:solidFill>
                 <a:effectLst/>
                 <a:latin typeface="Bookman Old Style" panose="02050604050505020204" pitchFamily="18" charset="0"/>
               </a:rPr>
-              <a:t>Extensions explore nonlinear hazards within the Cox model framework.</a:t>
+              <a:t>Extensions explore nonlinear interactions within the Cox model framework.</a:t>
             </a:r>
           </a:p>
           <a:p>
@@ -10901,7 +10901,7 @@
                 <a:effectLst/>
                 <a:latin typeface="Bookman Old Style" panose="02050604050505020204" pitchFamily="18" charset="0"/>
               </a:rPr>
-              <a:t>Recent methods [2] suggest deep neural networks for risk prediction using complex electronic health record (EHR) data, showing promise in congestive heart failure cases.</a:t>
+              <a:t>Recent methods [2] apply deep neural networks for risk prediction using electronic health record (EHR) data. They showing promise in predicting congestive heart failure cases.</a:t>
             </a:r>
           </a:p>
           <a:p>
@@ -10913,7 +10913,7 @@
               <a:rPr lang="en-US" sz="1600" b="0" i="0" dirty="0">
                 <a:solidFill>
                   <a:schemeClr val="bg1">
-                    <a:lumMod val="50000"/>
+                    <a:lumMod val="75000"/>
                   </a:schemeClr>
                 </a:solidFill>
                 <a:effectLst/>
@@ -10931,7 +10931,7 @@
               <a:rPr lang="en-US" sz="1600" b="0" i="0" dirty="0">
                 <a:solidFill>
                   <a:schemeClr val="bg1">
-                    <a:lumMod val="50000"/>
+                    <a:lumMod val="75000"/>
                   </a:schemeClr>
                 </a:solidFill>
                 <a:effectLst/>
@@ -10949,7 +10949,7 @@
               <a:rPr lang="en-US" sz="1600" b="0" i="0" dirty="0">
                 <a:solidFill>
                   <a:schemeClr val="bg1">
-                    <a:lumMod val="50000"/>
+                    <a:lumMod val="75000"/>
                   </a:schemeClr>
                 </a:solidFill>
                 <a:effectLst/>
@@ -11661,7 +11661,7 @@
                 <a:effectLst/>
                 <a:latin typeface="Bookman Old Style" panose="02050604050505020204" pitchFamily="18" charset="0"/>
               </a:rPr>
-              <a:t>The study utilizes the open-source MIMIC-IV database [7], encompassing critical care information from hospital and ICU admissions.</a:t>
+              <a:t>The study utilizes the open-source MIMIC-IV database [7], containing critical care information from hospital and ICU admissions.</a:t>
             </a:r>
           </a:p>
           <a:p>
@@ -11677,7 +11677,7 @@
                 <a:effectLst/>
                 <a:latin typeface="Bookman Old Style" panose="02050604050505020204" pitchFamily="18" charset="0"/>
               </a:rPr>
-              <a:t>The database includes data from nearly 300,000 patients admitted to intensive care units at the Beth Israel Deaconess Medical Center (BIDMC).</a:t>
+              <a:t>The database includes data from nearly 300,000 patients admitted to ICUs at the Beth Israel Deaconess Medical Center (BIDMC).</a:t>
             </a:r>
           </a:p>
           <a:p>
@@ -12864,7 +12864,7 @@
                   <a:solidFill>
                     <a:schemeClr val="bg1"/>
                   </a:solidFill>
-                  <a:latin typeface="Ink Free" panose="03080402000500000000" pitchFamily="66" charset="0"/>
+                  <a:latin typeface="Bahnschrift" panose="020B0502040204020203" pitchFamily="34" charset="0"/>
                 </a:rPr>
                 <a:t>In-hospital death (uncensored)</a:t>
               </a:r>
@@ -12872,7 +12872,7 @@
                 <a:solidFill>
                   <a:schemeClr val="bg1"/>
                 </a:solidFill>
-                <a:latin typeface="Ink Free" panose="03080402000500000000" pitchFamily="66" charset="0"/>
+                <a:latin typeface="Bahnschrift" panose="020B0502040204020203" pitchFamily="34" charset="0"/>
               </a:endParaRPr>
             </a:p>
           </p:txBody>
@@ -12911,7 +12911,7 @@
                   <a:solidFill>
                     <a:schemeClr val="bg1"/>
                   </a:solidFill>
-                  <a:latin typeface="Ink Free" panose="03080402000500000000" pitchFamily="66" charset="0"/>
+                  <a:latin typeface="Bahnschrift" panose="020B0502040204020203" pitchFamily="34" charset="0"/>
                 </a:rPr>
                 <a:t>Out-of-hospital death (uncensored)</a:t>
               </a:r>
@@ -12919,7 +12919,7 @@
                 <a:solidFill>
                   <a:schemeClr val="bg1"/>
                 </a:solidFill>
-                <a:latin typeface="Ink Free" panose="03080402000500000000" pitchFamily="66" charset="0"/>
+                <a:latin typeface="Bahnschrift" panose="020B0502040204020203" pitchFamily="34" charset="0"/>
               </a:endParaRPr>
             </a:p>
           </p:txBody>
@@ -12958,7 +12958,7 @@
                   <a:solidFill>
                     <a:schemeClr val="bg1"/>
                   </a:solidFill>
-                  <a:latin typeface="Ink Free" panose="03080402000500000000" pitchFamily="66" charset="0"/>
+                  <a:latin typeface="Bahnschrift" panose="020B0502040204020203" pitchFamily="34" charset="0"/>
                 </a:rPr>
                 <a:t>Out-of-hospital death (censored)</a:t>
               </a:r>
@@ -12966,7 +12966,7 @@
                 <a:solidFill>
                   <a:schemeClr val="bg1"/>
                 </a:solidFill>
-                <a:latin typeface="Ink Free" panose="03080402000500000000" pitchFamily="66" charset="0"/>
+                <a:latin typeface="Bahnschrift" panose="020B0502040204020203" pitchFamily="34" charset="0"/>
               </a:endParaRPr>
             </a:p>
           </p:txBody>
@@ -13237,7 +13237,7 @@
                   <a:solidFill>
                     <a:schemeClr val="bg1"/>
                   </a:solidFill>
-                  <a:latin typeface="Ink Free" panose="03080402000500000000" pitchFamily="66" charset="0"/>
+                  <a:latin typeface="Bahnschrift" panose="020B0502040204020203" pitchFamily="34" charset="0"/>
                 </a:rPr>
                 <a:t>1 year since discharge</a:t>
               </a:r>
@@ -13245,7 +13245,7 @@
                 <a:solidFill>
                   <a:schemeClr val="bg1"/>
                 </a:solidFill>
-                <a:latin typeface="Ink Free" panose="03080402000500000000" pitchFamily="66" charset="0"/>
+                <a:latin typeface="Bahnschrift" panose="020B0502040204020203" pitchFamily="34" charset="0"/>
               </a:endParaRPr>
             </a:p>
           </p:txBody>
@@ -13284,7 +13284,7 @@
                   <a:solidFill>
                     <a:schemeClr val="bg1"/>
                   </a:solidFill>
-                  <a:latin typeface="Ink Free" panose="03080402000500000000" pitchFamily="66" charset="0"/>
+                  <a:latin typeface="Bahnschrift" panose="020B0502040204020203" pitchFamily="34" charset="0"/>
                 </a:rPr>
                 <a:t>1 year since discharge</a:t>
               </a:r>
@@ -13292,7 +13292,7 @@
                 <a:solidFill>
                   <a:schemeClr val="bg1"/>
                 </a:solidFill>
-                <a:latin typeface="Ink Free" panose="03080402000500000000" pitchFamily="66" charset="0"/>
+                <a:latin typeface="Bahnschrift" panose="020B0502040204020203" pitchFamily="34" charset="0"/>
               </a:endParaRPr>
             </a:p>
           </p:txBody>
@@ -13331,7 +13331,7 @@
                   <a:solidFill>
                     <a:schemeClr val="bg1"/>
                   </a:solidFill>
-                  <a:latin typeface="Ink Free" panose="03080402000500000000" pitchFamily="66" charset="0"/>
+                  <a:latin typeface="Bahnschrift" panose="020B0502040204020203" pitchFamily="34" charset="0"/>
                 </a:rPr>
                 <a:t>Timeline</a:t>
               </a:r>
@@ -13339,7 +13339,7 @@
                 <a:solidFill>
                   <a:schemeClr val="bg1"/>
                 </a:solidFill>
-                <a:latin typeface="Ink Free" panose="03080402000500000000" pitchFamily="66" charset="0"/>
+                <a:latin typeface="Bahnschrift" panose="020B0502040204020203" pitchFamily="34" charset="0"/>
               </a:endParaRPr>
             </a:p>
           </p:txBody>
@@ -13378,7 +13378,7 @@
                   <a:solidFill>
                     <a:schemeClr val="bg1"/>
                   </a:solidFill>
-                  <a:latin typeface="Ink Free" panose="03080402000500000000" pitchFamily="66" charset="0"/>
+                  <a:latin typeface="Bahnschrift" panose="020B0502040204020203" pitchFamily="34" charset="0"/>
                 </a:rPr>
                 <a:t>Patient journeys</a:t>
               </a:r>
@@ -13386,7 +13386,7 @@
                 <a:solidFill>
                   <a:schemeClr val="bg1"/>
                 </a:solidFill>
-                <a:latin typeface="Ink Free" panose="03080402000500000000" pitchFamily="66" charset="0"/>
+                <a:latin typeface="Bahnschrift" panose="020B0502040204020203" pitchFamily="34" charset="0"/>
               </a:endParaRPr>
             </a:p>
           </p:txBody>
@@ -23468,7 +23468,7 @@
                 <a:solidFill>
                   <a:schemeClr val="bg1"/>
                 </a:solidFill>
-                <a:latin typeface="Ink Free" panose="03080402000500000000" pitchFamily="66" charset="0"/>
+                <a:latin typeface="Bahnschrift" panose="020B0502040204020203" pitchFamily="34" charset="0"/>
               </a:rPr>
               <a:t>Discrete outputs</a:t>
             </a:r>
@@ -23476,7 +23476,7 @@
               <a:solidFill>
                 <a:schemeClr val="bg1"/>
               </a:solidFill>
-              <a:latin typeface="Ink Free" panose="03080402000500000000" pitchFamily="66" charset="0"/>
+              <a:latin typeface="Bahnschrift" panose="020B0502040204020203" pitchFamily="34" charset="0"/>
             </a:endParaRPr>
           </a:p>
         </p:txBody>
@@ -23531,12 +23531,12 @@
             <a:pPr algn="ctr"/>
             <a:r>
               <a:rPr lang="en-US" dirty="0">
-                <a:latin typeface="Ink Free" panose="03080402000500000000" pitchFamily="66" charset="0"/>
+                <a:latin typeface="Bahnschrift" panose="020B0502040204020203" pitchFamily="34" charset="0"/>
               </a:rPr>
               <a:t>sigmoid</a:t>
             </a:r>
             <a:endParaRPr lang="en-GB" dirty="0">
-              <a:latin typeface="Ink Free" panose="03080402000500000000" pitchFamily="66" charset="0"/>
+              <a:latin typeface="Bahnschrift" panose="020B0502040204020203" pitchFamily="34" charset="0"/>
             </a:endParaRPr>
           </a:p>
         </p:txBody>
@@ -23707,7 +23707,7 @@
                 <a:solidFill>
                   <a:schemeClr val="bg1"/>
                 </a:solidFill>
-                <a:latin typeface="Ink Free" panose="03080402000500000000" pitchFamily="66" charset="0"/>
+                <a:latin typeface="Bahnschrift" panose="020B0502040204020203" pitchFamily="34" charset="0"/>
               </a:rPr>
               <a:t>Discrete hazards</a:t>
             </a:r>
@@ -23715,13 +23715,13 @@
               <a:solidFill>
                 <a:schemeClr val="bg1"/>
               </a:solidFill>
-              <a:latin typeface="Ink Free" panose="03080402000500000000" pitchFamily="66" charset="0"/>
+              <a:latin typeface="Bahnschrift" panose="020B0502040204020203" pitchFamily="34" charset="0"/>
             </a:endParaRPr>
           </a:p>
         </p:txBody>
       </p:sp>
-      <mc:AlternateContent xmlns:mc="http://schemas.openxmlformats.org/markup-compatibility/2006">
-        <mc:Choice xmlns:a14="http://schemas.microsoft.com/office/drawing/2010/main" Requires="a14">
+      <mc:AlternateContent xmlns:mc="http://schemas.openxmlformats.org/markup-compatibility/2006" xmlns:a14="http://schemas.microsoft.com/office/drawing/2010/main">
+        <mc:Choice Requires="a14">
           <p:sp>
             <p:nvSpPr>
               <p:cNvPr id="426" name="TextBox 425">
@@ -23963,7 +23963,7 @@
             </p:txBody>
           </p:sp>
         </mc:Choice>
-        <mc:Fallback>
+        <mc:Fallback xmlns="">
           <p:sp>
             <p:nvSpPr>
               <p:cNvPr id="426" name="TextBox 425">
@@ -24979,7 +24979,7 @@
         <p:spPr>
           <a:xfrm>
             <a:off x="581980" y="3525717"/>
-            <a:ext cx="3393801" cy="738664"/>
+            <a:ext cx="3450933" cy="738664"/>
           </a:xfrm>
           <a:prstGeom prst="rect">
             <a:avLst/>
@@ -24999,7 +24999,7 @@
                 </a:solidFill>
                 <a:latin typeface="Bookman Old Style" panose="02050604050505020204" pitchFamily="18" charset="0"/>
               </a:rPr>
-              <a:t>Cox Proportional Hazards[10]</a:t>
+              <a:t>Cox Proportional Hazards [10]</a:t>
             </a:r>
           </a:p>
           <a:p>
@@ -25010,7 +25010,7 @@
                 </a:solidFill>
                 <a:latin typeface="Bookman Old Style" panose="02050604050505020204" pitchFamily="18" charset="0"/>
               </a:rPr>
-              <a:t>Weibull Accelerated Failure Time[11]</a:t>
+              <a:t>Weibull Accelerated Failure Time [11]</a:t>
             </a:r>
           </a:p>
           <a:p>
@@ -25021,7 +25021,7 @@
                 </a:solidFill>
                 <a:latin typeface="Bookman Old Style" panose="02050604050505020204" pitchFamily="18" charset="0"/>
               </a:rPr>
-              <a:t>Random Survival Forest[12]</a:t>
+              <a:t>Random Survival Forest [12]</a:t>
             </a:r>
             <a:endParaRPr lang="en-GB" sz="1400" dirty="0">
               <a:solidFill>
@@ -25087,7 +25087,7 @@
                 </a:solidFill>
                 <a:latin typeface="Bookman Old Style" panose="02050604050505020204" pitchFamily="18" charset="0"/>
               </a:rPr>
-              <a:t> with Logistic Hazards*[8]</a:t>
+              <a:t> with Logistic Hazards* [8]</a:t>
             </a:r>
             <a:endParaRPr lang="en-GB" sz="1400" dirty="0">
               <a:solidFill>
@@ -25240,14 +25240,14 @@
           <p:nvPr>
             <p:extLst>
               <p:ext uri="{D42A27DB-BD31-4B8C-83A1-F6EECF244321}">
-                <p14:modId xmlns:p14="http://schemas.microsoft.com/office/powerpoint/2010/main" val="1962395915"/>
+                <p14:modId xmlns:p14="http://schemas.microsoft.com/office/powerpoint/2010/main" val="3344419665"/>
               </p:ext>
             </p:extLst>
           </p:nvPr>
         </p:nvGraphicFramePr>
         <p:xfrm>
-          <a:off x="2546639" y="2354580"/>
-          <a:ext cx="7098722" cy="2148840"/>
+          <a:off x="1583141" y="2019868"/>
+          <a:ext cx="9048465" cy="2901255"/>
         </p:xfrm>
         <a:graphic>
           <a:graphicData uri="http://schemas.openxmlformats.org/drawingml/2006/table">
@@ -25256,21 +25256,21 @@
                 <a:tableStyleId>{2D5ABB26-0587-4C30-8999-92F81FD0307C}</a:tableStyleId>
               </a:tblPr>
               <a:tblGrid>
-                <a:gridCol w="2339260">
+                <a:gridCol w="2981764">
                   <a:extLst>
                     <a:ext uri="{9D8B030D-6E8A-4147-A177-3AD203B41FA5}">
                       <a16:colId xmlns:a16="http://schemas.microsoft.com/office/drawing/2014/main" val="2219782597"/>
                     </a:ext>
                   </a:extLst>
                 </a:gridCol>
-                <a:gridCol w="2597376">
+                <a:gridCol w="3310774">
                   <a:extLst>
                     <a:ext uri="{9D8B030D-6E8A-4147-A177-3AD203B41FA5}">
                       <a16:colId xmlns:a16="http://schemas.microsoft.com/office/drawing/2014/main" val="1897785242"/>
                     </a:ext>
                   </a:extLst>
                 </a:gridCol>
-                <a:gridCol w="2162086">
+                <a:gridCol w="2755927">
                   <a:extLst>
                     <a:ext uri="{9D8B030D-6E8A-4147-A177-3AD203B41FA5}">
                       <a16:colId xmlns:a16="http://schemas.microsoft.com/office/drawing/2014/main" val="1757046215"/>
@@ -25278,7 +25278,7 @@
                   </a:extLst>
                 </a:gridCol>
               </a:tblGrid>
-              <a:tr h="147725">
+              <a:tr h="368877">
                 <a:tc>
                   <a:txBody>
                     <a:bodyPr/>
@@ -25302,7 +25302,7 @@
                       </a:endParaRPr>
                     </a:p>
                   </a:txBody>
-                  <a:tcPr>
+                  <a:tcPr marL="116555" marR="116555" marT="58278" marB="58278">
                     <a:lnL w="12700" cap="flat" cmpd="sng" algn="ctr">
                       <a:noFill/>
                       <a:prstDash val="solid"/>
@@ -25357,7 +25357,7 @@
                       </a:endParaRPr>
                     </a:p>
                   </a:txBody>
-                  <a:tcPr>
+                  <a:tcPr marL="116555" marR="116555" marT="58278" marB="58278">
                     <a:lnL w="12700" cap="flat" cmpd="sng" algn="ctr">
                       <a:noFill/>
                       <a:prstDash val="solid"/>
@@ -25412,7 +25412,7 @@
                       </a:endParaRPr>
                     </a:p>
                   </a:txBody>
-                  <a:tcPr>
+                  <a:tcPr marL="116555" marR="116555" marT="58278" marB="58278">
                     <a:lnL w="12700" cap="flat" cmpd="sng" algn="ctr">
                       <a:noFill/>
                       <a:prstDash val="solid"/>
@@ -25450,7 +25450,7 @@
                   </a:ext>
                 </a:extLst>
               </a:tr>
-              <a:tr h="187083">
+              <a:tr h="284306">
                 <a:tc>
                   <a:txBody>
                     <a:bodyPr/>
@@ -25458,7 +25458,7 @@
                     <a:p>
                       <a:pPr algn="ctr"/>
                       <a:r>
-                        <a:rPr lang="en-US" sz="1100" dirty="0">
+                        <a:rPr lang="en-US" sz="1600" dirty="0">
                           <a:solidFill>
                             <a:schemeClr val="bg1"/>
                           </a:solidFill>
@@ -25466,7 +25466,7 @@
                         </a:rPr>
                         <a:t>Cox Proportional Hazards</a:t>
                       </a:r>
-                      <a:endParaRPr lang="en-GB" sz="1100" dirty="0">
+                      <a:endParaRPr lang="en-GB" sz="1600" dirty="0">
                         <a:solidFill>
                           <a:schemeClr val="bg1"/>
                         </a:solidFill>
@@ -25474,7 +25474,7 @@
                       </a:endParaRPr>
                     </a:p>
                   </a:txBody>
-                  <a:tcPr>
+                  <a:tcPr marL="116555" marR="116555" marT="58278" marB="58278">
                     <a:lnL w="12700" cap="flat" cmpd="sng" algn="ctr">
                       <a:noFill/>
                       <a:prstDash val="solid"/>
@@ -25513,7 +25513,7 @@
                     <a:p>
                       <a:pPr algn="ctr"/>
                       <a:r>
-                        <a:rPr lang="en-GB" sz="1100" dirty="0">
+                        <a:rPr lang="en-GB" sz="1600" dirty="0">
                           <a:solidFill>
                             <a:schemeClr val="bg1"/>
                           </a:solidFill>
@@ -25523,7 +25523,7 @@
                       </a:r>
                     </a:p>
                   </a:txBody>
-                  <a:tcPr>
+                  <a:tcPr marL="116555" marR="116555" marT="58278" marB="58278">
                     <a:lnL w="12700" cap="flat" cmpd="sng" algn="ctr">
                       <a:noFill/>
                       <a:prstDash val="solid"/>
@@ -25562,7 +25562,7 @@
                     <a:p>
                       <a:pPr algn="ctr"/>
                       <a:r>
-                        <a:rPr lang="en-GB" sz="1100" b="1" i="1" dirty="0">
+                        <a:rPr lang="en-GB" sz="1600" b="1" i="1" dirty="0">
                           <a:solidFill>
                             <a:schemeClr val="accent6"/>
                           </a:solidFill>
@@ -25572,7 +25572,7 @@
                       </a:r>
                     </a:p>
                   </a:txBody>
-                  <a:tcPr>
+                  <a:tcPr marL="116555" marR="116555" marT="58278" marB="58278">
                     <a:lnL w="12700" cap="flat" cmpd="sng" algn="ctr">
                       <a:noFill/>
                       <a:prstDash val="solid"/>
@@ -25610,7 +25610,7 @@
                   </a:ext>
                 </a:extLst>
               </a:tr>
-              <a:tr h="175831">
+              <a:tr h="0">
                 <a:tc>
                   <a:txBody>
                     <a:bodyPr/>
@@ -25618,7 +25618,7 @@
                     <a:p>
                       <a:pPr algn="ctr"/>
                       <a:r>
-                        <a:rPr lang="en-US" sz="1100" dirty="0">
+                        <a:rPr lang="en-US" sz="1600" dirty="0">
                           <a:solidFill>
                             <a:schemeClr val="bg1"/>
                           </a:solidFill>
@@ -25626,7 +25626,7 @@
                         </a:rPr>
                         <a:t>Weibull Accelerated Failure</a:t>
                       </a:r>
-                      <a:endParaRPr lang="en-GB" sz="1100" dirty="0">
+                      <a:endParaRPr lang="en-GB" sz="1600" dirty="0">
                         <a:solidFill>
                           <a:schemeClr val="bg1"/>
                         </a:solidFill>
@@ -25634,7 +25634,7 @@
                       </a:endParaRPr>
                     </a:p>
                   </a:txBody>
-                  <a:tcPr>
+                  <a:tcPr marL="116555" marR="116555" marT="58278" marB="58278">
                     <a:lnL w="12700" cap="flat" cmpd="sng" algn="ctr">
                       <a:noFill/>
                       <a:prstDash val="solid"/>
@@ -25673,7 +25673,7 @@
                     <a:p>
                       <a:pPr algn="ctr"/>
                       <a:r>
-                        <a:rPr lang="en-GB" sz="1100" dirty="0">
+                        <a:rPr lang="en-GB" sz="1600" dirty="0">
                           <a:solidFill>
                             <a:schemeClr val="bg1"/>
                           </a:solidFill>
@@ -25683,7 +25683,7 @@
                       </a:r>
                     </a:p>
                   </a:txBody>
-                  <a:tcPr>
+                  <a:tcPr marL="116555" marR="116555" marT="58278" marB="58278">
                     <a:lnL w="12700" cap="flat" cmpd="sng" algn="ctr">
                       <a:noFill/>
                       <a:prstDash val="solid"/>
@@ -25722,7 +25722,7 @@
                     <a:p>
                       <a:pPr algn="ctr"/>
                       <a:r>
-                        <a:rPr lang="en-GB" sz="1100" b="0" i="0" dirty="0">
+                        <a:rPr lang="en-GB" sz="1600" b="0" i="0" dirty="0">
                           <a:solidFill>
                             <a:schemeClr val="bg1"/>
                           </a:solidFill>
@@ -25732,7 +25732,7 @@
                       </a:r>
                     </a:p>
                   </a:txBody>
-                  <a:tcPr>
+                  <a:tcPr marL="116555" marR="116555" marT="58278" marB="58278">
                     <a:lnL w="12700" cap="flat" cmpd="sng" algn="ctr">
                       <a:noFill/>
                       <a:prstDash val="solid"/>
@@ -25770,7 +25770,7 @@
                   </a:ext>
                 </a:extLst>
               </a:tr>
-              <a:tr h="0">
+              <a:tr h="164016">
                 <a:tc>
                   <a:txBody>
                     <a:bodyPr/>
@@ -25778,7 +25778,7 @@
                     <a:p>
                       <a:pPr algn="ctr"/>
                       <a:r>
-                        <a:rPr lang="en-US" sz="1100" dirty="0">
+                        <a:rPr lang="en-US" sz="1600" dirty="0">
                           <a:solidFill>
                             <a:schemeClr val="bg1"/>
                           </a:solidFill>
@@ -25786,7 +25786,7 @@
                         </a:rPr>
                         <a:t>Random Survival Forest</a:t>
                       </a:r>
-                      <a:endParaRPr lang="en-GB" sz="1100" dirty="0">
+                      <a:endParaRPr lang="en-GB" sz="1600" dirty="0">
                         <a:solidFill>
                           <a:schemeClr val="bg1"/>
                         </a:solidFill>
@@ -25794,7 +25794,7 @@
                       </a:endParaRPr>
                     </a:p>
                   </a:txBody>
-                  <a:tcPr>
+                  <a:tcPr marL="116555" marR="116555" marT="58278" marB="58278">
                     <a:lnL w="12700" cap="flat" cmpd="sng" algn="ctr">
                       <a:noFill/>
                       <a:prstDash val="solid"/>
@@ -25833,7 +25833,7 @@
                     <a:p>
                       <a:pPr algn="ctr"/>
                       <a:r>
-                        <a:rPr lang="en-GB" sz="1100" dirty="0">
+                        <a:rPr lang="en-GB" sz="1600" dirty="0">
                           <a:solidFill>
                             <a:schemeClr val="bg1"/>
                           </a:solidFill>
@@ -25843,7 +25843,7 @@
                       </a:r>
                     </a:p>
                   </a:txBody>
-                  <a:tcPr>
+                  <a:tcPr marL="116555" marR="116555" marT="58278" marB="58278">
                     <a:lnL w="12700" cap="flat" cmpd="sng" algn="ctr">
                       <a:noFill/>
                       <a:prstDash val="solid"/>
@@ -25882,7 +25882,7 @@
                     <a:p>
                       <a:pPr algn="ctr"/>
                       <a:r>
-                        <a:rPr lang="en-GB" sz="1100" dirty="0">
+                        <a:rPr lang="en-GB" sz="1600" dirty="0">
                           <a:solidFill>
                             <a:schemeClr val="bg1"/>
                           </a:solidFill>
@@ -25892,7 +25892,7 @@
                       </a:r>
                     </a:p>
                   </a:txBody>
-                  <a:tcPr>
+                  <a:tcPr marL="116555" marR="116555" marT="58278" marB="58278">
                     <a:lnL w="12700" cap="flat" cmpd="sng" algn="ctr">
                       <a:noFill/>
                       <a:prstDash val="solid"/>
@@ -25930,7 +25930,7 @@
                   </a:ext>
                 </a:extLst>
               </a:tr>
-              <a:tr h="185420">
+              <a:tr h="370002">
                 <a:tc>
                   <a:txBody>
                     <a:bodyPr/>
@@ -25938,7 +25938,7 @@
                     <a:p>
                       <a:pPr algn="ctr"/>
                       <a:r>
-                        <a:rPr lang="en-US" sz="1100" dirty="0" err="1">
+                        <a:rPr lang="en-US" sz="1600" dirty="0" err="1">
                           <a:solidFill>
                             <a:schemeClr val="bg1"/>
                           </a:solidFill>
@@ -25947,15 +25947,15 @@
                         <a:t>PyCox</a:t>
                       </a:r>
                       <a:r>
-                        <a:rPr lang="en-US" sz="1100" dirty="0">
+                        <a:rPr lang="en-US" sz="1600" dirty="0">
                           <a:solidFill>
                             <a:schemeClr val="bg1"/>
                           </a:solidFill>
                           <a:latin typeface="Bookman Old Style" panose="02050604050505020204" pitchFamily="18" charset="0"/>
                         </a:rPr>
-                        <a:t> Logistic Hazard</a:t>
+                        <a:t> (Logistic Hazard)</a:t>
                       </a:r>
-                      <a:endParaRPr lang="en-GB" sz="1100" dirty="0">
+                      <a:endParaRPr lang="en-GB" sz="1600" dirty="0">
                         <a:solidFill>
                           <a:schemeClr val="bg1"/>
                         </a:solidFill>
@@ -25963,7 +25963,7 @@
                       </a:endParaRPr>
                     </a:p>
                   </a:txBody>
-                  <a:tcPr>
+                  <a:tcPr marL="116555" marR="116555" marT="58278" marB="58278">
                     <a:lnL w="12700" cap="flat" cmpd="sng" algn="ctr">
                       <a:noFill/>
                       <a:prstDash val="solid"/>
@@ -26002,7 +26002,7 @@
                     <a:p>
                       <a:pPr algn="ctr"/>
                       <a:r>
-                        <a:rPr lang="en-GB" sz="1100" dirty="0">
+                        <a:rPr lang="en-GB" sz="1600" dirty="0">
                           <a:solidFill>
                             <a:schemeClr val="bg1"/>
                           </a:solidFill>
@@ -26012,7 +26012,7 @@
                       </a:r>
                     </a:p>
                   </a:txBody>
-                  <a:tcPr>
+                  <a:tcPr marL="116555" marR="116555" marT="58278" marB="58278">
                     <a:lnL w="12700" cap="flat" cmpd="sng" algn="ctr">
                       <a:noFill/>
                       <a:prstDash val="solid"/>
@@ -26051,7 +26051,7 @@
                     <a:p>
                       <a:pPr algn="ctr"/>
                       <a:r>
-                        <a:rPr lang="en-GB" sz="1100" dirty="0">
+                        <a:rPr lang="en-GB" sz="1600" dirty="0">
                           <a:solidFill>
                             <a:schemeClr val="bg1"/>
                           </a:solidFill>
@@ -26061,7 +26061,7 @@
                       </a:r>
                     </a:p>
                   </a:txBody>
-                  <a:tcPr>
+                  <a:tcPr marL="116555" marR="116555" marT="58278" marB="58278">
                     <a:lnL w="12700" cap="flat" cmpd="sng" algn="ctr">
                       <a:noFill/>
                       <a:prstDash val="solid"/>
@@ -26099,7 +26099,7 @@
                   </a:ext>
                 </a:extLst>
               </a:tr>
-              <a:tr h="185420">
+              <a:tr h="156949">
                 <a:tc>
                   <a:txBody>
                     <a:bodyPr/>
@@ -26123,7 +26123,7 @@
                         <a:defRPr/>
                       </a:pPr>
                       <a:r>
-                        <a:rPr lang="en-US" sz="1100" dirty="0">
+                        <a:rPr lang="en-US" sz="1600" dirty="0">
                           <a:solidFill>
                             <a:schemeClr val="bg1"/>
                           </a:solidFill>
@@ -26131,7 +26131,7 @@
                         </a:rPr>
                         <a:t>Deep Survival Machines</a:t>
                       </a:r>
-                      <a:endParaRPr lang="en-GB" sz="1100" dirty="0">
+                      <a:endParaRPr lang="en-GB" sz="1600" dirty="0">
                         <a:solidFill>
                           <a:schemeClr val="bg1"/>
                         </a:solidFill>
@@ -26139,7 +26139,7 @@
                       </a:endParaRPr>
                     </a:p>
                   </a:txBody>
-                  <a:tcPr>
+                  <a:tcPr marL="116555" marR="116555" marT="58278" marB="58278">
                     <a:lnL w="12700" cap="flat" cmpd="sng" algn="ctr">
                       <a:noFill/>
                       <a:prstDash val="solid"/>
@@ -26178,7 +26178,7 @@
                     <a:p>
                       <a:pPr algn="ctr"/>
                       <a:r>
-                        <a:rPr lang="en-GB" sz="1100" dirty="0">
+                        <a:rPr lang="en-GB" sz="1600" dirty="0">
                           <a:solidFill>
                             <a:schemeClr val="bg1"/>
                           </a:solidFill>
@@ -26188,7 +26188,7 @@
                       </a:r>
                     </a:p>
                   </a:txBody>
-                  <a:tcPr>
+                  <a:tcPr marL="116555" marR="116555" marT="58278" marB="58278">
                     <a:lnL w="12700" cap="flat" cmpd="sng" algn="ctr">
                       <a:noFill/>
                       <a:prstDash val="solid"/>
@@ -26227,7 +26227,7 @@
                     <a:p>
                       <a:pPr algn="ctr"/>
                       <a:r>
-                        <a:rPr lang="en-GB" sz="1100" dirty="0">
+                        <a:rPr lang="en-GB" sz="1600" dirty="0">
                           <a:solidFill>
                             <a:schemeClr val="bg1"/>
                           </a:solidFill>
@@ -26237,7 +26237,7 @@
                       </a:r>
                     </a:p>
                   </a:txBody>
-                  <a:tcPr>
+                  <a:tcPr marL="116555" marR="116555" marT="58278" marB="58278">
                     <a:lnL w="12700" cap="flat" cmpd="sng" algn="ctr">
                       <a:noFill/>
                       <a:prstDash val="solid"/>
@@ -26275,7 +26275,7 @@
                   </a:ext>
                 </a:extLst>
               </a:tr>
-              <a:tr h="185420">
+              <a:tr h="151395">
                 <a:tc>
                   <a:txBody>
                     <a:bodyPr/>
@@ -26283,7 +26283,7 @@
                     <a:p>
                       <a:pPr algn="ctr"/>
                       <a:r>
-                        <a:rPr lang="en-US" sz="1100" dirty="0">
+                        <a:rPr lang="en-US" sz="1600" dirty="0">
                           <a:solidFill>
                             <a:schemeClr val="bg1"/>
                           </a:solidFill>
@@ -26291,7 +26291,7 @@
                         </a:rPr>
                         <a:t>Time-Invariant Survival</a:t>
                       </a:r>
-                      <a:endParaRPr lang="en-GB" sz="1100" dirty="0">
+                      <a:endParaRPr lang="en-GB" sz="1600" dirty="0">
                         <a:solidFill>
                           <a:schemeClr val="bg1"/>
                         </a:solidFill>
@@ -26299,7 +26299,7 @@
                       </a:endParaRPr>
                     </a:p>
                   </a:txBody>
-                  <a:tcPr>
+                  <a:tcPr marL="116555" marR="116555" marT="58278" marB="58278">
                     <a:lnL w="12700" cap="flat" cmpd="sng" algn="ctr">
                       <a:noFill/>
                       <a:prstDash val="solid"/>
@@ -26338,7 +26338,7 @@
                     <a:p>
                       <a:pPr algn="ctr"/>
                       <a:r>
-                        <a:rPr lang="en-GB" sz="1100" dirty="0">
+                        <a:rPr lang="en-GB" sz="1600" dirty="0">
                           <a:solidFill>
                             <a:schemeClr val="bg1"/>
                           </a:solidFill>
@@ -26348,7 +26348,7 @@
                       </a:r>
                     </a:p>
                   </a:txBody>
-                  <a:tcPr>
+                  <a:tcPr marL="116555" marR="116555" marT="58278" marB="58278">
                     <a:lnL w="12700" cap="flat" cmpd="sng" algn="ctr">
                       <a:noFill/>
                       <a:prstDash val="solid"/>
@@ -26387,7 +26387,7 @@
                     <a:p>
                       <a:pPr algn="ctr"/>
                       <a:r>
-                        <a:rPr lang="en-GB" sz="1100" dirty="0">
+                        <a:rPr lang="en-GB" sz="1600" dirty="0">
                           <a:solidFill>
                             <a:schemeClr val="bg1"/>
                           </a:solidFill>
@@ -26397,7 +26397,7 @@
                       </a:r>
                     </a:p>
                   </a:txBody>
-                  <a:tcPr>
+                  <a:tcPr marL="116555" marR="116555" marT="58278" marB="58278">
                     <a:lnL w="12700" cap="flat" cmpd="sng" algn="ctr">
                       <a:noFill/>
                       <a:prstDash val="solid"/>
@@ -26435,7 +26435,7 @@
                   </a:ext>
                 </a:extLst>
               </a:tr>
-              <a:tr h="185420">
+              <a:tr h="166313">
                 <a:tc>
                   <a:txBody>
                     <a:bodyPr/>
@@ -26443,7 +26443,7 @@
                     <a:p>
                       <a:pPr algn="ctr"/>
                       <a:r>
-                        <a:rPr lang="en-US" sz="1100" dirty="0">
+                        <a:rPr lang="en-US" sz="1600" dirty="0">
                           <a:solidFill>
                             <a:schemeClr val="bg1"/>
                           </a:solidFill>
@@ -26451,7 +26451,7 @@
                         </a:rPr>
                         <a:t>Time-Variant Survival</a:t>
                       </a:r>
-                      <a:endParaRPr lang="en-GB" sz="1100" dirty="0">
+                      <a:endParaRPr lang="en-GB" sz="1600" dirty="0">
                         <a:solidFill>
                           <a:schemeClr val="bg1"/>
                         </a:solidFill>
@@ -26459,7 +26459,7 @@
                       </a:endParaRPr>
                     </a:p>
                   </a:txBody>
-                  <a:tcPr>
+                  <a:tcPr marL="116555" marR="116555" marT="58278" marB="58278">
                     <a:lnL w="12700" cap="flat" cmpd="sng" algn="ctr">
                       <a:noFill/>
                       <a:prstDash val="solid"/>
@@ -26498,7 +26498,7 @@
                     <a:p>
                       <a:pPr algn="ctr"/>
                       <a:r>
-                        <a:rPr lang="en-GB" sz="1100" b="1" i="1" dirty="0">
+                        <a:rPr lang="en-GB" sz="1600" b="1" i="1" dirty="0">
                           <a:solidFill>
                             <a:schemeClr val="accent6"/>
                           </a:solidFill>
@@ -26508,7 +26508,7 @@
                       </a:r>
                     </a:p>
                   </a:txBody>
-                  <a:tcPr>
+                  <a:tcPr marL="116555" marR="116555" marT="58278" marB="58278">
                     <a:lnL w="12700" cap="flat" cmpd="sng" algn="ctr">
                       <a:noFill/>
                       <a:prstDash val="solid"/>
@@ -26547,7 +26547,7 @@
                     <a:p>
                       <a:pPr algn="ctr"/>
                       <a:r>
-                        <a:rPr lang="en-GB" sz="1100" dirty="0">
+                        <a:rPr lang="en-GB" sz="1600" dirty="0">
                           <a:solidFill>
                             <a:schemeClr val="bg1"/>
                           </a:solidFill>
@@ -26557,7 +26557,7 @@
                       </a:r>
                     </a:p>
                   </a:txBody>
-                  <a:tcPr>
+                  <a:tcPr marL="116555" marR="116555" marT="58278" marB="58278">
                     <a:lnL w="12700" cap="flat" cmpd="sng" algn="ctr">
                       <a:noFill/>
                       <a:prstDash val="solid"/>
@@ -27138,12 +27138,12 @@
             <a:pPr algn="ctr"/>
             <a:r>
               <a:rPr lang="en-US" sz="1200" dirty="0">
-                <a:latin typeface="Ink Free" panose="03080402000500000000" pitchFamily="66" charset="0"/>
+                <a:latin typeface="Bahnschrift" panose="020B0502040204020203" pitchFamily="34" charset="0"/>
               </a:rPr>
               <a:t>Cox Proportional Hazards</a:t>
             </a:r>
             <a:endParaRPr lang="en-GB" sz="1200" dirty="0">
-              <a:latin typeface="Ink Free" panose="03080402000500000000" pitchFamily="66" charset="0"/>
+              <a:latin typeface="Bahnschrift" panose="020B0502040204020203" pitchFamily="34" charset="0"/>
             </a:endParaRPr>
           </a:p>
         </p:txBody>
